--- a/Elektronik/Elektronik.pptx
+++ b/Elektronik/Elektronik.pptx
@@ -5,7 +5,7 @@
     <p:sldMasterId id="2147483778" r:id="rId1"/>
   </p:sldMasterIdLst>
   <p:notesMasterIdLst>
-    <p:notesMasterId r:id="rId9"/>
+    <p:notesMasterId r:id="rId11"/>
   </p:notesMasterIdLst>
   <p:sldIdLst>
     <p:sldId id="256" r:id="rId2"/>
@@ -15,6 +15,8 @@
     <p:sldId id="277" r:id="rId6"/>
     <p:sldId id="278" r:id="rId7"/>
     <p:sldId id="279" r:id="rId8"/>
+    <p:sldId id="280" r:id="rId9"/>
+    <p:sldId id="281" r:id="rId10"/>
   </p:sldIdLst>
   <p:sldSz cx="12192000" cy="6858000"/>
   <p:notesSz cx="6858000" cy="9144000"/>
@@ -125,6 +127,8 @@
             <p14:sldId id="277"/>
             <p14:sldId id="278"/>
             <p14:sldId id="279"/>
+            <p14:sldId id="280"/>
+            <p14:sldId id="281"/>
           </p14:sldIdLst>
         </p14:section>
       </p14:sectionLst>
@@ -929,6 +933,174 @@
     <p:extLst>
       <p:ext uri="{BB962C8B-B14F-4D97-AF65-F5344CB8AC3E}">
         <p14:creationId xmlns:p14="http://schemas.microsoft.com/office/powerpoint/2010/main" val="2568385117"/>
+      </p:ext>
+    </p:extLst>
+  </p:cSld>
+  <p:clrMapOvr>
+    <a:masterClrMapping/>
+  </p:clrMapOvr>
+</p:notes>
+</file>
+
+<file path=ppt/notesSlides/notesSlide6.xml><?xml version="1.0" encoding="utf-8"?>
+<p:notes xmlns:a="http://schemas.openxmlformats.org/drawingml/2006/main" xmlns:r="http://schemas.openxmlformats.org/officeDocument/2006/relationships" xmlns:p="http://schemas.openxmlformats.org/presentationml/2006/main">
+  <p:cSld>
+    <p:spTree>
+      <p:nvGrpSpPr>
+        <p:cNvPr id="1" name=""/>
+        <p:cNvGrpSpPr/>
+        <p:nvPr/>
+      </p:nvGrpSpPr>
+      <p:grpSpPr>
+        <a:xfrm>
+          <a:off x="0" y="0"/>
+          <a:ext cx="0" cy="0"/>
+          <a:chOff x="0" y="0"/>
+          <a:chExt cx="0" cy="0"/>
+        </a:xfrm>
+      </p:grpSpPr>
+      <p:sp>
+        <p:nvSpPr>
+          <p:cNvPr id="2" name="Folienbildplatzhalter 1"/>
+          <p:cNvSpPr>
+            <a:spLocks noGrp="1" noRot="1" noChangeAspect="1"/>
+          </p:cNvSpPr>
+          <p:nvPr>
+            <p:ph type="sldImg"/>
+          </p:nvPr>
+        </p:nvSpPr>
+        <p:spPr/>
+      </p:sp>
+      <p:sp>
+        <p:nvSpPr>
+          <p:cNvPr id="3" name="Notizenplatzhalter 2"/>
+          <p:cNvSpPr>
+            <a:spLocks noGrp="1"/>
+          </p:cNvSpPr>
+          <p:nvPr>
+            <p:ph type="body" idx="1"/>
+          </p:nvPr>
+        </p:nvSpPr>
+        <p:spPr/>
+        <p:txBody>
+          <a:bodyPr/>
+          <a:lstStyle/>
+          <a:p>
+            <a:endParaRPr lang="de-DE"/>
+          </a:p>
+        </p:txBody>
+      </p:sp>
+      <p:sp>
+        <p:nvSpPr>
+          <p:cNvPr id="4" name="Foliennummernplatzhalter 3"/>
+          <p:cNvSpPr>
+            <a:spLocks noGrp="1"/>
+          </p:cNvSpPr>
+          <p:nvPr>
+            <p:ph type="sldNum" sz="quarter" idx="10"/>
+          </p:nvPr>
+        </p:nvSpPr>
+        <p:spPr/>
+        <p:txBody>
+          <a:bodyPr/>
+          <a:lstStyle/>
+          <a:p>
+            <a:fld id="{99EB3137-8FBE-4AF7-BF64-B35CB96DD367}" type="slidenum">
+              <a:rPr lang="de-DE" smtClean="0"/>
+              <a:t>8</a:t>
+            </a:fld>
+            <a:endParaRPr lang="de-DE"/>
+          </a:p>
+        </p:txBody>
+      </p:sp>
+    </p:spTree>
+    <p:extLst>
+      <p:ext uri="{BB962C8B-B14F-4D97-AF65-F5344CB8AC3E}">
+        <p14:creationId xmlns:p14="http://schemas.microsoft.com/office/powerpoint/2010/main" val="3955362818"/>
+      </p:ext>
+    </p:extLst>
+  </p:cSld>
+  <p:clrMapOvr>
+    <a:masterClrMapping/>
+  </p:clrMapOvr>
+</p:notes>
+</file>
+
+<file path=ppt/notesSlides/notesSlide7.xml><?xml version="1.0" encoding="utf-8"?>
+<p:notes xmlns:a="http://schemas.openxmlformats.org/drawingml/2006/main" xmlns:r="http://schemas.openxmlformats.org/officeDocument/2006/relationships" xmlns:p="http://schemas.openxmlformats.org/presentationml/2006/main">
+  <p:cSld>
+    <p:spTree>
+      <p:nvGrpSpPr>
+        <p:cNvPr id="1" name=""/>
+        <p:cNvGrpSpPr/>
+        <p:nvPr/>
+      </p:nvGrpSpPr>
+      <p:grpSpPr>
+        <a:xfrm>
+          <a:off x="0" y="0"/>
+          <a:ext cx="0" cy="0"/>
+          <a:chOff x="0" y="0"/>
+          <a:chExt cx="0" cy="0"/>
+        </a:xfrm>
+      </p:grpSpPr>
+      <p:sp>
+        <p:nvSpPr>
+          <p:cNvPr id="2" name="Folienbildplatzhalter 1"/>
+          <p:cNvSpPr>
+            <a:spLocks noGrp="1" noRot="1" noChangeAspect="1"/>
+          </p:cNvSpPr>
+          <p:nvPr>
+            <p:ph type="sldImg"/>
+          </p:nvPr>
+        </p:nvSpPr>
+        <p:spPr/>
+      </p:sp>
+      <p:sp>
+        <p:nvSpPr>
+          <p:cNvPr id="3" name="Notizenplatzhalter 2"/>
+          <p:cNvSpPr>
+            <a:spLocks noGrp="1"/>
+          </p:cNvSpPr>
+          <p:nvPr>
+            <p:ph type="body" idx="1"/>
+          </p:nvPr>
+        </p:nvSpPr>
+        <p:spPr/>
+        <p:txBody>
+          <a:bodyPr/>
+          <a:lstStyle/>
+          <a:p>
+            <a:endParaRPr lang="de-DE"/>
+          </a:p>
+        </p:txBody>
+      </p:sp>
+      <p:sp>
+        <p:nvSpPr>
+          <p:cNvPr id="4" name="Foliennummernplatzhalter 3"/>
+          <p:cNvSpPr>
+            <a:spLocks noGrp="1"/>
+          </p:cNvSpPr>
+          <p:nvPr>
+            <p:ph type="sldNum" sz="quarter" idx="10"/>
+          </p:nvPr>
+        </p:nvSpPr>
+        <p:spPr/>
+        <p:txBody>
+          <a:bodyPr/>
+          <a:lstStyle/>
+          <a:p>
+            <a:fld id="{99EB3137-8FBE-4AF7-BF64-B35CB96DD367}" type="slidenum">
+              <a:rPr lang="de-DE" smtClean="0"/>
+              <a:t>9</a:t>
+            </a:fld>
+            <a:endParaRPr lang="de-DE"/>
+          </a:p>
+        </p:txBody>
+      </p:sp>
+    </p:spTree>
+    <p:extLst>
+      <p:ext uri="{BB962C8B-B14F-4D97-AF65-F5344CB8AC3E}">
+        <p14:creationId xmlns:p14="http://schemas.microsoft.com/office/powerpoint/2010/main" val="849670310"/>
       </p:ext>
     </p:extLst>
   </p:cSld>
@@ -5232,12 +5404,36 @@
           </a:p>
           <a:p>
             <a:pPr lvl="1"/>
+            <a:endParaRPr lang="de-DE" dirty="0" smtClean="0"/>
+          </a:p>
+          <a:p>
+            <a:pPr lvl="1"/>
+            <a:r>
+              <a:rPr lang="de-DE" dirty="0" smtClean="0"/>
+              <a:t>Einen Kondensator aufladen</a:t>
+            </a:r>
             <a:endParaRPr lang="de-DE" dirty="0"/>
           </a:p>
           <a:p>
             <a:pPr lvl="1"/>
-            <a:r>
-              <a:rPr lang="de-DE" smtClean="0"/>
+            <a:endParaRPr lang="de-DE" dirty="0" smtClean="0"/>
+          </a:p>
+          <a:p>
+            <a:pPr lvl="1"/>
+            <a:r>
+              <a:rPr lang="de-DE" dirty="0" smtClean="0"/>
+              <a:t>Spannung über einem Kondensator messen</a:t>
+            </a:r>
+            <a:endParaRPr lang="de-DE" dirty="0"/>
+          </a:p>
+          <a:p>
+            <a:pPr lvl="1"/>
+            <a:endParaRPr lang="de-DE" dirty="0"/>
+          </a:p>
+          <a:p>
+            <a:pPr lvl="1"/>
+            <a:r>
+              <a:rPr lang="de-DE" dirty="0" smtClean="0"/>
               <a:t>Spannungsquelle überbrücken</a:t>
             </a:r>
             <a:endParaRPr lang="de-DE" dirty="0"/>
@@ -5305,6 +5501,289 @@
     <p:extLst>
       <p:ext uri="{BB962C8B-B14F-4D97-AF65-F5344CB8AC3E}">
         <p14:creationId xmlns:p14="http://schemas.microsoft.com/office/powerpoint/2010/main" val="2029233183"/>
+      </p:ext>
+    </p:extLst>
+  </p:cSld>
+  <p:clrMapOvr>
+    <a:masterClrMapping/>
+  </p:clrMapOvr>
+</p:sld>
+</file>
+
+<file path=ppt/slides/slide8.xml><?xml version="1.0" encoding="utf-8"?>
+<p:sld xmlns:a="http://schemas.openxmlformats.org/drawingml/2006/main" xmlns:r="http://schemas.openxmlformats.org/officeDocument/2006/relationships" xmlns:p="http://schemas.openxmlformats.org/presentationml/2006/main">
+  <p:cSld>
+    <p:spTree>
+      <p:nvGrpSpPr>
+        <p:cNvPr id="1" name=""/>
+        <p:cNvGrpSpPr/>
+        <p:nvPr/>
+      </p:nvGrpSpPr>
+      <p:grpSpPr>
+        <a:xfrm>
+          <a:off x="0" y="0"/>
+          <a:ext cx="0" cy="0"/>
+          <a:chOff x="0" y="0"/>
+          <a:chExt cx="0" cy="0"/>
+        </a:xfrm>
+      </p:grpSpPr>
+      <p:sp>
+        <p:nvSpPr>
+          <p:cNvPr id="2" name="Titel 1"/>
+          <p:cNvSpPr>
+            <a:spLocks noGrp="1"/>
+          </p:cNvSpPr>
+          <p:nvPr>
+            <p:ph type="title"/>
+          </p:nvPr>
+        </p:nvSpPr>
+        <p:spPr/>
+        <p:txBody>
+          <a:bodyPr/>
+          <a:lstStyle/>
+          <a:p>
+            <a:r>
+              <a:rPr lang="de-DE" dirty="0"/>
+              <a:t>Gekoppelte LC – Schwingkreise: Schwebung</a:t>
+            </a:r>
+          </a:p>
+        </p:txBody>
+      </p:sp>
+      <p:pic>
+        <p:nvPicPr>
+          <p:cNvPr id="7" name="Inhaltsplatzhalter 6"/>
+          <p:cNvPicPr>
+            <a:picLocks noGrp="1" noChangeAspect="1"/>
+          </p:cNvPicPr>
+          <p:nvPr>
+            <p:ph idx="1"/>
+          </p:nvPr>
+        </p:nvPicPr>
+        <p:blipFill>
+          <a:blip r:embed="rId3" cstate="print">
+            <a:extLst>
+              <a:ext uri="{28A0092B-C50C-407E-A947-70E740481C1C}">
+                <a14:useLocalDpi xmlns:a14="http://schemas.microsoft.com/office/drawing/2010/main" val="0"/>
+              </a:ext>
+            </a:extLst>
+          </a:blip>
+          <a:stretch>
+            <a:fillRect/>
+          </a:stretch>
+        </p:blipFill>
+        <p:spPr>
+          <a:xfrm>
+            <a:off x="5832810" y="3412905"/>
+            <a:ext cx="6504045" cy="3126007"/>
+          </a:xfrm>
+        </p:spPr>
+      </p:pic>
+      <p:sp>
+        <p:nvSpPr>
+          <p:cNvPr id="4" name="Foliennummernplatzhalter 3"/>
+          <p:cNvSpPr>
+            <a:spLocks noGrp="1"/>
+          </p:cNvSpPr>
+          <p:nvPr>
+            <p:ph type="sldNum" sz="quarter" idx="12"/>
+          </p:nvPr>
+        </p:nvSpPr>
+        <p:spPr/>
+        <p:txBody>
+          <a:bodyPr/>
+          <a:lstStyle/>
+          <a:p>
+            <a:fld id="{897114A3-BFF3-441B-8EE5-CE8191EEE22E}" type="slidenum">
+              <a:rPr lang="de-DE" smtClean="0"/>
+              <a:t>8</a:t>
+            </a:fld>
+            <a:endParaRPr lang="de-DE"/>
+          </a:p>
+        </p:txBody>
+      </p:sp>
+      <p:pic>
+        <p:nvPicPr>
+          <p:cNvPr id="6" name="Grafik 5"/>
+          <p:cNvPicPr>
+            <a:picLocks noChangeAspect="1"/>
+          </p:cNvPicPr>
+          <p:nvPr/>
+        </p:nvPicPr>
+        <p:blipFill>
+          <a:blip r:embed="rId4" cstate="print">
+            <a:extLst>
+              <a:ext uri="{28A0092B-C50C-407E-A947-70E740481C1C}">
+                <a14:useLocalDpi xmlns:a14="http://schemas.microsoft.com/office/drawing/2010/main" val="0"/>
+              </a:ext>
+            </a:extLst>
+          </a:blip>
+          <a:stretch>
+            <a:fillRect/>
+          </a:stretch>
+        </p:blipFill>
+        <p:spPr>
+          <a:xfrm>
+            <a:off x="0" y="1273407"/>
+            <a:ext cx="6504045" cy="3126007"/>
+          </a:xfrm>
+          <a:prstGeom prst="rect">
+            <a:avLst/>
+          </a:prstGeom>
+        </p:spPr>
+      </p:pic>
+    </p:spTree>
+    <p:extLst>
+      <p:ext uri="{BB962C8B-B14F-4D97-AF65-F5344CB8AC3E}">
+        <p14:creationId xmlns:p14="http://schemas.microsoft.com/office/powerpoint/2010/main" val="1201655652"/>
+      </p:ext>
+    </p:extLst>
+  </p:cSld>
+  <p:clrMapOvr>
+    <a:masterClrMapping/>
+  </p:clrMapOvr>
+</p:sld>
+</file>
+
+<file path=ppt/slides/slide9.xml><?xml version="1.0" encoding="utf-8"?>
+<p:sld xmlns:a="http://schemas.openxmlformats.org/drawingml/2006/main" xmlns:r="http://schemas.openxmlformats.org/officeDocument/2006/relationships" xmlns:p="http://schemas.openxmlformats.org/presentationml/2006/main">
+  <p:cSld>
+    <p:spTree>
+      <p:nvGrpSpPr>
+        <p:cNvPr id="1" name=""/>
+        <p:cNvGrpSpPr/>
+        <p:nvPr/>
+      </p:nvGrpSpPr>
+      <p:grpSpPr>
+        <a:xfrm>
+          <a:off x="0" y="0"/>
+          <a:ext cx="0" cy="0"/>
+          <a:chOff x="0" y="0"/>
+          <a:chExt cx="0" cy="0"/>
+        </a:xfrm>
+      </p:grpSpPr>
+      <p:sp>
+        <p:nvSpPr>
+          <p:cNvPr id="2" name="Titel 1"/>
+          <p:cNvSpPr>
+            <a:spLocks noGrp="1"/>
+          </p:cNvSpPr>
+          <p:nvPr>
+            <p:ph type="title"/>
+          </p:nvPr>
+        </p:nvSpPr>
+        <p:spPr/>
+        <p:txBody>
+          <a:bodyPr/>
+          <a:lstStyle/>
+          <a:p>
+            <a:r>
+              <a:rPr lang="de-DE" dirty="0"/>
+              <a:t>Gekoppelte LC – Schwingkreise: Schwebung</a:t>
+            </a:r>
+          </a:p>
+        </p:txBody>
+      </p:sp>
+      <p:sp>
+        <p:nvSpPr>
+          <p:cNvPr id="4" name="Foliennummernplatzhalter 3"/>
+          <p:cNvSpPr>
+            <a:spLocks noGrp="1"/>
+          </p:cNvSpPr>
+          <p:nvPr>
+            <p:ph type="sldNum" sz="quarter" idx="12"/>
+          </p:nvPr>
+        </p:nvSpPr>
+        <p:spPr/>
+        <p:txBody>
+          <a:bodyPr/>
+          <a:lstStyle/>
+          <a:p>
+            <a:fld id="{897114A3-BFF3-441B-8EE5-CE8191EEE22E}" type="slidenum">
+              <a:rPr lang="de-DE" smtClean="0"/>
+              <a:t>9</a:t>
+            </a:fld>
+            <a:endParaRPr lang="de-DE"/>
+          </a:p>
+        </p:txBody>
+      </p:sp>
+      <p:sp>
+        <p:nvSpPr>
+          <p:cNvPr id="5" name="Inhaltsplatzhalter 4"/>
+          <p:cNvSpPr>
+            <a:spLocks noGrp="1"/>
+          </p:cNvSpPr>
+          <p:nvPr>
+            <p:ph idx="1"/>
+          </p:nvPr>
+        </p:nvSpPr>
+        <p:spPr>
+          <a:xfrm>
+            <a:off x="845127" y="3449637"/>
+            <a:ext cx="10515600" cy="2906713"/>
+          </a:xfrm>
+        </p:spPr>
+        <p:txBody>
+          <a:bodyPr/>
+          <a:lstStyle/>
+          <a:p>
+            <a:r>
+              <a:rPr lang="de-DE" dirty="0" smtClean="0"/>
+              <a:t>Fazit:</a:t>
+            </a:r>
+          </a:p>
+          <a:p>
+            <a:pPr lvl="1"/>
+            <a:r>
+              <a:rPr lang="de-DE" dirty="0" smtClean="0"/>
+              <a:t>Kopplung gut messbar</a:t>
+            </a:r>
+          </a:p>
+          <a:p>
+            <a:pPr lvl="1"/>
+            <a:r>
+              <a:rPr lang="de-DE" dirty="0" smtClean="0"/>
+              <a:t>Fehler auf Zeitdifferenz groß</a:t>
+            </a:r>
+          </a:p>
+          <a:p>
+            <a:endParaRPr lang="de-DE" dirty="0"/>
+          </a:p>
+        </p:txBody>
+      </p:sp>
+      <p:pic>
+        <p:nvPicPr>
+          <p:cNvPr id="9" name="Inhaltsplatzhalter 7"/>
+          <p:cNvPicPr>
+            <a:picLocks noChangeAspect="1"/>
+          </p:cNvPicPr>
+          <p:nvPr/>
+        </p:nvPicPr>
+        <p:blipFill>
+          <a:blip r:embed="rId3">
+            <a:extLst>
+              <a:ext uri="{28A0092B-C50C-407E-A947-70E740481C1C}">
+                <a14:useLocalDpi xmlns:a14="http://schemas.microsoft.com/office/drawing/2010/main" val="0"/>
+              </a:ext>
+            </a:extLst>
+          </a:blip>
+          <a:stretch>
+            <a:fillRect/>
+          </a:stretch>
+        </p:blipFill>
+        <p:spPr>
+          <a:xfrm>
+            <a:off x="1175473" y="1691322"/>
+            <a:ext cx="8486775" cy="1285875"/>
+          </a:xfrm>
+          <a:prstGeom prst="rect">
+            <a:avLst/>
+          </a:prstGeom>
+        </p:spPr>
+      </p:pic>
+    </p:spTree>
+    <p:extLst>
+      <p:ext uri="{BB962C8B-B14F-4D97-AF65-F5344CB8AC3E}">
+        <p14:creationId xmlns:p14="http://schemas.microsoft.com/office/powerpoint/2010/main" val="1138002919"/>
       </p:ext>
     </p:extLst>
   </p:cSld>

--- a/Elektronik/Elektronik.pptx
+++ b/Elektronik/Elektronik.pptx
@@ -5,7 +5,7 @@
     <p:sldMasterId id="2147483778" r:id="rId1"/>
   </p:sldMasterIdLst>
   <p:notesMasterIdLst>
-    <p:notesMasterId r:id="rId11"/>
+    <p:notesMasterId r:id="rId16"/>
   </p:notesMasterIdLst>
   <p:sldIdLst>
     <p:sldId id="256" r:id="rId2"/>
@@ -13,10 +13,15 @@
     <p:sldId id="257" r:id="rId4"/>
     <p:sldId id="276" r:id="rId5"/>
     <p:sldId id="277" r:id="rId6"/>
-    <p:sldId id="278" r:id="rId7"/>
-    <p:sldId id="279" r:id="rId8"/>
-    <p:sldId id="280" r:id="rId9"/>
-    <p:sldId id="281" r:id="rId10"/>
+    <p:sldId id="282" r:id="rId7"/>
+    <p:sldId id="283" r:id="rId8"/>
+    <p:sldId id="284" r:id="rId9"/>
+    <p:sldId id="285" r:id="rId10"/>
+    <p:sldId id="278" r:id="rId11"/>
+    <p:sldId id="286" r:id="rId12"/>
+    <p:sldId id="279" r:id="rId13"/>
+    <p:sldId id="280" r:id="rId14"/>
+    <p:sldId id="281" r:id="rId15"/>
   </p:sldIdLst>
   <p:sldSz cx="12192000" cy="6858000"/>
   <p:notesSz cx="6858000" cy="9144000"/>
@@ -125,7 +130,12 @@
             <p14:sldId id="257"/>
             <p14:sldId id="276"/>
             <p14:sldId id="277"/>
+            <p14:sldId id="282"/>
+            <p14:sldId id="283"/>
+            <p14:sldId id="284"/>
+            <p14:sldId id="285"/>
             <p14:sldId id="278"/>
+            <p14:sldId id="286"/>
             <p14:sldId id="279"/>
             <p14:sldId id="280"/>
             <p14:sldId id="281"/>
@@ -237,7 +247,7 @@
           <a:p>
             <a:fld id="{7FADC8B4-C01D-4C4B-B2C1-193EFE01F134}" type="datetimeFigureOut">
               <a:rPr lang="de-DE" smtClean="0"/>
-              <a:t>22.03.2017</a:t>
+              <a:t>23.03.2017</a:t>
             </a:fld>
             <a:endParaRPr lang="de-DE"/>
           </a:p>
@@ -839,7 +849,7 @@
           <a:p>
             <a:fld id="{99EB3137-8FBE-4AF7-BF64-B35CB96DD367}" type="slidenum">
               <a:rPr lang="de-DE" smtClean="0"/>
-              <a:t>6</a:t>
+              <a:t>10</a:t>
             </a:fld>
             <a:endParaRPr lang="de-DE"/>
           </a:p>
@@ -923,7 +933,7 @@
           <a:p>
             <a:fld id="{99EB3137-8FBE-4AF7-BF64-B35CB96DD367}" type="slidenum">
               <a:rPr lang="de-DE" smtClean="0"/>
-              <a:t>7</a:t>
+              <a:t>12</a:t>
             </a:fld>
             <a:endParaRPr lang="de-DE"/>
           </a:p>
@@ -1007,7 +1017,7 @@
           <a:p>
             <a:fld id="{99EB3137-8FBE-4AF7-BF64-B35CB96DD367}" type="slidenum">
               <a:rPr lang="de-DE" smtClean="0"/>
-              <a:t>8</a:t>
+              <a:t>13</a:t>
             </a:fld>
             <a:endParaRPr lang="de-DE"/>
           </a:p>
@@ -1091,7 +1101,7 @@
           <a:p>
             <a:fld id="{99EB3137-8FBE-4AF7-BF64-B35CB96DD367}" type="slidenum">
               <a:rPr lang="de-DE" smtClean="0"/>
-              <a:t>9</a:t>
+              <a:t>14</a:t>
             </a:fld>
             <a:endParaRPr lang="de-DE"/>
           </a:p>
@@ -1252,7 +1262,7 @@
           <a:p>
             <a:fld id="{F7305F87-A01E-4E59-84A9-D4B06E594730}" type="datetime1">
               <a:rPr lang="de-DE" smtClean="0"/>
-              <a:t>22.03.2017</a:t>
+              <a:t>23.03.2017</a:t>
             </a:fld>
             <a:endParaRPr lang="de-DE"/>
           </a:p>
@@ -1422,7 +1432,7 @@
           <a:p>
             <a:fld id="{DB6BAA13-E667-49F5-B5FC-888D69788025}" type="datetime1">
               <a:rPr lang="de-DE" smtClean="0"/>
-              <a:t>22.03.2017</a:t>
+              <a:t>23.03.2017</a:t>
             </a:fld>
             <a:endParaRPr lang="de-DE"/>
           </a:p>
@@ -1602,7 +1612,7 @@
           <a:p>
             <a:fld id="{60B60FA9-1C5C-483F-9E75-8A06D8F0432C}" type="datetime1">
               <a:rPr lang="de-DE" smtClean="0"/>
-              <a:t>22.03.2017</a:t>
+              <a:t>23.03.2017</a:t>
             </a:fld>
             <a:endParaRPr lang="de-DE"/>
           </a:p>
@@ -1772,7 +1782,7 @@
           <a:p>
             <a:fld id="{B7E1CD7D-83DE-47EA-8CA7-72D53165801B}" type="datetime1">
               <a:rPr lang="de-DE" smtClean="0"/>
-              <a:t>22.03.2017</a:t>
+              <a:t>23.03.2017</a:t>
             </a:fld>
             <a:endParaRPr lang="de-DE"/>
           </a:p>
@@ -2023,7 +2033,7 @@
           <a:p>
             <a:fld id="{BA56F062-F227-446A-8065-0B487AA3B4A0}" type="datetime1">
               <a:rPr lang="de-DE" smtClean="0"/>
-              <a:t>22.03.2017</a:t>
+              <a:t>23.03.2017</a:t>
             </a:fld>
             <a:endParaRPr lang="de-DE"/>
           </a:p>
@@ -2255,7 +2265,7 @@
           <a:p>
             <a:fld id="{83262A77-B875-486A-8AA7-B3723C0F6025}" type="datetime1">
               <a:rPr lang="de-DE" smtClean="0"/>
-              <a:t>22.03.2017</a:t>
+              <a:t>23.03.2017</a:t>
             </a:fld>
             <a:endParaRPr lang="de-DE"/>
           </a:p>
@@ -2602,7 +2612,7 @@
           <a:p>
             <a:fld id="{AB79F73A-EEB2-4ECC-BA5D-2FF390683CDC}" type="datetime1">
               <a:rPr lang="de-DE" smtClean="0"/>
-              <a:t>22.03.2017</a:t>
+              <a:t>23.03.2017</a:t>
             </a:fld>
             <a:endParaRPr lang="de-DE"/>
           </a:p>
@@ -2720,7 +2730,7 @@
           <a:p>
             <a:fld id="{497EC7B8-A847-45CD-A692-9AC7472C86BC}" type="datetime1">
               <a:rPr lang="de-DE" smtClean="0"/>
-              <a:t>22.03.2017</a:t>
+              <a:t>23.03.2017</a:t>
             </a:fld>
             <a:endParaRPr lang="de-DE"/>
           </a:p>
@@ -2838,7 +2848,7 @@
           <a:p>
             <a:fld id="{B2A6CF8E-FE1A-45AF-98DE-474C2ABB4357}" type="datetime1">
               <a:rPr lang="de-DE" smtClean="0"/>
-              <a:t>22.03.2017</a:t>
+              <a:t>23.03.2017</a:t>
             </a:fld>
             <a:endParaRPr lang="de-DE"/>
           </a:p>
@@ -3122,7 +3132,7 @@
           <a:p>
             <a:fld id="{F7A0745C-6441-48F1-8273-95001BAE8440}" type="datetime1">
               <a:rPr lang="de-DE" smtClean="0"/>
-              <a:t>22.03.2017</a:t>
+              <a:t>23.03.2017</a:t>
             </a:fld>
             <a:endParaRPr lang="de-DE"/>
           </a:p>
@@ -3386,7 +3396,7 @@
           <a:p>
             <a:fld id="{D119D5F6-4296-47A2-AE42-D9153D542677}" type="datetime1">
               <a:rPr lang="de-DE" smtClean="0"/>
-              <a:t>22.03.2017</a:t>
+              <a:t>23.03.2017</a:t>
             </a:fld>
             <a:endParaRPr lang="de-DE"/>
           </a:p>
@@ -3600,7 +3610,7 @@
           <a:p>
             <a:fld id="{35512183-C31C-41B4-8D5B-8F2FD2DD4FB5}" type="datetime1">
               <a:rPr lang="de-DE" smtClean="0"/>
-              <a:t>22.03.2017</a:t>
+              <a:t>23.03.2017</a:t>
             </a:fld>
             <a:endParaRPr lang="de-DE"/>
           </a:p>
@@ -4041,10 +4051,9 @@
           <a:lstStyle/>
           <a:p>
             <a:r>
-              <a:rPr lang="de-DE" dirty="0" smtClean="0"/>
+              <a:rPr lang="de-DE" dirty="0"/>
               <a:t>Elektronik</a:t>
             </a:r>
-            <a:endParaRPr lang="de-DE" dirty="0"/>
           </a:p>
         </p:txBody>
       </p:sp>
@@ -4088,7 +4097,7 @@
 </p:sld>
 </file>
 
-<file path=ppt/slides/slide2.xml><?xml version="1.0" encoding="utf-8"?>
+<file path=ppt/slides/slide10.xml><?xml version="1.0" encoding="utf-8"?>
 <p:sld xmlns:a="http://schemas.openxmlformats.org/drawingml/2006/main" xmlns:r="http://schemas.openxmlformats.org/officeDocument/2006/relationships" xmlns:p="http://schemas.openxmlformats.org/presentationml/2006/main">
   <p:cSld>
     <p:spTree>
@@ -4122,688 +4131,13 @@
           <a:p>
             <a:r>
               <a:rPr lang="de-DE" dirty="0"/>
-              <a:t>Gliederung</a:t>
-            </a:r>
-          </a:p>
-        </p:txBody>
-      </p:sp>
-      <p:sp>
-        <p:nvSpPr>
-          <p:cNvPr id="3" name="Inhaltsplatzhalter 2"/>
-          <p:cNvSpPr>
-            <a:spLocks noGrp="1"/>
-          </p:cNvSpPr>
-          <p:nvPr>
-            <p:ph idx="1"/>
-          </p:nvPr>
-        </p:nvSpPr>
-        <p:spPr/>
-        <p:txBody>
-          <a:bodyPr>
-            <a:normAutofit lnSpcReduction="10000"/>
-          </a:bodyPr>
-          <a:lstStyle/>
-          <a:p>
-            <a:r>
-              <a:rPr lang="de-DE" dirty="0" smtClean="0"/>
-              <a:t>Charakterisierung Widerstand</a:t>
-            </a:r>
-          </a:p>
-          <a:p>
-            <a:endParaRPr lang="de-DE" dirty="0" smtClean="0"/>
-          </a:p>
-          <a:p>
-            <a:r>
-              <a:rPr lang="de-DE" dirty="0" smtClean="0"/>
-              <a:t>Auf- und Entladung Kondensator</a:t>
-            </a:r>
-          </a:p>
-          <a:p>
-            <a:endParaRPr lang="de-DE" dirty="0" smtClean="0"/>
-          </a:p>
-          <a:p>
-            <a:r>
-              <a:rPr lang="de-DE" dirty="0" smtClean="0"/>
-              <a:t>RLC – Schwingkreis</a:t>
-            </a:r>
-          </a:p>
-          <a:p>
-            <a:endParaRPr lang="de-DE" dirty="0" smtClean="0"/>
-          </a:p>
-          <a:p>
-            <a:r>
-              <a:rPr lang="de-DE" dirty="0" smtClean="0"/>
               <a:t>Gekoppelte LC – Schwingkreise: Schwebung</a:t>
             </a:r>
           </a:p>
-          <a:p>
-            <a:endParaRPr lang="de-DE" dirty="0" smtClean="0"/>
-          </a:p>
-          <a:p>
-            <a:r>
-              <a:rPr lang="de-DE" dirty="0" smtClean="0"/>
-              <a:t>Gekoppelte LC-Schwingkreise: Gleich- und Gegensinnig</a:t>
-            </a:r>
-            <a:endParaRPr lang="de-DE" dirty="0"/>
-          </a:p>
-        </p:txBody>
-      </p:sp>
-      <p:sp>
-        <p:nvSpPr>
-          <p:cNvPr id="4" name="Foliennummernplatzhalter 3"/>
-          <p:cNvSpPr>
-            <a:spLocks noGrp="1"/>
-          </p:cNvSpPr>
-          <p:nvPr>
-            <p:ph type="sldNum" sz="quarter" idx="12"/>
-          </p:nvPr>
-        </p:nvSpPr>
-        <p:spPr/>
-        <p:txBody>
-          <a:bodyPr/>
-          <a:lstStyle/>
-          <a:p>
-            <a:fld id="{897114A3-BFF3-441B-8EE5-CE8191EEE22E}" type="slidenum">
-              <a:rPr lang="de-DE" smtClean="0"/>
-              <a:t>2</a:t>
-            </a:fld>
-            <a:endParaRPr lang="de-DE"/>
-          </a:p>
-        </p:txBody>
-      </p:sp>
-    </p:spTree>
-    <p:extLst>
-      <p:ext uri="{BB962C8B-B14F-4D97-AF65-F5344CB8AC3E}">
-        <p14:creationId xmlns:p14="http://schemas.microsoft.com/office/powerpoint/2010/main" val="1836459103"/>
-      </p:ext>
-    </p:extLst>
-  </p:cSld>
-  <p:clrMapOvr>
-    <a:masterClrMapping/>
-  </p:clrMapOvr>
-</p:sld>
-</file>
-
-<file path=ppt/slides/slide3.xml><?xml version="1.0" encoding="utf-8"?>
-<p:sld xmlns:a="http://schemas.openxmlformats.org/drawingml/2006/main" xmlns:r="http://schemas.openxmlformats.org/officeDocument/2006/relationships" xmlns:p="http://schemas.openxmlformats.org/presentationml/2006/main">
-  <p:cSld>
-    <p:spTree>
-      <p:nvGrpSpPr>
-        <p:cNvPr id="1" name=""/>
-        <p:cNvGrpSpPr/>
-        <p:nvPr/>
-      </p:nvGrpSpPr>
-      <p:grpSpPr>
-        <a:xfrm>
-          <a:off x="0" y="0"/>
-          <a:ext cx="0" cy="0"/>
-          <a:chOff x="0" y="0"/>
-          <a:chExt cx="0" cy="0"/>
-        </a:xfrm>
-      </p:grpSpPr>
-      <p:sp>
-        <p:nvSpPr>
-          <p:cNvPr id="2" name="Titel 1"/>
-          <p:cNvSpPr>
-            <a:spLocks noGrp="1"/>
-          </p:cNvSpPr>
-          <p:nvPr>
-            <p:ph type="title"/>
-          </p:nvPr>
-        </p:nvSpPr>
-        <p:spPr/>
-        <p:txBody>
-          <a:bodyPr/>
-          <a:lstStyle/>
-          <a:p>
-            <a:r>
-              <a:rPr lang="de-DE" dirty="0" smtClean="0"/>
-              <a:t>Charakterisierung Widerstand</a:t>
-            </a:r>
-            <a:endParaRPr lang="de-DE" dirty="0"/>
-          </a:p>
-        </p:txBody>
-      </p:sp>
-      <mc:AlternateContent xmlns:mc="http://schemas.openxmlformats.org/markup-compatibility/2006">
-        <mc:Choice xmlns:a14="http://schemas.microsoft.com/office/drawing/2010/main" Requires="a14">
-          <p:sp>
-            <p:nvSpPr>
-              <p:cNvPr id="3" name="Inhaltsplatzhalter 2"/>
-              <p:cNvSpPr>
-                <a:spLocks noGrp="1"/>
-              </p:cNvSpPr>
-              <p:nvPr>
-                <p:ph idx="1"/>
-              </p:nvPr>
-            </p:nvSpPr>
-            <p:spPr/>
-            <p:txBody>
-              <a:bodyPr/>
-              <a:lstStyle/>
-              <a:p>
-                <a:r>
-                  <a:rPr lang="de-DE" dirty="0" smtClean="0"/>
-                  <a:t>Ziel</a:t>
-                </a:r>
-              </a:p>
-              <a:p>
-                <a:pPr lvl="1"/>
-                <a:r>
-                  <a:rPr lang="de-DE" dirty="0" smtClean="0"/>
-                  <a:t>Charakterisierung eines Widerstands</a:t>
-                </a:r>
-                <a:endParaRPr lang="de-DE" dirty="0"/>
-              </a:p>
-              <a:p>
-                <a:endParaRPr lang="de-DE" dirty="0" smtClean="0"/>
-              </a:p>
-              <a:p>
-                <a:endParaRPr lang="de-DE" dirty="0"/>
-              </a:p>
-              <a:p>
-                <a:r>
-                  <a:rPr lang="de-DE" dirty="0" smtClean="0"/>
-                  <a:t>Ohm‘sches Gesetz:</a:t>
-                </a:r>
-                <a:endParaRPr lang="de-DE" dirty="0"/>
-              </a:p>
-              <a:p>
-                <a:pPr lvl="1"/>
-                <a:r>
-                  <a:rPr lang="de-DE" dirty="0" smtClean="0">
-                    <a:ea typeface="Cambria Math" panose="02040503050406030204" pitchFamily="18" charset="0"/>
-                  </a:rPr>
-                  <a:t>U</a:t>
-                </a:r>
-                <a14:m>
-                  <m:oMath xmlns:m="http://schemas.openxmlformats.org/officeDocument/2006/math">
-                    <m:r>
-                      <a:rPr lang="de-DE" i="1" smtClean="0">
-                        <a:latin typeface="Cambria Math" panose="02040503050406030204" pitchFamily="18" charset="0"/>
-                        <a:ea typeface="Cambria Math" panose="02040503050406030204" pitchFamily="18" charset="0"/>
-                      </a:rPr>
-                      <m:t>=</m:t>
-                    </m:r>
-                    <m:r>
-                      <a:rPr lang="de-DE" b="0" i="1" smtClean="0">
-                        <a:latin typeface="Cambria Math" panose="02040503050406030204" pitchFamily="18" charset="0"/>
-                        <a:ea typeface="Cambria Math" panose="02040503050406030204" pitchFamily="18" charset="0"/>
-                      </a:rPr>
-                      <m:t>𝑅</m:t>
-                    </m:r>
-                    <m:r>
-                      <a:rPr lang="de-DE" b="0" i="1" smtClean="0">
-                        <a:latin typeface="Cambria Math" panose="02040503050406030204" pitchFamily="18" charset="0"/>
-                        <a:ea typeface="Cambria Math" panose="02040503050406030204" pitchFamily="18" charset="0"/>
-                      </a:rPr>
-                      <m:t>⋅</m:t>
-                    </m:r>
-                    <m:r>
-                      <a:rPr lang="de-DE" b="0" i="1" smtClean="0">
-                        <a:latin typeface="Cambria Math" panose="02040503050406030204" pitchFamily="18" charset="0"/>
-                        <a:ea typeface="Cambria Math" panose="02040503050406030204" pitchFamily="18" charset="0"/>
-                      </a:rPr>
-                      <m:t>𝐼</m:t>
-                    </m:r>
-                  </m:oMath>
-                </a14:m>
-                <a:endParaRPr lang="de-DE" dirty="0"/>
-              </a:p>
-              <a:p>
-                <a:pPr lvl="1"/>
-                <a:endParaRPr lang="de-DE" dirty="0"/>
-              </a:p>
-            </p:txBody>
-          </p:sp>
-        </mc:Choice>
-        <mc:Fallback>
-          <p:sp>
-            <p:nvSpPr>
-              <p:cNvPr id="3" name="Inhaltsplatzhalter 2"/>
-              <p:cNvSpPr>
-                <a:spLocks noGrp="1" noRot="1" noChangeAspect="1" noMove="1" noResize="1" noEditPoints="1" noAdjustHandles="1" noChangeArrowheads="1" noChangeShapeType="1" noTextEdit="1"/>
-              </p:cNvSpPr>
-              <p:nvPr>
-                <p:ph idx="1"/>
-              </p:nvPr>
-            </p:nvSpPr>
-            <p:spPr>
-              <a:blipFill rotWithShape="0">
-                <a:blip r:embed="rId3"/>
-                <a:stretch>
-                  <a:fillRect l="-928" t="-2241"/>
-                </a:stretch>
-              </a:blipFill>
-            </p:spPr>
-            <p:txBody>
-              <a:bodyPr/>
-              <a:lstStyle/>
-              <a:p>
-                <a:r>
-                  <a:rPr lang="de-DE">
-                    <a:noFill/>
-                  </a:rPr>
-                  <a:t> </a:t>
-                </a:r>
-              </a:p>
-            </p:txBody>
-          </p:sp>
-        </mc:Fallback>
-      </mc:AlternateContent>
-      <p:sp>
-        <p:nvSpPr>
-          <p:cNvPr id="4" name="Foliennummernplatzhalter 3"/>
-          <p:cNvSpPr>
-            <a:spLocks noGrp="1"/>
-          </p:cNvSpPr>
-          <p:nvPr>
-            <p:ph type="sldNum" sz="quarter" idx="12"/>
-          </p:nvPr>
-        </p:nvSpPr>
-        <p:spPr/>
-        <p:txBody>
-          <a:bodyPr/>
-          <a:lstStyle/>
-          <a:p>
-            <a:fld id="{897114A3-BFF3-441B-8EE5-CE8191EEE22E}" type="slidenum">
-              <a:rPr lang="de-DE" smtClean="0"/>
-              <a:t>3</a:t>
-            </a:fld>
-            <a:endParaRPr lang="de-DE"/>
-          </a:p>
-        </p:txBody>
-      </p:sp>
-    </p:spTree>
-    <p:extLst>
-      <p:ext uri="{BB962C8B-B14F-4D97-AF65-F5344CB8AC3E}">
-        <p14:creationId xmlns:p14="http://schemas.microsoft.com/office/powerpoint/2010/main" val="1143771038"/>
-      </p:ext>
-    </p:extLst>
-  </p:cSld>
-  <p:clrMapOvr>
-    <a:masterClrMapping/>
-  </p:clrMapOvr>
-</p:sld>
-</file>
-
-<file path=ppt/slides/slide4.xml><?xml version="1.0" encoding="utf-8"?>
-<p:sld xmlns:a="http://schemas.openxmlformats.org/drawingml/2006/main" xmlns:r="http://schemas.openxmlformats.org/officeDocument/2006/relationships" xmlns:p="http://schemas.openxmlformats.org/presentationml/2006/main">
-  <p:cSld>
-    <p:spTree>
-      <p:nvGrpSpPr>
-        <p:cNvPr id="1" name=""/>
-        <p:cNvGrpSpPr/>
-        <p:nvPr/>
-      </p:nvGrpSpPr>
-      <p:grpSpPr>
-        <a:xfrm>
-          <a:off x="0" y="0"/>
-          <a:ext cx="0" cy="0"/>
-          <a:chOff x="0" y="0"/>
-          <a:chExt cx="0" cy="0"/>
-        </a:xfrm>
-      </p:grpSpPr>
-      <p:sp>
-        <p:nvSpPr>
-          <p:cNvPr id="2" name="Titel 1"/>
-          <p:cNvSpPr>
-            <a:spLocks noGrp="1"/>
-          </p:cNvSpPr>
-          <p:nvPr>
-            <p:ph type="title"/>
-          </p:nvPr>
-        </p:nvSpPr>
-        <p:spPr/>
-        <p:txBody>
-          <a:bodyPr/>
-          <a:lstStyle/>
-          <a:p>
-            <a:r>
-              <a:rPr lang="de-DE" dirty="0" smtClean="0"/>
-              <a:t>Charakterisierung Widerstand</a:t>
-            </a:r>
-            <a:endParaRPr lang="de-DE" dirty="0"/>
-          </a:p>
-        </p:txBody>
-      </p:sp>
-      <p:sp>
-        <p:nvSpPr>
-          <p:cNvPr id="3" name="Inhaltsplatzhalter 2"/>
-          <p:cNvSpPr>
-            <a:spLocks noGrp="1"/>
-          </p:cNvSpPr>
-          <p:nvPr>
-            <p:ph idx="1"/>
-          </p:nvPr>
-        </p:nvSpPr>
-        <p:spPr>
-          <a:xfrm>
-            <a:off x="845127" y="1828800"/>
-            <a:ext cx="6225629" cy="4351337"/>
-          </a:xfrm>
-        </p:spPr>
-        <p:txBody>
-          <a:bodyPr/>
-          <a:lstStyle/>
-          <a:p>
-            <a:pPr lvl="1"/>
-            <a:r>
-              <a:rPr lang="de-DE" dirty="0" smtClean="0"/>
-              <a:t>Spannungsquelle, Strommesser, Widerstand</a:t>
-            </a:r>
-          </a:p>
-          <a:p>
-            <a:pPr lvl="1"/>
-            <a:endParaRPr lang="de-DE" dirty="0"/>
-          </a:p>
-          <a:p>
-            <a:pPr lvl="1"/>
-            <a:r>
-              <a:rPr lang="de-DE" dirty="0" smtClean="0"/>
-              <a:t>Kurzes Intervall, viele Messwerte</a:t>
-            </a:r>
-            <a:endParaRPr lang="de-DE" dirty="0"/>
-          </a:p>
-        </p:txBody>
-      </p:sp>
-      <p:sp>
-        <p:nvSpPr>
-          <p:cNvPr id="4" name="Foliennummernplatzhalter 3"/>
-          <p:cNvSpPr>
-            <a:spLocks noGrp="1"/>
-          </p:cNvSpPr>
-          <p:nvPr>
-            <p:ph type="sldNum" sz="quarter" idx="12"/>
-          </p:nvPr>
-        </p:nvSpPr>
-        <p:spPr/>
-        <p:txBody>
-          <a:bodyPr/>
-          <a:lstStyle/>
-          <a:p>
-            <a:fld id="{897114A3-BFF3-441B-8EE5-CE8191EEE22E}" type="slidenum">
-              <a:rPr lang="de-DE" smtClean="0">
-                <a:solidFill>
-                  <a:prstClr val="black">
-                    <a:tint val="75000"/>
-                  </a:prstClr>
-                </a:solidFill>
-              </a:rPr>
-              <a:pPr/>
-              <a:t>4</a:t>
-            </a:fld>
-            <a:endParaRPr lang="de-DE">
-              <a:solidFill>
-                <a:prstClr val="black">
-                  <a:tint val="75000"/>
-                </a:prstClr>
-              </a:solidFill>
-            </a:endParaRPr>
-          </a:p>
-        </p:txBody>
-      </p:sp>
-      <p:pic>
-        <p:nvPicPr>
-          <p:cNvPr id="5" name="Grafik 4"/>
-          <p:cNvPicPr>
-            <a:picLocks noChangeAspect="1"/>
-          </p:cNvPicPr>
-          <p:nvPr/>
-        </p:nvPicPr>
-        <p:blipFill>
-          <a:blip r:embed="rId3">
-            <a:extLst>
-              <a:ext uri="{28A0092B-C50C-407E-A947-70E740481C1C}">
-                <a14:useLocalDpi xmlns:a14="http://schemas.microsoft.com/office/drawing/2010/main" val="0"/>
-              </a:ext>
-            </a:extLst>
-          </a:blip>
-          <a:stretch>
-            <a:fillRect/>
-          </a:stretch>
-        </p:blipFill>
-        <p:spPr>
-          <a:xfrm>
-            <a:off x="5705189" y="1691322"/>
-            <a:ext cx="4950740" cy="4426008"/>
-          </a:xfrm>
-          <a:prstGeom prst="rect">
-            <a:avLst/>
-          </a:prstGeom>
-        </p:spPr>
-      </p:pic>
-    </p:spTree>
-    <p:extLst>
-      <p:ext uri="{BB962C8B-B14F-4D97-AF65-F5344CB8AC3E}">
-        <p14:creationId xmlns:p14="http://schemas.microsoft.com/office/powerpoint/2010/main" val="3430317541"/>
-      </p:ext>
-    </p:extLst>
-  </p:cSld>
-  <p:clrMapOvr>
-    <a:masterClrMapping/>
-  </p:clrMapOvr>
-</p:sld>
-</file>
-
-<file path=ppt/slides/slide5.xml><?xml version="1.0" encoding="utf-8"?>
-<p:sld xmlns:a="http://schemas.openxmlformats.org/drawingml/2006/main" xmlns:r="http://schemas.openxmlformats.org/officeDocument/2006/relationships" xmlns:p="http://schemas.openxmlformats.org/presentationml/2006/main">
-  <p:cSld>
-    <p:spTree>
-      <p:nvGrpSpPr>
-        <p:cNvPr id="1" name=""/>
-        <p:cNvGrpSpPr/>
-        <p:nvPr/>
-      </p:nvGrpSpPr>
-      <p:grpSpPr>
-        <a:xfrm>
-          <a:off x="0" y="0"/>
-          <a:ext cx="0" cy="0"/>
-          <a:chOff x="0" y="0"/>
-          <a:chExt cx="0" cy="0"/>
-        </a:xfrm>
-      </p:grpSpPr>
-      <p:sp>
-        <p:nvSpPr>
-          <p:cNvPr id="2" name="Titel 1"/>
-          <p:cNvSpPr>
-            <a:spLocks noGrp="1"/>
-          </p:cNvSpPr>
-          <p:nvPr>
-            <p:ph type="title"/>
-          </p:nvPr>
-        </p:nvSpPr>
-        <p:spPr/>
-        <p:txBody>
-          <a:bodyPr/>
-          <a:lstStyle/>
-          <a:p>
-            <a:r>
-              <a:rPr lang="de-DE" dirty="0" smtClean="0"/>
-              <a:t>Charakterisierung Widerstand</a:t>
-            </a:r>
-            <a:endParaRPr lang="de-DE" dirty="0"/>
-          </a:p>
-        </p:txBody>
-      </p:sp>
-      <p:sp>
-        <p:nvSpPr>
-          <p:cNvPr id="3" name="Inhaltsplatzhalter 2"/>
-          <p:cNvSpPr>
-            <a:spLocks noGrp="1"/>
-          </p:cNvSpPr>
-          <p:nvPr>
-            <p:ph idx="1"/>
-          </p:nvPr>
-        </p:nvSpPr>
-        <p:spPr>
-          <a:xfrm>
-            <a:off x="845127" y="1828801"/>
-            <a:ext cx="4876663" cy="1023042"/>
-          </a:xfrm>
-        </p:spPr>
-        <p:txBody>
-          <a:bodyPr/>
-          <a:lstStyle/>
-          <a:p>
-            <a:pPr lvl="1"/>
-            <a:r>
-              <a:rPr lang="de-DE" dirty="0" smtClean="0"/>
-              <a:t>Lineare Regression</a:t>
-            </a:r>
-            <a:endParaRPr lang="de-DE" dirty="0"/>
-          </a:p>
-        </p:txBody>
-      </p:sp>
-      <p:sp>
-        <p:nvSpPr>
-          <p:cNvPr id="4" name="Foliennummernplatzhalter 3"/>
-          <p:cNvSpPr>
-            <a:spLocks noGrp="1"/>
-          </p:cNvSpPr>
-          <p:nvPr>
-            <p:ph type="sldNum" sz="quarter" idx="12"/>
-          </p:nvPr>
-        </p:nvSpPr>
-        <p:spPr/>
-        <p:txBody>
-          <a:bodyPr/>
-          <a:lstStyle/>
-          <a:p>
-            <a:fld id="{897114A3-BFF3-441B-8EE5-CE8191EEE22E}" type="slidenum">
-              <a:rPr lang="de-DE" smtClean="0">
-                <a:solidFill>
-                  <a:prstClr val="black">
-                    <a:tint val="75000"/>
-                  </a:prstClr>
-                </a:solidFill>
-              </a:rPr>
-              <a:pPr/>
-              <a:t>5</a:t>
-            </a:fld>
-            <a:endParaRPr lang="de-DE">
-              <a:solidFill>
-                <a:prstClr val="black">
-                  <a:tint val="75000"/>
-                </a:prstClr>
-              </a:solidFill>
-            </a:endParaRPr>
-          </a:p>
-        </p:txBody>
-      </p:sp>
-      <p:pic>
-        <p:nvPicPr>
-          <p:cNvPr id="6" name="Grafik 5"/>
-          <p:cNvPicPr>
-            <a:picLocks noChangeAspect="1"/>
-          </p:cNvPicPr>
-          <p:nvPr/>
-        </p:nvPicPr>
-        <p:blipFill>
-          <a:blip r:embed="rId3">
-            <a:extLst>
-              <a:ext uri="{28A0092B-C50C-407E-A947-70E740481C1C}">
-                <a14:useLocalDpi xmlns:a14="http://schemas.microsoft.com/office/drawing/2010/main" val="0"/>
-              </a:ext>
-            </a:extLst>
-          </a:blip>
-          <a:stretch>
-            <a:fillRect/>
-          </a:stretch>
-        </p:blipFill>
-        <p:spPr>
-          <a:xfrm>
-            <a:off x="4746141" y="1425940"/>
-            <a:ext cx="7032710" cy="3616841"/>
-          </a:xfrm>
-          <a:prstGeom prst="rect">
-            <a:avLst/>
-          </a:prstGeom>
-        </p:spPr>
-      </p:pic>
-      <p:pic>
-        <p:nvPicPr>
-          <p:cNvPr id="7" name="Grafik 6"/>
-          <p:cNvPicPr>
-            <a:picLocks noChangeAspect="1"/>
-          </p:cNvPicPr>
-          <p:nvPr/>
-        </p:nvPicPr>
-        <p:blipFill>
-          <a:blip r:embed="rId4">
-            <a:extLst>
-              <a:ext uri="{28A0092B-C50C-407E-A947-70E740481C1C}">
-                <a14:useLocalDpi xmlns:a14="http://schemas.microsoft.com/office/drawing/2010/main" val="0"/>
-              </a:ext>
-            </a:extLst>
-          </a:blip>
-          <a:stretch>
-            <a:fillRect/>
-          </a:stretch>
-        </p:blipFill>
-        <p:spPr>
-          <a:xfrm>
-            <a:off x="597530" y="5187481"/>
-            <a:ext cx="9995026" cy="1168869"/>
-          </a:xfrm>
-          <a:prstGeom prst="rect">
-            <a:avLst/>
-          </a:prstGeom>
-        </p:spPr>
-      </p:pic>
-    </p:spTree>
-    <p:extLst>
-      <p:ext uri="{BB962C8B-B14F-4D97-AF65-F5344CB8AC3E}">
-        <p14:creationId xmlns:p14="http://schemas.microsoft.com/office/powerpoint/2010/main" val="3278444537"/>
-      </p:ext>
-    </p:extLst>
-  </p:cSld>
-  <p:clrMapOvr>
-    <a:masterClrMapping/>
-  </p:clrMapOvr>
-</p:sld>
-</file>
-
-<file path=ppt/slides/slide6.xml><?xml version="1.0" encoding="utf-8"?>
-<p:sld xmlns:a="http://schemas.openxmlformats.org/drawingml/2006/main" xmlns:r="http://schemas.openxmlformats.org/officeDocument/2006/relationships" xmlns:p="http://schemas.openxmlformats.org/presentationml/2006/main">
-  <p:cSld>
-    <p:spTree>
-      <p:nvGrpSpPr>
-        <p:cNvPr id="1" name=""/>
-        <p:cNvGrpSpPr/>
-        <p:nvPr/>
-      </p:nvGrpSpPr>
-      <p:grpSpPr>
-        <a:xfrm>
-          <a:off x="0" y="0"/>
-          <a:ext cx="0" cy="0"/>
-          <a:chOff x="0" y="0"/>
-          <a:chExt cx="0" cy="0"/>
-        </a:xfrm>
-      </p:grpSpPr>
-      <p:sp>
-        <p:nvSpPr>
-          <p:cNvPr id="2" name="Titel 1"/>
-          <p:cNvSpPr>
-            <a:spLocks noGrp="1"/>
-          </p:cNvSpPr>
-          <p:nvPr>
-            <p:ph type="title"/>
-          </p:nvPr>
-        </p:nvSpPr>
-        <p:spPr/>
-        <p:txBody>
-          <a:bodyPr/>
-          <a:lstStyle/>
-          <a:p>
-            <a:r>
-              <a:rPr lang="de-DE" dirty="0"/>
-              <a:t>Gekoppelte LC – Schwingkreise: Schwebung</a:t>
-            </a:r>
-          </a:p>
-        </p:txBody>
-      </p:sp>
-      <mc:AlternateContent xmlns:mc="http://schemas.openxmlformats.org/markup-compatibility/2006">
-        <mc:Choice xmlns:a14="http://schemas.microsoft.com/office/drawing/2010/main" Requires="a14">
+        </p:txBody>
+      </p:sp>
+      <mc:AlternateContent xmlns:mc="http://schemas.openxmlformats.org/markup-compatibility/2006" xmlns:a14="http://schemas.microsoft.com/office/drawing/2010/main">
+        <mc:Choice Requires="a14">
           <p:sp>
             <p:nvSpPr>
               <p:cNvPr id="3" name="Inhaltsplatzhalter 2"/>
@@ -4822,38 +4156,37 @@
               <a:lstStyle/>
               <a:p>
                 <a:r>
-                  <a:rPr lang="de-DE" dirty="0" smtClean="0"/>
+                  <a:rPr lang="de-DE" dirty="0"/>
                   <a:t>Ziel</a:t>
                 </a:r>
               </a:p>
               <a:p>
                 <a:pPr lvl="1"/>
                 <a:r>
-                  <a:rPr lang="de-DE" dirty="0" smtClean="0"/>
+                  <a:rPr lang="de-DE" dirty="0"/>
                   <a:t>Schwebung</a:t>
                 </a:r>
               </a:p>
               <a:p>
                 <a:pPr lvl="1"/>
                 <a:r>
-                  <a:rPr lang="de-DE" dirty="0" smtClean="0"/>
+                  <a:rPr lang="de-DE" dirty="0"/>
                   <a:t>Kopplung</a:t>
                 </a:r>
               </a:p>
               <a:p>
                 <a:pPr lvl="1"/>
                 <a:r>
-                  <a:rPr lang="de-DE" dirty="0" smtClean="0"/>
+                  <a:rPr lang="de-DE" dirty="0"/>
                   <a:t>Zeitdifferenz</a:t>
                 </a:r>
-                <a:endParaRPr lang="de-DE" dirty="0" smtClean="0"/>
               </a:p>
               <a:p>
                 <a:endParaRPr lang="de-DE" dirty="0"/>
               </a:p>
               <a:p>
                 <a:r>
-                  <a:rPr lang="de-DE" dirty="0" smtClean="0"/>
+                  <a:rPr lang="de-DE" dirty="0"/>
                   <a:t>Kopplung:</a:t>
                 </a:r>
               </a:p>
@@ -5032,14 +4365,13 @@
                     </m:f>
                   </m:oMath>
                 </a14:m>
-                <a:endParaRPr lang="de-DE" dirty="0" smtClean="0"/>
+                <a:endParaRPr lang="de-DE" dirty="0"/>
               </a:p>
               <a:p>
                 <a:r>
-                  <a:rPr lang="de-DE" dirty="0" smtClean="0"/>
+                  <a:rPr lang="de-DE" dirty="0"/>
                   <a:t>Zeitdifferenz:</a:t>
                 </a:r>
-                <a:endParaRPr lang="de-DE" dirty="0"/>
               </a:p>
               <a:p>
                 <a:pPr lvl="1"/>
@@ -5252,7 +4584,7 @@
                     </m:r>
                   </m:oMath>
                 </a14:m>
-                <a:endParaRPr lang="de-DE" b="0" dirty="0" smtClean="0"/>
+                <a:endParaRPr lang="de-DE" b="0" dirty="0"/>
               </a:p>
               <a:p>
                 <a:pPr lvl="1"/>
@@ -5265,7 +4597,7 @@
             </p:txBody>
           </p:sp>
         </mc:Choice>
-        <mc:Fallback>
+        <mc:Fallback xmlns="">
           <p:sp>
             <p:nvSpPr>
               <p:cNvPr id="3" name="Inhaltsplatzhalter 2"/>
@@ -5316,7 +4648,7 @@
           <a:p>
             <a:fld id="{897114A3-BFF3-441B-8EE5-CE8191EEE22E}" type="slidenum">
               <a:rPr lang="de-DE" smtClean="0"/>
-              <a:t>6</a:t>
+              <a:t>10</a:t>
             </a:fld>
             <a:endParaRPr lang="de-DE"/>
           </a:p>
@@ -5335,7 +4667,7 @@
 </p:sld>
 </file>
 
-<file path=ppt/slides/slide7.xml><?xml version="1.0" encoding="utf-8"?>
+<file path=ppt/slides/slide11.xml><?xml version="1.0" encoding="utf-8"?>
 <p:sld xmlns:a="http://schemas.openxmlformats.org/drawingml/2006/main" xmlns:r="http://schemas.openxmlformats.org/officeDocument/2006/relationships" xmlns:p="http://schemas.openxmlformats.org/presentationml/2006/main">
   <p:cSld>
     <p:spTree>
@@ -5369,6 +4701,429 @@
           <a:p>
             <a:r>
               <a:rPr lang="de-DE" dirty="0"/>
+              <a:t>Aperiodischer Grenzfall</a:t>
+            </a:r>
+          </a:p>
+        </p:txBody>
+      </p:sp>
+      <p:pic>
+        <p:nvPicPr>
+          <p:cNvPr id="9" name="Inhaltsplatzhalter 8"/>
+          <p:cNvPicPr>
+            <a:picLocks noGrp="1" noChangeAspect="1"/>
+          </p:cNvPicPr>
+          <p:nvPr>
+            <p:ph sz="half" idx="2"/>
+          </p:nvPr>
+        </p:nvPicPr>
+        <p:blipFill>
+          <a:blip r:embed="rId2">
+            <a:extLst>
+              <a:ext uri="{28A0092B-C50C-407E-A947-70E740481C1C}">
+                <a14:useLocalDpi xmlns:a14="http://schemas.microsoft.com/office/drawing/2010/main" val="0"/>
+              </a:ext>
+            </a:extLst>
+          </a:blip>
+          <a:stretch>
+            <a:fillRect/>
+          </a:stretch>
+        </p:blipFill>
+        <p:spPr>
+          <a:xfrm>
+            <a:off x="0" y="1232452"/>
+            <a:ext cx="5976712" cy="5526157"/>
+          </a:xfrm>
+        </p:spPr>
+      </p:pic>
+      <mc:AlternateContent xmlns:mc="http://schemas.openxmlformats.org/markup-compatibility/2006">
+        <mc:Choice xmlns:a14="http://schemas.microsoft.com/office/drawing/2010/main" Requires="a14">
+          <p:sp>
+            <p:nvSpPr>
+              <p:cNvPr id="11" name="Inhaltsplatzhalter 10"/>
+              <p:cNvSpPr>
+                <a:spLocks noGrp="1"/>
+              </p:cNvSpPr>
+              <p:nvPr>
+                <p:ph sz="half" idx="1"/>
+              </p:nvPr>
+            </p:nvSpPr>
+            <p:spPr>
+              <a:xfrm>
+                <a:off x="5976712" y="1690688"/>
+                <a:ext cx="5181600" cy="4351338"/>
+              </a:xfrm>
+            </p:spPr>
+            <p:txBody>
+              <a:bodyPr/>
+              <a:lstStyle/>
+              <a:p>
+                <a:r>
+                  <a:rPr lang="de-DE" dirty="0"/>
+                  <a:t>Einhüllende: </a:t>
+                </a:r>
+                <a14:m>
+                  <m:oMath xmlns:m="http://schemas.openxmlformats.org/officeDocument/2006/math">
+                    <m:r>
+                      <a:rPr lang="de-DE" i="1">
+                        <a:latin typeface="Cambria Math" panose="02040503050406030204" pitchFamily="18" charset="0"/>
+                      </a:rPr>
+                      <m:t>185</m:t>
+                    </m:r>
+                    <m:r>
+                      <m:rPr>
+                        <m:sty m:val="p"/>
+                      </m:rPr>
+                      <a:rPr lang="de-DE">
+                        <a:latin typeface="Cambria Math" panose="02040503050406030204" pitchFamily="18" charset="0"/>
+                      </a:rPr>
+                      <m:t>Ω</m:t>
+                    </m:r>
+                  </m:oMath>
+                </a14:m>
+                <a:r>
+                  <a:rPr lang="de-DE" dirty="0"/>
+                  <a:t> und </a:t>
+                </a:r>
+                <a14:m>
+                  <m:oMath xmlns:m="http://schemas.openxmlformats.org/officeDocument/2006/math">
+                    <m:r>
+                      <a:rPr lang="de-DE" i="1">
+                        <a:latin typeface="Cambria Math" panose="02040503050406030204" pitchFamily="18" charset="0"/>
+                      </a:rPr>
+                      <m:t>200</m:t>
+                    </m:r>
+                    <m:r>
+                      <m:rPr>
+                        <m:sty m:val="p"/>
+                      </m:rPr>
+                      <a:rPr lang="de-DE">
+                        <a:latin typeface="Cambria Math" panose="02040503050406030204" pitchFamily="18" charset="0"/>
+                      </a:rPr>
+                      <m:t>Ω</m:t>
+                    </m:r>
+                  </m:oMath>
+                </a14:m>
+                <a:endParaRPr lang="de-DE" dirty="0"/>
+              </a:p>
+              <a:p>
+                <a:endParaRPr lang="de-DE" dirty="0"/>
+              </a:p>
+              <a:p>
+                <a:r>
+                  <a:rPr lang="de-DE" dirty="0"/>
+                  <a:t>Annahme: </a:t>
+                </a:r>
+                <a14:m>
+                  <m:oMath xmlns:m="http://schemas.openxmlformats.org/officeDocument/2006/math">
+                    <m:sSub>
+                      <m:sSubPr>
+                        <m:ctrlPr>
+                          <a:rPr lang="de-DE" b="0" i="1" smtClean="0">
+                            <a:latin typeface="Cambria Math" panose="02040503050406030204" pitchFamily="18" charset="0"/>
+                          </a:rPr>
+                        </m:ctrlPr>
+                      </m:sSubPr>
+                      <m:e>
+                        <m:r>
+                          <a:rPr lang="de-DE" b="0" i="1" smtClean="0">
+                            <a:latin typeface="Cambria Math" panose="02040503050406030204" pitchFamily="18" charset="0"/>
+                          </a:rPr>
+                          <m:t>𝑅</m:t>
+                        </m:r>
+                      </m:e>
+                      <m:sub>
+                        <m:r>
+                          <a:rPr lang="de-DE" b="0" i="1" smtClean="0">
+                            <a:latin typeface="Cambria Math" panose="02040503050406030204" pitchFamily="18" charset="0"/>
+                          </a:rPr>
+                          <m:t>𝑎𝑝</m:t>
+                        </m:r>
+                      </m:sub>
+                    </m:sSub>
+                  </m:oMath>
+                </a14:m>
+                <a:r>
+                  <a:rPr lang="de-DE" dirty="0"/>
+                  <a:t> gleichverteilt dazwischen:</a:t>
+                </a:r>
+              </a:p>
+              <a:p>
+                <a:pPr marL="0" indent="0">
+                  <a:buNone/>
+                </a:pPr>
+                <a14:m>
+                  <m:oMathPara xmlns:m="http://schemas.openxmlformats.org/officeDocument/2006/math">
+                    <m:oMathParaPr>
+                      <m:jc m:val="centerGroup"/>
+                    </m:oMathParaPr>
+                    <m:oMath xmlns:m="http://schemas.openxmlformats.org/officeDocument/2006/math">
+                      <m:r>
+                        <a:rPr lang="de-DE" b="0" i="1" smtClean="0">
+                          <a:latin typeface="Cambria Math" panose="02040503050406030204" pitchFamily="18" charset="0"/>
+                        </a:rPr>
+                        <m:t>⇒</m:t>
+                      </m:r>
+                      <m:r>
+                        <a:rPr lang="de-DE" b="0" i="0" smtClean="0">
+                          <a:latin typeface="Cambria Math" panose="02040503050406030204" pitchFamily="18" charset="0"/>
+                        </a:rPr>
+                        <m:t>      </m:t>
+                      </m:r>
+                      <m:sSub>
+                        <m:sSubPr>
+                          <m:ctrlPr>
+                            <a:rPr lang="de-DE" b="0" i="0" smtClean="0">
+                              <a:latin typeface="Cambria Math" panose="02040503050406030204" pitchFamily="18" charset="0"/>
+                            </a:rPr>
+                          </m:ctrlPr>
+                        </m:sSubPr>
+                        <m:e>
+                          <m:r>
+                            <m:rPr>
+                              <m:sty m:val="p"/>
+                            </m:rPr>
+                            <a:rPr lang="de-DE" b="0" i="0" smtClean="0">
+                              <a:latin typeface="Cambria Math" panose="02040503050406030204" pitchFamily="18" charset="0"/>
+                            </a:rPr>
+                            <m:t>R</m:t>
+                          </m:r>
+                        </m:e>
+                        <m:sub>
+                          <m:r>
+                            <m:rPr>
+                              <m:sty m:val="p"/>
+                            </m:rPr>
+                            <a:rPr lang="de-DE" b="0" i="0" smtClean="0">
+                              <a:latin typeface="Cambria Math" panose="02040503050406030204" pitchFamily="18" charset="0"/>
+                            </a:rPr>
+                            <m:t>ap</m:t>
+                          </m:r>
+                        </m:sub>
+                      </m:sSub>
+                      <m:r>
+                        <a:rPr lang="de-DE" b="0" i="0" smtClean="0">
+                          <a:latin typeface="Cambria Math" panose="02040503050406030204" pitchFamily="18" charset="0"/>
+                        </a:rPr>
+                        <m:t>=192.5</m:t>
+                      </m:r>
+                      <m:r>
+                        <m:rPr>
+                          <m:sty m:val="p"/>
+                        </m:rPr>
+                        <a:rPr lang="de-DE" b="0" i="0" smtClean="0">
+                          <a:latin typeface="Cambria Math" panose="02040503050406030204" pitchFamily="18" charset="0"/>
+                        </a:rPr>
+                        <m:t>Ω</m:t>
+                      </m:r>
+                      <m:r>
+                        <a:rPr lang="de-DE" b="0" i="1" smtClean="0">
+                          <a:latin typeface="Cambria Math" panose="02040503050406030204" pitchFamily="18" charset="0"/>
+                        </a:rPr>
+                        <m:t>±4.6</m:t>
+                      </m:r>
+                      <m:r>
+                        <m:rPr>
+                          <m:sty m:val="p"/>
+                        </m:rPr>
+                        <a:rPr lang="de-DE" b="0" i="0" smtClean="0">
+                          <a:latin typeface="Cambria Math" panose="02040503050406030204" pitchFamily="18" charset="0"/>
+                        </a:rPr>
+                        <m:t>Ω</m:t>
+                      </m:r>
+                    </m:oMath>
+                  </m:oMathPara>
+                </a14:m>
+                <a:endParaRPr lang="de-DE" dirty="0"/>
+              </a:p>
+              <a:p>
+                <a:endParaRPr lang="de-DE" dirty="0"/>
+              </a:p>
+              <a:p>
+                <a:r>
+                  <a:rPr lang="de-DE" dirty="0"/>
+                  <a:t>Erwartet: </a:t>
+                </a:r>
+                <a14:m>
+                  <m:oMath xmlns:m="http://schemas.openxmlformats.org/officeDocument/2006/math">
+                    <m:sSub>
+                      <m:sSubPr>
+                        <m:ctrlPr>
+                          <a:rPr lang="de-DE" i="1">
+                            <a:latin typeface="Cambria Math" panose="02040503050406030204" pitchFamily="18" charset="0"/>
+                          </a:rPr>
+                        </m:ctrlPr>
+                      </m:sSubPr>
+                      <m:e>
+                        <m:r>
+                          <a:rPr lang="de-DE" i="1">
+                            <a:latin typeface="Cambria Math" panose="02040503050406030204" pitchFamily="18" charset="0"/>
+                          </a:rPr>
+                          <m:t>𝑅</m:t>
+                        </m:r>
+                      </m:e>
+                      <m:sub>
+                        <m:r>
+                          <a:rPr lang="de-DE" i="1">
+                            <a:latin typeface="Cambria Math" panose="02040503050406030204" pitchFamily="18" charset="0"/>
+                          </a:rPr>
+                          <m:t>𝑎𝑝</m:t>
+                        </m:r>
+                      </m:sub>
+                    </m:sSub>
+                    <m:r>
+                      <a:rPr lang="de-DE" i="1">
+                        <a:latin typeface="Cambria Math" panose="02040503050406030204" pitchFamily="18" charset="0"/>
+                      </a:rPr>
+                      <m:t>=2</m:t>
+                    </m:r>
+                    <m:rad>
+                      <m:radPr>
+                        <m:degHide m:val="on"/>
+                        <m:ctrlPr>
+                          <a:rPr lang="de-DE" i="1">
+                            <a:latin typeface="Cambria Math" panose="02040503050406030204" pitchFamily="18" charset="0"/>
+                          </a:rPr>
+                        </m:ctrlPr>
+                      </m:radPr>
+                      <m:deg/>
+                      <m:e>
+                        <m:f>
+                          <m:fPr>
+                            <m:ctrlPr>
+                              <a:rPr lang="de-DE" i="1">
+                                <a:latin typeface="Cambria Math" panose="02040503050406030204" pitchFamily="18" charset="0"/>
+                              </a:rPr>
+                            </m:ctrlPr>
+                          </m:fPr>
+                          <m:num>
+                            <m:r>
+                              <a:rPr lang="de-DE" i="1">
+                                <a:latin typeface="Cambria Math" panose="02040503050406030204" pitchFamily="18" charset="0"/>
+                              </a:rPr>
+                              <m:t>𝐿</m:t>
+                            </m:r>
+                          </m:num>
+                          <m:den>
+                            <m:r>
+                              <a:rPr lang="de-DE" i="1">
+                                <a:latin typeface="Cambria Math" panose="02040503050406030204" pitchFamily="18" charset="0"/>
+                              </a:rPr>
+                              <m:t>𝐶</m:t>
+                            </m:r>
+                          </m:den>
+                        </m:f>
+                      </m:e>
+                    </m:rad>
+                    <m:r>
+                      <a:rPr lang="de-DE" i="1">
+                        <a:latin typeface="Cambria Math" panose="02040503050406030204" pitchFamily="18" charset="0"/>
+                      </a:rPr>
+                      <m:t>=174.6 </m:t>
+                    </m:r>
+                    <m:r>
+                      <m:rPr>
+                        <m:sty m:val="p"/>
+                      </m:rPr>
+                      <a:rPr lang="de-DE">
+                        <a:latin typeface="Cambria Math" panose="02040503050406030204" pitchFamily="18" charset="0"/>
+                      </a:rPr>
+                      <m:t>Ω</m:t>
+                    </m:r>
+                  </m:oMath>
+                </a14:m>
+                <a:endParaRPr lang="de-DE" dirty="0"/>
+              </a:p>
+              <a:p>
+                <a:endParaRPr lang="de-DE" dirty="0"/>
+              </a:p>
+            </p:txBody>
+          </p:sp>
+        </mc:Choice>
+        <mc:Fallback>
+          <p:sp>
+            <p:nvSpPr>
+              <p:cNvPr id="11" name="Inhaltsplatzhalter 10"/>
+              <p:cNvSpPr>
+                <a:spLocks noGrp="1" noRot="1" noChangeAspect="1" noMove="1" noResize="1" noEditPoints="1" noAdjustHandles="1" noChangeArrowheads="1" noChangeShapeType="1" noTextEdit="1"/>
+              </p:cNvSpPr>
+              <p:nvPr>
+                <p:ph sz="half" idx="1"/>
+              </p:nvPr>
+            </p:nvSpPr>
+            <p:spPr>
+              <a:xfrm>
+                <a:off x="5976712" y="1690688"/>
+                <a:ext cx="5181600" cy="4351338"/>
+              </a:xfrm>
+              <a:blipFill>
+                <a:blip r:embed="rId3"/>
+                <a:stretch>
+                  <a:fillRect l="-1882" t="-2241"/>
+                </a:stretch>
+              </a:blipFill>
+            </p:spPr>
+            <p:txBody>
+              <a:bodyPr/>
+              <a:lstStyle/>
+              <a:p>
+                <a:r>
+                  <a:rPr lang="de-DE">
+                    <a:noFill/>
+                  </a:rPr>
+                  <a:t> </a:t>
+                </a:r>
+              </a:p>
+            </p:txBody>
+          </p:sp>
+        </mc:Fallback>
+      </mc:AlternateContent>
+    </p:spTree>
+    <p:extLst>
+      <p:ext uri="{BB962C8B-B14F-4D97-AF65-F5344CB8AC3E}">
+        <p14:creationId xmlns:p14="http://schemas.microsoft.com/office/powerpoint/2010/main" val="3971805474"/>
+      </p:ext>
+    </p:extLst>
+  </p:cSld>
+  <p:clrMapOvr>
+    <a:masterClrMapping/>
+  </p:clrMapOvr>
+</p:sld>
+</file>
+
+<file path=ppt/slides/slide12.xml><?xml version="1.0" encoding="utf-8"?>
+<p:sld xmlns:a="http://schemas.openxmlformats.org/drawingml/2006/main" xmlns:r="http://schemas.openxmlformats.org/officeDocument/2006/relationships" xmlns:p="http://schemas.openxmlformats.org/presentationml/2006/main">
+  <p:cSld>
+    <p:spTree>
+      <p:nvGrpSpPr>
+        <p:cNvPr id="1" name=""/>
+        <p:cNvGrpSpPr/>
+        <p:nvPr/>
+      </p:nvGrpSpPr>
+      <p:grpSpPr>
+        <a:xfrm>
+          <a:off x="0" y="0"/>
+          <a:ext cx="0" cy="0"/>
+          <a:chOff x="0" y="0"/>
+          <a:chExt cx="0" cy="0"/>
+        </a:xfrm>
+      </p:grpSpPr>
+      <p:sp>
+        <p:nvSpPr>
+          <p:cNvPr id="2" name="Titel 1"/>
+          <p:cNvSpPr>
+            <a:spLocks noGrp="1"/>
+          </p:cNvSpPr>
+          <p:nvPr>
+            <p:ph type="title"/>
+          </p:nvPr>
+        </p:nvSpPr>
+        <p:spPr/>
+        <p:txBody>
+          <a:bodyPr/>
+          <a:lstStyle/>
+          <a:p>
+            <a:r>
+              <a:rPr lang="de-DE" dirty="0"/>
               <a:t>Gekoppelte LC – Schwingkreise: Schwebung</a:t>
             </a:r>
           </a:p>
@@ -5398,33 +5153,9 @@
           <a:p>
             <a:pPr lvl="1"/>
             <a:r>
-              <a:rPr lang="de-DE" dirty="0" smtClean="0"/>
+              <a:rPr lang="de-DE" dirty="0"/>
               <a:t>2 getrennte Schwingkreise</a:t>
             </a:r>
-          </a:p>
-          <a:p>
-            <a:pPr lvl="1"/>
-            <a:endParaRPr lang="de-DE" dirty="0" smtClean="0"/>
-          </a:p>
-          <a:p>
-            <a:pPr lvl="1"/>
-            <a:r>
-              <a:rPr lang="de-DE" dirty="0" smtClean="0"/>
-              <a:t>Einen Kondensator aufladen</a:t>
-            </a:r>
-            <a:endParaRPr lang="de-DE" dirty="0"/>
-          </a:p>
-          <a:p>
-            <a:pPr lvl="1"/>
-            <a:endParaRPr lang="de-DE" dirty="0" smtClean="0"/>
-          </a:p>
-          <a:p>
-            <a:pPr lvl="1"/>
-            <a:r>
-              <a:rPr lang="de-DE" dirty="0" smtClean="0"/>
-              <a:t>Spannung über einem Kondensator messen</a:t>
-            </a:r>
-            <a:endParaRPr lang="de-DE" dirty="0"/>
           </a:p>
           <a:p>
             <a:pPr lvl="1"/>
@@ -5433,15 +5164,36 @@
           <a:p>
             <a:pPr lvl="1"/>
             <a:r>
-              <a:rPr lang="de-DE" dirty="0" smtClean="0"/>
-              <a:t>Spannungsquelle überbrücken</a:t>
-            </a:r>
-            <a:endParaRPr lang="de-DE" dirty="0"/>
+              <a:rPr lang="de-DE" dirty="0"/>
+              <a:t>Einen Kondensator aufladen</a:t>
+            </a:r>
           </a:p>
           <a:p>
             <a:pPr lvl="1"/>
             <a:endParaRPr lang="de-DE" dirty="0"/>
           </a:p>
+          <a:p>
+            <a:pPr lvl="1"/>
+            <a:r>
+              <a:rPr lang="de-DE" dirty="0"/>
+              <a:t>Spannung über einem Kondensator messen</a:t>
+            </a:r>
+          </a:p>
+          <a:p>
+            <a:pPr lvl="1"/>
+            <a:endParaRPr lang="de-DE" dirty="0"/>
+          </a:p>
+          <a:p>
+            <a:pPr lvl="1"/>
+            <a:r>
+              <a:rPr lang="de-DE" dirty="0"/>
+              <a:t>Spannungsquelle überbrücken</a:t>
+            </a:r>
+          </a:p>
+          <a:p>
+            <a:pPr lvl="1"/>
+            <a:endParaRPr lang="de-DE" dirty="0"/>
+          </a:p>
         </p:txBody>
       </p:sp>
       <p:sp>
@@ -5461,7 +5213,7 @@
           <a:p>
             <a:fld id="{897114A3-BFF3-441B-8EE5-CE8191EEE22E}" type="slidenum">
               <a:rPr lang="de-DE" smtClean="0"/>
-              <a:t>7</a:t>
+              <a:t>12</a:t>
             </a:fld>
             <a:endParaRPr lang="de-DE"/>
           </a:p>
@@ -5510,7 +5262,7 @@
 </p:sld>
 </file>
 
-<file path=ppt/slides/slide8.xml><?xml version="1.0" encoding="utf-8"?>
+<file path=ppt/slides/slide13.xml><?xml version="1.0" encoding="utf-8"?>
 <p:sld xmlns:a="http://schemas.openxmlformats.org/drawingml/2006/main" xmlns:r="http://schemas.openxmlformats.org/officeDocument/2006/relationships" xmlns:p="http://schemas.openxmlformats.org/presentationml/2006/main">
   <p:cSld>
     <p:spTree>
@@ -5595,7 +5347,7 @@
           <a:p>
             <a:fld id="{897114A3-BFF3-441B-8EE5-CE8191EEE22E}" type="slidenum">
               <a:rPr lang="de-DE" smtClean="0"/>
-              <a:t>8</a:t>
+              <a:t>13</a:t>
             </a:fld>
             <a:endParaRPr lang="de-DE"/>
           </a:p>
@@ -5644,7 +5396,7 @@
 </p:sld>
 </file>
 
-<file path=ppt/slides/slide9.xml><?xml version="1.0" encoding="utf-8"?>
+<file path=ppt/slides/slide14.xml><?xml version="1.0" encoding="utf-8"?>
 <p:sld xmlns:a="http://schemas.openxmlformats.org/drawingml/2006/main" xmlns:r="http://schemas.openxmlformats.org/officeDocument/2006/relationships" xmlns:p="http://schemas.openxmlformats.org/presentationml/2006/main">
   <p:cSld>
     <p:spTree>
@@ -5700,7 +5452,7 @@
           <a:p>
             <a:fld id="{897114A3-BFF3-441B-8EE5-CE8191EEE22E}" type="slidenum">
               <a:rPr lang="de-DE" smtClean="0"/>
-              <a:t>9</a:t>
+              <a:t>14</a:t>
             </a:fld>
             <a:endParaRPr lang="de-DE"/>
           </a:p>
@@ -5727,21 +5479,21 @@
           <a:lstStyle/>
           <a:p>
             <a:r>
-              <a:rPr lang="de-DE" dirty="0" smtClean="0"/>
+              <a:rPr lang="de-DE" dirty="0"/>
               <a:t>Fazit:</a:t>
             </a:r>
           </a:p>
           <a:p>
             <a:pPr lvl="1"/>
             <a:r>
-              <a:rPr lang="de-DE" dirty="0" smtClean="0"/>
+              <a:rPr lang="de-DE" dirty="0"/>
               <a:t>Kopplung gut messbar</a:t>
             </a:r>
           </a:p>
           <a:p>
             <a:pPr lvl="1"/>
             <a:r>
-              <a:rPr lang="de-DE" dirty="0" smtClean="0"/>
+              <a:rPr lang="de-DE" dirty="0"/>
               <a:t>Fehler auf Zeitdifferenz groß</a:t>
             </a:r>
           </a:p>
@@ -5784,6 +5536,2494 @@
     <p:extLst>
       <p:ext uri="{BB962C8B-B14F-4D97-AF65-F5344CB8AC3E}">
         <p14:creationId xmlns:p14="http://schemas.microsoft.com/office/powerpoint/2010/main" val="1138002919"/>
+      </p:ext>
+    </p:extLst>
+  </p:cSld>
+  <p:clrMapOvr>
+    <a:masterClrMapping/>
+  </p:clrMapOvr>
+</p:sld>
+</file>
+
+<file path=ppt/slides/slide2.xml><?xml version="1.0" encoding="utf-8"?>
+<p:sld xmlns:a="http://schemas.openxmlformats.org/drawingml/2006/main" xmlns:r="http://schemas.openxmlformats.org/officeDocument/2006/relationships" xmlns:p="http://schemas.openxmlformats.org/presentationml/2006/main">
+  <p:cSld>
+    <p:spTree>
+      <p:nvGrpSpPr>
+        <p:cNvPr id="1" name=""/>
+        <p:cNvGrpSpPr/>
+        <p:nvPr/>
+      </p:nvGrpSpPr>
+      <p:grpSpPr>
+        <a:xfrm>
+          <a:off x="0" y="0"/>
+          <a:ext cx="0" cy="0"/>
+          <a:chOff x="0" y="0"/>
+          <a:chExt cx="0" cy="0"/>
+        </a:xfrm>
+      </p:grpSpPr>
+      <p:sp>
+        <p:nvSpPr>
+          <p:cNvPr id="2" name="Titel 1"/>
+          <p:cNvSpPr>
+            <a:spLocks noGrp="1"/>
+          </p:cNvSpPr>
+          <p:nvPr>
+            <p:ph type="title"/>
+          </p:nvPr>
+        </p:nvSpPr>
+        <p:spPr/>
+        <p:txBody>
+          <a:bodyPr/>
+          <a:lstStyle/>
+          <a:p>
+            <a:r>
+              <a:rPr lang="de-DE" dirty="0"/>
+              <a:t>Gliederung</a:t>
+            </a:r>
+          </a:p>
+        </p:txBody>
+      </p:sp>
+      <p:sp>
+        <p:nvSpPr>
+          <p:cNvPr id="3" name="Inhaltsplatzhalter 2"/>
+          <p:cNvSpPr>
+            <a:spLocks noGrp="1"/>
+          </p:cNvSpPr>
+          <p:nvPr>
+            <p:ph idx="1"/>
+          </p:nvPr>
+        </p:nvSpPr>
+        <p:spPr/>
+        <p:txBody>
+          <a:bodyPr>
+            <a:normAutofit lnSpcReduction="10000"/>
+          </a:bodyPr>
+          <a:lstStyle/>
+          <a:p>
+            <a:r>
+              <a:rPr lang="de-DE" dirty="0"/>
+              <a:t>Charakterisierung Widerstand</a:t>
+            </a:r>
+          </a:p>
+          <a:p>
+            <a:endParaRPr lang="de-DE" dirty="0"/>
+          </a:p>
+          <a:p>
+            <a:r>
+              <a:rPr lang="de-DE" dirty="0"/>
+              <a:t>Auf- und Entladung Kondensator</a:t>
+            </a:r>
+          </a:p>
+          <a:p>
+            <a:endParaRPr lang="de-DE" dirty="0"/>
+          </a:p>
+          <a:p>
+            <a:r>
+              <a:rPr lang="de-DE" dirty="0"/>
+              <a:t>RLC – Schwingkreis</a:t>
+            </a:r>
+          </a:p>
+          <a:p>
+            <a:endParaRPr lang="de-DE" dirty="0"/>
+          </a:p>
+          <a:p>
+            <a:r>
+              <a:rPr lang="de-DE" dirty="0"/>
+              <a:t>Gekoppelte LC – Schwingkreise: Schwebung</a:t>
+            </a:r>
+          </a:p>
+          <a:p>
+            <a:endParaRPr lang="de-DE" dirty="0"/>
+          </a:p>
+          <a:p>
+            <a:r>
+              <a:rPr lang="de-DE" dirty="0"/>
+              <a:t>Gekoppelte LC-Schwingkreise: Gleich- und Gegensinnig</a:t>
+            </a:r>
+          </a:p>
+        </p:txBody>
+      </p:sp>
+      <p:sp>
+        <p:nvSpPr>
+          <p:cNvPr id="4" name="Foliennummernplatzhalter 3"/>
+          <p:cNvSpPr>
+            <a:spLocks noGrp="1"/>
+          </p:cNvSpPr>
+          <p:nvPr>
+            <p:ph type="sldNum" sz="quarter" idx="12"/>
+          </p:nvPr>
+        </p:nvSpPr>
+        <p:spPr/>
+        <p:txBody>
+          <a:bodyPr/>
+          <a:lstStyle/>
+          <a:p>
+            <a:fld id="{897114A3-BFF3-441B-8EE5-CE8191EEE22E}" type="slidenum">
+              <a:rPr lang="de-DE" smtClean="0"/>
+              <a:t>2</a:t>
+            </a:fld>
+            <a:endParaRPr lang="de-DE"/>
+          </a:p>
+        </p:txBody>
+      </p:sp>
+    </p:spTree>
+    <p:extLst>
+      <p:ext uri="{BB962C8B-B14F-4D97-AF65-F5344CB8AC3E}">
+        <p14:creationId xmlns:p14="http://schemas.microsoft.com/office/powerpoint/2010/main" val="1836459103"/>
+      </p:ext>
+    </p:extLst>
+  </p:cSld>
+  <p:clrMapOvr>
+    <a:masterClrMapping/>
+  </p:clrMapOvr>
+</p:sld>
+</file>
+
+<file path=ppt/slides/slide3.xml><?xml version="1.0" encoding="utf-8"?>
+<p:sld xmlns:a="http://schemas.openxmlformats.org/drawingml/2006/main" xmlns:r="http://schemas.openxmlformats.org/officeDocument/2006/relationships" xmlns:p="http://schemas.openxmlformats.org/presentationml/2006/main">
+  <p:cSld>
+    <p:spTree>
+      <p:nvGrpSpPr>
+        <p:cNvPr id="1" name=""/>
+        <p:cNvGrpSpPr/>
+        <p:nvPr/>
+      </p:nvGrpSpPr>
+      <p:grpSpPr>
+        <a:xfrm>
+          <a:off x="0" y="0"/>
+          <a:ext cx="0" cy="0"/>
+          <a:chOff x="0" y="0"/>
+          <a:chExt cx="0" cy="0"/>
+        </a:xfrm>
+      </p:grpSpPr>
+      <p:sp>
+        <p:nvSpPr>
+          <p:cNvPr id="2" name="Titel 1"/>
+          <p:cNvSpPr>
+            <a:spLocks noGrp="1"/>
+          </p:cNvSpPr>
+          <p:nvPr>
+            <p:ph type="title"/>
+          </p:nvPr>
+        </p:nvSpPr>
+        <p:spPr/>
+        <p:txBody>
+          <a:bodyPr/>
+          <a:lstStyle/>
+          <a:p>
+            <a:r>
+              <a:rPr lang="de-DE" dirty="0"/>
+              <a:t>Charakterisierung Widerstand</a:t>
+            </a:r>
+          </a:p>
+        </p:txBody>
+      </p:sp>
+      <mc:AlternateContent xmlns:mc="http://schemas.openxmlformats.org/markup-compatibility/2006" xmlns:a14="http://schemas.microsoft.com/office/drawing/2010/main">
+        <mc:Choice Requires="a14">
+          <p:sp>
+            <p:nvSpPr>
+              <p:cNvPr id="3" name="Inhaltsplatzhalter 2"/>
+              <p:cNvSpPr>
+                <a:spLocks noGrp="1"/>
+              </p:cNvSpPr>
+              <p:nvPr>
+                <p:ph idx="1"/>
+              </p:nvPr>
+            </p:nvSpPr>
+            <p:spPr/>
+            <p:txBody>
+              <a:bodyPr/>
+              <a:lstStyle/>
+              <a:p>
+                <a:r>
+                  <a:rPr lang="de-DE" dirty="0"/>
+                  <a:t>Ziel</a:t>
+                </a:r>
+              </a:p>
+              <a:p>
+                <a:pPr lvl="1"/>
+                <a:r>
+                  <a:rPr lang="de-DE" dirty="0"/>
+                  <a:t>Charakterisierung eines Widerstands</a:t>
+                </a:r>
+              </a:p>
+              <a:p>
+                <a:endParaRPr lang="de-DE" dirty="0"/>
+              </a:p>
+              <a:p>
+                <a:endParaRPr lang="de-DE" dirty="0"/>
+              </a:p>
+              <a:p>
+                <a:r>
+                  <a:rPr lang="de-DE" dirty="0"/>
+                  <a:t>Ohm‘sches Gesetz:</a:t>
+                </a:r>
+              </a:p>
+              <a:p>
+                <a:pPr lvl="1"/>
+                <a:r>
+                  <a:rPr lang="de-DE" dirty="0">
+                    <a:ea typeface="Cambria Math" panose="02040503050406030204" pitchFamily="18" charset="0"/>
+                  </a:rPr>
+                  <a:t>U</a:t>
+                </a:r>
+                <a14:m>
+                  <m:oMath xmlns:m="http://schemas.openxmlformats.org/officeDocument/2006/math">
+                    <m:r>
+                      <a:rPr lang="de-DE" i="1" smtClean="0">
+                        <a:latin typeface="Cambria Math" panose="02040503050406030204" pitchFamily="18" charset="0"/>
+                        <a:ea typeface="Cambria Math" panose="02040503050406030204" pitchFamily="18" charset="0"/>
+                      </a:rPr>
+                      <m:t>=</m:t>
+                    </m:r>
+                    <m:r>
+                      <a:rPr lang="de-DE" b="0" i="1" smtClean="0">
+                        <a:latin typeface="Cambria Math" panose="02040503050406030204" pitchFamily="18" charset="0"/>
+                        <a:ea typeface="Cambria Math" panose="02040503050406030204" pitchFamily="18" charset="0"/>
+                      </a:rPr>
+                      <m:t>𝑅</m:t>
+                    </m:r>
+                    <m:r>
+                      <a:rPr lang="de-DE" b="0" i="1" smtClean="0">
+                        <a:latin typeface="Cambria Math" panose="02040503050406030204" pitchFamily="18" charset="0"/>
+                        <a:ea typeface="Cambria Math" panose="02040503050406030204" pitchFamily="18" charset="0"/>
+                      </a:rPr>
+                      <m:t>⋅</m:t>
+                    </m:r>
+                    <m:r>
+                      <a:rPr lang="de-DE" b="0" i="1" smtClean="0">
+                        <a:latin typeface="Cambria Math" panose="02040503050406030204" pitchFamily="18" charset="0"/>
+                        <a:ea typeface="Cambria Math" panose="02040503050406030204" pitchFamily="18" charset="0"/>
+                      </a:rPr>
+                      <m:t>𝐼</m:t>
+                    </m:r>
+                  </m:oMath>
+                </a14:m>
+                <a:endParaRPr lang="de-DE" dirty="0"/>
+              </a:p>
+              <a:p>
+                <a:pPr lvl="1"/>
+                <a:endParaRPr lang="de-DE" dirty="0"/>
+              </a:p>
+            </p:txBody>
+          </p:sp>
+        </mc:Choice>
+        <mc:Fallback xmlns="">
+          <p:sp>
+            <p:nvSpPr>
+              <p:cNvPr id="3" name="Inhaltsplatzhalter 2"/>
+              <p:cNvSpPr>
+                <a:spLocks noGrp="1" noRot="1" noChangeAspect="1" noMove="1" noResize="1" noEditPoints="1" noAdjustHandles="1" noChangeArrowheads="1" noChangeShapeType="1" noTextEdit="1"/>
+              </p:cNvSpPr>
+              <p:nvPr>
+                <p:ph idx="1"/>
+              </p:nvPr>
+            </p:nvSpPr>
+            <p:spPr>
+              <a:blipFill rotWithShape="0">
+                <a:blip r:embed="rId3"/>
+                <a:stretch>
+                  <a:fillRect l="-928" t="-2241"/>
+                </a:stretch>
+              </a:blipFill>
+            </p:spPr>
+            <p:txBody>
+              <a:bodyPr/>
+              <a:lstStyle/>
+              <a:p>
+                <a:r>
+                  <a:rPr lang="de-DE">
+                    <a:noFill/>
+                  </a:rPr>
+                  <a:t> </a:t>
+                </a:r>
+              </a:p>
+            </p:txBody>
+          </p:sp>
+        </mc:Fallback>
+      </mc:AlternateContent>
+      <p:sp>
+        <p:nvSpPr>
+          <p:cNvPr id="4" name="Foliennummernplatzhalter 3"/>
+          <p:cNvSpPr>
+            <a:spLocks noGrp="1"/>
+          </p:cNvSpPr>
+          <p:nvPr>
+            <p:ph type="sldNum" sz="quarter" idx="12"/>
+          </p:nvPr>
+        </p:nvSpPr>
+        <p:spPr/>
+        <p:txBody>
+          <a:bodyPr/>
+          <a:lstStyle/>
+          <a:p>
+            <a:fld id="{897114A3-BFF3-441B-8EE5-CE8191EEE22E}" type="slidenum">
+              <a:rPr lang="de-DE" smtClean="0"/>
+              <a:t>3</a:t>
+            </a:fld>
+            <a:endParaRPr lang="de-DE"/>
+          </a:p>
+        </p:txBody>
+      </p:sp>
+    </p:spTree>
+    <p:extLst>
+      <p:ext uri="{BB962C8B-B14F-4D97-AF65-F5344CB8AC3E}">
+        <p14:creationId xmlns:p14="http://schemas.microsoft.com/office/powerpoint/2010/main" val="1143771038"/>
+      </p:ext>
+    </p:extLst>
+  </p:cSld>
+  <p:clrMapOvr>
+    <a:masterClrMapping/>
+  </p:clrMapOvr>
+</p:sld>
+</file>
+
+<file path=ppt/slides/slide4.xml><?xml version="1.0" encoding="utf-8"?>
+<p:sld xmlns:a="http://schemas.openxmlformats.org/drawingml/2006/main" xmlns:r="http://schemas.openxmlformats.org/officeDocument/2006/relationships" xmlns:p="http://schemas.openxmlformats.org/presentationml/2006/main">
+  <p:cSld>
+    <p:spTree>
+      <p:nvGrpSpPr>
+        <p:cNvPr id="1" name=""/>
+        <p:cNvGrpSpPr/>
+        <p:nvPr/>
+      </p:nvGrpSpPr>
+      <p:grpSpPr>
+        <a:xfrm>
+          <a:off x="0" y="0"/>
+          <a:ext cx="0" cy="0"/>
+          <a:chOff x="0" y="0"/>
+          <a:chExt cx="0" cy="0"/>
+        </a:xfrm>
+      </p:grpSpPr>
+      <p:sp>
+        <p:nvSpPr>
+          <p:cNvPr id="2" name="Titel 1"/>
+          <p:cNvSpPr>
+            <a:spLocks noGrp="1"/>
+          </p:cNvSpPr>
+          <p:nvPr>
+            <p:ph type="title"/>
+          </p:nvPr>
+        </p:nvSpPr>
+        <p:spPr/>
+        <p:txBody>
+          <a:bodyPr/>
+          <a:lstStyle/>
+          <a:p>
+            <a:r>
+              <a:rPr lang="de-DE" dirty="0"/>
+              <a:t>Charakterisierung Widerstand</a:t>
+            </a:r>
+          </a:p>
+        </p:txBody>
+      </p:sp>
+      <p:sp>
+        <p:nvSpPr>
+          <p:cNvPr id="3" name="Inhaltsplatzhalter 2"/>
+          <p:cNvSpPr>
+            <a:spLocks noGrp="1"/>
+          </p:cNvSpPr>
+          <p:nvPr>
+            <p:ph idx="1"/>
+          </p:nvPr>
+        </p:nvSpPr>
+        <p:spPr>
+          <a:xfrm>
+            <a:off x="845127" y="1828800"/>
+            <a:ext cx="6225629" cy="4351337"/>
+          </a:xfrm>
+        </p:spPr>
+        <p:txBody>
+          <a:bodyPr/>
+          <a:lstStyle/>
+          <a:p>
+            <a:pPr lvl="1"/>
+            <a:r>
+              <a:rPr lang="de-DE" dirty="0"/>
+              <a:t>Spannungsquelle, Strommesser, Widerstand</a:t>
+            </a:r>
+          </a:p>
+          <a:p>
+            <a:pPr lvl="1"/>
+            <a:endParaRPr lang="de-DE" dirty="0"/>
+          </a:p>
+          <a:p>
+            <a:pPr lvl="1"/>
+            <a:r>
+              <a:rPr lang="de-DE" dirty="0"/>
+              <a:t>Kurzes Intervall, viele Messwerte</a:t>
+            </a:r>
+          </a:p>
+        </p:txBody>
+      </p:sp>
+      <p:sp>
+        <p:nvSpPr>
+          <p:cNvPr id="4" name="Foliennummernplatzhalter 3"/>
+          <p:cNvSpPr>
+            <a:spLocks noGrp="1"/>
+          </p:cNvSpPr>
+          <p:nvPr>
+            <p:ph type="sldNum" sz="quarter" idx="12"/>
+          </p:nvPr>
+        </p:nvSpPr>
+        <p:spPr/>
+        <p:txBody>
+          <a:bodyPr/>
+          <a:lstStyle/>
+          <a:p>
+            <a:fld id="{897114A3-BFF3-441B-8EE5-CE8191EEE22E}" type="slidenum">
+              <a:rPr lang="de-DE" smtClean="0">
+                <a:solidFill>
+                  <a:prstClr val="black">
+                    <a:tint val="75000"/>
+                  </a:prstClr>
+                </a:solidFill>
+              </a:rPr>
+              <a:pPr/>
+              <a:t>4</a:t>
+            </a:fld>
+            <a:endParaRPr lang="de-DE">
+              <a:solidFill>
+                <a:prstClr val="black">
+                  <a:tint val="75000"/>
+                </a:prstClr>
+              </a:solidFill>
+            </a:endParaRPr>
+          </a:p>
+        </p:txBody>
+      </p:sp>
+      <p:pic>
+        <p:nvPicPr>
+          <p:cNvPr id="5" name="Grafik 4"/>
+          <p:cNvPicPr>
+            <a:picLocks noChangeAspect="1"/>
+          </p:cNvPicPr>
+          <p:nvPr/>
+        </p:nvPicPr>
+        <p:blipFill>
+          <a:blip r:embed="rId3">
+            <a:extLst>
+              <a:ext uri="{28A0092B-C50C-407E-A947-70E740481C1C}">
+                <a14:useLocalDpi xmlns:a14="http://schemas.microsoft.com/office/drawing/2010/main" val="0"/>
+              </a:ext>
+            </a:extLst>
+          </a:blip>
+          <a:stretch>
+            <a:fillRect/>
+          </a:stretch>
+        </p:blipFill>
+        <p:spPr>
+          <a:xfrm>
+            <a:off x="5705189" y="1691322"/>
+            <a:ext cx="4950740" cy="4426008"/>
+          </a:xfrm>
+          <a:prstGeom prst="rect">
+            <a:avLst/>
+          </a:prstGeom>
+        </p:spPr>
+      </p:pic>
+    </p:spTree>
+    <p:extLst>
+      <p:ext uri="{BB962C8B-B14F-4D97-AF65-F5344CB8AC3E}">
+        <p14:creationId xmlns:p14="http://schemas.microsoft.com/office/powerpoint/2010/main" val="3430317541"/>
+      </p:ext>
+    </p:extLst>
+  </p:cSld>
+  <p:clrMapOvr>
+    <a:masterClrMapping/>
+  </p:clrMapOvr>
+</p:sld>
+</file>
+
+<file path=ppt/slides/slide5.xml><?xml version="1.0" encoding="utf-8"?>
+<p:sld xmlns:a="http://schemas.openxmlformats.org/drawingml/2006/main" xmlns:r="http://schemas.openxmlformats.org/officeDocument/2006/relationships" xmlns:p="http://schemas.openxmlformats.org/presentationml/2006/main">
+  <p:cSld>
+    <p:spTree>
+      <p:nvGrpSpPr>
+        <p:cNvPr id="1" name=""/>
+        <p:cNvGrpSpPr/>
+        <p:nvPr/>
+      </p:nvGrpSpPr>
+      <p:grpSpPr>
+        <a:xfrm>
+          <a:off x="0" y="0"/>
+          <a:ext cx="0" cy="0"/>
+          <a:chOff x="0" y="0"/>
+          <a:chExt cx="0" cy="0"/>
+        </a:xfrm>
+      </p:grpSpPr>
+      <p:sp>
+        <p:nvSpPr>
+          <p:cNvPr id="2" name="Titel 1"/>
+          <p:cNvSpPr>
+            <a:spLocks noGrp="1"/>
+          </p:cNvSpPr>
+          <p:nvPr>
+            <p:ph type="title"/>
+          </p:nvPr>
+        </p:nvSpPr>
+        <p:spPr/>
+        <p:txBody>
+          <a:bodyPr/>
+          <a:lstStyle/>
+          <a:p>
+            <a:r>
+              <a:rPr lang="de-DE" dirty="0"/>
+              <a:t>Charakterisierung Widerstand</a:t>
+            </a:r>
+          </a:p>
+        </p:txBody>
+      </p:sp>
+      <p:sp>
+        <p:nvSpPr>
+          <p:cNvPr id="3" name="Inhaltsplatzhalter 2"/>
+          <p:cNvSpPr>
+            <a:spLocks noGrp="1"/>
+          </p:cNvSpPr>
+          <p:nvPr>
+            <p:ph idx="1"/>
+          </p:nvPr>
+        </p:nvSpPr>
+        <p:spPr>
+          <a:xfrm>
+            <a:off x="845127" y="1828801"/>
+            <a:ext cx="4876663" cy="1023042"/>
+          </a:xfrm>
+        </p:spPr>
+        <p:txBody>
+          <a:bodyPr/>
+          <a:lstStyle/>
+          <a:p>
+            <a:pPr lvl="1"/>
+            <a:r>
+              <a:rPr lang="de-DE" dirty="0"/>
+              <a:t>Lineare Regression</a:t>
+            </a:r>
+          </a:p>
+        </p:txBody>
+      </p:sp>
+      <p:sp>
+        <p:nvSpPr>
+          <p:cNvPr id="4" name="Foliennummernplatzhalter 3"/>
+          <p:cNvSpPr>
+            <a:spLocks noGrp="1"/>
+          </p:cNvSpPr>
+          <p:nvPr>
+            <p:ph type="sldNum" sz="quarter" idx="12"/>
+          </p:nvPr>
+        </p:nvSpPr>
+        <p:spPr/>
+        <p:txBody>
+          <a:bodyPr/>
+          <a:lstStyle/>
+          <a:p>
+            <a:fld id="{897114A3-BFF3-441B-8EE5-CE8191EEE22E}" type="slidenum">
+              <a:rPr lang="de-DE" smtClean="0">
+                <a:solidFill>
+                  <a:prstClr val="black">
+                    <a:tint val="75000"/>
+                  </a:prstClr>
+                </a:solidFill>
+              </a:rPr>
+              <a:pPr/>
+              <a:t>5</a:t>
+            </a:fld>
+            <a:endParaRPr lang="de-DE">
+              <a:solidFill>
+                <a:prstClr val="black">
+                  <a:tint val="75000"/>
+                </a:prstClr>
+              </a:solidFill>
+            </a:endParaRPr>
+          </a:p>
+        </p:txBody>
+      </p:sp>
+      <p:pic>
+        <p:nvPicPr>
+          <p:cNvPr id="6" name="Grafik 5"/>
+          <p:cNvPicPr>
+            <a:picLocks noChangeAspect="1"/>
+          </p:cNvPicPr>
+          <p:nvPr/>
+        </p:nvPicPr>
+        <p:blipFill>
+          <a:blip r:embed="rId3">
+            <a:extLst>
+              <a:ext uri="{28A0092B-C50C-407E-A947-70E740481C1C}">
+                <a14:useLocalDpi xmlns:a14="http://schemas.microsoft.com/office/drawing/2010/main" val="0"/>
+              </a:ext>
+            </a:extLst>
+          </a:blip>
+          <a:stretch>
+            <a:fillRect/>
+          </a:stretch>
+        </p:blipFill>
+        <p:spPr>
+          <a:xfrm>
+            <a:off x="4746141" y="1425940"/>
+            <a:ext cx="7032710" cy="3616841"/>
+          </a:xfrm>
+          <a:prstGeom prst="rect">
+            <a:avLst/>
+          </a:prstGeom>
+        </p:spPr>
+      </p:pic>
+      <p:pic>
+        <p:nvPicPr>
+          <p:cNvPr id="7" name="Grafik 6"/>
+          <p:cNvPicPr>
+            <a:picLocks noChangeAspect="1"/>
+          </p:cNvPicPr>
+          <p:nvPr/>
+        </p:nvPicPr>
+        <p:blipFill>
+          <a:blip r:embed="rId4">
+            <a:extLst>
+              <a:ext uri="{28A0092B-C50C-407E-A947-70E740481C1C}">
+                <a14:useLocalDpi xmlns:a14="http://schemas.microsoft.com/office/drawing/2010/main" val="0"/>
+              </a:ext>
+            </a:extLst>
+          </a:blip>
+          <a:stretch>
+            <a:fillRect/>
+          </a:stretch>
+        </p:blipFill>
+        <p:spPr>
+          <a:xfrm>
+            <a:off x="597530" y="5187481"/>
+            <a:ext cx="9995026" cy="1168869"/>
+          </a:xfrm>
+          <a:prstGeom prst="rect">
+            <a:avLst/>
+          </a:prstGeom>
+        </p:spPr>
+      </p:pic>
+    </p:spTree>
+    <p:extLst>
+      <p:ext uri="{BB962C8B-B14F-4D97-AF65-F5344CB8AC3E}">
+        <p14:creationId xmlns:p14="http://schemas.microsoft.com/office/powerpoint/2010/main" val="3278444537"/>
+      </p:ext>
+    </p:extLst>
+  </p:cSld>
+  <p:clrMapOvr>
+    <a:masterClrMapping/>
+  </p:clrMapOvr>
+</p:sld>
+</file>
+
+<file path=ppt/slides/slide6.xml><?xml version="1.0" encoding="utf-8"?>
+<p:sld xmlns:a="http://schemas.openxmlformats.org/drawingml/2006/main" xmlns:r="http://schemas.openxmlformats.org/officeDocument/2006/relationships" xmlns:p="http://schemas.openxmlformats.org/presentationml/2006/main">
+  <p:cSld>
+    <p:spTree>
+      <p:nvGrpSpPr>
+        <p:cNvPr id="1" name=""/>
+        <p:cNvGrpSpPr/>
+        <p:nvPr/>
+      </p:nvGrpSpPr>
+      <p:grpSpPr>
+        <a:xfrm>
+          <a:off x="0" y="0"/>
+          <a:ext cx="0" cy="0"/>
+          <a:chOff x="0" y="0"/>
+          <a:chExt cx="0" cy="0"/>
+        </a:xfrm>
+      </p:grpSpPr>
+      <p:sp>
+        <p:nvSpPr>
+          <p:cNvPr id="2" name="Titel 1"/>
+          <p:cNvSpPr>
+            <a:spLocks noGrp="1"/>
+          </p:cNvSpPr>
+          <p:nvPr>
+            <p:ph type="title"/>
+          </p:nvPr>
+        </p:nvSpPr>
+        <p:spPr/>
+        <p:txBody>
+          <a:bodyPr/>
+          <a:lstStyle/>
+          <a:p>
+            <a:r>
+              <a:rPr lang="de-DE" dirty="0"/>
+              <a:t>RLC - Grundlagen</a:t>
+            </a:r>
+          </a:p>
+        </p:txBody>
+      </p:sp>
+      <mc:AlternateContent xmlns:mc="http://schemas.openxmlformats.org/markup-compatibility/2006">
+        <mc:Choice xmlns:a14="http://schemas.microsoft.com/office/drawing/2010/main" Requires="a14">
+          <p:sp>
+            <p:nvSpPr>
+              <p:cNvPr id="3" name="Inhaltsplatzhalter 2"/>
+              <p:cNvSpPr>
+                <a:spLocks noGrp="1"/>
+              </p:cNvSpPr>
+              <p:nvPr>
+                <p:ph idx="1"/>
+              </p:nvPr>
+            </p:nvSpPr>
+            <p:spPr>
+              <a:xfrm>
+                <a:off x="838200" y="1865382"/>
+                <a:ext cx="10515600" cy="4351338"/>
+              </a:xfrm>
+            </p:spPr>
+            <p:txBody>
+              <a:bodyPr/>
+              <a:lstStyle/>
+              <a:p>
+                <a:r>
+                  <a:rPr lang="de-DE" dirty="0"/>
+                  <a:t>Spannungsverlauf</a:t>
+                </a:r>
+              </a:p>
+              <a:p>
+                <a:pPr lvl="1"/>
+                <a:r>
+                  <a:rPr lang="de-DE" dirty="0"/>
+                  <a:t>Kriechfall – Exponentielles Abklingen</a:t>
+                </a:r>
+              </a:p>
+              <a:p>
+                <a:pPr lvl="1"/>
+                <a:endParaRPr lang="de-DE" dirty="0"/>
+              </a:p>
+              <a:p>
+                <a:pPr lvl="1"/>
+                <a:r>
+                  <a:rPr lang="de-DE" dirty="0"/>
+                  <a:t>Aperiodischer Grenzfall - </a:t>
+                </a:r>
+                <a14:m>
+                  <m:oMath xmlns:m="http://schemas.openxmlformats.org/officeDocument/2006/math">
+                    <m:r>
+                      <a:rPr lang="de-DE" b="0" i="1" smtClean="0">
+                        <a:latin typeface="Cambria Math" panose="02040503050406030204" pitchFamily="18" charset="0"/>
+                      </a:rPr>
+                      <m:t>𝑈</m:t>
+                    </m:r>
+                    <m:d>
+                      <m:dPr>
+                        <m:ctrlPr>
+                          <a:rPr lang="de-DE" b="0" i="1" smtClean="0">
+                            <a:latin typeface="Cambria Math" panose="02040503050406030204" pitchFamily="18" charset="0"/>
+                          </a:rPr>
+                        </m:ctrlPr>
+                      </m:dPr>
+                      <m:e>
+                        <m:r>
+                          <a:rPr lang="de-DE" b="0" i="1" smtClean="0">
+                            <a:latin typeface="Cambria Math" panose="02040503050406030204" pitchFamily="18" charset="0"/>
+                          </a:rPr>
+                          <m:t>𝑡</m:t>
+                        </m:r>
+                      </m:e>
+                    </m:d>
+                    <m:r>
+                      <a:rPr lang="de-DE" b="0" i="1" smtClean="0">
+                        <a:latin typeface="Cambria Math" panose="02040503050406030204" pitchFamily="18" charset="0"/>
+                      </a:rPr>
+                      <m:t>=</m:t>
+                    </m:r>
+                    <m:sSub>
+                      <m:sSubPr>
+                        <m:ctrlPr>
+                          <a:rPr lang="de-DE" b="0" i="1" smtClean="0">
+                            <a:latin typeface="Cambria Math" panose="02040503050406030204" pitchFamily="18" charset="0"/>
+                          </a:rPr>
+                        </m:ctrlPr>
+                      </m:sSubPr>
+                      <m:e>
+                        <m:r>
+                          <a:rPr lang="de-DE" b="0" i="1" smtClean="0">
+                            <a:latin typeface="Cambria Math" panose="02040503050406030204" pitchFamily="18" charset="0"/>
+                          </a:rPr>
+                          <m:t>𝑈</m:t>
+                        </m:r>
+                      </m:e>
+                      <m:sub>
+                        <m:r>
+                          <a:rPr lang="de-DE" b="0" i="1" smtClean="0">
+                            <a:latin typeface="Cambria Math" panose="02040503050406030204" pitchFamily="18" charset="0"/>
+                          </a:rPr>
+                          <m:t>0</m:t>
+                        </m:r>
+                      </m:sub>
+                    </m:sSub>
+                    <m:sSup>
+                      <m:sSupPr>
+                        <m:ctrlPr>
+                          <a:rPr lang="de-DE" b="0" i="1" smtClean="0">
+                            <a:latin typeface="Cambria Math" panose="02040503050406030204" pitchFamily="18" charset="0"/>
+                          </a:rPr>
+                        </m:ctrlPr>
+                      </m:sSupPr>
+                      <m:e>
+                        <m:r>
+                          <a:rPr lang="de-DE" b="0" i="1" smtClean="0">
+                            <a:latin typeface="Cambria Math" panose="02040503050406030204" pitchFamily="18" charset="0"/>
+                          </a:rPr>
+                          <m:t>𝑒</m:t>
+                        </m:r>
+                      </m:e>
+                      <m:sup>
+                        <m:r>
+                          <a:rPr lang="de-DE" b="0" i="1" smtClean="0">
+                            <a:latin typeface="Cambria Math" panose="02040503050406030204" pitchFamily="18" charset="0"/>
+                          </a:rPr>
+                          <m:t>−</m:t>
+                        </m:r>
+                        <m:r>
+                          <a:rPr lang="de-DE" b="0" i="1" smtClean="0">
+                            <a:latin typeface="Cambria Math" panose="02040503050406030204" pitchFamily="18" charset="0"/>
+                          </a:rPr>
+                          <m:t>𝛿</m:t>
+                        </m:r>
+                        <m:r>
+                          <a:rPr lang="de-DE" b="0" i="1" smtClean="0">
+                            <a:latin typeface="Cambria Math" panose="02040503050406030204" pitchFamily="18" charset="0"/>
+                          </a:rPr>
+                          <m:t>𝑡</m:t>
+                        </m:r>
+                      </m:sup>
+                    </m:sSup>
+                    <m:r>
+                      <a:rPr lang="de-DE" b="0" i="1" smtClean="0">
+                        <a:latin typeface="Cambria Math" panose="02040503050406030204" pitchFamily="18" charset="0"/>
+                      </a:rPr>
+                      <m:t>(1+</m:t>
+                    </m:r>
+                    <m:r>
+                      <a:rPr lang="de-DE" b="0" i="1" smtClean="0">
+                        <a:latin typeface="Cambria Math" panose="02040503050406030204" pitchFamily="18" charset="0"/>
+                      </a:rPr>
+                      <m:t>𝛿</m:t>
+                    </m:r>
+                    <m:r>
+                      <a:rPr lang="de-DE" b="0" i="1" smtClean="0">
+                        <a:latin typeface="Cambria Math" panose="02040503050406030204" pitchFamily="18" charset="0"/>
+                      </a:rPr>
+                      <m:t>𝑡</m:t>
+                    </m:r>
+                    <m:r>
+                      <a:rPr lang="de-DE" b="0" i="1" smtClean="0">
+                        <a:latin typeface="Cambria Math" panose="02040503050406030204" pitchFamily="18" charset="0"/>
+                      </a:rPr>
+                      <m:t>)</m:t>
+                    </m:r>
+                  </m:oMath>
+                </a14:m>
+                <a:endParaRPr lang="de-DE" dirty="0"/>
+              </a:p>
+              <a:p>
+                <a:pPr lvl="1"/>
+                <a:endParaRPr lang="de-DE" dirty="0"/>
+              </a:p>
+              <a:p>
+                <a:pPr lvl="1"/>
+                <a:r>
+                  <a:rPr lang="de-DE" dirty="0"/>
+                  <a:t>Schwingfall - </a:t>
+                </a:r>
+                <a14:m>
+                  <m:oMath xmlns:m="http://schemas.openxmlformats.org/officeDocument/2006/math">
+                    <m:r>
+                      <a:rPr lang="de-DE" b="0" i="1" smtClean="0">
+                        <a:latin typeface="Cambria Math" panose="02040503050406030204" pitchFamily="18" charset="0"/>
+                      </a:rPr>
+                      <m:t>𝑈</m:t>
+                    </m:r>
+                    <m:d>
+                      <m:dPr>
+                        <m:ctrlPr>
+                          <a:rPr lang="de-DE" b="0" i="1" smtClean="0">
+                            <a:latin typeface="Cambria Math" panose="02040503050406030204" pitchFamily="18" charset="0"/>
+                          </a:rPr>
+                        </m:ctrlPr>
+                      </m:dPr>
+                      <m:e>
+                        <m:r>
+                          <a:rPr lang="de-DE" b="0" i="1" smtClean="0">
+                            <a:latin typeface="Cambria Math" panose="02040503050406030204" pitchFamily="18" charset="0"/>
+                          </a:rPr>
+                          <m:t>𝑡</m:t>
+                        </m:r>
+                      </m:e>
+                    </m:d>
+                    <m:r>
+                      <a:rPr lang="de-DE" b="0" i="1" smtClean="0">
+                        <a:latin typeface="Cambria Math" panose="02040503050406030204" pitchFamily="18" charset="0"/>
+                      </a:rPr>
+                      <m:t>=</m:t>
+                    </m:r>
+                    <m:sSub>
+                      <m:sSubPr>
+                        <m:ctrlPr>
+                          <a:rPr lang="de-DE" b="0" i="1" smtClean="0">
+                            <a:latin typeface="Cambria Math" panose="02040503050406030204" pitchFamily="18" charset="0"/>
+                          </a:rPr>
+                        </m:ctrlPr>
+                      </m:sSubPr>
+                      <m:e>
+                        <m:r>
+                          <a:rPr lang="de-DE" b="0" i="1" smtClean="0">
+                            <a:latin typeface="Cambria Math" panose="02040503050406030204" pitchFamily="18" charset="0"/>
+                          </a:rPr>
+                          <m:t>𝑈</m:t>
+                        </m:r>
+                      </m:e>
+                      <m:sub>
+                        <m:r>
+                          <a:rPr lang="de-DE" b="0" i="1" smtClean="0">
+                            <a:latin typeface="Cambria Math" panose="02040503050406030204" pitchFamily="18" charset="0"/>
+                          </a:rPr>
+                          <m:t>𝑜</m:t>
+                        </m:r>
+                      </m:sub>
+                    </m:sSub>
+                    <m:sSup>
+                      <m:sSupPr>
+                        <m:ctrlPr>
+                          <a:rPr lang="de-DE" b="0" i="1" smtClean="0">
+                            <a:latin typeface="Cambria Math" panose="02040503050406030204" pitchFamily="18" charset="0"/>
+                          </a:rPr>
+                        </m:ctrlPr>
+                      </m:sSupPr>
+                      <m:e>
+                        <m:r>
+                          <a:rPr lang="de-DE" b="0" i="1" smtClean="0">
+                            <a:latin typeface="Cambria Math" panose="02040503050406030204" pitchFamily="18" charset="0"/>
+                          </a:rPr>
+                          <m:t>𝑒</m:t>
+                        </m:r>
+                      </m:e>
+                      <m:sup>
+                        <m:r>
+                          <a:rPr lang="de-DE" b="0" i="1" smtClean="0">
+                            <a:latin typeface="Cambria Math" panose="02040503050406030204" pitchFamily="18" charset="0"/>
+                          </a:rPr>
+                          <m:t>−</m:t>
+                        </m:r>
+                        <m:r>
+                          <a:rPr lang="de-DE" b="0" i="1" smtClean="0">
+                            <a:latin typeface="Cambria Math" panose="02040503050406030204" pitchFamily="18" charset="0"/>
+                          </a:rPr>
+                          <m:t>𝛿</m:t>
+                        </m:r>
+                        <m:r>
+                          <a:rPr lang="de-DE" b="0" i="1" smtClean="0">
+                            <a:latin typeface="Cambria Math" panose="02040503050406030204" pitchFamily="18" charset="0"/>
+                          </a:rPr>
+                          <m:t>𝑡</m:t>
+                        </m:r>
+                      </m:sup>
+                    </m:sSup>
+                    <m:func>
+                      <m:funcPr>
+                        <m:ctrlPr>
+                          <a:rPr lang="de-DE" b="0" i="1" smtClean="0">
+                            <a:latin typeface="Cambria Math" panose="02040503050406030204" pitchFamily="18" charset="0"/>
+                          </a:rPr>
+                        </m:ctrlPr>
+                      </m:funcPr>
+                      <m:fName>
+                        <m:r>
+                          <m:rPr>
+                            <m:sty m:val="p"/>
+                          </m:rPr>
+                          <a:rPr lang="de-DE" b="0" i="0" smtClean="0">
+                            <a:latin typeface="Cambria Math" panose="02040503050406030204" pitchFamily="18" charset="0"/>
+                          </a:rPr>
+                          <m:t>sin</m:t>
+                        </m:r>
+                      </m:fName>
+                      <m:e>
+                        <m:d>
+                          <m:dPr>
+                            <m:ctrlPr>
+                              <a:rPr lang="de-DE" b="0" i="1" smtClean="0">
+                                <a:latin typeface="Cambria Math" panose="02040503050406030204" pitchFamily="18" charset="0"/>
+                              </a:rPr>
+                            </m:ctrlPr>
+                          </m:dPr>
+                          <m:e>
+                            <m:r>
+                              <a:rPr lang="de-DE" b="0" i="1" smtClean="0">
+                                <a:latin typeface="Cambria Math" panose="02040503050406030204" pitchFamily="18" charset="0"/>
+                              </a:rPr>
+                              <m:t>𝜔</m:t>
+                            </m:r>
+                            <m:r>
+                              <a:rPr lang="de-DE" b="0" i="1" smtClean="0">
+                                <a:latin typeface="Cambria Math" panose="02040503050406030204" pitchFamily="18" charset="0"/>
+                              </a:rPr>
+                              <m:t>𝑡</m:t>
+                            </m:r>
+                          </m:e>
+                        </m:d>
+                      </m:e>
+                    </m:func>
+                  </m:oMath>
+                </a14:m>
+                <a:endParaRPr lang="de-DE" b="0" dirty="0"/>
+              </a:p>
+              <a:p>
+                <a:pPr lvl="1"/>
+                <a:endParaRPr lang="de-DE" dirty="0"/>
+              </a:p>
+              <a:p>
+                <a:pPr lvl="1"/>
+                <a:r>
+                  <a:rPr lang="de-DE" dirty="0"/>
+                  <a:t>	</a:t>
+                </a:r>
+                <a14:m>
+                  <m:oMath xmlns:m="http://schemas.openxmlformats.org/officeDocument/2006/math">
+                    <m:r>
+                      <a:rPr lang="de-DE" b="0" i="1" smtClean="0">
+                        <a:latin typeface="Cambria Math" panose="02040503050406030204" pitchFamily="18" charset="0"/>
+                      </a:rPr>
+                      <m:t>𝛿</m:t>
+                    </m:r>
+                    <m:r>
+                      <a:rPr lang="de-DE" b="0" i="1" smtClean="0">
+                        <a:latin typeface="Cambria Math" panose="02040503050406030204" pitchFamily="18" charset="0"/>
+                      </a:rPr>
+                      <m:t>=</m:t>
+                    </m:r>
+                    <m:f>
+                      <m:fPr>
+                        <m:ctrlPr>
+                          <a:rPr lang="de-DE" b="0" i="1" smtClean="0">
+                            <a:latin typeface="Cambria Math" panose="02040503050406030204" pitchFamily="18" charset="0"/>
+                          </a:rPr>
+                        </m:ctrlPr>
+                      </m:fPr>
+                      <m:num>
+                        <m:r>
+                          <a:rPr lang="de-DE" b="0" i="1" smtClean="0">
+                            <a:latin typeface="Cambria Math" panose="02040503050406030204" pitchFamily="18" charset="0"/>
+                          </a:rPr>
+                          <m:t>𝑅</m:t>
+                        </m:r>
+                      </m:num>
+                      <m:den>
+                        <m:r>
+                          <a:rPr lang="de-DE" b="0" i="1" smtClean="0">
+                            <a:latin typeface="Cambria Math" panose="02040503050406030204" pitchFamily="18" charset="0"/>
+                          </a:rPr>
+                          <m:t>2</m:t>
+                        </m:r>
+                        <m:r>
+                          <a:rPr lang="de-DE" b="0" i="1" smtClean="0">
+                            <a:latin typeface="Cambria Math" panose="02040503050406030204" pitchFamily="18" charset="0"/>
+                          </a:rPr>
+                          <m:t>𝐿</m:t>
+                        </m:r>
+                      </m:den>
+                    </m:f>
+                  </m:oMath>
+                </a14:m>
+                <a:r>
+                  <a:rPr lang="de-DE" dirty="0"/>
+                  <a:t>		</a:t>
+                </a:r>
+                <a14:m>
+                  <m:oMath xmlns:m="http://schemas.openxmlformats.org/officeDocument/2006/math">
+                    <m:sSub>
+                      <m:sSubPr>
+                        <m:ctrlPr>
+                          <a:rPr lang="de-DE" b="0" i="1" smtClean="0">
+                            <a:latin typeface="Cambria Math" panose="02040503050406030204" pitchFamily="18" charset="0"/>
+                          </a:rPr>
+                        </m:ctrlPr>
+                      </m:sSubPr>
+                      <m:e>
+                        <m:r>
+                          <a:rPr lang="de-DE" b="0" i="1" smtClean="0">
+                            <a:latin typeface="Cambria Math" panose="02040503050406030204" pitchFamily="18" charset="0"/>
+                          </a:rPr>
+                          <m:t>𝜔</m:t>
+                        </m:r>
+                      </m:e>
+                      <m:sub>
+                        <m:r>
+                          <a:rPr lang="de-DE" b="0" i="1" smtClean="0">
+                            <a:latin typeface="Cambria Math" panose="02040503050406030204" pitchFamily="18" charset="0"/>
+                          </a:rPr>
+                          <m:t>0</m:t>
+                        </m:r>
+                      </m:sub>
+                    </m:sSub>
+                    <m:r>
+                      <a:rPr lang="de-DE" b="0" i="1" smtClean="0">
+                        <a:latin typeface="Cambria Math" panose="02040503050406030204" pitchFamily="18" charset="0"/>
+                      </a:rPr>
+                      <m:t>=</m:t>
+                    </m:r>
+                    <m:rad>
+                      <m:radPr>
+                        <m:degHide m:val="on"/>
+                        <m:ctrlPr>
+                          <a:rPr lang="de-DE" b="0" i="1" smtClean="0">
+                            <a:latin typeface="Cambria Math" panose="02040503050406030204" pitchFamily="18" charset="0"/>
+                          </a:rPr>
+                        </m:ctrlPr>
+                      </m:radPr>
+                      <m:deg/>
+                      <m:e>
+                        <m:f>
+                          <m:fPr>
+                            <m:ctrlPr>
+                              <a:rPr lang="de-DE" b="0" i="1" smtClean="0">
+                                <a:latin typeface="Cambria Math" panose="02040503050406030204" pitchFamily="18" charset="0"/>
+                              </a:rPr>
+                            </m:ctrlPr>
+                          </m:fPr>
+                          <m:num>
+                            <m:r>
+                              <a:rPr lang="de-DE" b="0" i="1" smtClean="0">
+                                <a:latin typeface="Cambria Math" panose="02040503050406030204" pitchFamily="18" charset="0"/>
+                              </a:rPr>
+                              <m:t>1</m:t>
+                            </m:r>
+                          </m:num>
+                          <m:den>
+                            <m:r>
+                              <a:rPr lang="de-DE" b="0" i="1" smtClean="0">
+                                <a:latin typeface="Cambria Math" panose="02040503050406030204" pitchFamily="18" charset="0"/>
+                              </a:rPr>
+                              <m:t>𝐿𝐶</m:t>
+                            </m:r>
+                          </m:den>
+                        </m:f>
+                      </m:e>
+                    </m:rad>
+                  </m:oMath>
+                </a14:m>
+                <a:r>
+                  <a:rPr lang="de-DE" dirty="0"/>
+                  <a:t>		</a:t>
+                </a:r>
+                <a14:m>
+                  <m:oMath xmlns:m="http://schemas.openxmlformats.org/officeDocument/2006/math">
+                    <m:r>
+                      <a:rPr lang="de-DE" b="0" i="1" smtClean="0">
+                        <a:latin typeface="Cambria Math" panose="02040503050406030204" pitchFamily="18" charset="0"/>
+                      </a:rPr>
+                      <m:t>𝜔</m:t>
+                    </m:r>
+                    <m:r>
+                      <a:rPr lang="de-DE" b="0" i="1" smtClean="0">
+                        <a:latin typeface="Cambria Math" panose="02040503050406030204" pitchFamily="18" charset="0"/>
+                      </a:rPr>
+                      <m:t>=</m:t>
+                    </m:r>
+                    <m:rad>
+                      <m:radPr>
+                        <m:degHide m:val="on"/>
+                        <m:ctrlPr>
+                          <a:rPr lang="de-DE" b="0" i="1" smtClean="0">
+                            <a:latin typeface="Cambria Math" panose="02040503050406030204" pitchFamily="18" charset="0"/>
+                          </a:rPr>
+                        </m:ctrlPr>
+                      </m:radPr>
+                      <m:deg/>
+                      <m:e>
+                        <m:sSubSup>
+                          <m:sSubSupPr>
+                            <m:ctrlPr>
+                              <a:rPr lang="de-DE" b="0" i="1" smtClean="0">
+                                <a:latin typeface="Cambria Math" panose="02040503050406030204" pitchFamily="18" charset="0"/>
+                              </a:rPr>
+                            </m:ctrlPr>
+                          </m:sSubSupPr>
+                          <m:e>
+                            <m:r>
+                              <a:rPr lang="de-DE" b="0" i="1" smtClean="0">
+                                <a:latin typeface="Cambria Math" panose="02040503050406030204" pitchFamily="18" charset="0"/>
+                              </a:rPr>
+                              <m:t>𝜔</m:t>
+                            </m:r>
+                          </m:e>
+                          <m:sub>
+                            <m:r>
+                              <a:rPr lang="de-DE" b="0" i="1" smtClean="0">
+                                <a:latin typeface="Cambria Math" panose="02040503050406030204" pitchFamily="18" charset="0"/>
+                              </a:rPr>
+                              <m:t>0</m:t>
+                            </m:r>
+                          </m:sub>
+                          <m:sup>
+                            <m:r>
+                              <a:rPr lang="de-DE" b="0" i="1" smtClean="0">
+                                <a:latin typeface="Cambria Math" panose="02040503050406030204" pitchFamily="18" charset="0"/>
+                              </a:rPr>
+                              <m:t>2</m:t>
+                            </m:r>
+                          </m:sup>
+                        </m:sSubSup>
+                        <m:r>
+                          <a:rPr lang="de-DE" b="0" i="1" smtClean="0">
+                            <a:latin typeface="Cambria Math" panose="02040503050406030204" pitchFamily="18" charset="0"/>
+                          </a:rPr>
+                          <m:t>−</m:t>
+                        </m:r>
+                        <m:sSup>
+                          <m:sSupPr>
+                            <m:ctrlPr>
+                              <a:rPr lang="de-DE" b="0" i="1" smtClean="0">
+                                <a:latin typeface="Cambria Math" panose="02040503050406030204" pitchFamily="18" charset="0"/>
+                              </a:rPr>
+                            </m:ctrlPr>
+                          </m:sSupPr>
+                          <m:e>
+                            <m:r>
+                              <a:rPr lang="de-DE" b="0" i="1" smtClean="0">
+                                <a:latin typeface="Cambria Math" panose="02040503050406030204" pitchFamily="18" charset="0"/>
+                              </a:rPr>
+                              <m:t>𝛿</m:t>
+                            </m:r>
+                          </m:e>
+                          <m:sup>
+                            <m:r>
+                              <a:rPr lang="de-DE" b="0" i="1" smtClean="0">
+                                <a:latin typeface="Cambria Math" panose="02040503050406030204" pitchFamily="18" charset="0"/>
+                              </a:rPr>
+                              <m:t>2</m:t>
+                            </m:r>
+                          </m:sup>
+                        </m:sSup>
+                        <m:r>
+                          <a:rPr lang="de-DE" b="0" i="1" smtClean="0">
+                            <a:latin typeface="Cambria Math" panose="02040503050406030204" pitchFamily="18" charset="0"/>
+                          </a:rPr>
+                          <m:t> </m:t>
+                        </m:r>
+                      </m:e>
+                    </m:rad>
+                  </m:oMath>
+                </a14:m>
+                <a:endParaRPr lang="de-DE" dirty="0"/>
+              </a:p>
+            </p:txBody>
+          </p:sp>
+        </mc:Choice>
+        <mc:Fallback>
+          <p:sp>
+            <p:nvSpPr>
+              <p:cNvPr id="3" name="Inhaltsplatzhalter 2"/>
+              <p:cNvSpPr>
+                <a:spLocks noGrp="1" noRot="1" noChangeAspect="1" noMove="1" noResize="1" noEditPoints="1" noAdjustHandles="1" noChangeArrowheads="1" noChangeShapeType="1" noTextEdit="1"/>
+              </p:cNvSpPr>
+              <p:nvPr>
+                <p:ph idx="1"/>
+              </p:nvPr>
+            </p:nvSpPr>
+            <p:spPr>
+              <a:xfrm>
+                <a:off x="838200" y="1865382"/>
+                <a:ext cx="10515600" cy="4351338"/>
+              </a:xfrm>
+              <a:blipFill>
+                <a:blip r:embed="rId2"/>
+                <a:stretch>
+                  <a:fillRect l="-928" t="-2241"/>
+                </a:stretch>
+              </a:blipFill>
+            </p:spPr>
+            <p:txBody>
+              <a:bodyPr/>
+              <a:lstStyle/>
+              <a:p>
+                <a:r>
+                  <a:rPr lang="de-DE">
+                    <a:noFill/>
+                  </a:rPr>
+                  <a:t> </a:t>
+                </a:r>
+              </a:p>
+            </p:txBody>
+          </p:sp>
+        </mc:Fallback>
+      </mc:AlternateContent>
+    </p:spTree>
+    <p:extLst>
+      <p:ext uri="{BB962C8B-B14F-4D97-AF65-F5344CB8AC3E}">
+        <p14:creationId xmlns:p14="http://schemas.microsoft.com/office/powerpoint/2010/main" val="3597214546"/>
+      </p:ext>
+    </p:extLst>
+  </p:cSld>
+  <p:clrMapOvr>
+    <a:masterClrMapping/>
+  </p:clrMapOvr>
+</p:sld>
+</file>
+
+<file path=ppt/slides/slide7.xml><?xml version="1.0" encoding="utf-8"?>
+<p:sld xmlns:a="http://schemas.openxmlformats.org/drawingml/2006/main" xmlns:r="http://schemas.openxmlformats.org/officeDocument/2006/relationships" xmlns:p="http://schemas.openxmlformats.org/presentationml/2006/main">
+  <p:cSld>
+    <p:spTree>
+      <p:nvGrpSpPr>
+        <p:cNvPr id="1" name=""/>
+        <p:cNvGrpSpPr/>
+        <p:nvPr/>
+      </p:nvGrpSpPr>
+      <p:grpSpPr>
+        <a:xfrm>
+          <a:off x="0" y="0"/>
+          <a:ext cx="0" cy="0"/>
+          <a:chOff x="0" y="0"/>
+          <a:chExt cx="0" cy="0"/>
+        </a:xfrm>
+      </p:grpSpPr>
+      <p:sp>
+        <p:nvSpPr>
+          <p:cNvPr id="2" name="Titel 1"/>
+          <p:cNvSpPr>
+            <a:spLocks noGrp="1"/>
+          </p:cNvSpPr>
+          <p:nvPr>
+            <p:ph type="title"/>
+          </p:nvPr>
+        </p:nvSpPr>
+        <p:spPr/>
+        <p:txBody>
+          <a:bodyPr/>
+          <a:lstStyle/>
+          <a:p>
+            <a:r>
+              <a:rPr lang="de-DE" dirty="0"/>
+              <a:t>RLC – Rohdaten I</a:t>
+            </a:r>
+          </a:p>
+        </p:txBody>
+      </p:sp>
+      <p:pic>
+        <p:nvPicPr>
+          <p:cNvPr id="15" name="Inhaltsplatzhalter 14"/>
+          <p:cNvPicPr>
+            <a:picLocks noGrp="1" noChangeAspect="1"/>
+          </p:cNvPicPr>
+          <p:nvPr>
+            <p:ph sz="half" idx="2"/>
+          </p:nvPr>
+        </p:nvPicPr>
+        <p:blipFill>
+          <a:blip r:embed="rId2">
+            <a:extLst>
+              <a:ext uri="{28A0092B-C50C-407E-A947-70E740481C1C}">
+                <a14:useLocalDpi xmlns:a14="http://schemas.microsoft.com/office/drawing/2010/main" val="0"/>
+              </a:ext>
+            </a:extLst>
+          </a:blip>
+          <a:stretch>
+            <a:fillRect/>
+          </a:stretch>
+        </p:blipFill>
+        <p:spPr>
+          <a:xfrm>
+            <a:off x="6172199" y="1252026"/>
+            <a:ext cx="5710311" cy="5036232"/>
+          </a:xfrm>
+        </p:spPr>
+      </p:pic>
+      <p:pic>
+        <p:nvPicPr>
+          <p:cNvPr id="13" name="Inhaltsplatzhalter 12"/>
+          <p:cNvPicPr>
+            <a:picLocks noGrp="1" noChangeAspect="1"/>
+          </p:cNvPicPr>
+          <p:nvPr>
+            <p:ph sz="half" idx="1"/>
+          </p:nvPr>
+        </p:nvPicPr>
+        <p:blipFill>
+          <a:blip r:embed="rId3">
+            <a:extLst>
+              <a:ext uri="{28A0092B-C50C-407E-A947-70E740481C1C}">
+                <a14:useLocalDpi xmlns:a14="http://schemas.microsoft.com/office/drawing/2010/main" val="0"/>
+              </a:ext>
+            </a:extLst>
+          </a:blip>
+          <a:stretch>
+            <a:fillRect/>
+          </a:stretch>
+        </p:blipFill>
+        <p:spPr>
+          <a:xfrm>
+            <a:off x="309489" y="1252025"/>
+            <a:ext cx="5710311" cy="5036232"/>
+          </a:xfrm>
+        </p:spPr>
+      </p:pic>
+    </p:spTree>
+    <p:extLst>
+      <p:ext uri="{BB962C8B-B14F-4D97-AF65-F5344CB8AC3E}">
+        <p14:creationId xmlns:p14="http://schemas.microsoft.com/office/powerpoint/2010/main" val="1599133061"/>
+      </p:ext>
+    </p:extLst>
+  </p:cSld>
+  <p:clrMapOvr>
+    <a:masterClrMapping/>
+  </p:clrMapOvr>
+</p:sld>
+</file>
+
+<file path=ppt/slides/slide8.xml><?xml version="1.0" encoding="utf-8"?>
+<p:sld xmlns:a="http://schemas.openxmlformats.org/drawingml/2006/main" xmlns:r="http://schemas.openxmlformats.org/officeDocument/2006/relationships" xmlns:p="http://schemas.openxmlformats.org/presentationml/2006/main">
+  <p:cSld>
+    <p:spTree>
+      <p:nvGrpSpPr>
+        <p:cNvPr id="1" name=""/>
+        <p:cNvGrpSpPr/>
+        <p:nvPr/>
+      </p:nvGrpSpPr>
+      <p:grpSpPr>
+        <a:xfrm>
+          <a:off x="0" y="0"/>
+          <a:ext cx="0" cy="0"/>
+          <a:chOff x="0" y="0"/>
+          <a:chExt cx="0" cy="0"/>
+        </a:xfrm>
+      </p:grpSpPr>
+      <p:sp>
+        <p:nvSpPr>
+          <p:cNvPr id="2" name="Titel 1"/>
+          <p:cNvSpPr>
+            <a:spLocks noGrp="1"/>
+          </p:cNvSpPr>
+          <p:nvPr>
+            <p:ph type="title"/>
+          </p:nvPr>
+        </p:nvSpPr>
+        <p:spPr/>
+        <p:txBody>
+          <a:bodyPr/>
+          <a:lstStyle/>
+          <a:p>
+            <a:r>
+              <a:rPr lang="de-DE" dirty="0"/>
+              <a:t>RLC – Rohdaten II</a:t>
+            </a:r>
+          </a:p>
+        </p:txBody>
+      </p:sp>
+      <p:pic>
+        <p:nvPicPr>
+          <p:cNvPr id="6" name="Inhaltsplatzhalter 5"/>
+          <p:cNvPicPr>
+            <a:picLocks noGrp="1" noChangeAspect="1"/>
+          </p:cNvPicPr>
+          <p:nvPr>
+            <p:ph sz="half" idx="1"/>
+          </p:nvPr>
+        </p:nvPicPr>
+        <p:blipFill>
+          <a:blip r:embed="rId2">
+            <a:extLst>
+              <a:ext uri="{28A0092B-C50C-407E-A947-70E740481C1C}">
+                <a14:useLocalDpi xmlns:a14="http://schemas.microsoft.com/office/drawing/2010/main" val="0"/>
+              </a:ext>
+            </a:extLst>
+          </a:blip>
+          <a:stretch>
+            <a:fillRect/>
+          </a:stretch>
+        </p:blipFill>
+        <p:spPr>
+          <a:xfrm>
+            <a:off x="0" y="1209822"/>
+            <a:ext cx="6019800" cy="5303520"/>
+          </a:xfrm>
+        </p:spPr>
+      </p:pic>
+      <p:pic>
+        <p:nvPicPr>
+          <p:cNvPr id="8" name="Inhaltsplatzhalter 7"/>
+          <p:cNvPicPr>
+            <a:picLocks noGrp="1" noChangeAspect="1"/>
+          </p:cNvPicPr>
+          <p:nvPr>
+            <p:ph sz="half" idx="2"/>
+          </p:nvPr>
+        </p:nvPicPr>
+        <p:blipFill>
+          <a:blip r:embed="rId3">
+            <a:extLst>
+              <a:ext uri="{28A0092B-C50C-407E-A947-70E740481C1C}">
+                <a14:useLocalDpi xmlns:a14="http://schemas.microsoft.com/office/drawing/2010/main" val="0"/>
+              </a:ext>
+            </a:extLst>
+          </a:blip>
+          <a:stretch>
+            <a:fillRect/>
+          </a:stretch>
+        </p:blipFill>
+        <p:spPr>
+          <a:xfrm>
+            <a:off x="6172200" y="1209822"/>
+            <a:ext cx="6019800" cy="5303520"/>
+          </a:xfrm>
+        </p:spPr>
+      </p:pic>
+    </p:spTree>
+    <p:extLst>
+      <p:ext uri="{BB962C8B-B14F-4D97-AF65-F5344CB8AC3E}">
+        <p14:creationId xmlns:p14="http://schemas.microsoft.com/office/powerpoint/2010/main" val="397370370"/>
+      </p:ext>
+    </p:extLst>
+  </p:cSld>
+  <p:clrMapOvr>
+    <a:masterClrMapping/>
+  </p:clrMapOvr>
+</p:sld>
+</file>
+
+<file path=ppt/slides/slide9.xml><?xml version="1.0" encoding="utf-8"?>
+<p:sld xmlns:a="http://schemas.openxmlformats.org/drawingml/2006/main" xmlns:r="http://schemas.openxmlformats.org/officeDocument/2006/relationships" xmlns:p="http://schemas.openxmlformats.org/presentationml/2006/main">
+  <p:cSld>
+    <p:spTree>
+      <p:nvGrpSpPr>
+        <p:cNvPr id="1" name=""/>
+        <p:cNvGrpSpPr/>
+        <p:nvPr/>
+      </p:nvGrpSpPr>
+      <p:grpSpPr>
+        <a:xfrm>
+          <a:off x="0" y="0"/>
+          <a:ext cx="0" cy="0"/>
+          <a:chOff x="0" y="0"/>
+          <a:chExt cx="0" cy="0"/>
+        </a:xfrm>
+      </p:grpSpPr>
+      <p:sp>
+        <p:nvSpPr>
+          <p:cNvPr id="2" name="Titel 1"/>
+          <p:cNvSpPr>
+            <a:spLocks noGrp="1"/>
+          </p:cNvSpPr>
+          <p:nvPr>
+            <p:ph type="title"/>
+          </p:nvPr>
+        </p:nvSpPr>
+        <p:spPr/>
+        <p:txBody>
+          <a:bodyPr/>
+          <a:lstStyle/>
+          <a:p>
+            <a:r>
+              <a:rPr lang="de-DE" dirty="0"/>
+              <a:t>RLC - Frequenz</a:t>
+            </a:r>
+          </a:p>
+        </p:txBody>
+      </p:sp>
+      <mc:AlternateContent xmlns:mc="http://schemas.openxmlformats.org/markup-compatibility/2006">
+        <mc:Choice xmlns:a14="http://schemas.microsoft.com/office/drawing/2010/main" Requires="a14">
+          <p:sp>
+            <p:nvSpPr>
+              <p:cNvPr id="3" name="Inhaltsplatzhalter 2"/>
+              <p:cNvSpPr>
+                <a:spLocks noGrp="1"/>
+              </p:cNvSpPr>
+              <p:nvPr>
+                <p:ph idx="1"/>
+              </p:nvPr>
+            </p:nvSpPr>
+            <p:spPr/>
+            <p:txBody>
+              <a:bodyPr/>
+              <a:lstStyle/>
+              <a:p>
+                <a:r>
+                  <a:rPr lang="de-DE" dirty="0"/>
+                  <a:t>Auflösung der </a:t>
+                </a:r>
+                <a:r>
+                  <a:rPr lang="de-DE" dirty="0" err="1"/>
+                  <a:t>Fouriertransformation</a:t>
+                </a:r>
+                <a:r>
+                  <a:rPr lang="de-DE" dirty="0"/>
+                  <a:t> zu grob (</a:t>
+                </a:r>
+                <a14:m>
+                  <m:oMath xmlns:m="http://schemas.openxmlformats.org/officeDocument/2006/math">
+                    <m:r>
+                      <a:rPr lang="de-DE" b="0" i="1" smtClean="0">
+                        <a:latin typeface="Cambria Math" panose="02040503050406030204" pitchFamily="18" charset="0"/>
+                      </a:rPr>
+                      <m:t>≈50</m:t>
+                    </m:r>
+                    <m:r>
+                      <a:rPr lang="de-DE" b="0" i="1" smtClean="0">
+                        <a:latin typeface="Cambria Math" panose="02040503050406030204" pitchFamily="18" charset="0"/>
+                      </a:rPr>
+                      <m:t>𝐻𝑧</m:t>
+                    </m:r>
+                  </m:oMath>
+                </a14:m>
+                <a:r>
+                  <a:rPr lang="de-DE" dirty="0"/>
+                  <a:t>)</a:t>
+                </a:r>
+              </a:p>
+              <a:p>
+                <a:r>
+                  <a:rPr lang="de-DE" dirty="0"/>
+                  <a:t>Frequenzbestimmung durch Abzählen von Nullstellen</a:t>
+                </a:r>
+              </a:p>
+              <a:p>
+                <a:r>
+                  <a:rPr lang="de-DE" dirty="0"/>
+                  <a:t>Mehrfachmessung für jeden Widerstand </a:t>
+                </a:r>
+              </a:p>
+              <a:p>
+                <a:pPr marL="0" indent="0">
+                  <a:buNone/>
+                </a:pPr>
+                <a:r>
+                  <a:rPr lang="de-DE" b="0" dirty="0"/>
+                  <a:t>	</a:t>
+                </a:r>
+                <a14:m>
+                  <m:oMath xmlns:m="http://schemas.openxmlformats.org/officeDocument/2006/math">
+                    <m:r>
+                      <a:rPr lang="de-DE" b="0" i="1" smtClean="0">
+                        <a:latin typeface="Cambria Math" panose="02040503050406030204" pitchFamily="18" charset="0"/>
+                      </a:rPr>
+                      <m:t>⇒</m:t>
+                    </m:r>
+                  </m:oMath>
+                </a14:m>
+                <a:r>
+                  <a:rPr lang="de-DE" dirty="0"/>
+                  <a:t> 	Zusammenfassung im gewichteten Mittelwert für jede 			Widerstandseinstellung:</a:t>
+                </a:r>
+              </a:p>
+              <a:p>
+                <a:endParaRPr lang="de-DE" dirty="0"/>
+              </a:p>
+              <a:p>
+                <a:endParaRPr lang="de-DE" dirty="0"/>
+              </a:p>
+            </p:txBody>
+          </p:sp>
+        </mc:Choice>
+        <mc:Fallback>
+          <p:sp>
+            <p:nvSpPr>
+              <p:cNvPr id="3" name="Inhaltsplatzhalter 2"/>
+              <p:cNvSpPr>
+                <a:spLocks noGrp="1" noRot="1" noChangeAspect="1" noMove="1" noResize="1" noEditPoints="1" noAdjustHandles="1" noChangeArrowheads="1" noChangeShapeType="1" noTextEdit="1"/>
+              </p:cNvSpPr>
+              <p:nvPr>
+                <p:ph idx="1"/>
+              </p:nvPr>
+            </p:nvSpPr>
+            <p:spPr>
+              <a:blipFill>
+                <a:blip r:embed="rId2"/>
+                <a:stretch>
+                  <a:fillRect l="-928" t="-2241"/>
+                </a:stretch>
+              </a:blipFill>
+            </p:spPr>
+            <p:txBody>
+              <a:bodyPr/>
+              <a:lstStyle/>
+              <a:p>
+                <a:r>
+                  <a:rPr lang="de-DE">
+                    <a:noFill/>
+                  </a:rPr>
+                  <a:t> </a:t>
+                </a:r>
+              </a:p>
+            </p:txBody>
+          </p:sp>
+        </mc:Fallback>
+      </mc:AlternateContent>
+      <mc:AlternateContent xmlns:mc="http://schemas.openxmlformats.org/markup-compatibility/2006">
+        <mc:Choice xmlns:a14="http://schemas.microsoft.com/office/drawing/2010/main" Requires="a14">
+          <p:graphicFrame>
+            <p:nvGraphicFramePr>
+              <p:cNvPr id="4" name="Tabelle 3"/>
+              <p:cNvGraphicFramePr>
+                <a:graphicFrameLocks noGrp="1"/>
+              </p:cNvGraphicFramePr>
+              <p:nvPr/>
+            </p:nvGraphicFramePr>
+            <p:xfrm>
+              <a:off x="2267779" y="4505739"/>
+              <a:ext cx="7656442" cy="1565206"/>
+            </p:xfrm>
+            <a:graphic>
+              <a:graphicData uri="http://schemas.openxmlformats.org/drawingml/2006/table">
+                <a:tbl>
+                  <a:tblPr firstRow="1" bandRow="1">
+                    <a:tableStyleId>{5940675A-B579-460E-94D1-54222C63F5DA}</a:tableStyleId>
+                  </a:tblPr>
+                  <a:tblGrid>
+                    <a:gridCol w="909987">
+                      <a:extLst>
+                        <a:ext uri="{9D8B030D-6E8A-4147-A177-3AD203B41FA5}">
+                          <a16:colId xmlns:a16="http://schemas.microsoft.com/office/drawing/2014/main" val="24338639"/>
+                        </a:ext>
+                      </a:extLst>
+                    </a:gridCol>
+                    <a:gridCol w="1642160">
+                      <a:extLst>
+                        <a:ext uri="{9D8B030D-6E8A-4147-A177-3AD203B41FA5}">
+                          <a16:colId xmlns:a16="http://schemas.microsoft.com/office/drawing/2014/main" val="384190627"/>
+                        </a:ext>
+                      </a:extLst>
+                    </a:gridCol>
+                    <a:gridCol w="1390449">
+                      <a:extLst>
+                        <a:ext uri="{9D8B030D-6E8A-4147-A177-3AD203B41FA5}">
+                          <a16:colId xmlns:a16="http://schemas.microsoft.com/office/drawing/2014/main" val="3016686024"/>
+                        </a:ext>
+                      </a:extLst>
+                    </a:gridCol>
+                    <a:gridCol w="1161698">
+                      <a:extLst>
+                        <a:ext uri="{9D8B030D-6E8A-4147-A177-3AD203B41FA5}">
+                          <a16:colId xmlns:a16="http://schemas.microsoft.com/office/drawing/2014/main" val="1191943322"/>
+                        </a:ext>
+                      </a:extLst>
+                    </a:gridCol>
+                    <a:gridCol w="1276074">
+                      <a:extLst>
+                        <a:ext uri="{9D8B030D-6E8A-4147-A177-3AD203B41FA5}">
+                          <a16:colId xmlns:a16="http://schemas.microsoft.com/office/drawing/2014/main" val="2189473383"/>
+                        </a:ext>
+                      </a:extLst>
+                    </a:gridCol>
+                    <a:gridCol w="1276074">
+                      <a:extLst>
+                        <a:ext uri="{9D8B030D-6E8A-4147-A177-3AD203B41FA5}">
+                          <a16:colId xmlns:a16="http://schemas.microsoft.com/office/drawing/2014/main" val="3021657874"/>
+                        </a:ext>
+                      </a:extLst>
+                    </a:gridCol>
+                  </a:tblGrid>
+                  <a:tr h="533194">
+                    <a:tc>
+                      <a:txBody>
+                        <a:bodyPr/>
+                        <a:lstStyle/>
+                        <a:p>
+                          <a14:m>
+                            <m:oMathPara xmlns:m="http://schemas.openxmlformats.org/officeDocument/2006/math">
+                              <m:oMathParaPr>
+                                <m:jc m:val="centerGroup"/>
+                              </m:oMathParaPr>
+                              <m:oMath xmlns:m="http://schemas.openxmlformats.org/officeDocument/2006/math">
+                                <m:r>
+                                  <a:rPr lang="de-DE" b="0" i="1" smtClean="0">
+                                    <a:latin typeface="Cambria Math" panose="02040503050406030204" pitchFamily="18" charset="0"/>
+                                  </a:rPr>
+                                  <m:t>𝑅</m:t>
+                                </m:r>
+                                <m:r>
+                                  <a:rPr lang="de-DE" b="0" i="1" smtClean="0">
+                                    <a:latin typeface="Cambria Math" panose="02040503050406030204" pitchFamily="18" charset="0"/>
+                                  </a:rPr>
+                                  <m:t>[</m:t>
+                                </m:r>
+                                <m:r>
+                                  <m:rPr>
+                                    <m:sty m:val="p"/>
+                                  </m:rPr>
+                                  <a:rPr lang="de-DE" b="0" i="0" smtClean="0">
+                                    <a:latin typeface="Cambria Math" panose="02040503050406030204" pitchFamily="18" charset="0"/>
+                                  </a:rPr>
+                                  <m:t>Ω</m:t>
+                                </m:r>
+                                <m:r>
+                                  <a:rPr lang="de-DE" b="0" i="1" smtClean="0">
+                                    <a:latin typeface="Cambria Math" panose="02040503050406030204" pitchFamily="18" charset="0"/>
+                                  </a:rPr>
+                                  <m:t>]</m:t>
+                                </m:r>
+                              </m:oMath>
+                            </m:oMathPara>
+                          </a14:m>
+                          <a:endParaRPr lang="de-DE" dirty="0"/>
+                        </a:p>
+                      </a:txBody>
+                      <a:tcPr/>
+                    </a:tc>
+                    <a:tc>
+                      <a:txBody>
+                        <a:bodyPr/>
+                        <a:lstStyle/>
+                        <a:p>
+                          <a:r>
+                            <a:rPr lang="de-DE" dirty="0"/>
+                            <a:t>19.6</a:t>
+                          </a:r>
+                        </a:p>
+                      </a:txBody>
+                      <a:tcPr/>
+                    </a:tc>
+                    <a:tc>
+                      <a:txBody>
+                        <a:bodyPr/>
+                        <a:lstStyle/>
+                        <a:p>
+                          <a:r>
+                            <a:rPr lang="de-DE" dirty="0"/>
+                            <a:t>28.5</a:t>
+                          </a:r>
+                        </a:p>
+                      </a:txBody>
+                      <a:tcPr/>
+                    </a:tc>
+                    <a:tc>
+                      <a:txBody>
+                        <a:bodyPr/>
+                        <a:lstStyle/>
+                        <a:p>
+                          <a:r>
+                            <a:rPr lang="de-DE" dirty="0"/>
+                            <a:t>38.9</a:t>
+                          </a:r>
+                        </a:p>
+                      </a:txBody>
+                      <a:tcPr/>
+                    </a:tc>
+                    <a:tc>
+                      <a:txBody>
+                        <a:bodyPr/>
+                        <a:lstStyle/>
+                        <a:p>
+                          <a:r>
+                            <a:rPr lang="de-DE" dirty="0"/>
+                            <a:t>52.2</a:t>
+                          </a:r>
+                        </a:p>
+                      </a:txBody>
+                      <a:tcPr/>
+                    </a:tc>
+                    <a:tc>
+                      <a:txBody>
+                        <a:bodyPr/>
+                        <a:lstStyle/>
+                        <a:p>
+                          <a:r>
+                            <a:rPr lang="de-DE" dirty="0"/>
+                            <a:t>68.8</a:t>
+                          </a:r>
+                        </a:p>
+                      </a:txBody>
+                      <a:tcPr/>
+                    </a:tc>
+                    <a:extLst>
+                      <a:ext uri="{0D108BD9-81ED-4DB2-BD59-A6C34878D82A}">
+                        <a16:rowId xmlns:a16="http://schemas.microsoft.com/office/drawing/2014/main" val="1761293581"/>
+                      </a:ext>
+                    </a:extLst>
+                  </a:tr>
+                  <a:tr h="504474">
+                    <a:tc>
+                      <a:txBody>
+                        <a:bodyPr/>
+                        <a:lstStyle/>
+                        <a:p>
+                          <a14:m>
+                            <m:oMathPara xmlns:m="http://schemas.openxmlformats.org/officeDocument/2006/math">
+                              <m:oMathParaPr>
+                                <m:jc m:val="centerGroup"/>
+                              </m:oMathParaPr>
+                              <m:oMath xmlns:m="http://schemas.openxmlformats.org/officeDocument/2006/math">
+                                <m:r>
+                                  <a:rPr lang="de-DE" b="0" i="1" smtClean="0">
+                                    <a:latin typeface="Cambria Math" panose="02040503050406030204" pitchFamily="18" charset="0"/>
+                                  </a:rPr>
+                                  <m:t>𝑓</m:t>
+                                </m:r>
+                                <m:r>
+                                  <a:rPr lang="de-DE" b="0" i="1" smtClean="0">
+                                    <a:latin typeface="Cambria Math" panose="02040503050406030204" pitchFamily="18" charset="0"/>
+                                  </a:rPr>
+                                  <m:t>[</m:t>
+                                </m:r>
+                                <m:r>
+                                  <a:rPr lang="de-DE" b="0" i="1" smtClean="0">
+                                    <a:latin typeface="Cambria Math" panose="02040503050406030204" pitchFamily="18" charset="0"/>
+                                  </a:rPr>
+                                  <m:t>𝐻𝑧</m:t>
+                                </m:r>
+                                <m:r>
+                                  <a:rPr lang="de-DE" b="0" i="1" smtClean="0">
+                                    <a:latin typeface="Cambria Math" panose="02040503050406030204" pitchFamily="18" charset="0"/>
+                                  </a:rPr>
+                                  <m:t>]</m:t>
+                                </m:r>
+                              </m:oMath>
+                            </m:oMathPara>
+                          </a14:m>
+                          <a:endParaRPr lang="de-DE" dirty="0"/>
+                        </a:p>
+                      </a:txBody>
+                      <a:tcPr/>
+                    </a:tc>
+                    <a:tc>
+                      <a:txBody>
+                        <a:bodyPr/>
+                        <a:lstStyle/>
+                        <a:p>
+                          <a:r>
+                            <a:rPr lang="de-DE" dirty="0"/>
+                            <a:t>382.78</a:t>
+                          </a:r>
+                        </a:p>
+                      </a:txBody>
+                      <a:tcPr/>
+                    </a:tc>
+                    <a:tc>
+                      <a:txBody>
+                        <a:bodyPr/>
+                        <a:lstStyle/>
+                        <a:p>
+                          <a:r>
+                            <a:rPr lang="de-DE" dirty="0"/>
+                            <a:t>376.84</a:t>
+                          </a:r>
+                        </a:p>
+                      </a:txBody>
+                      <a:tcPr/>
+                    </a:tc>
+                    <a:tc>
+                      <a:txBody>
+                        <a:bodyPr/>
+                        <a:lstStyle/>
+                        <a:p>
+                          <a:r>
+                            <a:rPr lang="de-DE" dirty="0"/>
+                            <a:t>373.21</a:t>
+                          </a:r>
+                        </a:p>
+                      </a:txBody>
+                      <a:tcPr/>
+                    </a:tc>
+                    <a:tc>
+                      <a:txBody>
+                        <a:bodyPr/>
+                        <a:lstStyle/>
+                        <a:p>
+                          <a:r>
+                            <a:rPr lang="de-DE" dirty="0"/>
+                            <a:t>364.84</a:t>
+                          </a:r>
+                        </a:p>
+                      </a:txBody>
+                      <a:tcPr/>
+                    </a:tc>
+                    <a:tc>
+                      <a:txBody>
+                        <a:bodyPr/>
+                        <a:lstStyle/>
+                        <a:p>
+                          <a:r>
+                            <a:rPr lang="de-DE" dirty="0"/>
+                            <a:t>350.75</a:t>
+                          </a:r>
+                        </a:p>
+                      </a:txBody>
+                      <a:tcPr/>
+                    </a:tc>
+                    <a:extLst>
+                      <a:ext uri="{0D108BD9-81ED-4DB2-BD59-A6C34878D82A}">
+                        <a16:rowId xmlns:a16="http://schemas.microsoft.com/office/drawing/2014/main" val="1340922521"/>
+                      </a:ext>
+                    </a:extLst>
+                  </a:tr>
+                  <a:tr h="527538">
+                    <a:tc>
+                      <a:txBody>
+                        <a:bodyPr/>
+                        <a:lstStyle/>
+                        <a:p>
+                          <a14:m>
+                            <m:oMathPara xmlns:m="http://schemas.openxmlformats.org/officeDocument/2006/math">
+                              <m:oMathParaPr>
+                                <m:jc m:val="centerGroup"/>
+                              </m:oMathParaPr>
+                              <m:oMath xmlns:m="http://schemas.openxmlformats.org/officeDocument/2006/math">
+                                <m:sSub>
+                                  <m:sSubPr>
+                                    <m:ctrlPr>
+                                      <a:rPr lang="de-DE" b="0" i="1" smtClean="0">
+                                        <a:latin typeface="Cambria Math" panose="02040503050406030204" pitchFamily="18" charset="0"/>
+                                      </a:rPr>
+                                    </m:ctrlPr>
+                                  </m:sSubPr>
+                                  <m:e>
+                                    <m:r>
+                                      <a:rPr lang="de-DE" b="0" i="1" smtClean="0">
+                                        <a:latin typeface="Cambria Math" panose="02040503050406030204" pitchFamily="18" charset="0"/>
+                                      </a:rPr>
+                                      <m:t>𝜎</m:t>
+                                    </m:r>
+                                  </m:e>
+                                  <m:sub>
+                                    <m:r>
+                                      <a:rPr lang="de-DE" b="0" i="1" smtClean="0">
+                                        <a:latin typeface="Cambria Math" panose="02040503050406030204" pitchFamily="18" charset="0"/>
+                                      </a:rPr>
+                                      <m:t>𝑓</m:t>
+                                    </m:r>
+                                  </m:sub>
+                                </m:sSub>
+                                <m:r>
+                                  <a:rPr lang="de-DE" b="0" i="1" smtClean="0">
+                                    <a:latin typeface="Cambria Math" panose="02040503050406030204" pitchFamily="18" charset="0"/>
+                                  </a:rPr>
+                                  <m:t>[</m:t>
+                                </m:r>
+                                <m:r>
+                                  <a:rPr lang="de-DE" b="0" i="1" smtClean="0">
+                                    <a:latin typeface="Cambria Math" panose="02040503050406030204" pitchFamily="18" charset="0"/>
+                                  </a:rPr>
+                                  <m:t>𝐻𝑧</m:t>
+                                </m:r>
+                                <m:r>
+                                  <a:rPr lang="de-DE" b="0" i="1" smtClean="0">
+                                    <a:latin typeface="Cambria Math" panose="02040503050406030204" pitchFamily="18" charset="0"/>
+                                  </a:rPr>
+                                  <m:t>]</m:t>
+                                </m:r>
+                              </m:oMath>
+                            </m:oMathPara>
+                          </a14:m>
+                          <a:endParaRPr lang="de-DE" dirty="0"/>
+                        </a:p>
+                      </a:txBody>
+                      <a:tcPr/>
+                    </a:tc>
+                    <a:tc>
+                      <a:txBody>
+                        <a:bodyPr/>
+                        <a:lstStyle/>
+                        <a:p>
+                          <a:r>
+                            <a:rPr lang="de-DE" dirty="0"/>
+                            <a:t>0.16</a:t>
+                          </a:r>
+                        </a:p>
+                      </a:txBody>
+                      <a:tcPr/>
+                    </a:tc>
+                    <a:tc>
+                      <a:txBody>
+                        <a:bodyPr/>
+                        <a:lstStyle/>
+                        <a:p>
+                          <a:r>
+                            <a:rPr lang="de-DE" dirty="0"/>
+                            <a:t>0.18</a:t>
+                          </a:r>
+                        </a:p>
+                      </a:txBody>
+                      <a:tcPr/>
+                    </a:tc>
+                    <a:tc>
+                      <a:txBody>
+                        <a:bodyPr/>
+                        <a:lstStyle/>
+                        <a:p>
+                          <a:r>
+                            <a:rPr lang="de-DE" dirty="0"/>
+                            <a:t>0.20</a:t>
+                          </a:r>
+                        </a:p>
+                      </a:txBody>
+                      <a:tcPr/>
+                    </a:tc>
+                    <a:tc>
+                      <a:txBody>
+                        <a:bodyPr/>
+                        <a:lstStyle/>
+                        <a:p>
+                          <a:r>
+                            <a:rPr lang="de-DE" dirty="0"/>
+                            <a:t>0.22</a:t>
+                          </a:r>
+                        </a:p>
+                      </a:txBody>
+                      <a:tcPr/>
+                    </a:tc>
+                    <a:tc>
+                      <a:txBody>
+                        <a:bodyPr/>
+                        <a:lstStyle/>
+                        <a:p>
+                          <a:r>
+                            <a:rPr lang="de-DE" dirty="0"/>
+                            <a:t>0.24</a:t>
+                          </a:r>
+                        </a:p>
+                      </a:txBody>
+                      <a:tcPr/>
+                    </a:tc>
+                    <a:extLst>
+                      <a:ext uri="{0D108BD9-81ED-4DB2-BD59-A6C34878D82A}">
+                        <a16:rowId xmlns:a16="http://schemas.microsoft.com/office/drawing/2014/main" val="55763119"/>
+                      </a:ext>
+                    </a:extLst>
+                  </a:tr>
+                </a:tbl>
+              </a:graphicData>
+            </a:graphic>
+          </p:graphicFrame>
+        </mc:Choice>
+        <mc:Fallback>
+          <p:graphicFrame>
+            <p:nvGraphicFramePr>
+              <p:cNvPr id="4" name="Tabelle 3"/>
+              <p:cNvGraphicFramePr>
+                <a:graphicFrameLocks noGrp="1"/>
+              </p:cNvGraphicFramePr>
+              <p:nvPr/>
+            </p:nvGraphicFramePr>
+            <p:xfrm>
+              <a:off x="2267779" y="4505739"/>
+              <a:ext cx="7656442" cy="1565206"/>
+            </p:xfrm>
+            <a:graphic>
+              <a:graphicData uri="http://schemas.openxmlformats.org/drawingml/2006/table">
+                <a:tbl>
+                  <a:tblPr firstRow="1" bandRow="1">
+                    <a:tableStyleId>{5940675A-B579-460E-94D1-54222C63F5DA}</a:tableStyleId>
+                  </a:tblPr>
+                  <a:tblGrid>
+                    <a:gridCol w="909987">
+                      <a:extLst>
+                        <a:ext uri="{9D8B030D-6E8A-4147-A177-3AD203B41FA5}">
+                          <a16:colId xmlns:a16="http://schemas.microsoft.com/office/drawing/2014/main" val="24338639"/>
+                        </a:ext>
+                      </a:extLst>
+                    </a:gridCol>
+                    <a:gridCol w="1642160">
+                      <a:extLst>
+                        <a:ext uri="{9D8B030D-6E8A-4147-A177-3AD203B41FA5}">
+                          <a16:colId xmlns:a16="http://schemas.microsoft.com/office/drawing/2014/main" val="384190627"/>
+                        </a:ext>
+                      </a:extLst>
+                    </a:gridCol>
+                    <a:gridCol w="1390449">
+                      <a:extLst>
+                        <a:ext uri="{9D8B030D-6E8A-4147-A177-3AD203B41FA5}">
+                          <a16:colId xmlns:a16="http://schemas.microsoft.com/office/drawing/2014/main" val="3016686024"/>
+                        </a:ext>
+                      </a:extLst>
+                    </a:gridCol>
+                    <a:gridCol w="1161698">
+                      <a:extLst>
+                        <a:ext uri="{9D8B030D-6E8A-4147-A177-3AD203B41FA5}">
+                          <a16:colId xmlns:a16="http://schemas.microsoft.com/office/drawing/2014/main" val="1191943322"/>
+                        </a:ext>
+                      </a:extLst>
+                    </a:gridCol>
+                    <a:gridCol w="1276074">
+                      <a:extLst>
+                        <a:ext uri="{9D8B030D-6E8A-4147-A177-3AD203B41FA5}">
+                          <a16:colId xmlns:a16="http://schemas.microsoft.com/office/drawing/2014/main" val="2189473383"/>
+                        </a:ext>
+                      </a:extLst>
+                    </a:gridCol>
+                    <a:gridCol w="1276074">
+                      <a:extLst>
+                        <a:ext uri="{9D8B030D-6E8A-4147-A177-3AD203B41FA5}">
+                          <a16:colId xmlns:a16="http://schemas.microsoft.com/office/drawing/2014/main" val="3021657874"/>
+                        </a:ext>
+                      </a:extLst>
+                    </a:gridCol>
+                  </a:tblGrid>
+                  <a:tr h="533194">
+                    <a:tc>
+                      <a:txBody>
+                        <a:bodyPr/>
+                        <a:lstStyle/>
+                        <a:p>
+                          <a:endParaRPr lang="de-DE"/>
+                        </a:p>
+                      </a:txBody>
+                      <a:tcPr>
+                        <a:blipFill>
+                          <a:blip r:embed="rId3"/>
+                          <a:stretch>
+                            <a:fillRect l="-1342" t="-5682" r="-744966" b="-194318"/>
+                          </a:stretch>
+                        </a:blipFill>
+                      </a:tcPr>
+                    </a:tc>
+                    <a:tc>
+                      <a:txBody>
+                        <a:bodyPr/>
+                        <a:lstStyle/>
+                        <a:p>
+                          <a:r>
+                            <a:rPr lang="de-DE" dirty="0"/>
+                            <a:t>19.6</a:t>
+                          </a:r>
+                        </a:p>
+                      </a:txBody>
+                      <a:tcPr/>
+                    </a:tc>
+                    <a:tc>
+                      <a:txBody>
+                        <a:bodyPr/>
+                        <a:lstStyle/>
+                        <a:p>
+                          <a:r>
+                            <a:rPr lang="de-DE" dirty="0"/>
+                            <a:t>28.5</a:t>
+                          </a:r>
+                        </a:p>
+                      </a:txBody>
+                      <a:tcPr/>
+                    </a:tc>
+                    <a:tc>
+                      <a:txBody>
+                        <a:bodyPr/>
+                        <a:lstStyle/>
+                        <a:p>
+                          <a:r>
+                            <a:rPr lang="de-DE" dirty="0"/>
+                            <a:t>38.9</a:t>
+                          </a:r>
+                        </a:p>
+                      </a:txBody>
+                      <a:tcPr/>
+                    </a:tc>
+                    <a:tc>
+                      <a:txBody>
+                        <a:bodyPr/>
+                        <a:lstStyle/>
+                        <a:p>
+                          <a:r>
+                            <a:rPr lang="de-DE" dirty="0"/>
+                            <a:t>52.2</a:t>
+                          </a:r>
+                        </a:p>
+                      </a:txBody>
+                      <a:tcPr/>
+                    </a:tc>
+                    <a:tc>
+                      <a:txBody>
+                        <a:bodyPr/>
+                        <a:lstStyle/>
+                        <a:p>
+                          <a:r>
+                            <a:rPr lang="de-DE" dirty="0"/>
+                            <a:t>68.8</a:t>
+                          </a:r>
+                        </a:p>
+                      </a:txBody>
+                      <a:tcPr/>
+                    </a:tc>
+                    <a:extLst>
+                      <a:ext uri="{0D108BD9-81ED-4DB2-BD59-A6C34878D82A}">
+                        <a16:rowId xmlns:a16="http://schemas.microsoft.com/office/drawing/2014/main" val="1761293581"/>
+                      </a:ext>
+                    </a:extLst>
+                  </a:tr>
+                  <a:tr h="504474">
+                    <a:tc>
+                      <a:txBody>
+                        <a:bodyPr/>
+                        <a:lstStyle/>
+                        <a:p>
+                          <a:endParaRPr lang="de-DE"/>
+                        </a:p>
+                      </a:txBody>
+                      <a:tcPr>
+                        <a:blipFill>
+                          <a:blip r:embed="rId3"/>
+                          <a:stretch>
+                            <a:fillRect l="-1342" t="-113415" r="-744966" b="-108537"/>
+                          </a:stretch>
+                        </a:blipFill>
+                      </a:tcPr>
+                    </a:tc>
+                    <a:tc>
+                      <a:txBody>
+                        <a:bodyPr/>
+                        <a:lstStyle/>
+                        <a:p>
+                          <a:r>
+                            <a:rPr lang="de-DE" dirty="0"/>
+                            <a:t>382.78</a:t>
+                          </a:r>
+                        </a:p>
+                      </a:txBody>
+                      <a:tcPr/>
+                    </a:tc>
+                    <a:tc>
+                      <a:txBody>
+                        <a:bodyPr/>
+                        <a:lstStyle/>
+                        <a:p>
+                          <a:r>
+                            <a:rPr lang="de-DE" dirty="0"/>
+                            <a:t>376.84</a:t>
+                          </a:r>
+                        </a:p>
+                      </a:txBody>
+                      <a:tcPr/>
+                    </a:tc>
+                    <a:tc>
+                      <a:txBody>
+                        <a:bodyPr/>
+                        <a:lstStyle/>
+                        <a:p>
+                          <a:r>
+                            <a:rPr lang="de-DE" dirty="0"/>
+                            <a:t>373.21</a:t>
+                          </a:r>
+                        </a:p>
+                      </a:txBody>
+                      <a:tcPr/>
+                    </a:tc>
+                    <a:tc>
+                      <a:txBody>
+                        <a:bodyPr/>
+                        <a:lstStyle/>
+                        <a:p>
+                          <a:r>
+                            <a:rPr lang="de-DE" dirty="0"/>
+                            <a:t>364.84</a:t>
+                          </a:r>
+                        </a:p>
+                      </a:txBody>
+                      <a:tcPr/>
+                    </a:tc>
+                    <a:tc>
+                      <a:txBody>
+                        <a:bodyPr/>
+                        <a:lstStyle/>
+                        <a:p>
+                          <a:r>
+                            <a:rPr lang="de-DE" dirty="0"/>
+                            <a:t>350.75</a:t>
+                          </a:r>
+                        </a:p>
+                      </a:txBody>
+                      <a:tcPr/>
+                    </a:tc>
+                    <a:extLst>
+                      <a:ext uri="{0D108BD9-81ED-4DB2-BD59-A6C34878D82A}">
+                        <a16:rowId xmlns:a16="http://schemas.microsoft.com/office/drawing/2014/main" val="1340922521"/>
+                      </a:ext>
+                    </a:extLst>
+                  </a:tr>
+                  <a:tr h="527538">
+                    <a:tc>
+                      <a:txBody>
+                        <a:bodyPr/>
+                        <a:lstStyle/>
+                        <a:p>
+                          <a:endParaRPr lang="de-DE"/>
+                        </a:p>
+                      </a:txBody>
+                      <a:tcPr>
+                        <a:blipFill>
+                          <a:blip r:embed="rId3"/>
+                          <a:stretch>
+                            <a:fillRect l="-1342" t="-201149" r="-744966" b="-2299"/>
+                          </a:stretch>
+                        </a:blipFill>
+                      </a:tcPr>
+                    </a:tc>
+                    <a:tc>
+                      <a:txBody>
+                        <a:bodyPr/>
+                        <a:lstStyle/>
+                        <a:p>
+                          <a:r>
+                            <a:rPr lang="de-DE" dirty="0"/>
+                            <a:t>0.16</a:t>
+                          </a:r>
+                        </a:p>
+                      </a:txBody>
+                      <a:tcPr/>
+                    </a:tc>
+                    <a:tc>
+                      <a:txBody>
+                        <a:bodyPr/>
+                        <a:lstStyle/>
+                        <a:p>
+                          <a:r>
+                            <a:rPr lang="de-DE" dirty="0"/>
+                            <a:t>0.18</a:t>
+                          </a:r>
+                        </a:p>
+                      </a:txBody>
+                      <a:tcPr/>
+                    </a:tc>
+                    <a:tc>
+                      <a:txBody>
+                        <a:bodyPr/>
+                        <a:lstStyle/>
+                        <a:p>
+                          <a:r>
+                            <a:rPr lang="de-DE" dirty="0"/>
+                            <a:t>0.20</a:t>
+                          </a:r>
+                        </a:p>
+                      </a:txBody>
+                      <a:tcPr/>
+                    </a:tc>
+                    <a:tc>
+                      <a:txBody>
+                        <a:bodyPr/>
+                        <a:lstStyle/>
+                        <a:p>
+                          <a:r>
+                            <a:rPr lang="de-DE" dirty="0"/>
+                            <a:t>0.22</a:t>
+                          </a:r>
+                        </a:p>
+                      </a:txBody>
+                      <a:tcPr/>
+                    </a:tc>
+                    <a:tc>
+                      <a:txBody>
+                        <a:bodyPr/>
+                        <a:lstStyle/>
+                        <a:p>
+                          <a:r>
+                            <a:rPr lang="de-DE" dirty="0"/>
+                            <a:t>0.24</a:t>
+                          </a:r>
+                        </a:p>
+                      </a:txBody>
+                      <a:tcPr/>
+                    </a:tc>
+                    <a:extLst>
+                      <a:ext uri="{0D108BD9-81ED-4DB2-BD59-A6C34878D82A}">
+                        <a16:rowId xmlns:a16="http://schemas.microsoft.com/office/drawing/2014/main" val="55763119"/>
+                      </a:ext>
+                    </a:extLst>
+                  </a:tr>
+                </a:tbl>
+              </a:graphicData>
+            </a:graphic>
+          </p:graphicFrame>
+        </mc:Fallback>
+      </mc:AlternateContent>
+    </p:spTree>
+    <p:extLst>
+      <p:ext uri="{BB962C8B-B14F-4D97-AF65-F5344CB8AC3E}">
+        <p14:creationId xmlns:p14="http://schemas.microsoft.com/office/powerpoint/2010/main" val="3185234626"/>
       </p:ext>
     </p:extLst>
   </p:cSld>

--- a/Elektronik/Elektronik.pptx
+++ b/Elektronik/Elektronik.pptx
@@ -5,7 +5,7 @@
     <p:sldMasterId id="2147483778" r:id="rId1"/>
   </p:sldMasterIdLst>
   <p:notesMasterIdLst>
-    <p:notesMasterId r:id="rId16"/>
+    <p:notesMasterId r:id="rId20"/>
   </p:notesMasterIdLst>
   <p:sldIdLst>
     <p:sldId id="256" r:id="rId2"/>
@@ -17,11 +17,15 @@
     <p:sldId id="283" r:id="rId8"/>
     <p:sldId id="284" r:id="rId9"/>
     <p:sldId id="285" r:id="rId10"/>
-    <p:sldId id="278" r:id="rId11"/>
-    <p:sldId id="286" r:id="rId12"/>
-    <p:sldId id="279" r:id="rId13"/>
-    <p:sldId id="280" r:id="rId14"/>
-    <p:sldId id="281" r:id="rId15"/>
+    <p:sldId id="287" r:id="rId11"/>
+    <p:sldId id="288" r:id="rId12"/>
+    <p:sldId id="289" r:id="rId13"/>
+    <p:sldId id="290" r:id="rId14"/>
+    <p:sldId id="286" r:id="rId15"/>
+    <p:sldId id="278" r:id="rId16"/>
+    <p:sldId id="279" r:id="rId17"/>
+    <p:sldId id="280" r:id="rId18"/>
+    <p:sldId id="281" r:id="rId19"/>
   </p:sldIdLst>
   <p:sldSz cx="12192000" cy="6858000"/>
   <p:notesSz cx="6858000" cy="9144000"/>
@@ -134,8 +138,12 @@
             <p14:sldId id="283"/>
             <p14:sldId id="284"/>
             <p14:sldId id="285"/>
+            <p14:sldId id="287"/>
+            <p14:sldId id="288"/>
+            <p14:sldId id="289"/>
+            <p14:sldId id="290"/>
+            <p14:sldId id="286"/>
             <p14:sldId id="278"/>
-            <p14:sldId id="286"/>
             <p14:sldId id="279"/>
             <p14:sldId id="280"/>
             <p14:sldId id="281"/>
@@ -849,7 +857,7 @@
           <a:p>
             <a:fld id="{99EB3137-8FBE-4AF7-BF64-B35CB96DD367}" type="slidenum">
               <a:rPr lang="de-DE" smtClean="0"/>
-              <a:t>10</a:t>
+              <a:t>15</a:t>
             </a:fld>
             <a:endParaRPr lang="de-DE"/>
           </a:p>
@@ -933,7 +941,7 @@
           <a:p>
             <a:fld id="{99EB3137-8FBE-4AF7-BF64-B35CB96DD367}" type="slidenum">
               <a:rPr lang="de-DE" smtClean="0"/>
-              <a:t>12</a:t>
+              <a:t>16</a:t>
             </a:fld>
             <a:endParaRPr lang="de-DE"/>
           </a:p>
@@ -1017,7 +1025,7 @@
           <a:p>
             <a:fld id="{99EB3137-8FBE-4AF7-BF64-B35CB96DD367}" type="slidenum">
               <a:rPr lang="de-DE" smtClean="0"/>
-              <a:t>13</a:t>
+              <a:t>17</a:t>
             </a:fld>
             <a:endParaRPr lang="de-DE"/>
           </a:p>
@@ -1101,7 +1109,7 @@
           <a:p>
             <a:fld id="{99EB3137-8FBE-4AF7-BF64-B35CB96DD367}" type="slidenum">
               <a:rPr lang="de-DE" smtClean="0"/>
-              <a:t>14</a:t>
+              <a:t>18</a:t>
             </a:fld>
             <a:endParaRPr lang="de-DE"/>
           </a:p>
@@ -4098,6 +4106,1883 @@
 </file>
 
 <file path=ppt/slides/slide10.xml><?xml version="1.0" encoding="utf-8"?>
+<p:sld xmlns:a="http://schemas.openxmlformats.org/drawingml/2006/main" xmlns:r="http://schemas.openxmlformats.org/officeDocument/2006/relationships" xmlns:p="http://schemas.openxmlformats.org/presentationml/2006/main">
+  <p:cSld>
+    <p:spTree>
+      <p:nvGrpSpPr>
+        <p:cNvPr id="1" name=""/>
+        <p:cNvGrpSpPr/>
+        <p:nvPr/>
+      </p:nvGrpSpPr>
+      <p:grpSpPr>
+        <a:xfrm>
+          <a:off x="0" y="0"/>
+          <a:ext cx="0" cy="0"/>
+          <a:chOff x="0" y="0"/>
+          <a:chExt cx="0" cy="0"/>
+        </a:xfrm>
+      </p:grpSpPr>
+      <p:sp>
+        <p:nvSpPr>
+          <p:cNvPr id="2" name="Titel 1"/>
+          <p:cNvSpPr>
+            <a:spLocks noGrp="1"/>
+          </p:cNvSpPr>
+          <p:nvPr>
+            <p:ph type="title"/>
+          </p:nvPr>
+        </p:nvSpPr>
+        <p:spPr/>
+        <p:txBody>
+          <a:bodyPr/>
+          <a:lstStyle/>
+          <a:p>
+            <a:r>
+              <a:rPr lang="de-DE" dirty="0"/>
+              <a:t>RLC – Dämpfungskonstante</a:t>
+            </a:r>
+          </a:p>
+        </p:txBody>
+      </p:sp>
+      <mc:AlternateContent xmlns:mc="http://schemas.openxmlformats.org/markup-compatibility/2006">
+        <mc:Choice xmlns:a14="http://schemas.microsoft.com/office/drawing/2010/main" Requires="a14">
+          <p:sp>
+            <p:nvSpPr>
+              <p:cNvPr id="3" name="Inhaltsplatzhalter 2"/>
+              <p:cNvSpPr>
+                <a:spLocks noGrp="1"/>
+              </p:cNvSpPr>
+              <p:nvPr>
+                <p:ph idx="1"/>
+              </p:nvPr>
+            </p:nvSpPr>
+            <p:spPr/>
+            <p:txBody>
+              <a:bodyPr/>
+              <a:lstStyle/>
+              <a:p>
+                <a14:m>
+                  <m:oMath xmlns:m="http://schemas.openxmlformats.org/officeDocument/2006/math">
+                    <m:sSub>
+                      <m:sSubPr>
+                        <m:ctrlPr>
+                          <a:rPr lang="de-DE" b="0" i="1" smtClean="0">
+                            <a:latin typeface="Cambria Math" panose="02040503050406030204" pitchFamily="18" charset="0"/>
+                          </a:rPr>
+                        </m:ctrlPr>
+                      </m:sSubPr>
+                      <m:e>
+                        <m:r>
+                          <a:rPr lang="de-DE" b="0" i="1" smtClean="0">
+                            <a:latin typeface="Cambria Math" panose="02040503050406030204" pitchFamily="18" charset="0"/>
+                          </a:rPr>
+                          <m:t>𝛿</m:t>
+                        </m:r>
+                      </m:e>
+                      <m:sub>
+                        <m:r>
+                          <a:rPr lang="de-DE" b="0" i="1" smtClean="0">
+                            <a:latin typeface="Cambria Math" panose="02040503050406030204" pitchFamily="18" charset="0"/>
+                          </a:rPr>
+                          <m:t>𝑛</m:t>
+                        </m:r>
+                      </m:sub>
+                    </m:sSub>
+                    <m:r>
+                      <a:rPr lang="de-DE" b="0" i="1" smtClean="0">
+                        <a:latin typeface="Cambria Math" panose="02040503050406030204" pitchFamily="18" charset="0"/>
+                      </a:rPr>
+                      <m:t>=</m:t>
+                    </m:r>
+                    <m:f>
+                      <m:fPr>
+                        <m:ctrlPr>
+                          <a:rPr lang="de-DE" b="0" i="1" smtClean="0">
+                            <a:latin typeface="Cambria Math" panose="02040503050406030204" pitchFamily="18" charset="0"/>
+                          </a:rPr>
+                        </m:ctrlPr>
+                      </m:fPr>
+                      <m:num>
+                        <m:func>
+                          <m:funcPr>
+                            <m:ctrlPr>
+                              <a:rPr lang="de-DE" b="0" i="1" smtClean="0">
+                                <a:latin typeface="Cambria Math" panose="02040503050406030204" pitchFamily="18" charset="0"/>
+                              </a:rPr>
+                            </m:ctrlPr>
+                          </m:funcPr>
+                          <m:fName>
+                            <m:r>
+                              <m:rPr>
+                                <m:sty m:val="p"/>
+                              </m:rPr>
+                              <a:rPr lang="de-DE" b="0" i="0" smtClean="0">
+                                <a:latin typeface="Cambria Math" panose="02040503050406030204" pitchFamily="18" charset="0"/>
+                              </a:rPr>
+                              <m:t>ln</m:t>
+                            </m:r>
+                          </m:fName>
+                          <m:e>
+                            <m:r>
+                              <a:rPr lang="de-DE" b="0" i="1" smtClean="0">
+                                <a:latin typeface="Cambria Math" panose="02040503050406030204" pitchFamily="18" charset="0"/>
+                              </a:rPr>
+                              <m:t>(</m:t>
+                            </m:r>
+                            <m:sSub>
+                              <m:sSubPr>
+                                <m:ctrlPr>
+                                  <a:rPr lang="de-DE" b="0" i="1" smtClean="0">
+                                    <a:latin typeface="Cambria Math" panose="02040503050406030204" pitchFamily="18" charset="0"/>
+                                  </a:rPr>
+                                </m:ctrlPr>
+                              </m:sSubPr>
+                              <m:e>
+                                <m:r>
+                                  <a:rPr lang="de-DE" b="0" i="1" smtClean="0">
+                                    <a:latin typeface="Cambria Math" panose="02040503050406030204" pitchFamily="18" charset="0"/>
+                                  </a:rPr>
+                                  <m:t>𝐴</m:t>
+                                </m:r>
+                              </m:e>
+                              <m:sub>
+                                <m:r>
+                                  <a:rPr lang="de-DE" b="0" i="1" smtClean="0">
+                                    <a:latin typeface="Cambria Math" panose="02040503050406030204" pitchFamily="18" charset="0"/>
+                                  </a:rPr>
+                                  <m:t>𝑛</m:t>
+                                </m:r>
+                              </m:sub>
+                            </m:sSub>
+                            <m:r>
+                              <a:rPr lang="de-DE" b="0" i="1" smtClean="0">
+                                <a:latin typeface="Cambria Math" panose="02040503050406030204" pitchFamily="18" charset="0"/>
+                              </a:rPr>
+                              <m:t>/</m:t>
+                            </m:r>
+                            <m:sSub>
+                              <m:sSubPr>
+                                <m:ctrlPr>
+                                  <a:rPr lang="de-DE" b="0" i="1" smtClean="0">
+                                    <a:latin typeface="Cambria Math" panose="02040503050406030204" pitchFamily="18" charset="0"/>
+                                  </a:rPr>
+                                </m:ctrlPr>
+                              </m:sSubPr>
+                              <m:e>
+                                <m:r>
+                                  <a:rPr lang="de-DE" b="0" i="1" smtClean="0">
+                                    <a:latin typeface="Cambria Math" panose="02040503050406030204" pitchFamily="18" charset="0"/>
+                                  </a:rPr>
+                                  <m:t>𝐴</m:t>
+                                </m:r>
+                              </m:e>
+                              <m:sub>
+                                <m:r>
+                                  <a:rPr lang="de-DE" b="0" i="1" smtClean="0">
+                                    <a:latin typeface="Cambria Math" panose="02040503050406030204" pitchFamily="18" charset="0"/>
+                                  </a:rPr>
+                                  <m:t>𝑛</m:t>
+                                </m:r>
+                                <m:r>
+                                  <a:rPr lang="de-DE" b="0" i="1" smtClean="0">
+                                    <a:latin typeface="Cambria Math" panose="02040503050406030204" pitchFamily="18" charset="0"/>
+                                  </a:rPr>
+                                  <m:t>+1</m:t>
+                                </m:r>
+                              </m:sub>
+                            </m:sSub>
+                            <m:r>
+                              <a:rPr lang="de-DE" b="0" i="1" smtClean="0">
+                                <a:latin typeface="Cambria Math" panose="02040503050406030204" pitchFamily="18" charset="0"/>
+                              </a:rPr>
+                              <m:t>)</m:t>
+                            </m:r>
+                          </m:e>
+                        </m:func>
+                      </m:num>
+                      <m:den>
+                        <m:sSub>
+                          <m:sSubPr>
+                            <m:ctrlPr>
+                              <a:rPr lang="de-DE" b="0" i="1" smtClean="0">
+                                <a:latin typeface="Cambria Math" panose="02040503050406030204" pitchFamily="18" charset="0"/>
+                              </a:rPr>
+                            </m:ctrlPr>
+                          </m:sSubPr>
+                          <m:e>
+                            <m:r>
+                              <a:rPr lang="de-DE" b="0" i="1" smtClean="0">
+                                <a:latin typeface="Cambria Math" panose="02040503050406030204" pitchFamily="18" charset="0"/>
+                              </a:rPr>
+                              <m:t>𝑡</m:t>
+                            </m:r>
+                          </m:e>
+                          <m:sub>
+                            <m:r>
+                              <a:rPr lang="de-DE" b="0" i="1" smtClean="0">
+                                <a:latin typeface="Cambria Math" panose="02040503050406030204" pitchFamily="18" charset="0"/>
+                              </a:rPr>
+                              <m:t>𝑛</m:t>
+                            </m:r>
+                            <m:r>
+                              <a:rPr lang="de-DE" b="0" i="1" smtClean="0">
+                                <a:latin typeface="Cambria Math" panose="02040503050406030204" pitchFamily="18" charset="0"/>
+                              </a:rPr>
+                              <m:t>+1</m:t>
+                            </m:r>
+                          </m:sub>
+                        </m:sSub>
+                        <m:r>
+                          <a:rPr lang="de-DE" b="0" i="1" smtClean="0">
+                            <a:latin typeface="Cambria Math" panose="02040503050406030204" pitchFamily="18" charset="0"/>
+                          </a:rPr>
+                          <m:t>−</m:t>
+                        </m:r>
+                        <m:sSub>
+                          <m:sSubPr>
+                            <m:ctrlPr>
+                              <a:rPr lang="de-DE" b="0" i="1" smtClean="0">
+                                <a:latin typeface="Cambria Math" panose="02040503050406030204" pitchFamily="18" charset="0"/>
+                              </a:rPr>
+                            </m:ctrlPr>
+                          </m:sSubPr>
+                          <m:e>
+                            <m:r>
+                              <a:rPr lang="de-DE" b="0" i="1" smtClean="0">
+                                <a:latin typeface="Cambria Math" panose="02040503050406030204" pitchFamily="18" charset="0"/>
+                              </a:rPr>
+                              <m:t>𝑡</m:t>
+                            </m:r>
+                          </m:e>
+                          <m:sub>
+                            <m:r>
+                              <a:rPr lang="de-DE" b="0" i="1" smtClean="0">
+                                <a:latin typeface="Cambria Math" panose="02040503050406030204" pitchFamily="18" charset="0"/>
+                              </a:rPr>
+                              <m:t>𝑛</m:t>
+                            </m:r>
+                          </m:sub>
+                        </m:sSub>
+                      </m:den>
+                    </m:f>
+                  </m:oMath>
+                </a14:m>
+                <a:endParaRPr lang="de-DE" dirty="0"/>
+              </a:p>
+              <a:p>
+                <a14:m>
+                  <m:oMath xmlns:m="http://schemas.openxmlformats.org/officeDocument/2006/math">
+                    <m:func>
+                      <m:funcPr>
+                        <m:ctrlPr>
+                          <a:rPr lang="de-DE" i="1" smtClean="0">
+                            <a:latin typeface="Cambria Math" panose="02040503050406030204" pitchFamily="18" charset="0"/>
+                          </a:rPr>
+                        </m:ctrlPr>
+                      </m:funcPr>
+                      <m:fName>
+                        <m:r>
+                          <m:rPr>
+                            <m:sty m:val="p"/>
+                          </m:rPr>
+                          <a:rPr lang="de-DE" i="0" smtClean="0">
+                            <a:latin typeface="Cambria Math" panose="02040503050406030204" pitchFamily="18" charset="0"/>
+                          </a:rPr>
+                          <m:t>ln</m:t>
+                        </m:r>
+                      </m:fName>
+                      <m:e>
+                        <m:r>
+                          <a:rPr lang="de-DE" b="0" i="1" smtClean="0">
+                            <a:latin typeface="Cambria Math" panose="02040503050406030204" pitchFamily="18" charset="0"/>
+                          </a:rPr>
+                          <m:t>𝐴</m:t>
+                        </m:r>
+                      </m:e>
+                    </m:func>
+                    <m:r>
+                      <a:rPr lang="de-DE" b="0" i="1" smtClean="0">
+                        <a:latin typeface="Cambria Math" panose="02040503050406030204" pitchFamily="18" charset="0"/>
+                      </a:rPr>
+                      <m:t>=</m:t>
+                    </m:r>
+                  </m:oMath>
+                </a14:m>
+                <a:r>
+                  <a:rPr lang="de-DE" dirty="0"/>
+                  <a:t> </a:t>
+                </a:r>
+                <a14:m>
+                  <m:oMath xmlns:m="http://schemas.openxmlformats.org/officeDocument/2006/math">
+                    <m:func>
+                      <m:funcPr>
+                        <m:ctrlPr>
+                          <a:rPr lang="de-DE" i="1" dirty="0" smtClean="0">
+                            <a:latin typeface="Cambria Math" panose="02040503050406030204" pitchFamily="18" charset="0"/>
+                          </a:rPr>
+                        </m:ctrlPr>
+                      </m:funcPr>
+                      <m:fName>
+                        <m:r>
+                          <m:rPr>
+                            <m:sty m:val="p"/>
+                          </m:rPr>
+                          <a:rPr lang="de-DE" i="0" dirty="0" smtClean="0">
+                            <a:latin typeface="Cambria Math" panose="02040503050406030204" pitchFamily="18" charset="0"/>
+                          </a:rPr>
+                          <m:t>ln</m:t>
+                        </m:r>
+                      </m:fName>
+                      <m:e>
+                        <m:sSub>
+                          <m:sSubPr>
+                            <m:ctrlPr>
+                              <a:rPr lang="de-DE" b="0" i="1" dirty="0" smtClean="0">
+                                <a:latin typeface="Cambria Math" panose="02040503050406030204" pitchFamily="18" charset="0"/>
+                              </a:rPr>
+                            </m:ctrlPr>
+                          </m:sSubPr>
+                          <m:e>
+                            <m:r>
+                              <a:rPr lang="de-DE" b="0" i="1" dirty="0" smtClean="0">
+                                <a:latin typeface="Cambria Math" panose="02040503050406030204" pitchFamily="18" charset="0"/>
+                              </a:rPr>
+                              <m:t>𝐴</m:t>
+                            </m:r>
+                          </m:e>
+                          <m:sub>
+                            <m:r>
+                              <a:rPr lang="de-DE" b="0" i="1" dirty="0" smtClean="0">
+                                <a:latin typeface="Cambria Math" panose="02040503050406030204" pitchFamily="18" charset="0"/>
+                              </a:rPr>
+                              <m:t>0</m:t>
+                            </m:r>
+                          </m:sub>
+                        </m:sSub>
+                      </m:e>
+                    </m:func>
+                    <m:r>
+                      <a:rPr lang="de-DE" b="0" i="1" dirty="0" smtClean="0">
+                        <a:latin typeface="Cambria Math" panose="02040503050406030204" pitchFamily="18" charset="0"/>
+                      </a:rPr>
+                      <m:t>−</m:t>
+                    </m:r>
+                    <m:r>
+                      <a:rPr lang="de-DE" b="0" i="1" dirty="0" smtClean="0">
+                        <a:latin typeface="Cambria Math" panose="02040503050406030204" pitchFamily="18" charset="0"/>
+                      </a:rPr>
+                      <m:t>𝛿</m:t>
+                    </m:r>
+                    <m:r>
+                      <a:rPr lang="de-DE" b="0" i="1" dirty="0" smtClean="0">
+                        <a:latin typeface="Cambria Math" panose="02040503050406030204" pitchFamily="18" charset="0"/>
+                      </a:rPr>
+                      <m:t> </m:t>
+                    </m:r>
+                    <m:r>
+                      <a:rPr lang="de-DE" b="0" i="1" dirty="0" smtClean="0">
+                        <a:latin typeface="Cambria Math" panose="02040503050406030204" pitchFamily="18" charset="0"/>
+                      </a:rPr>
+                      <m:t>𝑡</m:t>
+                    </m:r>
+                  </m:oMath>
+                </a14:m>
+                <a:endParaRPr lang="de-DE" dirty="0"/>
+              </a:p>
+              <a:p>
+                <a:endParaRPr lang="de-DE" dirty="0"/>
+              </a:p>
+              <a:p>
+                <a:pPr marL="0" indent="0">
+                  <a:buNone/>
+                </a:pPr>
+                <a:endParaRPr lang="de-DE" dirty="0"/>
+              </a:p>
+            </p:txBody>
+          </p:sp>
+        </mc:Choice>
+        <mc:Fallback>
+          <p:sp>
+            <p:nvSpPr>
+              <p:cNvPr id="3" name="Inhaltsplatzhalter 2"/>
+              <p:cNvSpPr>
+                <a:spLocks noGrp="1" noRot="1" noChangeAspect="1" noMove="1" noResize="1" noEditPoints="1" noAdjustHandles="1" noChangeArrowheads="1" noChangeShapeType="1" noTextEdit="1"/>
+              </p:cNvSpPr>
+              <p:nvPr>
+                <p:ph idx="1"/>
+              </p:nvPr>
+            </p:nvSpPr>
+            <p:spPr>
+              <a:blipFill>
+                <a:blip r:embed="rId2"/>
+                <a:stretch>
+                  <a:fillRect/>
+                </a:stretch>
+              </a:blipFill>
+            </p:spPr>
+            <p:txBody>
+              <a:bodyPr/>
+              <a:lstStyle/>
+              <a:p>
+                <a:r>
+                  <a:rPr lang="de-DE">
+                    <a:noFill/>
+                  </a:rPr>
+                  <a:t> </a:t>
+                </a:r>
+              </a:p>
+            </p:txBody>
+          </p:sp>
+        </mc:Fallback>
+      </mc:AlternateContent>
+      <p:pic>
+        <p:nvPicPr>
+          <p:cNvPr id="5" name="Grafik 4"/>
+          <p:cNvPicPr>
+            <a:picLocks noChangeAspect="1"/>
+          </p:cNvPicPr>
+          <p:nvPr/>
+        </p:nvPicPr>
+        <p:blipFill>
+          <a:blip r:embed="rId3">
+            <a:extLst>
+              <a:ext uri="{28A0092B-C50C-407E-A947-70E740481C1C}">
+                <a14:useLocalDpi xmlns:a14="http://schemas.microsoft.com/office/drawing/2010/main" val="0"/>
+              </a:ext>
+            </a:extLst>
+          </a:blip>
+          <a:stretch>
+            <a:fillRect/>
+          </a:stretch>
+        </p:blipFill>
+        <p:spPr>
+          <a:xfrm>
+            <a:off x="5247861" y="1194187"/>
+            <a:ext cx="6944139" cy="5663813"/>
+          </a:xfrm>
+          <a:prstGeom prst="rect">
+            <a:avLst/>
+          </a:prstGeom>
+        </p:spPr>
+      </p:pic>
+      <p:pic>
+        <p:nvPicPr>
+          <p:cNvPr id="7" name="Grafik 6"/>
+          <p:cNvPicPr>
+            <a:picLocks noChangeAspect="1"/>
+          </p:cNvPicPr>
+          <p:nvPr/>
+        </p:nvPicPr>
+        <p:blipFill>
+          <a:blip r:embed="rId4">
+            <a:extLst>
+              <a:ext uri="{28A0092B-C50C-407E-A947-70E740481C1C}">
+                <a14:useLocalDpi xmlns:a14="http://schemas.microsoft.com/office/drawing/2010/main" val="0"/>
+              </a:ext>
+            </a:extLst>
+          </a:blip>
+          <a:stretch>
+            <a:fillRect/>
+          </a:stretch>
+        </p:blipFill>
+        <p:spPr>
+          <a:xfrm>
+            <a:off x="211015" y="2977332"/>
+            <a:ext cx="5195872" cy="3880667"/>
+          </a:xfrm>
+          <a:prstGeom prst="rect">
+            <a:avLst/>
+          </a:prstGeom>
+        </p:spPr>
+      </p:pic>
+    </p:spTree>
+    <p:extLst>
+      <p:ext uri="{BB962C8B-B14F-4D97-AF65-F5344CB8AC3E}">
+        <p14:creationId xmlns:p14="http://schemas.microsoft.com/office/powerpoint/2010/main" val="753402275"/>
+      </p:ext>
+    </p:extLst>
+  </p:cSld>
+  <p:clrMapOvr>
+    <a:masterClrMapping/>
+  </p:clrMapOvr>
+</p:sld>
+</file>
+
+<file path=ppt/slides/slide11.xml><?xml version="1.0" encoding="utf-8"?>
+<p:sld xmlns:a="http://schemas.openxmlformats.org/drawingml/2006/main" xmlns:r="http://schemas.openxmlformats.org/officeDocument/2006/relationships" xmlns:p="http://schemas.openxmlformats.org/presentationml/2006/main">
+  <p:cSld>
+    <p:spTree>
+      <p:nvGrpSpPr>
+        <p:cNvPr id="1" name=""/>
+        <p:cNvGrpSpPr/>
+        <p:nvPr/>
+      </p:nvGrpSpPr>
+      <p:grpSpPr>
+        <a:xfrm>
+          <a:off x="0" y="0"/>
+          <a:ext cx="0" cy="0"/>
+          <a:chOff x="0" y="0"/>
+          <a:chExt cx="0" cy="0"/>
+        </a:xfrm>
+      </p:grpSpPr>
+      <p:sp>
+        <p:nvSpPr>
+          <p:cNvPr id="2" name="Titel 1"/>
+          <p:cNvSpPr>
+            <a:spLocks noGrp="1"/>
+          </p:cNvSpPr>
+          <p:nvPr>
+            <p:ph type="title"/>
+          </p:nvPr>
+        </p:nvSpPr>
+        <p:spPr/>
+        <p:txBody>
+          <a:bodyPr/>
+          <a:lstStyle/>
+          <a:p>
+            <a:r>
+              <a:rPr lang="de-DE" dirty="0"/>
+              <a:t>RLC – Dämpfungskonstante 2</a:t>
+            </a:r>
+          </a:p>
+        </p:txBody>
+      </p:sp>
+      <p:pic>
+        <p:nvPicPr>
+          <p:cNvPr id="5" name="Inhaltsplatzhalter 4"/>
+          <p:cNvPicPr>
+            <a:picLocks noGrp="1" noChangeAspect="1"/>
+          </p:cNvPicPr>
+          <p:nvPr>
+            <p:ph idx="1"/>
+          </p:nvPr>
+        </p:nvPicPr>
+        <p:blipFill>
+          <a:blip r:embed="rId2">
+            <a:extLst>
+              <a:ext uri="{28A0092B-C50C-407E-A947-70E740481C1C}">
+                <a14:useLocalDpi xmlns:a14="http://schemas.microsoft.com/office/drawing/2010/main" val="0"/>
+              </a:ext>
+            </a:extLst>
+          </a:blip>
+          <a:stretch>
+            <a:fillRect/>
+          </a:stretch>
+        </p:blipFill>
+        <p:spPr>
+          <a:xfrm>
+            <a:off x="1612739" y="1399656"/>
+            <a:ext cx="8966522" cy="2095575"/>
+          </a:xfrm>
+        </p:spPr>
+      </p:pic>
+      <p:pic>
+        <p:nvPicPr>
+          <p:cNvPr id="7" name="Grafik 6"/>
+          <p:cNvPicPr>
+            <a:picLocks noChangeAspect="1"/>
+          </p:cNvPicPr>
+          <p:nvPr/>
+        </p:nvPicPr>
+        <p:blipFill>
+          <a:blip r:embed="rId3">
+            <a:extLst>
+              <a:ext uri="{28A0092B-C50C-407E-A947-70E740481C1C}">
+                <a14:useLocalDpi xmlns:a14="http://schemas.microsoft.com/office/drawing/2010/main" val="0"/>
+              </a:ext>
+            </a:extLst>
+          </a:blip>
+          <a:stretch>
+            <a:fillRect/>
+          </a:stretch>
+        </p:blipFill>
+        <p:spPr>
+          <a:xfrm>
+            <a:off x="1369927" y="3425772"/>
+            <a:ext cx="4595452" cy="3432228"/>
+          </a:xfrm>
+          <a:prstGeom prst="rect">
+            <a:avLst/>
+          </a:prstGeom>
+        </p:spPr>
+      </p:pic>
+      <p:pic>
+        <p:nvPicPr>
+          <p:cNvPr id="9" name="Grafik 8"/>
+          <p:cNvPicPr>
+            <a:picLocks noChangeAspect="1"/>
+          </p:cNvPicPr>
+          <p:nvPr/>
+        </p:nvPicPr>
+        <p:blipFill>
+          <a:blip r:embed="rId4">
+            <a:extLst>
+              <a:ext uri="{28A0092B-C50C-407E-A947-70E740481C1C}">
+                <a14:useLocalDpi xmlns:a14="http://schemas.microsoft.com/office/drawing/2010/main" val="0"/>
+              </a:ext>
+            </a:extLst>
+          </a:blip>
+          <a:stretch>
+            <a:fillRect/>
+          </a:stretch>
+        </p:blipFill>
+        <p:spPr>
+          <a:xfrm>
+            <a:off x="6208191" y="3425772"/>
+            <a:ext cx="4613882" cy="3445994"/>
+          </a:xfrm>
+          <a:prstGeom prst="rect">
+            <a:avLst/>
+          </a:prstGeom>
+        </p:spPr>
+      </p:pic>
+    </p:spTree>
+    <p:extLst>
+      <p:ext uri="{BB962C8B-B14F-4D97-AF65-F5344CB8AC3E}">
+        <p14:creationId xmlns:p14="http://schemas.microsoft.com/office/powerpoint/2010/main" val="1478053989"/>
+      </p:ext>
+    </p:extLst>
+  </p:cSld>
+  <p:clrMapOvr>
+    <a:masterClrMapping/>
+  </p:clrMapOvr>
+</p:sld>
+</file>
+
+<file path=ppt/slides/slide12.xml><?xml version="1.0" encoding="utf-8"?>
+<p:sld xmlns:a="http://schemas.openxmlformats.org/drawingml/2006/main" xmlns:r="http://schemas.openxmlformats.org/officeDocument/2006/relationships" xmlns:p="http://schemas.openxmlformats.org/presentationml/2006/main">
+  <p:cSld>
+    <p:spTree>
+      <p:nvGrpSpPr>
+        <p:cNvPr id="1" name=""/>
+        <p:cNvGrpSpPr/>
+        <p:nvPr/>
+      </p:nvGrpSpPr>
+      <p:grpSpPr>
+        <a:xfrm>
+          <a:off x="0" y="0"/>
+          <a:ext cx="0" cy="0"/>
+          <a:chOff x="0" y="0"/>
+          <a:chExt cx="0" cy="0"/>
+        </a:xfrm>
+      </p:grpSpPr>
+      <p:sp>
+        <p:nvSpPr>
+          <p:cNvPr id="2" name="Titel 1"/>
+          <p:cNvSpPr>
+            <a:spLocks noGrp="1"/>
+          </p:cNvSpPr>
+          <p:nvPr>
+            <p:ph type="title"/>
+          </p:nvPr>
+        </p:nvSpPr>
+        <p:spPr/>
+        <p:txBody>
+          <a:bodyPr/>
+          <a:lstStyle/>
+          <a:p>
+            <a:r>
+              <a:rPr lang="de-DE" dirty="0"/>
+              <a:t>RLC – Induktivität</a:t>
+            </a:r>
+          </a:p>
+        </p:txBody>
+      </p:sp>
+      <mc:AlternateContent xmlns:mc="http://schemas.openxmlformats.org/markup-compatibility/2006">
+        <mc:Choice xmlns:a14="http://schemas.microsoft.com/office/drawing/2010/main" Requires="a14">
+          <p:sp>
+            <p:nvSpPr>
+              <p:cNvPr id="3" name="Inhaltsplatzhalter 2"/>
+              <p:cNvSpPr>
+                <a:spLocks noGrp="1"/>
+              </p:cNvSpPr>
+              <p:nvPr>
+                <p:ph idx="1"/>
+              </p:nvPr>
+            </p:nvSpPr>
+            <p:spPr/>
+            <p:txBody>
+              <a:bodyPr/>
+              <a:lstStyle/>
+              <a:p>
+                <a14:m>
+                  <m:oMath xmlns:m="http://schemas.openxmlformats.org/officeDocument/2006/math">
+                    <m:sSub>
+                      <m:sSubPr>
+                        <m:ctrlPr>
+                          <a:rPr lang="de-DE" b="0" i="1" smtClean="0">
+                            <a:latin typeface="Cambria Math" panose="02040503050406030204" pitchFamily="18" charset="0"/>
+                          </a:rPr>
+                        </m:ctrlPr>
+                      </m:sSubPr>
+                      <m:e>
+                        <m:r>
+                          <a:rPr lang="de-DE" b="0" i="1" smtClean="0">
+                            <a:latin typeface="Cambria Math" panose="02040503050406030204" pitchFamily="18" charset="0"/>
+                          </a:rPr>
+                          <m:t>𝑅</m:t>
+                        </m:r>
+                      </m:e>
+                      <m:sub>
+                        <m:r>
+                          <a:rPr lang="de-DE" b="0" i="1" smtClean="0">
+                            <a:latin typeface="Cambria Math" panose="02040503050406030204" pitchFamily="18" charset="0"/>
+                          </a:rPr>
+                          <m:t>𝑔𝑒𝑠𝑡𝑒𝑐𝑘𝑡</m:t>
+                        </m:r>
+                      </m:sub>
+                    </m:sSub>
+                    <m:r>
+                      <a:rPr lang="de-DE" b="0" i="1" smtClean="0">
+                        <a:latin typeface="Cambria Math" panose="02040503050406030204" pitchFamily="18" charset="0"/>
+                      </a:rPr>
+                      <m:t>=2</m:t>
+                    </m:r>
+                    <m:r>
+                      <a:rPr lang="de-DE" b="0" i="1" smtClean="0">
+                        <a:latin typeface="Cambria Math" panose="02040503050406030204" pitchFamily="18" charset="0"/>
+                      </a:rPr>
+                      <m:t>𝐿</m:t>
+                    </m:r>
+                    <m:r>
+                      <a:rPr lang="de-DE" b="0" i="1" smtClean="0">
+                        <a:latin typeface="Cambria Math" panose="02040503050406030204" pitchFamily="18" charset="0"/>
+                      </a:rPr>
+                      <m:t>𝛿</m:t>
+                    </m:r>
+                    <m:r>
+                      <a:rPr lang="de-DE" b="0" i="1" smtClean="0">
+                        <a:latin typeface="Cambria Math" panose="02040503050406030204" pitchFamily="18" charset="0"/>
+                      </a:rPr>
+                      <m:t> −</m:t>
+                    </m:r>
+                    <m:sSub>
+                      <m:sSubPr>
+                        <m:ctrlPr>
+                          <a:rPr lang="de-DE" b="0" i="1" smtClean="0">
+                            <a:latin typeface="Cambria Math" panose="02040503050406030204" pitchFamily="18" charset="0"/>
+                          </a:rPr>
+                        </m:ctrlPr>
+                      </m:sSubPr>
+                      <m:e>
+                        <m:r>
+                          <a:rPr lang="de-DE" b="0" i="1" smtClean="0">
+                            <a:latin typeface="Cambria Math" panose="02040503050406030204" pitchFamily="18" charset="0"/>
+                          </a:rPr>
+                          <m:t>𝑅</m:t>
+                        </m:r>
+                      </m:e>
+                      <m:sub>
+                        <m:r>
+                          <a:rPr lang="de-DE" b="0" i="1" smtClean="0">
+                            <a:latin typeface="Cambria Math" panose="02040503050406030204" pitchFamily="18" charset="0"/>
+                          </a:rPr>
+                          <m:t>𝑅𝑒𝑠𝑡</m:t>
+                        </m:r>
+                      </m:sub>
+                    </m:sSub>
+                  </m:oMath>
+                </a14:m>
+                <a:endParaRPr lang="de-DE" b="0" dirty="0"/>
+              </a:p>
+              <a:p>
+                <a:endParaRPr lang="de-DE" b="0" dirty="0"/>
+              </a:p>
+              <a:p>
+                <a14:m>
+                  <m:oMath xmlns:m="http://schemas.openxmlformats.org/officeDocument/2006/math">
+                    <m:r>
+                      <a:rPr lang="de-DE" b="0" i="1" smtClean="0">
+                        <a:latin typeface="Cambria Math" panose="02040503050406030204" pitchFamily="18" charset="0"/>
+                      </a:rPr>
+                      <m:t>𝐿</m:t>
+                    </m:r>
+                    <m:r>
+                      <a:rPr lang="de-DE" b="0" i="1" smtClean="0">
+                        <a:latin typeface="Cambria Math" panose="02040503050406030204" pitchFamily="18" charset="0"/>
+                      </a:rPr>
+                      <m:t>=</m:t>
+                    </m:r>
+                    <m:d>
+                      <m:dPr>
+                        <m:ctrlPr>
+                          <a:rPr lang="de-DE" b="0" i="1" smtClean="0">
+                            <a:latin typeface="Cambria Math" panose="02040503050406030204" pitchFamily="18" charset="0"/>
+                          </a:rPr>
+                        </m:ctrlPr>
+                      </m:dPr>
+                      <m:e>
+                        <m:r>
+                          <a:rPr lang="de-DE" b="0" i="1" smtClean="0">
+                            <a:latin typeface="Cambria Math" panose="02040503050406030204" pitchFamily="18" charset="0"/>
+                          </a:rPr>
+                          <m:t>35.8±2.1</m:t>
+                        </m:r>
+                      </m:e>
+                    </m:d>
+                    <m:r>
+                      <a:rPr lang="de-DE" b="0" i="1" smtClean="0">
+                        <a:latin typeface="Cambria Math" panose="02040503050406030204" pitchFamily="18" charset="0"/>
+                      </a:rPr>
+                      <m:t>𝑚𝐻</m:t>
+                    </m:r>
+                  </m:oMath>
+                </a14:m>
+                <a:endParaRPr lang="de-DE" b="0" dirty="0"/>
+              </a:p>
+              <a:p>
+                <a:r>
+                  <a:rPr lang="de-DE" dirty="0"/>
+                  <a:t>Nennwert: </a:t>
+                </a:r>
+                <a14:m>
+                  <m:oMath xmlns:m="http://schemas.openxmlformats.org/officeDocument/2006/math">
+                    <m:r>
+                      <a:rPr lang="de-DE" b="0" i="1" smtClean="0">
+                        <a:latin typeface="Cambria Math" panose="02040503050406030204" pitchFamily="18" charset="0"/>
+                      </a:rPr>
+                      <m:t>36 </m:t>
+                    </m:r>
+                    <m:r>
+                      <a:rPr lang="de-DE" b="0" i="1" smtClean="0">
+                        <a:latin typeface="Cambria Math" panose="02040503050406030204" pitchFamily="18" charset="0"/>
+                      </a:rPr>
+                      <m:t>𝑚𝐻</m:t>
+                    </m:r>
+                  </m:oMath>
+                </a14:m>
+                <a:endParaRPr lang="de-DE" dirty="0"/>
+              </a:p>
+              <a:p>
+                <a:endParaRPr lang="de-DE" b="0" dirty="0"/>
+              </a:p>
+              <a:p>
+                <a14:m>
+                  <m:oMath xmlns:m="http://schemas.openxmlformats.org/officeDocument/2006/math">
+                    <m:sSub>
+                      <m:sSubPr>
+                        <m:ctrlPr>
+                          <a:rPr lang="de-DE" b="0" i="1" smtClean="0">
+                            <a:latin typeface="Cambria Math" panose="02040503050406030204" pitchFamily="18" charset="0"/>
+                          </a:rPr>
+                        </m:ctrlPr>
+                      </m:sSubPr>
+                      <m:e>
+                        <m:r>
+                          <a:rPr lang="de-DE" b="0" i="1" smtClean="0">
+                            <a:latin typeface="Cambria Math" panose="02040503050406030204" pitchFamily="18" charset="0"/>
+                          </a:rPr>
+                          <m:t>𝑅</m:t>
+                        </m:r>
+                      </m:e>
+                      <m:sub>
+                        <m:r>
+                          <a:rPr lang="de-DE" b="0" i="1" smtClean="0">
+                            <a:latin typeface="Cambria Math" panose="02040503050406030204" pitchFamily="18" charset="0"/>
+                          </a:rPr>
+                          <m:t>𝑅𝑒𝑠𝑡</m:t>
+                        </m:r>
+                      </m:sub>
+                    </m:sSub>
+                    <m:r>
+                      <a:rPr lang="de-DE" b="0" i="1" smtClean="0">
+                        <a:latin typeface="Cambria Math" panose="02040503050406030204" pitchFamily="18" charset="0"/>
+                      </a:rPr>
+                      <m:t>=</m:t>
+                    </m:r>
+                    <m:d>
+                      <m:dPr>
+                        <m:ctrlPr>
+                          <a:rPr lang="de-DE" b="0" i="0" smtClean="0">
+                            <a:latin typeface="Cambria Math" panose="02040503050406030204" pitchFamily="18" charset="0"/>
+                          </a:rPr>
+                        </m:ctrlPr>
+                      </m:dPr>
+                      <m:e>
+                        <m:r>
+                          <a:rPr lang="de-DE" b="0" i="0" smtClean="0">
+                            <a:latin typeface="Cambria Math" panose="02040503050406030204" pitchFamily="18" charset="0"/>
+                          </a:rPr>
+                          <m:t>7.4</m:t>
+                        </m:r>
+                        <m:r>
+                          <a:rPr lang="de-DE" b="0" i="1" smtClean="0">
+                            <a:latin typeface="Cambria Math" panose="02040503050406030204" pitchFamily="18" charset="0"/>
+                          </a:rPr>
+                          <m:t>±2.0</m:t>
+                        </m:r>
+                      </m:e>
+                    </m:d>
+                    <m:r>
+                      <m:rPr>
+                        <m:sty m:val="p"/>
+                      </m:rPr>
+                      <a:rPr lang="de-DE" b="0" i="0" smtClean="0">
+                        <a:latin typeface="Cambria Math" panose="02040503050406030204" pitchFamily="18" charset="0"/>
+                      </a:rPr>
+                      <m:t>Ω</m:t>
+                    </m:r>
+                  </m:oMath>
+                </a14:m>
+                <a:endParaRPr lang="de-DE" b="0" dirty="0"/>
+              </a:p>
+              <a:p>
+                <a:r>
+                  <a:rPr lang="de-DE" b="0" dirty="0"/>
+                  <a:t>Nennwert Spule: </a:t>
+                </a:r>
+                <a14:m>
+                  <m:oMath xmlns:m="http://schemas.openxmlformats.org/officeDocument/2006/math">
+                    <m:r>
+                      <a:rPr lang="de-DE" b="0" i="1" smtClean="0">
+                        <a:latin typeface="Cambria Math" panose="02040503050406030204" pitchFamily="18" charset="0"/>
+                      </a:rPr>
+                      <m:t>9.5 </m:t>
+                    </m:r>
+                    <m:r>
+                      <m:rPr>
+                        <m:sty m:val="p"/>
+                      </m:rPr>
+                      <a:rPr lang="de-DE" b="0" i="0" smtClean="0">
+                        <a:latin typeface="Cambria Math" panose="02040503050406030204" pitchFamily="18" charset="0"/>
+                      </a:rPr>
+                      <m:t>Ω</m:t>
+                    </m:r>
+                  </m:oMath>
+                </a14:m>
+                <a:endParaRPr lang="de-DE" b="0" dirty="0"/>
+              </a:p>
+              <a:p>
+                <a:endParaRPr lang="de-DE" b="0" dirty="0"/>
+              </a:p>
+              <a:p>
+                <a:endParaRPr lang="de-DE" dirty="0"/>
+              </a:p>
+              <a:p>
+                <a:endParaRPr lang="de-DE" dirty="0"/>
+              </a:p>
+            </p:txBody>
+          </p:sp>
+        </mc:Choice>
+        <mc:Fallback>
+          <p:sp>
+            <p:nvSpPr>
+              <p:cNvPr id="3" name="Inhaltsplatzhalter 2"/>
+              <p:cNvSpPr>
+                <a:spLocks noGrp="1" noRot="1" noChangeAspect="1" noMove="1" noResize="1" noEditPoints="1" noAdjustHandles="1" noChangeArrowheads="1" noChangeShapeType="1" noTextEdit="1"/>
+              </p:cNvSpPr>
+              <p:nvPr>
+                <p:ph idx="1"/>
+              </p:nvPr>
+            </p:nvSpPr>
+            <p:spPr>
+              <a:blipFill>
+                <a:blip r:embed="rId2"/>
+                <a:stretch>
+                  <a:fillRect l="-928"/>
+                </a:stretch>
+              </a:blipFill>
+            </p:spPr>
+            <p:txBody>
+              <a:bodyPr/>
+              <a:lstStyle/>
+              <a:p>
+                <a:r>
+                  <a:rPr lang="de-DE">
+                    <a:noFill/>
+                  </a:rPr>
+                  <a:t> </a:t>
+                </a:r>
+              </a:p>
+            </p:txBody>
+          </p:sp>
+        </mc:Fallback>
+      </mc:AlternateContent>
+      <p:pic>
+        <p:nvPicPr>
+          <p:cNvPr id="5" name="Grafik 4"/>
+          <p:cNvPicPr>
+            <a:picLocks noChangeAspect="1"/>
+          </p:cNvPicPr>
+          <p:nvPr/>
+        </p:nvPicPr>
+        <p:blipFill>
+          <a:blip r:embed="rId3">
+            <a:extLst>
+              <a:ext uri="{28A0092B-C50C-407E-A947-70E740481C1C}">
+                <a14:useLocalDpi xmlns:a14="http://schemas.microsoft.com/office/drawing/2010/main" val="0"/>
+              </a:ext>
+            </a:extLst>
+          </a:blip>
+          <a:stretch>
+            <a:fillRect/>
+          </a:stretch>
+        </p:blipFill>
+        <p:spPr>
+          <a:xfrm>
+            <a:off x="4874444" y="1027906"/>
+            <a:ext cx="7317556" cy="5465299"/>
+          </a:xfrm>
+          <a:prstGeom prst="rect">
+            <a:avLst/>
+          </a:prstGeom>
+        </p:spPr>
+      </p:pic>
+    </p:spTree>
+    <p:extLst>
+      <p:ext uri="{BB962C8B-B14F-4D97-AF65-F5344CB8AC3E}">
+        <p14:creationId xmlns:p14="http://schemas.microsoft.com/office/powerpoint/2010/main" val="2219743098"/>
+      </p:ext>
+    </p:extLst>
+  </p:cSld>
+  <p:clrMapOvr>
+    <a:masterClrMapping/>
+  </p:clrMapOvr>
+</p:sld>
+</file>
+
+<file path=ppt/slides/slide13.xml><?xml version="1.0" encoding="utf-8"?>
+<p:sld xmlns:a="http://schemas.openxmlformats.org/drawingml/2006/main" xmlns:r="http://schemas.openxmlformats.org/officeDocument/2006/relationships" xmlns:p="http://schemas.openxmlformats.org/presentationml/2006/main">
+  <p:cSld>
+    <p:spTree>
+      <p:nvGrpSpPr>
+        <p:cNvPr id="1" name=""/>
+        <p:cNvGrpSpPr/>
+        <p:nvPr/>
+      </p:nvGrpSpPr>
+      <p:grpSpPr>
+        <a:xfrm>
+          <a:off x="0" y="0"/>
+          <a:ext cx="0" cy="0"/>
+          <a:chOff x="0" y="0"/>
+          <a:chExt cx="0" cy="0"/>
+        </a:xfrm>
+      </p:grpSpPr>
+      <p:sp>
+        <p:nvSpPr>
+          <p:cNvPr id="2" name="Titel 1"/>
+          <p:cNvSpPr>
+            <a:spLocks noGrp="1"/>
+          </p:cNvSpPr>
+          <p:nvPr>
+            <p:ph type="title"/>
+          </p:nvPr>
+        </p:nvSpPr>
+        <p:spPr/>
+        <p:txBody>
+          <a:bodyPr/>
+          <a:lstStyle/>
+          <a:p>
+            <a:r>
+              <a:rPr lang="de-DE" dirty="0"/>
+              <a:t>RLC - Kapazität</a:t>
+            </a:r>
+          </a:p>
+        </p:txBody>
+      </p:sp>
+      <mc:AlternateContent xmlns:mc="http://schemas.openxmlformats.org/markup-compatibility/2006">
+        <mc:Choice xmlns:a14="http://schemas.microsoft.com/office/drawing/2010/main" Requires="a14">
+          <p:sp>
+            <p:nvSpPr>
+              <p:cNvPr id="3" name="Inhaltsplatzhalter 2"/>
+              <p:cNvSpPr>
+                <a:spLocks noGrp="1"/>
+              </p:cNvSpPr>
+              <p:nvPr>
+                <p:ph idx="1"/>
+              </p:nvPr>
+            </p:nvSpPr>
+            <p:spPr/>
+            <p:txBody>
+              <a:bodyPr/>
+              <a:lstStyle/>
+              <a:p>
+                <a14:m>
+                  <m:oMath xmlns:m="http://schemas.openxmlformats.org/officeDocument/2006/math">
+                    <m:sSup>
+                      <m:sSupPr>
+                        <m:ctrlPr>
+                          <a:rPr lang="de-DE" b="0" i="1" smtClean="0">
+                            <a:latin typeface="Cambria Math" panose="02040503050406030204" pitchFamily="18" charset="0"/>
+                          </a:rPr>
+                        </m:ctrlPr>
+                      </m:sSupPr>
+                      <m:e>
+                        <m:r>
+                          <a:rPr lang="de-DE" b="0" i="1" smtClean="0">
+                            <a:latin typeface="Cambria Math" panose="02040503050406030204" pitchFamily="18" charset="0"/>
+                          </a:rPr>
+                          <m:t>𝜔</m:t>
+                        </m:r>
+                      </m:e>
+                      <m:sup>
+                        <m:r>
+                          <a:rPr lang="de-DE" b="0" i="1" smtClean="0">
+                            <a:latin typeface="Cambria Math" panose="02040503050406030204" pitchFamily="18" charset="0"/>
+                          </a:rPr>
+                          <m:t>2</m:t>
+                        </m:r>
+                      </m:sup>
+                    </m:sSup>
+                    <m:r>
+                      <a:rPr lang="de-DE" b="0" i="1" smtClean="0">
+                        <a:latin typeface="Cambria Math" panose="02040503050406030204" pitchFamily="18" charset="0"/>
+                      </a:rPr>
+                      <m:t>=</m:t>
+                    </m:r>
+                    <m:sSubSup>
+                      <m:sSubSupPr>
+                        <m:ctrlPr>
+                          <a:rPr lang="de-DE" b="0" i="1" smtClean="0">
+                            <a:latin typeface="Cambria Math" panose="02040503050406030204" pitchFamily="18" charset="0"/>
+                          </a:rPr>
+                        </m:ctrlPr>
+                      </m:sSubSupPr>
+                      <m:e>
+                        <m:r>
+                          <a:rPr lang="de-DE" b="0" i="1" smtClean="0">
+                            <a:latin typeface="Cambria Math" panose="02040503050406030204" pitchFamily="18" charset="0"/>
+                          </a:rPr>
+                          <m:t>𝜔</m:t>
+                        </m:r>
+                      </m:e>
+                      <m:sub>
+                        <m:r>
+                          <a:rPr lang="de-DE" b="0" i="1" smtClean="0">
+                            <a:latin typeface="Cambria Math" panose="02040503050406030204" pitchFamily="18" charset="0"/>
+                          </a:rPr>
+                          <m:t>0</m:t>
+                        </m:r>
+                      </m:sub>
+                      <m:sup>
+                        <m:r>
+                          <a:rPr lang="de-DE" b="0" i="1" smtClean="0">
+                            <a:latin typeface="Cambria Math" panose="02040503050406030204" pitchFamily="18" charset="0"/>
+                          </a:rPr>
+                          <m:t>2</m:t>
+                        </m:r>
+                      </m:sup>
+                    </m:sSubSup>
+                    <m:r>
+                      <a:rPr lang="de-DE" b="0" i="1" smtClean="0">
+                        <a:latin typeface="Cambria Math" panose="02040503050406030204" pitchFamily="18" charset="0"/>
+                      </a:rPr>
+                      <m:t>−</m:t>
+                    </m:r>
+                    <m:sSup>
+                      <m:sSupPr>
+                        <m:ctrlPr>
+                          <a:rPr lang="de-DE" b="0" i="1" smtClean="0">
+                            <a:latin typeface="Cambria Math" panose="02040503050406030204" pitchFamily="18" charset="0"/>
+                          </a:rPr>
+                        </m:ctrlPr>
+                      </m:sSupPr>
+                      <m:e>
+                        <m:r>
+                          <a:rPr lang="de-DE" b="0" i="1" smtClean="0">
+                            <a:latin typeface="Cambria Math" panose="02040503050406030204" pitchFamily="18" charset="0"/>
+                          </a:rPr>
+                          <m:t>𝛿</m:t>
+                        </m:r>
+                      </m:e>
+                      <m:sup>
+                        <m:r>
+                          <a:rPr lang="de-DE" b="0" i="1" smtClean="0">
+                            <a:latin typeface="Cambria Math" panose="02040503050406030204" pitchFamily="18" charset="0"/>
+                          </a:rPr>
+                          <m:t>2</m:t>
+                        </m:r>
+                      </m:sup>
+                    </m:sSup>
+                  </m:oMath>
+                </a14:m>
+                <a:endParaRPr lang="de-DE" b="0" dirty="0"/>
+              </a:p>
+              <a:p>
+                <a14:m>
+                  <m:oMath xmlns:m="http://schemas.openxmlformats.org/officeDocument/2006/math">
+                    <m:r>
+                      <a:rPr lang="de-DE" b="0" i="1" smtClean="0">
+                        <a:latin typeface="Cambria Math" panose="02040503050406030204" pitchFamily="18" charset="0"/>
+                      </a:rPr>
+                      <m:t>⇒</m:t>
+                    </m:r>
+                    <m:sSup>
+                      <m:sSupPr>
+                        <m:ctrlPr>
+                          <a:rPr lang="de-DE" b="0" i="1" smtClean="0">
+                            <a:latin typeface="Cambria Math" panose="02040503050406030204" pitchFamily="18" charset="0"/>
+                          </a:rPr>
+                        </m:ctrlPr>
+                      </m:sSupPr>
+                      <m:e>
+                        <m:r>
+                          <a:rPr lang="de-DE" b="0" i="1" smtClean="0">
+                            <a:latin typeface="Cambria Math" panose="02040503050406030204" pitchFamily="18" charset="0"/>
+                          </a:rPr>
+                          <m:t>𝜔</m:t>
+                        </m:r>
+                      </m:e>
+                      <m:sup>
+                        <m:r>
+                          <a:rPr lang="de-DE" b="0" i="1" smtClean="0">
+                            <a:latin typeface="Cambria Math" panose="02040503050406030204" pitchFamily="18" charset="0"/>
+                          </a:rPr>
+                          <m:t>2</m:t>
+                        </m:r>
+                      </m:sup>
+                    </m:sSup>
+                    <m:r>
+                      <a:rPr lang="de-DE" b="0" i="1" smtClean="0">
+                        <a:latin typeface="Cambria Math" panose="02040503050406030204" pitchFamily="18" charset="0"/>
+                      </a:rPr>
+                      <m:t>= </m:t>
+                    </m:r>
+                    <m:f>
+                      <m:fPr>
+                        <m:type m:val="skw"/>
+                        <m:ctrlPr>
+                          <a:rPr lang="de-DE" b="0" i="1" smtClean="0">
+                            <a:latin typeface="Cambria Math" panose="02040503050406030204" pitchFamily="18" charset="0"/>
+                          </a:rPr>
+                        </m:ctrlPr>
+                      </m:fPr>
+                      <m:num>
+                        <m:r>
+                          <a:rPr lang="de-DE" b="0" i="1" smtClean="0">
+                            <a:latin typeface="Cambria Math" panose="02040503050406030204" pitchFamily="18" charset="0"/>
+                          </a:rPr>
+                          <m:t>1</m:t>
+                        </m:r>
+                      </m:num>
+                      <m:den>
+                        <m:r>
+                          <a:rPr lang="de-DE" b="0" i="1" smtClean="0">
+                            <a:latin typeface="Cambria Math" panose="02040503050406030204" pitchFamily="18" charset="0"/>
+                          </a:rPr>
+                          <m:t>𝐿𝐶</m:t>
+                        </m:r>
+                      </m:den>
+                    </m:f>
+                    <m:r>
+                      <a:rPr lang="de-DE" b="0" i="1" smtClean="0">
+                        <a:latin typeface="Cambria Math" panose="02040503050406030204" pitchFamily="18" charset="0"/>
+                      </a:rPr>
+                      <m:t>−</m:t>
+                    </m:r>
+                    <m:sSup>
+                      <m:sSupPr>
+                        <m:ctrlPr>
+                          <a:rPr lang="de-DE" b="0" i="1" smtClean="0">
+                            <a:latin typeface="Cambria Math" panose="02040503050406030204" pitchFamily="18" charset="0"/>
+                          </a:rPr>
+                        </m:ctrlPr>
+                      </m:sSupPr>
+                      <m:e>
+                        <m:r>
+                          <a:rPr lang="de-DE" b="0" i="1" smtClean="0">
+                            <a:latin typeface="Cambria Math" panose="02040503050406030204" pitchFamily="18" charset="0"/>
+                          </a:rPr>
+                          <m:t>𝛿</m:t>
+                        </m:r>
+                      </m:e>
+                      <m:sup>
+                        <m:r>
+                          <a:rPr lang="de-DE" b="0" i="1" smtClean="0">
+                            <a:latin typeface="Cambria Math" panose="02040503050406030204" pitchFamily="18" charset="0"/>
+                          </a:rPr>
+                          <m:t>2</m:t>
+                        </m:r>
+                      </m:sup>
+                    </m:sSup>
+                  </m:oMath>
+                </a14:m>
+                <a:endParaRPr lang="de-DE" dirty="0"/>
+              </a:p>
+              <a:p>
+                <a:endParaRPr lang="de-DE" dirty="0"/>
+              </a:p>
+              <a:p>
+                <a14:m>
+                  <m:oMath xmlns:m="http://schemas.openxmlformats.org/officeDocument/2006/math">
+                    <m:r>
+                      <a:rPr lang="de-DE" b="0" i="1" smtClean="0">
+                        <a:latin typeface="Cambria Math" panose="02040503050406030204" pitchFamily="18" charset="0"/>
+                      </a:rPr>
+                      <m:t>𝐶</m:t>
+                    </m:r>
+                    <m:r>
+                      <a:rPr lang="de-DE" b="0" i="1" smtClean="0">
+                        <a:latin typeface="Cambria Math" panose="02040503050406030204" pitchFamily="18" charset="0"/>
+                      </a:rPr>
+                      <m:t>=</m:t>
+                    </m:r>
+                    <m:d>
+                      <m:dPr>
+                        <m:ctrlPr>
+                          <a:rPr lang="de-DE" b="0" i="1" smtClean="0">
+                            <a:latin typeface="Cambria Math" panose="02040503050406030204" pitchFamily="18" charset="0"/>
+                          </a:rPr>
+                        </m:ctrlPr>
+                      </m:dPr>
+                      <m:e>
+                        <m:r>
+                          <a:rPr lang="de-DE" b="0" i="1" smtClean="0">
+                            <a:latin typeface="Cambria Math" panose="02040503050406030204" pitchFamily="18" charset="0"/>
+                          </a:rPr>
+                          <m:t>4.72±0.28</m:t>
+                        </m:r>
+                      </m:e>
+                    </m:d>
+                    <m:r>
+                      <a:rPr lang="de-DE" b="0" i="1" smtClean="0">
+                        <a:latin typeface="Cambria Math" panose="02040503050406030204" pitchFamily="18" charset="0"/>
+                      </a:rPr>
+                      <m:t>𝜇</m:t>
+                    </m:r>
+                    <m:r>
+                      <a:rPr lang="de-DE" b="0" i="1" smtClean="0">
+                        <a:latin typeface="Cambria Math" panose="02040503050406030204" pitchFamily="18" charset="0"/>
+                      </a:rPr>
+                      <m:t>𝐹</m:t>
+                    </m:r>
+                  </m:oMath>
+                </a14:m>
+                <a:endParaRPr lang="de-DE" b="0" dirty="0"/>
+              </a:p>
+              <a:p>
+                <a:r>
+                  <a:rPr lang="de-DE" dirty="0"/>
+                  <a:t>Nennwert: </a:t>
+                </a:r>
+                <a14:m>
+                  <m:oMath xmlns:m="http://schemas.openxmlformats.org/officeDocument/2006/math">
+                    <m:r>
+                      <a:rPr lang="de-DE" b="0" i="1" smtClean="0">
+                        <a:latin typeface="Cambria Math" panose="02040503050406030204" pitchFamily="18" charset="0"/>
+                      </a:rPr>
+                      <m:t>4.7 </m:t>
+                    </m:r>
+                    <m:r>
+                      <a:rPr lang="de-DE" b="0" i="1" smtClean="0">
+                        <a:latin typeface="Cambria Math" panose="02040503050406030204" pitchFamily="18" charset="0"/>
+                      </a:rPr>
+                      <m:t>𝜇</m:t>
+                    </m:r>
+                    <m:r>
+                      <a:rPr lang="de-DE" b="0" i="1" smtClean="0">
+                        <a:latin typeface="Cambria Math" panose="02040503050406030204" pitchFamily="18" charset="0"/>
+                      </a:rPr>
+                      <m:t>𝐹</m:t>
+                    </m:r>
+                  </m:oMath>
+                </a14:m>
+                <a:endParaRPr lang="de-DE" dirty="0"/>
+              </a:p>
+            </p:txBody>
+          </p:sp>
+        </mc:Choice>
+        <mc:Fallback>
+          <p:sp>
+            <p:nvSpPr>
+              <p:cNvPr id="3" name="Inhaltsplatzhalter 2"/>
+              <p:cNvSpPr>
+                <a:spLocks noGrp="1" noRot="1" noChangeAspect="1" noMove="1" noResize="1" noEditPoints="1" noAdjustHandles="1" noChangeArrowheads="1" noChangeShapeType="1" noTextEdit="1"/>
+              </p:cNvSpPr>
+              <p:nvPr>
+                <p:ph idx="1"/>
+              </p:nvPr>
+            </p:nvSpPr>
+            <p:spPr>
+              <a:blipFill>
+                <a:blip r:embed="rId2"/>
+                <a:stretch>
+                  <a:fillRect l="-928"/>
+                </a:stretch>
+              </a:blipFill>
+            </p:spPr>
+            <p:txBody>
+              <a:bodyPr/>
+              <a:lstStyle/>
+              <a:p>
+                <a:r>
+                  <a:rPr lang="de-DE">
+                    <a:noFill/>
+                  </a:rPr>
+                  <a:t> </a:t>
+                </a:r>
+              </a:p>
+            </p:txBody>
+          </p:sp>
+        </mc:Fallback>
+      </mc:AlternateContent>
+      <p:pic>
+        <p:nvPicPr>
+          <p:cNvPr id="5" name="Grafik 4"/>
+          <p:cNvPicPr>
+            <a:picLocks noChangeAspect="1"/>
+          </p:cNvPicPr>
+          <p:nvPr/>
+        </p:nvPicPr>
+        <p:blipFill>
+          <a:blip r:embed="rId3">
+            <a:extLst>
+              <a:ext uri="{28A0092B-C50C-407E-A947-70E740481C1C}">
+                <a14:useLocalDpi xmlns:a14="http://schemas.microsoft.com/office/drawing/2010/main" val="0"/>
+              </a:ext>
+            </a:extLst>
+          </a:blip>
+          <a:stretch>
+            <a:fillRect/>
+          </a:stretch>
+        </p:blipFill>
+        <p:spPr>
+          <a:xfrm>
+            <a:off x="4820867" y="576775"/>
+            <a:ext cx="7122603" cy="6102598"/>
+          </a:xfrm>
+          <a:prstGeom prst="rect">
+            <a:avLst/>
+          </a:prstGeom>
+        </p:spPr>
+      </p:pic>
+    </p:spTree>
+    <p:extLst>
+      <p:ext uri="{BB962C8B-B14F-4D97-AF65-F5344CB8AC3E}">
+        <p14:creationId xmlns:p14="http://schemas.microsoft.com/office/powerpoint/2010/main" val="1045746903"/>
+      </p:ext>
+    </p:extLst>
+  </p:cSld>
+  <p:clrMapOvr>
+    <a:masterClrMapping/>
+  </p:clrMapOvr>
+</p:sld>
+</file>
+
+<file path=ppt/slides/slide14.xml><?xml version="1.0" encoding="utf-8"?>
+<p:sld xmlns:a="http://schemas.openxmlformats.org/drawingml/2006/main" xmlns:r="http://schemas.openxmlformats.org/officeDocument/2006/relationships" xmlns:p="http://schemas.openxmlformats.org/presentationml/2006/main">
+  <p:cSld>
+    <p:spTree>
+      <p:nvGrpSpPr>
+        <p:cNvPr id="1" name=""/>
+        <p:cNvGrpSpPr/>
+        <p:nvPr/>
+      </p:nvGrpSpPr>
+      <p:grpSpPr>
+        <a:xfrm>
+          <a:off x="0" y="0"/>
+          <a:ext cx="0" cy="0"/>
+          <a:chOff x="0" y="0"/>
+          <a:chExt cx="0" cy="0"/>
+        </a:xfrm>
+      </p:grpSpPr>
+      <p:sp>
+        <p:nvSpPr>
+          <p:cNvPr id="2" name="Titel 1"/>
+          <p:cNvSpPr>
+            <a:spLocks noGrp="1"/>
+          </p:cNvSpPr>
+          <p:nvPr>
+            <p:ph type="title"/>
+          </p:nvPr>
+        </p:nvSpPr>
+        <p:spPr/>
+        <p:txBody>
+          <a:bodyPr/>
+          <a:lstStyle/>
+          <a:p>
+            <a:r>
+              <a:rPr lang="de-DE" dirty="0"/>
+              <a:t>Aperiodischer Grenzfall</a:t>
+            </a:r>
+          </a:p>
+        </p:txBody>
+      </p:sp>
+      <p:pic>
+        <p:nvPicPr>
+          <p:cNvPr id="9" name="Inhaltsplatzhalter 8"/>
+          <p:cNvPicPr>
+            <a:picLocks noGrp="1" noChangeAspect="1"/>
+          </p:cNvPicPr>
+          <p:nvPr>
+            <p:ph sz="half" idx="2"/>
+          </p:nvPr>
+        </p:nvPicPr>
+        <p:blipFill>
+          <a:blip r:embed="rId2">
+            <a:extLst>
+              <a:ext uri="{28A0092B-C50C-407E-A947-70E740481C1C}">
+                <a14:useLocalDpi xmlns:a14="http://schemas.microsoft.com/office/drawing/2010/main" val="0"/>
+              </a:ext>
+            </a:extLst>
+          </a:blip>
+          <a:stretch>
+            <a:fillRect/>
+          </a:stretch>
+        </p:blipFill>
+        <p:spPr>
+          <a:xfrm>
+            <a:off x="0" y="1232452"/>
+            <a:ext cx="5976712" cy="5526157"/>
+          </a:xfrm>
+        </p:spPr>
+      </p:pic>
+      <mc:AlternateContent xmlns:mc="http://schemas.openxmlformats.org/markup-compatibility/2006" xmlns:a14="http://schemas.microsoft.com/office/drawing/2010/main">
+        <mc:Choice Requires="a14">
+          <p:sp>
+            <p:nvSpPr>
+              <p:cNvPr id="11" name="Inhaltsplatzhalter 10"/>
+              <p:cNvSpPr>
+                <a:spLocks noGrp="1"/>
+              </p:cNvSpPr>
+              <p:nvPr>
+                <p:ph sz="half" idx="1"/>
+              </p:nvPr>
+            </p:nvSpPr>
+            <p:spPr>
+              <a:xfrm>
+                <a:off x="5976712" y="1690688"/>
+                <a:ext cx="5181600" cy="4351338"/>
+              </a:xfrm>
+            </p:spPr>
+            <p:txBody>
+              <a:bodyPr/>
+              <a:lstStyle/>
+              <a:p>
+                <a:r>
+                  <a:rPr lang="de-DE" dirty="0"/>
+                  <a:t>Einhüllende: </a:t>
+                </a:r>
+                <a14:m>
+                  <m:oMath xmlns:m="http://schemas.openxmlformats.org/officeDocument/2006/math">
+                    <m:r>
+                      <a:rPr lang="de-DE" i="1">
+                        <a:latin typeface="Cambria Math" panose="02040503050406030204" pitchFamily="18" charset="0"/>
+                      </a:rPr>
+                      <m:t>185</m:t>
+                    </m:r>
+                    <m:r>
+                      <m:rPr>
+                        <m:sty m:val="p"/>
+                      </m:rPr>
+                      <a:rPr lang="de-DE">
+                        <a:latin typeface="Cambria Math" panose="02040503050406030204" pitchFamily="18" charset="0"/>
+                      </a:rPr>
+                      <m:t>Ω</m:t>
+                    </m:r>
+                  </m:oMath>
+                </a14:m>
+                <a:r>
+                  <a:rPr lang="de-DE" dirty="0"/>
+                  <a:t> und </a:t>
+                </a:r>
+                <a14:m>
+                  <m:oMath xmlns:m="http://schemas.openxmlformats.org/officeDocument/2006/math">
+                    <m:r>
+                      <a:rPr lang="de-DE" i="1">
+                        <a:latin typeface="Cambria Math" panose="02040503050406030204" pitchFamily="18" charset="0"/>
+                      </a:rPr>
+                      <m:t>200</m:t>
+                    </m:r>
+                    <m:r>
+                      <m:rPr>
+                        <m:sty m:val="p"/>
+                      </m:rPr>
+                      <a:rPr lang="de-DE">
+                        <a:latin typeface="Cambria Math" panose="02040503050406030204" pitchFamily="18" charset="0"/>
+                      </a:rPr>
+                      <m:t>Ω</m:t>
+                    </m:r>
+                  </m:oMath>
+                </a14:m>
+                <a:endParaRPr lang="de-DE" dirty="0"/>
+              </a:p>
+              <a:p>
+                <a:endParaRPr lang="de-DE" dirty="0"/>
+              </a:p>
+              <a:p>
+                <a:r>
+                  <a:rPr lang="de-DE" dirty="0"/>
+                  <a:t>Annahme: </a:t>
+                </a:r>
+                <a14:m>
+                  <m:oMath xmlns:m="http://schemas.openxmlformats.org/officeDocument/2006/math">
+                    <m:sSub>
+                      <m:sSubPr>
+                        <m:ctrlPr>
+                          <a:rPr lang="de-DE" b="0" i="1" smtClean="0">
+                            <a:latin typeface="Cambria Math" panose="02040503050406030204" pitchFamily="18" charset="0"/>
+                          </a:rPr>
+                        </m:ctrlPr>
+                      </m:sSubPr>
+                      <m:e>
+                        <m:r>
+                          <a:rPr lang="de-DE" b="0" i="1" smtClean="0">
+                            <a:latin typeface="Cambria Math" panose="02040503050406030204" pitchFamily="18" charset="0"/>
+                          </a:rPr>
+                          <m:t>𝑅</m:t>
+                        </m:r>
+                      </m:e>
+                      <m:sub>
+                        <m:r>
+                          <a:rPr lang="de-DE" b="0" i="1" smtClean="0">
+                            <a:latin typeface="Cambria Math" panose="02040503050406030204" pitchFamily="18" charset="0"/>
+                          </a:rPr>
+                          <m:t>𝑎𝑝</m:t>
+                        </m:r>
+                      </m:sub>
+                    </m:sSub>
+                  </m:oMath>
+                </a14:m>
+                <a:r>
+                  <a:rPr lang="de-DE" dirty="0"/>
+                  <a:t> gleichverteilt dazwischen:</a:t>
+                </a:r>
+              </a:p>
+              <a:p>
+                <a:pPr marL="0" indent="0">
+                  <a:buNone/>
+                </a:pPr>
+                <a14:m>
+                  <m:oMathPara xmlns:m="http://schemas.openxmlformats.org/officeDocument/2006/math">
+                    <m:oMathParaPr>
+                      <m:jc m:val="centerGroup"/>
+                    </m:oMathParaPr>
+                    <m:oMath xmlns:m="http://schemas.openxmlformats.org/officeDocument/2006/math">
+                      <m:r>
+                        <a:rPr lang="de-DE" b="0" i="1" smtClean="0">
+                          <a:latin typeface="Cambria Math" panose="02040503050406030204" pitchFamily="18" charset="0"/>
+                        </a:rPr>
+                        <m:t>⇒</m:t>
+                      </m:r>
+                      <m:r>
+                        <a:rPr lang="de-DE" b="0" i="0" smtClean="0">
+                          <a:latin typeface="Cambria Math" panose="02040503050406030204" pitchFamily="18" charset="0"/>
+                        </a:rPr>
+                        <m:t>      </m:t>
+                      </m:r>
+                      <m:sSub>
+                        <m:sSubPr>
+                          <m:ctrlPr>
+                            <a:rPr lang="de-DE" b="0" i="1" smtClean="0">
+                              <a:latin typeface="Cambria Math" panose="02040503050406030204" pitchFamily="18" charset="0"/>
+                            </a:rPr>
+                          </m:ctrlPr>
+                        </m:sSubPr>
+                        <m:e>
+                          <m:r>
+                            <m:rPr>
+                              <m:sty m:val="p"/>
+                            </m:rPr>
+                            <a:rPr lang="de-DE" b="0" i="0" smtClean="0">
+                              <a:latin typeface="Cambria Math" panose="02040503050406030204" pitchFamily="18" charset="0"/>
+                            </a:rPr>
+                            <m:t>R</m:t>
+                          </m:r>
+                        </m:e>
+                        <m:sub>
+                          <m:r>
+                            <m:rPr>
+                              <m:sty m:val="p"/>
+                            </m:rPr>
+                            <a:rPr lang="de-DE" b="0" i="0" smtClean="0">
+                              <a:latin typeface="Cambria Math" panose="02040503050406030204" pitchFamily="18" charset="0"/>
+                            </a:rPr>
+                            <m:t>ap</m:t>
+                          </m:r>
+                        </m:sub>
+                      </m:sSub>
+                      <m:r>
+                        <a:rPr lang="de-DE" b="0" i="0" smtClean="0">
+                          <a:latin typeface="Cambria Math" panose="02040503050406030204" pitchFamily="18" charset="0"/>
+                        </a:rPr>
+                        <m:t>=192.5</m:t>
+                      </m:r>
+                      <m:r>
+                        <m:rPr>
+                          <m:sty m:val="p"/>
+                        </m:rPr>
+                        <a:rPr lang="de-DE" b="0" i="0" smtClean="0">
+                          <a:latin typeface="Cambria Math" panose="02040503050406030204" pitchFamily="18" charset="0"/>
+                        </a:rPr>
+                        <m:t>Ω</m:t>
+                      </m:r>
+                      <m:r>
+                        <a:rPr lang="de-DE" b="0" i="1" smtClean="0">
+                          <a:latin typeface="Cambria Math" panose="02040503050406030204" pitchFamily="18" charset="0"/>
+                        </a:rPr>
+                        <m:t>±4.6</m:t>
+                      </m:r>
+                      <m:r>
+                        <m:rPr>
+                          <m:sty m:val="p"/>
+                        </m:rPr>
+                        <a:rPr lang="de-DE" b="0" i="0" smtClean="0">
+                          <a:latin typeface="Cambria Math" panose="02040503050406030204" pitchFamily="18" charset="0"/>
+                        </a:rPr>
+                        <m:t>Ω</m:t>
+                      </m:r>
+                    </m:oMath>
+                  </m:oMathPara>
+                </a14:m>
+                <a:endParaRPr lang="de-DE" dirty="0"/>
+              </a:p>
+              <a:p>
+                <a:endParaRPr lang="de-DE" dirty="0"/>
+              </a:p>
+              <a:p>
+                <a:r>
+                  <a:rPr lang="de-DE" dirty="0"/>
+                  <a:t>Erwartet: </a:t>
+                </a:r>
+                <a14:m>
+                  <m:oMath xmlns:m="http://schemas.openxmlformats.org/officeDocument/2006/math">
+                    <m:sSub>
+                      <m:sSubPr>
+                        <m:ctrlPr>
+                          <a:rPr lang="de-DE" i="1">
+                            <a:latin typeface="Cambria Math" panose="02040503050406030204" pitchFamily="18" charset="0"/>
+                          </a:rPr>
+                        </m:ctrlPr>
+                      </m:sSubPr>
+                      <m:e>
+                        <m:r>
+                          <a:rPr lang="de-DE" i="1">
+                            <a:latin typeface="Cambria Math" panose="02040503050406030204" pitchFamily="18" charset="0"/>
+                          </a:rPr>
+                          <m:t>𝑅</m:t>
+                        </m:r>
+                      </m:e>
+                      <m:sub>
+                        <m:r>
+                          <a:rPr lang="de-DE" i="1">
+                            <a:latin typeface="Cambria Math" panose="02040503050406030204" pitchFamily="18" charset="0"/>
+                          </a:rPr>
+                          <m:t>𝑎𝑝</m:t>
+                        </m:r>
+                      </m:sub>
+                    </m:sSub>
+                    <m:r>
+                      <a:rPr lang="de-DE" i="1">
+                        <a:latin typeface="Cambria Math" panose="02040503050406030204" pitchFamily="18" charset="0"/>
+                      </a:rPr>
+                      <m:t>=2</m:t>
+                    </m:r>
+                    <m:rad>
+                      <m:radPr>
+                        <m:degHide m:val="on"/>
+                        <m:ctrlPr>
+                          <a:rPr lang="de-DE" i="1">
+                            <a:latin typeface="Cambria Math" panose="02040503050406030204" pitchFamily="18" charset="0"/>
+                          </a:rPr>
+                        </m:ctrlPr>
+                      </m:radPr>
+                      <m:deg/>
+                      <m:e>
+                        <m:f>
+                          <m:fPr>
+                            <m:ctrlPr>
+                              <a:rPr lang="de-DE" i="1">
+                                <a:latin typeface="Cambria Math" panose="02040503050406030204" pitchFamily="18" charset="0"/>
+                              </a:rPr>
+                            </m:ctrlPr>
+                          </m:fPr>
+                          <m:num>
+                            <m:r>
+                              <a:rPr lang="de-DE" i="1">
+                                <a:latin typeface="Cambria Math" panose="02040503050406030204" pitchFamily="18" charset="0"/>
+                              </a:rPr>
+                              <m:t>𝐿</m:t>
+                            </m:r>
+                          </m:num>
+                          <m:den>
+                            <m:r>
+                              <a:rPr lang="de-DE" i="1">
+                                <a:latin typeface="Cambria Math" panose="02040503050406030204" pitchFamily="18" charset="0"/>
+                              </a:rPr>
+                              <m:t>𝐶</m:t>
+                            </m:r>
+                          </m:den>
+                        </m:f>
+                      </m:e>
+                    </m:rad>
+                    <m:r>
+                      <a:rPr lang="de-DE" i="1">
+                        <a:latin typeface="Cambria Math" panose="02040503050406030204" pitchFamily="18" charset="0"/>
+                      </a:rPr>
+                      <m:t>=174.6 </m:t>
+                    </m:r>
+                    <m:r>
+                      <m:rPr>
+                        <m:sty m:val="p"/>
+                      </m:rPr>
+                      <a:rPr lang="de-DE">
+                        <a:latin typeface="Cambria Math" panose="02040503050406030204" pitchFamily="18" charset="0"/>
+                      </a:rPr>
+                      <m:t>Ω</m:t>
+                    </m:r>
+                  </m:oMath>
+                </a14:m>
+                <a:endParaRPr lang="de-DE" dirty="0"/>
+              </a:p>
+              <a:p>
+                <a:endParaRPr lang="de-DE" dirty="0"/>
+              </a:p>
+            </p:txBody>
+          </p:sp>
+        </mc:Choice>
+        <mc:Fallback xmlns="">
+          <p:sp>
+            <p:nvSpPr>
+              <p:cNvPr id="11" name="Inhaltsplatzhalter 10"/>
+              <p:cNvSpPr>
+                <a:spLocks noGrp="1" noRot="1" noChangeAspect="1" noMove="1" noResize="1" noEditPoints="1" noAdjustHandles="1" noChangeArrowheads="1" noChangeShapeType="1" noTextEdit="1"/>
+              </p:cNvSpPr>
+              <p:nvPr>
+                <p:ph sz="half" idx="1"/>
+              </p:nvPr>
+            </p:nvSpPr>
+            <p:spPr>
+              <a:xfrm>
+                <a:off x="5976712" y="1690688"/>
+                <a:ext cx="5181600" cy="4351338"/>
+              </a:xfrm>
+              <a:blipFill>
+                <a:blip r:embed="rId3"/>
+                <a:stretch>
+                  <a:fillRect l="-1882" t="-2241"/>
+                </a:stretch>
+              </a:blipFill>
+            </p:spPr>
+            <p:txBody>
+              <a:bodyPr/>
+              <a:lstStyle/>
+              <a:p>
+                <a:r>
+                  <a:rPr lang="de-DE">
+                    <a:noFill/>
+                  </a:rPr>
+                  <a:t> </a:t>
+                </a:r>
+              </a:p>
+            </p:txBody>
+          </p:sp>
+        </mc:Fallback>
+      </mc:AlternateContent>
+    </p:spTree>
+    <p:extLst>
+      <p:ext uri="{BB962C8B-B14F-4D97-AF65-F5344CB8AC3E}">
+        <p14:creationId xmlns:p14="http://schemas.microsoft.com/office/powerpoint/2010/main" val="3971805474"/>
+      </p:ext>
+    </p:extLst>
+  </p:cSld>
+  <p:clrMapOvr>
+    <a:masterClrMapping/>
+  </p:clrMapOvr>
+</p:sld>
+</file>
+
+<file path=ppt/slides/slide15.xml><?xml version="1.0" encoding="utf-8"?>
 <p:sld xmlns:a="http://schemas.openxmlformats.org/drawingml/2006/main" xmlns:r="http://schemas.openxmlformats.org/officeDocument/2006/relationships" xmlns:p="http://schemas.openxmlformats.org/presentationml/2006/main">
   <p:cSld>
     <p:spTree>
@@ -4648,7 +6533,7 @@
           <a:p>
             <a:fld id="{897114A3-BFF3-441B-8EE5-CE8191EEE22E}" type="slidenum">
               <a:rPr lang="de-DE" smtClean="0"/>
-              <a:t>10</a:t>
+              <a:t>15</a:t>
             </a:fld>
             <a:endParaRPr lang="de-DE"/>
           </a:p>
@@ -4667,7 +6552,7 @@
 </p:sld>
 </file>
 
-<file path=ppt/slides/slide11.xml><?xml version="1.0" encoding="utf-8"?>
+<file path=ppt/slides/slide16.xml><?xml version="1.0" encoding="utf-8"?>
 <p:sld xmlns:a="http://schemas.openxmlformats.org/drawingml/2006/main" xmlns:r="http://schemas.openxmlformats.org/officeDocument/2006/relationships" xmlns:p="http://schemas.openxmlformats.org/presentationml/2006/main">
   <p:cSld>
     <p:spTree>
@@ -4701,429 +6586,6 @@
           <a:p>
             <a:r>
               <a:rPr lang="de-DE" dirty="0"/>
-              <a:t>Aperiodischer Grenzfall</a:t>
-            </a:r>
-          </a:p>
-        </p:txBody>
-      </p:sp>
-      <p:pic>
-        <p:nvPicPr>
-          <p:cNvPr id="9" name="Inhaltsplatzhalter 8"/>
-          <p:cNvPicPr>
-            <a:picLocks noGrp="1" noChangeAspect="1"/>
-          </p:cNvPicPr>
-          <p:nvPr>
-            <p:ph sz="half" idx="2"/>
-          </p:nvPr>
-        </p:nvPicPr>
-        <p:blipFill>
-          <a:blip r:embed="rId2">
-            <a:extLst>
-              <a:ext uri="{28A0092B-C50C-407E-A947-70E740481C1C}">
-                <a14:useLocalDpi xmlns:a14="http://schemas.microsoft.com/office/drawing/2010/main" val="0"/>
-              </a:ext>
-            </a:extLst>
-          </a:blip>
-          <a:stretch>
-            <a:fillRect/>
-          </a:stretch>
-        </p:blipFill>
-        <p:spPr>
-          <a:xfrm>
-            <a:off x="0" y="1232452"/>
-            <a:ext cx="5976712" cy="5526157"/>
-          </a:xfrm>
-        </p:spPr>
-      </p:pic>
-      <mc:AlternateContent xmlns:mc="http://schemas.openxmlformats.org/markup-compatibility/2006">
-        <mc:Choice xmlns:a14="http://schemas.microsoft.com/office/drawing/2010/main" Requires="a14">
-          <p:sp>
-            <p:nvSpPr>
-              <p:cNvPr id="11" name="Inhaltsplatzhalter 10"/>
-              <p:cNvSpPr>
-                <a:spLocks noGrp="1"/>
-              </p:cNvSpPr>
-              <p:nvPr>
-                <p:ph sz="half" idx="1"/>
-              </p:nvPr>
-            </p:nvSpPr>
-            <p:spPr>
-              <a:xfrm>
-                <a:off x="5976712" y="1690688"/>
-                <a:ext cx="5181600" cy="4351338"/>
-              </a:xfrm>
-            </p:spPr>
-            <p:txBody>
-              <a:bodyPr/>
-              <a:lstStyle/>
-              <a:p>
-                <a:r>
-                  <a:rPr lang="de-DE" dirty="0"/>
-                  <a:t>Einhüllende: </a:t>
-                </a:r>
-                <a14:m>
-                  <m:oMath xmlns:m="http://schemas.openxmlformats.org/officeDocument/2006/math">
-                    <m:r>
-                      <a:rPr lang="de-DE" i="1">
-                        <a:latin typeface="Cambria Math" panose="02040503050406030204" pitchFamily="18" charset="0"/>
-                      </a:rPr>
-                      <m:t>185</m:t>
-                    </m:r>
-                    <m:r>
-                      <m:rPr>
-                        <m:sty m:val="p"/>
-                      </m:rPr>
-                      <a:rPr lang="de-DE">
-                        <a:latin typeface="Cambria Math" panose="02040503050406030204" pitchFamily="18" charset="0"/>
-                      </a:rPr>
-                      <m:t>Ω</m:t>
-                    </m:r>
-                  </m:oMath>
-                </a14:m>
-                <a:r>
-                  <a:rPr lang="de-DE" dirty="0"/>
-                  <a:t> und </a:t>
-                </a:r>
-                <a14:m>
-                  <m:oMath xmlns:m="http://schemas.openxmlformats.org/officeDocument/2006/math">
-                    <m:r>
-                      <a:rPr lang="de-DE" i="1">
-                        <a:latin typeface="Cambria Math" panose="02040503050406030204" pitchFamily="18" charset="0"/>
-                      </a:rPr>
-                      <m:t>200</m:t>
-                    </m:r>
-                    <m:r>
-                      <m:rPr>
-                        <m:sty m:val="p"/>
-                      </m:rPr>
-                      <a:rPr lang="de-DE">
-                        <a:latin typeface="Cambria Math" panose="02040503050406030204" pitchFamily="18" charset="0"/>
-                      </a:rPr>
-                      <m:t>Ω</m:t>
-                    </m:r>
-                  </m:oMath>
-                </a14:m>
-                <a:endParaRPr lang="de-DE" dirty="0"/>
-              </a:p>
-              <a:p>
-                <a:endParaRPr lang="de-DE" dirty="0"/>
-              </a:p>
-              <a:p>
-                <a:r>
-                  <a:rPr lang="de-DE" dirty="0"/>
-                  <a:t>Annahme: </a:t>
-                </a:r>
-                <a14:m>
-                  <m:oMath xmlns:m="http://schemas.openxmlformats.org/officeDocument/2006/math">
-                    <m:sSub>
-                      <m:sSubPr>
-                        <m:ctrlPr>
-                          <a:rPr lang="de-DE" b="0" i="1" smtClean="0">
-                            <a:latin typeface="Cambria Math" panose="02040503050406030204" pitchFamily="18" charset="0"/>
-                          </a:rPr>
-                        </m:ctrlPr>
-                      </m:sSubPr>
-                      <m:e>
-                        <m:r>
-                          <a:rPr lang="de-DE" b="0" i="1" smtClean="0">
-                            <a:latin typeface="Cambria Math" panose="02040503050406030204" pitchFamily="18" charset="0"/>
-                          </a:rPr>
-                          <m:t>𝑅</m:t>
-                        </m:r>
-                      </m:e>
-                      <m:sub>
-                        <m:r>
-                          <a:rPr lang="de-DE" b="0" i="1" smtClean="0">
-                            <a:latin typeface="Cambria Math" panose="02040503050406030204" pitchFamily="18" charset="0"/>
-                          </a:rPr>
-                          <m:t>𝑎𝑝</m:t>
-                        </m:r>
-                      </m:sub>
-                    </m:sSub>
-                  </m:oMath>
-                </a14:m>
-                <a:r>
-                  <a:rPr lang="de-DE" dirty="0"/>
-                  <a:t> gleichverteilt dazwischen:</a:t>
-                </a:r>
-              </a:p>
-              <a:p>
-                <a:pPr marL="0" indent="0">
-                  <a:buNone/>
-                </a:pPr>
-                <a14:m>
-                  <m:oMathPara xmlns:m="http://schemas.openxmlformats.org/officeDocument/2006/math">
-                    <m:oMathParaPr>
-                      <m:jc m:val="centerGroup"/>
-                    </m:oMathParaPr>
-                    <m:oMath xmlns:m="http://schemas.openxmlformats.org/officeDocument/2006/math">
-                      <m:r>
-                        <a:rPr lang="de-DE" b="0" i="1" smtClean="0">
-                          <a:latin typeface="Cambria Math" panose="02040503050406030204" pitchFamily="18" charset="0"/>
-                        </a:rPr>
-                        <m:t>⇒</m:t>
-                      </m:r>
-                      <m:r>
-                        <a:rPr lang="de-DE" b="0" i="0" smtClean="0">
-                          <a:latin typeface="Cambria Math" panose="02040503050406030204" pitchFamily="18" charset="0"/>
-                        </a:rPr>
-                        <m:t>      </m:t>
-                      </m:r>
-                      <m:sSub>
-                        <m:sSubPr>
-                          <m:ctrlPr>
-                            <a:rPr lang="de-DE" b="0" i="0" smtClean="0">
-                              <a:latin typeface="Cambria Math" panose="02040503050406030204" pitchFamily="18" charset="0"/>
-                            </a:rPr>
-                          </m:ctrlPr>
-                        </m:sSubPr>
-                        <m:e>
-                          <m:r>
-                            <m:rPr>
-                              <m:sty m:val="p"/>
-                            </m:rPr>
-                            <a:rPr lang="de-DE" b="0" i="0" smtClean="0">
-                              <a:latin typeface="Cambria Math" panose="02040503050406030204" pitchFamily="18" charset="0"/>
-                            </a:rPr>
-                            <m:t>R</m:t>
-                          </m:r>
-                        </m:e>
-                        <m:sub>
-                          <m:r>
-                            <m:rPr>
-                              <m:sty m:val="p"/>
-                            </m:rPr>
-                            <a:rPr lang="de-DE" b="0" i="0" smtClean="0">
-                              <a:latin typeface="Cambria Math" panose="02040503050406030204" pitchFamily="18" charset="0"/>
-                            </a:rPr>
-                            <m:t>ap</m:t>
-                          </m:r>
-                        </m:sub>
-                      </m:sSub>
-                      <m:r>
-                        <a:rPr lang="de-DE" b="0" i="0" smtClean="0">
-                          <a:latin typeface="Cambria Math" panose="02040503050406030204" pitchFamily="18" charset="0"/>
-                        </a:rPr>
-                        <m:t>=192.5</m:t>
-                      </m:r>
-                      <m:r>
-                        <m:rPr>
-                          <m:sty m:val="p"/>
-                        </m:rPr>
-                        <a:rPr lang="de-DE" b="0" i="0" smtClean="0">
-                          <a:latin typeface="Cambria Math" panose="02040503050406030204" pitchFamily="18" charset="0"/>
-                        </a:rPr>
-                        <m:t>Ω</m:t>
-                      </m:r>
-                      <m:r>
-                        <a:rPr lang="de-DE" b="0" i="1" smtClean="0">
-                          <a:latin typeface="Cambria Math" panose="02040503050406030204" pitchFamily="18" charset="0"/>
-                        </a:rPr>
-                        <m:t>±4.6</m:t>
-                      </m:r>
-                      <m:r>
-                        <m:rPr>
-                          <m:sty m:val="p"/>
-                        </m:rPr>
-                        <a:rPr lang="de-DE" b="0" i="0" smtClean="0">
-                          <a:latin typeface="Cambria Math" panose="02040503050406030204" pitchFamily="18" charset="0"/>
-                        </a:rPr>
-                        <m:t>Ω</m:t>
-                      </m:r>
-                    </m:oMath>
-                  </m:oMathPara>
-                </a14:m>
-                <a:endParaRPr lang="de-DE" dirty="0"/>
-              </a:p>
-              <a:p>
-                <a:endParaRPr lang="de-DE" dirty="0"/>
-              </a:p>
-              <a:p>
-                <a:r>
-                  <a:rPr lang="de-DE" dirty="0"/>
-                  <a:t>Erwartet: </a:t>
-                </a:r>
-                <a14:m>
-                  <m:oMath xmlns:m="http://schemas.openxmlformats.org/officeDocument/2006/math">
-                    <m:sSub>
-                      <m:sSubPr>
-                        <m:ctrlPr>
-                          <a:rPr lang="de-DE" i="1">
-                            <a:latin typeface="Cambria Math" panose="02040503050406030204" pitchFamily="18" charset="0"/>
-                          </a:rPr>
-                        </m:ctrlPr>
-                      </m:sSubPr>
-                      <m:e>
-                        <m:r>
-                          <a:rPr lang="de-DE" i="1">
-                            <a:latin typeface="Cambria Math" panose="02040503050406030204" pitchFamily="18" charset="0"/>
-                          </a:rPr>
-                          <m:t>𝑅</m:t>
-                        </m:r>
-                      </m:e>
-                      <m:sub>
-                        <m:r>
-                          <a:rPr lang="de-DE" i="1">
-                            <a:latin typeface="Cambria Math" panose="02040503050406030204" pitchFamily="18" charset="0"/>
-                          </a:rPr>
-                          <m:t>𝑎𝑝</m:t>
-                        </m:r>
-                      </m:sub>
-                    </m:sSub>
-                    <m:r>
-                      <a:rPr lang="de-DE" i="1">
-                        <a:latin typeface="Cambria Math" panose="02040503050406030204" pitchFamily="18" charset="0"/>
-                      </a:rPr>
-                      <m:t>=2</m:t>
-                    </m:r>
-                    <m:rad>
-                      <m:radPr>
-                        <m:degHide m:val="on"/>
-                        <m:ctrlPr>
-                          <a:rPr lang="de-DE" i="1">
-                            <a:latin typeface="Cambria Math" panose="02040503050406030204" pitchFamily="18" charset="0"/>
-                          </a:rPr>
-                        </m:ctrlPr>
-                      </m:radPr>
-                      <m:deg/>
-                      <m:e>
-                        <m:f>
-                          <m:fPr>
-                            <m:ctrlPr>
-                              <a:rPr lang="de-DE" i="1">
-                                <a:latin typeface="Cambria Math" panose="02040503050406030204" pitchFamily="18" charset="0"/>
-                              </a:rPr>
-                            </m:ctrlPr>
-                          </m:fPr>
-                          <m:num>
-                            <m:r>
-                              <a:rPr lang="de-DE" i="1">
-                                <a:latin typeface="Cambria Math" panose="02040503050406030204" pitchFamily="18" charset="0"/>
-                              </a:rPr>
-                              <m:t>𝐿</m:t>
-                            </m:r>
-                          </m:num>
-                          <m:den>
-                            <m:r>
-                              <a:rPr lang="de-DE" i="1">
-                                <a:latin typeface="Cambria Math" panose="02040503050406030204" pitchFamily="18" charset="0"/>
-                              </a:rPr>
-                              <m:t>𝐶</m:t>
-                            </m:r>
-                          </m:den>
-                        </m:f>
-                      </m:e>
-                    </m:rad>
-                    <m:r>
-                      <a:rPr lang="de-DE" i="1">
-                        <a:latin typeface="Cambria Math" panose="02040503050406030204" pitchFamily="18" charset="0"/>
-                      </a:rPr>
-                      <m:t>=174.6 </m:t>
-                    </m:r>
-                    <m:r>
-                      <m:rPr>
-                        <m:sty m:val="p"/>
-                      </m:rPr>
-                      <a:rPr lang="de-DE">
-                        <a:latin typeface="Cambria Math" panose="02040503050406030204" pitchFamily="18" charset="0"/>
-                      </a:rPr>
-                      <m:t>Ω</m:t>
-                    </m:r>
-                  </m:oMath>
-                </a14:m>
-                <a:endParaRPr lang="de-DE" dirty="0"/>
-              </a:p>
-              <a:p>
-                <a:endParaRPr lang="de-DE" dirty="0"/>
-              </a:p>
-            </p:txBody>
-          </p:sp>
-        </mc:Choice>
-        <mc:Fallback>
-          <p:sp>
-            <p:nvSpPr>
-              <p:cNvPr id="11" name="Inhaltsplatzhalter 10"/>
-              <p:cNvSpPr>
-                <a:spLocks noGrp="1" noRot="1" noChangeAspect="1" noMove="1" noResize="1" noEditPoints="1" noAdjustHandles="1" noChangeArrowheads="1" noChangeShapeType="1" noTextEdit="1"/>
-              </p:cNvSpPr>
-              <p:nvPr>
-                <p:ph sz="half" idx="1"/>
-              </p:nvPr>
-            </p:nvSpPr>
-            <p:spPr>
-              <a:xfrm>
-                <a:off x="5976712" y="1690688"/>
-                <a:ext cx="5181600" cy="4351338"/>
-              </a:xfrm>
-              <a:blipFill>
-                <a:blip r:embed="rId3"/>
-                <a:stretch>
-                  <a:fillRect l="-1882" t="-2241"/>
-                </a:stretch>
-              </a:blipFill>
-            </p:spPr>
-            <p:txBody>
-              <a:bodyPr/>
-              <a:lstStyle/>
-              <a:p>
-                <a:r>
-                  <a:rPr lang="de-DE">
-                    <a:noFill/>
-                  </a:rPr>
-                  <a:t> </a:t>
-                </a:r>
-              </a:p>
-            </p:txBody>
-          </p:sp>
-        </mc:Fallback>
-      </mc:AlternateContent>
-    </p:spTree>
-    <p:extLst>
-      <p:ext uri="{BB962C8B-B14F-4D97-AF65-F5344CB8AC3E}">
-        <p14:creationId xmlns:p14="http://schemas.microsoft.com/office/powerpoint/2010/main" val="3971805474"/>
-      </p:ext>
-    </p:extLst>
-  </p:cSld>
-  <p:clrMapOvr>
-    <a:masterClrMapping/>
-  </p:clrMapOvr>
-</p:sld>
-</file>
-
-<file path=ppt/slides/slide12.xml><?xml version="1.0" encoding="utf-8"?>
-<p:sld xmlns:a="http://schemas.openxmlformats.org/drawingml/2006/main" xmlns:r="http://schemas.openxmlformats.org/officeDocument/2006/relationships" xmlns:p="http://schemas.openxmlformats.org/presentationml/2006/main">
-  <p:cSld>
-    <p:spTree>
-      <p:nvGrpSpPr>
-        <p:cNvPr id="1" name=""/>
-        <p:cNvGrpSpPr/>
-        <p:nvPr/>
-      </p:nvGrpSpPr>
-      <p:grpSpPr>
-        <a:xfrm>
-          <a:off x="0" y="0"/>
-          <a:ext cx="0" cy="0"/>
-          <a:chOff x="0" y="0"/>
-          <a:chExt cx="0" cy="0"/>
-        </a:xfrm>
-      </p:grpSpPr>
-      <p:sp>
-        <p:nvSpPr>
-          <p:cNvPr id="2" name="Titel 1"/>
-          <p:cNvSpPr>
-            <a:spLocks noGrp="1"/>
-          </p:cNvSpPr>
-          <p:nvPr>
-            <p:ph type="title"/>
-          </p:nvPr>
-        </p:nvSpPr>
-        <p:spPr/>
-        <p:txBody>
-          <a:bodyPr/>
-          <a:lstStyle/>
-          <a:p>
-            <a:r>
-              <a:rPr lang="de-DE" dirty="0"/>
               <a:t>Gekoppelte LC – Schwingkreise: Schwebung</a:t>
             </a:r>
           </a:p>
@@ -5213,7 +6675,7 @@
           <a:p>
             <a:fld id="{897114A3-BFF3-441B-8EE5-CE8191EEE22E}" type="slidenum">
               <a:rPr lang="de-DE" smtClean="0"/>
-              <a:t>12</a:t>
+              <a:t>16</a:t>
             </a:fld>
             <a:endParaRPr lang="de-DE"/>
           </a:p>
@@ -5262,7 +6724,7 @@
 </p:sld>
 </file>
 
-<file path=ppt/slides/slide13.xml><?xml version="1.0" encoding="utf-8"?>
+<file path=ppt/slides/slide17.xml><?xml version="1.0" encoding="utf-8"?>
 <p:sld xmlns:a="http://schemas.openxmlformats.org/drawingml/2006/main" xmlns:r="http://schemas.openxmlformats.org/officeDocument/2006/relationships" xmlns:p="http://schemas.openxmlformats.org/presentationml/2006/main">
   <p:cSld>
     <p:spTree>
@@ -5347,7 +6809,7 @@
           <a:p>
             <a:fld id="{897114A3-BFF3-441B-8EE5-CE8191EEE22E}" type="slidenum">
               <a:rPr lang="de-DE" smtClean="0"/>
-              <a:t>13</a:t>
+              <a:t>17</a:t>
             </a:fld>
             <a:endParaRPr lang="de-DE"/>
           </a:p>
@@ -5396,7 +6858,7 @@
 </p:sld>
 </file>
 
-<file path=ppt/slides/slide14.xml><?xml version="1.0" encoding="utf-8"?>
+<file path=ppt/slides/slide18.xml><?xml version="1.0" encoding="utf-8"?>
 <p:sld xmlns:a="http://schemas.openxmlformats.org/drawingml/2006/main" xmlns:r="http://schemas.openxmlformats.org/officeDocument/2006/relationships" xmlns:p="http://schemas.openxmlformats.org/presentationml/2006/main">
   <p:cSld>
     <p:spTree>
@@ -5452,7 +6914,7 @@
           <a:p>
             <a:fld id="{897114A3-BFF3-441B-8EE5-CE8191EEE22E}" type="slidenum">
               <a:rPr lang="de-DE" smtClean="0"/>
-              <a:t>14</a:t>
+              <a:t>18</a:t>
             </a:fld>
             <a:endParaRPr lang="de-DE"/>
           </a:p>
@@ -6251,8 +7713,8 @@
           </a:p>
         </p:txBody>
       </p:sp>
-      <mc:AlternateContent xmlns:mc="http://schemas.openxmlformats.org/markup-compatibility/2006">
-        <mc:Choice xmlns:a14="http://schemas.microsoft.com/office/drawing/2010/main" Requires="a14">
+      <mc:AlternateContent xmlns:mc="http://schemas.openxmlformats.org/markup-compatibility/2006" xmlns:a14="http://schemas.microsoft.com/office/drawing/2010/main">
+        <mc:Choice Requires="a14">
           <p:sp>
             <p:nvSpPr>
               <p:cNvPr id="3" name="Inhaltsplatzhalter 2"/>
@@ -6810,7 +8272,7 @@
             </p:txBody>
           </p:sp>
         </mc:Choice>
-        <mc:Fallback>
+        <mc:Fallback xmlns="">
           <p:sp>
             <p:nvSpPr>
               <p:cNvPr id="3" name="Inhaltsplatzhalter 2"/>
@@ -7120,8 +8582,8 @@
           </a:p>
         </p:txBody>
       </p:sp>
-      <mc:AlternateContent xmlns:mc="http://schemas.openxmlformats.org/markup-compatibility/2006">
-        <mc:Choice xmlns:a14="http://schemas.microsoft.com/office/drawing/2010/main" Requires="a14">
+      <mc:AlternateContent xmlns:mc="http://schemas.openxmlformats.org/markup-compatibility/2006" xmlns:a14="http://schemas.microsoft.com/office/drawing/2010/main">
+        <mc:Choice Requires="a14">
           <p:sp>
             <p:nvSpPr>
               <p:cNvPr id="3" name="Inhaltsplatzhalter 2"/>
@@ -7214,7 +8676,7 @@
             </p:txBody>
           </p:sp>
         </mc:Choice>
-        <mc:Fallback>
+        <mc:Fallback xmlns="">
           <p:sp>
             <p:nvSpPr>
               <p:cNvPr id="3" name="Inhaltsplatzhalter 2"/>
@@ -7248,8 +8710,8 @@
           </p:sp>
         </mc:Fallback>
       </mc:AlternateContent>
-      <mc:AlternateContent xmlns:mc="http://schemas.openxmlformats.org/markup-compatibility/2006">
-        <mc:Choice xmlns:a14="http://schemas.microsoft.com/office/drawing/2010/main" Requires="a14">
+      <mc:AlternateContent xmlns:mc="http://schemas.openxmlformats.org/markup-compatibility/2006" xmlns:a14="http://schemas.microsoft.com/office/drawing/2010/main">
+        <mc:Choice Requires="a14">
           <p:graphicFrame>
             <p:nvGraphicFramePr>
               <p:cNvPr id="4" name="Tabelle 3"/>
@@ -7318,6 +8780,7 @@
                         <a:bodyPr/>
                         <a:lstStyle/>
                         <a:p>
+                          <a:pPr/>
                           <a14:m>
                             <m:oMathPara xmlns:m="http://schemas.openxmlformats.org/officeDocument/2006/math">
                               <m:oMathParaPr>
@@ -7436,6 +8899,7 @@
                         <a:bodyPr/>
                         <a:lstStyle/>
                         <a:p>
+                          <a:pPr/>
                           <a14:m>
                             <m:oMathPara xmlns:m="http://schemas.openxmlformats.org/officeDocument/2006/math">
                               <m:oMathParaPr>
@@ -7551,6 +9015,7 @@
                         <a:bodyPr/>
                         <a:lstStyle/>
                         <a:p>
+                          <a:pPr/>
                           <a14:m>
                             <m:oMathPara xmlns:m="http://schemas.openxmlformats.org/officeDocument/2006/math">
                               <m:oMathParaPr>
@@ -7684,7 +9149,7 @@
             </a:graphic>
           </p:graphicFrame>
         </mc:Choice>
-        <mc:Fallback>
+        <mc:Fallback xmlns="">
           <p:graphicFrame>
             <p:nvGraphicFramePr>
               <p:cNvPr id="4" name="Tabelle 3"/>

--- a/Elektronik/Elektronik.pptx
+++ b/Elektronik/Elektronik.pptx
@@ -5117,8 +5117,8 @@
           </a:prstGeom>
         </p:spPr>
       </p:pic>
-      <mc:AlternateContent xmlns:mc="http://schemas.openxmlformats.org/markup-compatibility/2006">
-        <mc:Choice xmlns:a14="http://schemas.microsoft.com/office/drawing/2010/main" Requires="a14">
+      <mc:AlternateContent xmlns:mc="http://schemas.openxmlformats.org/markup-compatibility/2006" xmlns:a14="http://schemas.microsoft.com/office/drawing/2010/main">
+        <mc:Choice Requires="a14">
           <p:sp>
             <p:nvSpPr>
               <p:cNvPr id="10" name="Textfeld 9"/>
@@ -5313,7 +5313,7 @@
             </p:txBody>
           </p:sp>
         </mc:Choice>
-        <mc:Fallback>
+        <mc:Fallback xmlns="">
           <p:sp>
             <p:nvSpPr>
               <p:cNvPr id="10" name="Textfeld 9"/>
@@ -5352,8 +5352,8 @@
           </p:sp>
         </mc:Fallback>
       </mc:AlternateContent>
-      <mc:AlternateContent xmlns:mc="http://schemas.openxmlformats.org/markup-compatibility/2006">
-        <mc:Choice xmlns:a14="http://schemas.microsoft.com/office/drawing/2010/main" Requires="a14">
+      <mc:AlternateContent xmlns:mc="http://schemas.openxmlformats.org/markup-compatibility/2006" xmlns:a14="http://schemas.microsoft.com/office/drawing/2010/main">
+        <mc:Choice Requires="a14">
           <p:sp>
             <p:nvSpPr>
               <p:cNvPr id="11" name="Textfeld 10"/>
@@ -5548,7 +5548,7 @@
             </p:txBody>
           </p:sp>
         </mc:Choice>
-        <mc:Fallback>
+        <mc:Fallback xmlns="">
           <p:sp>
             <p:nvSpPr>
               <p:cNvPr id="11" name="Textfeld 10"/>
@@ -10799,7 +10799,7 @@
       </p:sp>
       <p:pic>
         <p:nvPicPr>
-          <p:cNvPr id="9" name="Inhaltsplatzhalter 7"/>
+          <p:cNvPr id="6" name="Grafik 5"/>
           <p:cNvPicPr>
             <a:picLocks noChangeAspect="1"/>
           </p:cNvPicPr>
@@ -10819,8 +10819,8 @@
         </p:blipFill>
         <p:spPr>
           <a:xfrm>
-            <a:off x="1175473" y="1691322"/>
-            <a:ext cx="8486775" cy="1285875"/>
+            <a:off x="1215960" y="1700600"/>
+            <a:ext cx="9773934" cy="1393190"/>
           </a:xfrm>
           <a:prstGeom prst="rect">
             <a:avLst/>
@@ -11085,8 +11085,8 @@
           </a:p>
         </p:txBody>
       </p:sp>
-      <mc:AlternateContent xmlns:mc="http://schemas.openxmlformats.org/markup-compatibility/2006">
-        <mc:Choice xmlns:a14="http://schemas.microsoft.com/office/drawing/2010/main" Requires="a14">
+      <mc:AlternateContent xmlns:mc="http://schemas.openxmlformats.org/markup-compatibility/2006" xmlns:a14="http://schemas.microsoft.com/office/drawing/2010/main">
+        <mc:Choice Requires="a14">
           <p:sp>
             <p:nvSpPr>
               <p:cNvPr id="3" name="Inhaltsplatzhalter 2"/>
@@ -11538,7 +11538,7 @@
             </p:txBody>
           </p:sp>
         </mc:Choice>
-        <mc:Fallback>
+        <mc:Fallback xmlns="">
           <p:sp>
             <p:nvSpPr>
               <p:cNvPr id="3" name="Inhaltsplatzhalter 2"/>
@@ -12460,7 +12460,7 @@
       </p:sp>
       <p:pic>
         <p:nvPicPr>
-          <p:cNvPr id="6" name="Grafik 5"/>
+          <p:cNvPr id="7" name="Grafik 6"/>
           <p:cNvPicPr>
             <a:picLocks noChangeAspect="1"/>
           </p:cNvPicPr>
@@ -12480,8 +12480,8 @@
         </p:blipFill>
         <p:spPr>
           <a:xfrm>
-            <a:off x="4746141" y="1425940"/>
-            <a:ext cx="7032710" cy="3616841"/>
+            <a:off x="597530" y="5187481"/>
+            <a:ext cx="9995026" cy="1168869"/>
           </a:xfrm>
           <a:prstGeom prst="rect">
             <a:avLst/>
@@ -12490,7 +12490,7 @@
       </p:pic>
       <p:pic>
         <p:nvPicPr>
-          <p:cNvPr id="7" name="Grafik 6"/>
+          <p:cNvPr id="8" name="Grafik 7"/>
           <p:cNvPicPr>
             <a:picLocks noChangeAspect="1"/>
           </p:cNvPicPr>
@@ -12510,8 +12510,8 @@
         </p:blipFill>
         <p:spPr>
           <a:xfrm>
-            <a:off x="597530" y="5187481"/>
-            <a:ext cx="9995026" cy="1168869"/>
+            <a:off x="4030133" y="1311909"/>
+            <a:ext cx="8063606" cy="3875571"/>
           </a:xfrm>
           <a:prstGeom prst="rect">
             <a:avLst/>
@@ -12641,8 +12641,8 @@
           </a:p>
         </p:txBody>
       </p:sp>
-      <mc:AlternateContent xmlns:mc="http://schemas.openxmlformats.org/markup-compatibility/2006">
-        <mc:Choice xmlns:a14="http://schemas.microsoft.com/office/drawing/2010/main" Requires="a14">
+      <mc:AlternateContent xmlns:mc="http://schemas.openxmlformats.org/markup-compatibility/2006" xmlns:a14="http://schemas.microsoft.com/office/drawing/2010/main">
+        <mc:Choice Requires="a14">
           <p:sp>
             <p:nvSpPr>
               <p:cNvPr id="3" name="Inhaltsplatzhalter 2"/>
@@ -13315,7 +13315,7 @@
             </p:txBody>
           </p:sp>
         </mc:Choice>
-        <mc:Fallback>
+        <mc:Fallback xmlns="">
           <p:sp>
             <p:nvSpPr>
               <p:cNvPr id="3" name="Inhaltsplatzhalter 2"/>
@@ -13910,8 +13910,8 @@
           </a:p>
         </p:txBody>
       </p:sp>
-      <mc:AlternateContent xmlns:mc="http://schemas.openxmlformats.org/markup-compatibility/2006">
-        <mc:Choice xmlns:a14="http://schemas.microsoft.com/office/drawing/2010/main" Requires="a14">
+      <mc:AlternateContent xmlns:mc="http://schemas.openxmlformats.org/markup-compatibility/2006" xmlns:a14="http://schemas.microsoft.com/office/drawing/2010/main">
+        <mc:Choice Requires="a14">
           <p:sp>
             <p:nvSpPr>
               <p:cNvPr id="9" name="Textfeld 8"/>
@@ -14418,7 +14418,7 @@
             </p:txBody>
           </p:sp>
         </mc:Choice>
-        <mc:Fallback>
+        <mc:Fallback xmlns="">
           <p:sp>
             <p:nvSpPr>
               <p:cNvPr id="9" name="Textfeld 8"/>
@@ -14457,8 +14457,8 @@
           </p:sp>
         </mc:Fallback>
       </mc:AlternateContent>
-      <mc:AlternateContent xmlns:mc="http://schemas.openxmlformats.org/markup-compatibility/2006">
-        <mc:Choice xmlns:a14="http://schemas.microsoft.com/office/drawing/2010/main" Requires="a14">
+      <mc:AlternateContent xmlns:mc="http://schemas.openxmlformats.org/markup-compatibility/2006" xmlns:a14="http://schemas.microsoft.com/office/drawing/2010/main">
+        <mc:Choice Requires="a14">
           <p:sp>
             <p:nvSpPr>
               <p:cNvPr id="10" name="Textfeld 9"/>
@@ -14944,7 +14944,7 @@
             </p:txBody>
           </p:sp>
         </mc:Choice>
-        <mc:Fallback>
+        <mc:Fallback xmlns="">
           <p:sp>
             <p:nvSpPr>
               <p:cNvPr id="10" name="Textfeld 9"/>

--- a/Elektronik/Elektronik.pptx
+++ b/Elektronik/Elektronik.pptx
@@ -5,7 +5,7 @@
     <p:sldMasterId id="2147483778" r:id="rId1"/>
   </p:sldMasterIdLst>
   <p:notesMasterIdLst>
-    <p:notesMasterId r:id="rId35"/>
+    <p:notesMasterId r:id="rId36"/>
   </p:notesMasterIdLst>
   <p:sldIdLst>
     <p:sldId id="256" r:id="rId2"/>
@@ -24,23 +24,24 @@
     <p:sldId id="298" r:id="rId15"/>
     <p:sldId id="305" r:id="rId16"/>
     <p:sldId id="282" r:id="rId17"/>
-    <p:sldId id="283" r:id="rId18"/>
-    <p:sldId id="284" r:id="rId19"/>
-    <p:sldId id="285" r:id="rId20"/>
-    <p:sldId id="287" r:id="rId21"/>
-    <p:sldId id="288" r:id="rId22"/>
-    <p:sldId id="289" r:id="rId23"/>
-    <p:sldId id="290" r:id="rId24"/>
-    <p:sldId id="286" r:id="rId25"/>
-    <p:sldId id="306" r:id="rId26"/>
-    <p:sldId id="278" r:id="rId27"/>
-    <p:sldId id="279" r:id="rId28"/>
-    <p:sldId id="280" r:id="rId29"/>
-    <p:sldId id="281" r:id="rId30"/>
-    <p:sldId id="299" r:id="rId31"/>
-    <p:sldId id="300" r:id="rId32"/>
-    <p:sldId id="301" r:id="rId33"/>
-    <p:sldId id="302" r:id="rId34"/>
+    <p:sldId id="308" r:id="rId18"/>
+    <p:sldId id="283" r:id="rId19"/>
+    <p:sldId id="284" r:id="rId20"/>
+    <p:sldId id="285" r:id="rId21"/>
+    <p:sldId id="287" r:id="rId22"/>
+    <p:sldId id="288" r:id="rId23"/>
+    <p:sldId id="289" r:id="rId24"/>
+    <p:sldId id="290" r:id="rId25"/>
+    <p:sldId id="286" r:id="rId26"/>
+    <p:sldId id="306" r:id="rId27"/>
+    <p:sldId id="278" r:id="rId28"/>
+    <p:sldId id="279" r:id="rId29"/>
+    <p:sldId id="280" r:id="rId30"/>
+    <p:sldId id="281" r:id="rId31"/>
+    <p:sldId id="299" r:id="rId32"/>
+    <p:sldId id="300" r:id="rId33"/>
+    <p:sldId id="301" r:id="rId34"/>
+    <p:sldId id="302" r:id="rId35"/>
   </p:sldIdLst>
   <p:sldSz cx="12192000" cy="6858000"/>
   <p:notesSz cx="6858000" cy="9144000"/>
@@ -160,6 +161,7 @@
             <p14:sldId id="298"/>
             <p14:sldId id="305"/>
             <p14:sldId id="282"/>
+            <p14:sldId id="308"/>
             <p14:sldId id="283"/>
             <p14:sldId id="284"/>
             <p14:sldId id="285"/>
@@ -887,7 +889,7 @@
           <a:p>
             <a:fld id="{99EB3137-8FBE-4AF7-BF64-B35CB96DD367}" type="slidenum">
               <a:rPr lang="de-DE" smtClean="0"/>
-              <a:t>26</a:t>
+              <a:t>27</a:t>
             </a:fld>
             <a:endParaRPr lang="de-DE"/>
           </a:p>
@@ -971,7 +973,7 @@
           <a:p>
             <a:fld id="{99EB3137-8FBE-4AF7-BF64-B35CB96DD367}" type="slidenum">
               <a:rPr lang="de-DE" smtClean="0"/>
-              <a:t>27</a:t>
+              <a:t>28</a:t>
             </a:fld>
             <a:endParaRPr lang="de-DE"/>
           </a:p>
@@ -1055,7 +1057,7 @@
           <a:p>
             <a:fld id="{99EB3137-8FBE-4AF7-BF64-B35CB96DD367}" type="slidenum">
               <a:rPr lang="de-DE" smtClean="0"/>
-              <a:t>28</a:t>
+              <a:t>29</a:t>
             </a:fld>
             <a:endParaRPr lang="de-DE"/>
           </a:p>
@@ -1139,7 +1141,7 @@
           <a:p>
             <a:fld id="{99EB3137-8FBE-4AF7-BF64-B35CB96DD367}" type="slidenum">
               <a:rPr lang="de-DE" smtClean="0"/>
-              <a:t>29</a:t>
+              <a:t>30</a:t>
             </a:fld>
             <a:endParaRPr lang="de-DE"/>
           </a:p>
@@ -6568,6 +6570,220 @@
           <a:p>
             <a:r>
               <a:rPr lang="de-DE" dirty="0"/>
+              <a:t>RLC – Aufbau und Durchführung</a:t>
+            </a:r>
+          </a:p>
+        </p:txBody>
+      </p:sp>
+      <p:pic>
+        <p:nvPicPr>
+          <p:cNvPr id="7" name="Inhaltsplatzhalter 6"/>
+          <p:cNvPicPr>
+            <a:picLocks noGrp="1" noChangeAspect="1"/>
+          </p:cNvPicPr>
+          <p:nvPr>
+            <p:ph sz="half" idx="1"/>
+          </p:nvPr>
+        </p:nvPicPr>
+        <p:blipFill>
+          <a:blip r:embed="rId2">
+            <a:extLst>
+              <a:ext uri="{28A0092B-C50C-407E-A947-70E740481C1C}">
+                <a14:useLocalDpi xmlns:a14="http://schemas.microsoft.com/office/drawing/2010/main" val="0"/>
+              </a:ext>
+            </a:extLst>
+          </a:blip>
+          <a:stretch>
+            <a:fillRect/>
+          </a:stretch>
+        </p:blipFill>
+        <p:spPr>
+          <a:xfrm>
+            <a:off x="182880" y="1686310"/>
+            <a:ext cx="3418387" cy="4629968"/>
+          </a:xfrm>
+        </p:spPr>
+      </p:pic>
+      <mc:AlternateContent xmlns:mc="http://schemas.openxmlformats.org/markup-compatibility/2006" xmlns:a14="http://schemas.microsoft.com/office/drawing/2010/main">
+        <mc:Choice Requires="a14">
+          <p:sp>
+            <p:nvSpPr>
+              <p:cNvPr id="5" name="Inhaltsplatzhalter 4"/>
+              <p:cNvSpPr>
+                <a:spLocks noGrp="1"/>
+              </p:cNvSpPr>
+              <p:nvPr>
+                <p:ph sz="half" idx="2"/>
+              </p:nvPr>
+            </p:nvSpPr>
+            <p:spPr>
+              <a:xfrm>
+                <a:off x="4256587" y="1686310"/>
+                <a:ext cx="7097213" cy="4490653"/>
+              </a:xfrm>
+            </p:spPr>
+            <p:txBody>
+              <a:bodyPr/>
+              <a:lstStyle/>
+              <a:p>
+                <a:r>
+                  <a:rPr lang="de-DE" dirty="0"/>
+                  <a:t>Aufladen des Kondensators mit </a:t>
+                </a:r>
+                <a14:m>
+                  <m:oMath xmlns:m="http://schemas.openxmlformats.org/officeDocument/2006/math">
+                    <m:sSub>
+                      <m:sSubPr>
+                        <m:ctrlPr>
+                          <a:rPr lang="de-DE" b="0" i="1" smtClean="0">
+                            <a:latin typeface="Cambria Math" panose="02040503050406030204" pitchFamily="18" charset="0"/>
+                          </a:rPr>
+                        </m:ctrlPr>
+                      </m:sSubPr>
+                      <m:e>
+                        <m:r>
+                          <a:rPr lang="de-DE" b="0" i="1" smtClean="0">
+                            <a:latin typeface="Cambria Math" panose="02040503050406030204" pitchFamily="18" charset="0"/>
+                          </a:rPr>
+                          <m:t>𝑈</m:t>
+                        </m:r>
+                      </m:e>
+                      <m:sub>
+                        <m:r>
+                          <a:rPr lang="de-DE" b="0" i="1" smtClean="0">
+                            <a:latin typeface="Cambria Math" panose="02040503050406030204" pitchFamily="18" charset="0"/>
+                          </a:rPr>
+                          <m:t>0</m:t>
+                        </m:r>
+                      </m:sub>
+                    </m:sSub>
+                    <m:r>
+                      <a:rPr lang="de-DE" b="0" i="1" smtClean="0">
+                        <a:latin typeface="Cambria Math" panose="02040503050406030204" pitchFamily="18" charset="0"/>
+                      </a:rPr>
+                      <m:t>=7</m:t>
+                    </m:r>
+                    <m:r>
+                      <a:rPr lang="de-DE" b="0" i="1" smtClean="0">
+                        <a:latin typeface="Cambria Math" panose="02040503050406030204" pitchFamily="18" charset="0"/>
+                      </a:rPr>
+                      <m:t>𝑉</m:t>
+                    </m:r>
+                  </m:oMath>
+                </a14:m>
+                <a:endParaRPr lang="de-DE" dirty="0"/>
+              </a:p>
+              <a:p>
+                <a:endParaRPr lang="de-DE" dirty="0"/>
+              </a:p>
+              <a:p>
+                <a:r>
+                  <a:rPr lang="de-DE" dirty="0"/>
+                  <a:t>Kurschließen der Spannungsquelle durch Schließen des Schalters</a:t>
+                </a:r>
+              </a:p>
+              <a:p>
+                <a:endParaRPr lang="de-DE" dirty="0"/>
+              </a:p>
+              <a:p>
+                <a:r>
+                  <a:rPr lang="de-DE" dirty="0"/>
+                  <a:t>Messung des Spannungsverlaufs am Kondensator </a:t>
+                </a:r>
+                <a:r>
+                  <a:rPr lang="de-DE"/>
+                  <a:t>und Stromverlaufs</a:t>
+                </a:r>
+                <a:endParaRPr lang="de-DE" dirty="0"/>
+              </a:p>
+            </p:txBody>
+          </p:sp>
+        </mc:Choice>
+        <mc:Fallback xmlns="">
+          <p:sp>
+            <p:nvSpPr>
+              <p:cNvPr id="5" name="Inhaltsplatzhalter 4"/>
+              <p:cNvSpPr>
+                <a:spLocks noGrp="1" noRot="1" noChangeAspect="1" noMove="1" noResize="1" noEditPoints="1" noAdjustHandles="1" noChangeArrowheads="1" noChangeShapeType="1" noTextEdit="1"/>
+              </p:cNvSpPr>
+              <p:nvPr>
+                <p:ph sz="half" idx="2"/>
+              </p:nvPr>
+            </p:nvSpPr>
+            <p:spPr>
+              <a:xfrm>
+                <a:off x="4256587" y="1686310"/>
+                <a:ext cx="7097213" cy="4490653"/>
+              </a:xfrm>
+              <a:blipFill>
+                <a:blip r:embed="rId3"/>
+                <a:stretch>
+                  <a:fillRect l="-1545" t="-2310"/>
+                </a:stretch>
+              </a:blipFill>
+            </p:spPr>
+            <p:txBody>
+              <a:bodyPr/>
+              <a:lstStyle/>
+              <a:p>
+                <a:r>
+                  <a:rPr lang="de-DE">
+                    <a:noFill/>
+                  </a:rPr>
+                  <a:t> </a:t>
+                </a:r>
+              </a:p>
+            </p:txBody>
+          </p:sp>
+        </mc:Fallback>
+      </mc:AlternateContent>
+    </p:spTree>
+    <p:extLst>
+      <p:ext uri="{BB962C8B-B14F-4D97-AF65-F5344CB8AC3E}">
+        <p14:creationId xmlns:p14="http://schemas.microsoft.com/office/powerpoint/2010/main" val="1060013831"/>
+      </p:ext>
+    </p:extLst>
+  </p:cSld>
+  <p:clrMapOvr>
+    <a:masterClrMapping/>
+  </p:clrMapOvr>
+</p:sld>
+</file>
+
+<file path=ppt/slides/slide18.xml><?xml version="1.0" encoding="utf-8"?>
+<p:sld xmlns:a="http://schemas.openxmlformats.org/drawingml/2006/main" xmlns:r="http://schemas.openxmlformats.org/officeDocument/2006/relationships" xmlns:p="http://schemas.openxmlformats.org/presentationml/2006/main">
+  <p:cSld>
+    <p:spTree>
+      <p:nvGrpSpPr>
+        <p:cNvPr id="1" name=""/>
+        <p:cNvGrpSpPr/>
+        <p:nvPr/>
+      </p:nvGrpSpPr>
+      <p:grpSpPr>
+        <a:xfrm>
+          <a:off x="0" y="0"/>
+          <a:ext cx="0" cy="0"/>
+          <a:chOff x="0" y="0"/>
+          <a:chExt cx="0" cy="0"/>
+        </a:xfrm>
+      </p:grpSpPr>
+      <p:sp>
+        <p:nvSpPr>
+          <p:cNvPr id="2" name="Titel 1"/>
+          <p:cNvSpPr>
+            <a:spLocks noGrp="1"/>
+          </p:cNvSpPr>
+          <p:nvPr>
+            <p:ph type="title"/>
+          </p:nvPr>
+        </p:nvSpPr>
+        <p:spPr/>
+        <p:txBody>
+          <a:bodyPr/>
+          <a:lstStyle/>
+          <a:p>
+            <a:r>
+              <a:rPr lang="de-DE" dirty="0"/>
               <a:t>RLC – Rohdaten I</a:t>
             </a:r>
           </a:p>
@@ -6644,7 +6860,7 @@
 </p:sld>
 </file>
 
-<file path=ppt/slides/slide18.xml><?xml version="1.0" encoding="utf-8"?>
+<file path=ppt/slides/slide19.xml><?xml version="1.0" encoding="utf-8"?>
 <p:sld xmlns:a="http://schemas.openxmlformats.org/drawingml/2006/main" xmlns:r="http://schemas.openxmlformats.org/officeDocument/2006/relationships" xmlns:p="http://schemas.openxmlformats.org/presentationml/2006/main">
   <p:cSld>
     <p:spTree>
@@ -6754,7 +6970,142 @@
 </p:sld>
 </file>
 
-<file path=ppt/slides/slide19.xml><?xml version="1.0" encoding="utf-8"?>
+<file path=ppt/slides/slide2.xml><?xml version="1.0" encoding="utf-8"?>
+<p:sld xmlns:a="http://schemas.openxmlformats.org/drawingml/2006/main" xmlns:r="http://schemas.openxmlformats.org/officeDocument/2006/relationships" xmlns:p="http://schemas.openxmlformats.org/presentationml/2006/main">
+  <p:cSld>
+    <p:spTree>
+      <p:nvGrpSpPr>
+        <p:cNvPr id="1" name=""/>
+        <p:cNvGrpSpPr/>
+        <p:nvPr/>
+      </p:nvGrpSpPr>
+      <p:grpSpPr>
+        <a:xfrm>
+          <a:off x="0" y="0"/>
+          <a:ext cx="0" cy="0"/>
+          <a:chOff x="0" y="0"/>
+          <a:chExt cx="0" cy="0"/>
+        </a:xfrm>
+      </p:grpSpPr>
+      <p:sp>
+        <p:nvSpPr>
+          <p:cNvPr id="2" name="Titel 1"/>
+          <p:cNvSpPr>
+            <a:spLocks noGrp="1"/>
+          </p:cNvSpPr>
+          <p:nvPr>
+            <p:ph type="title"/>
+          </p:nvPr>
+        </p:nvSpPr>
+        <p:spPr/>
+        <p:txBody>
+          <a:bodyPr/>
+          <a:lstStyle/>
+          <a:p>
+            <a:r>
+              <a:rPr lang="de-DE" dirty="0"/>
+              <a:t>Gliederung</a:t>
+            </a:r>
+          </a:p>
+        </p:txBody>
+      </p:sp>
+      <p:sp>
+        <p:nvSpPr>
+          <p:cNvPr id="3" name="Inhaltsplatzhalter 2"/>
+          <p:cNvSpPr>
+            <a:spLocks noGrp="1"/>
+          </p:cNvSpPr>
+          <p:nvPr>
+            <p:ph idx="1"/>
+          </p:nvPr>
+        </p:nvSpPr>
+        <p:spPr/>
+        <p:txBody>
+          <a:bodyPr>
+            <a:normAutofit lnSpcReduction="10000"/>
+          </a:bodyPr>
+          <a:lstStyle/>
+          <a:p>
+            <a:r>
+              <a:rPr lang="de-DE" dirty="0"/>
+              <a:t>Charakterisierung Widerstand</a:t>
+            </a:r>
+          </a:p>
+          <a:p>
+            <a:endParaRPr lang="de-DE" dirty="0"/>
+          </a:p>
+          <a:p>
+            <a:r>
+              <a:rPr lang="de-DE" dirty="0"/>
+              <a:t>Auf- und Entladung Kondensator</a:t>
+            </a:r>
+          </a:p>
+          <a:p>
+            <a:endParaRPr lang="de-DE" dirty="0"/>
+          </a:p>
+          <a:p>
+            <a:r>
+              <a:rPr lang="de-DE" dirty="0"/>
+              <a:t>RLC – Schwingkreis</a:t>
+            </a:r>
+          </a:p>
+          <a:p>
+            <a:endParaRPr lang="de-DE" dirty="0"/>
+          </a:p>
+          <a:p>
+            <a:r>
+              <a:rPr lang="de-DE" dirty="0"/>
+              <a:t>Gekoppelte LC – Schwingkreise: Schwebung</a:t>
+            </a:r>
+          </a:p>
+          <a:p>
+            <a:endParaRPr lang="de-DE" dirty="0"/>
+          </a:p>
+          <a:p>
+            <a:r>
+              <a:rPr lang="de-DE" dirty="0"/>
+              <a:t>Gekoppelte LC - Schwingkreise: Fundamentalschwingungen</a:t>
+            </a:r>
+          </a:p>
+        </p:txBody>
+      </p:sp>
+      <p:sp>
+        <p:nvSpPr>
+          <p:cNvPr id="4" name="Foliennummernplatzhalter 3"/>
+          <p:cNvSpPr>
+            <a:spLocks noGrp="1"/>
+          </p:cNvSpPr>
+          <p:nvPr>
+            <p:ph type="sldNum" sz="quarter" idx="12"/>
+          </p:nvPr>
+        </p:nvSpPr>
+        <p:spPr/>
+        <p:txBody>
+          <a:bodyPr/>
+          <a:lstStyle/>
+          <a:p>
+            <a:fld id="{897114A3-BFF3-441B-8EE5-CE8191EEE22E}" type="slidenum">
+              <a:rPr lang="de-DE" smtClean="0"/>
+              <a:t>2</a:t>
+            </a:fld>
+            <a:endParaRPr lang="de-DE"/>
+          </a:p>
+        </p:txBody>
+      </p:sp>
+    </p:spTree>
+    <p:extLst>
+      <p:ext uri="{BB962C8B-B14F-4D97-AF65-F5344CB8AC3E}">
+        <p14:creationId xmlns:p14="http://schemas.microsoft.com/office/powerpoint/2010/main" val="1836459103"/>
+      </p:ext>
+    </p:extLst>
+  </p:cSld>
+  <p:clrMapOvr>
+    <a:masterClrMapping/>
+  </p:clrMapOvr>
+</p:sld>
+</file>
+
+<file path=ppt/slides/slide20.xml><?xml version="1.0" encoding="utf-8"?>
 <p:sld xmlns:a="http://schemas.openxmlformats.org/drawingml/2006/main" xmlns:r="http://schemas.openxmlformats.org/officeDocument/2006/relationships" xmlns:p="http://schemas.openxmlformats.org/presentationml/2006/main">
   <p:cSld>
     <p:spTree>
@@ -7709,142 +8060,7 @@
 </p:sld>
 </file>
 
-<file path=ppt/slides/slide2.xml><?xml version="1.0" encoding="utf-8"?>
-<p:sld xmlns:a="http://schemas.openxmlformats.org/drawingml/2006/main" xmlns:r="http://schemas.openxmlformats.org/officeDocument/2006/relationships" xmlns:p="http://schemas.openxmlformats.org/presentationml/2006/main">
-  <p:cSld>
-    <p:spTree>
-      <p:nvGrpSpPr>
-        <p:cNvPr id="1" name=""/>
-        <p:cNvGrpSpPr/>
-        <p:nvPr/>
-      </p:nvGrpSpPr>
-      <p:grpSpPr>
-        <a:xfrm>
-          <a:off x="0" y="0"/>
-          <a:ext cx="0" cy="0"/>
-          <a:chOff x="0" y="0"/>
-          <a:chExt cx="0" cy="0"/>
-        </a:xfrm>
-      </p:grpSpPr>
-      <p:sp>
-        <p:nvSpPr>
-          <p:cNvPr id="2" name="Titel 1"/>
-          <p:cNvSpPr>
-            <a:spLocks noGrp="1"/>
-          </p:cNvSpPr>
-          <p:nvPr>
-            <p:ph type="title"/>
-          </p:nvPr>
-        </p:nvSpPr>
-        <p:spPr/>
-        <p:txBody>
-          <a:bodyPr/>
-          <a:lstStyle/>
-          <a:p>
-            <a:r>
-              <a:rPr lang="de-DE" dirty="0"/>
-              <a:t>Gliederung</a:t>
-            </a:r>
-          </a:p>
-        </p:txBody>
-      </p:sp>
-      <p:sp>
-        <p:nvSpPr>
-          <p:cNvPr id="3" name="Inhaltsplatzhalter 2"/>
-          <p:cNvSpPr>
-            <a:spLocks noGrp="1"/>
-          </p:cNvSpPr>
-          <p:nvPr>
-            <p:ph idx="1"/>
-          </p:nvPr>
-        </p:nvSpPr>
-        <p:spPr/>
-        <p:txBody>
-          <a:bodyPr>
-            <a:normAutofit lnSpcReduction="10000"/>
-          </a:bodyPr>
-          <a:lstStyle/>
-          <a:p>
-            <a:r>
-              <a:rPr lang="de-DE" dirty="0"/>
-              <a:t>Charakterisierung Widerstand</a:t>
-            </a:r>
-          </a:p>
-          <a:p>
-            <a:endParaRPr lang="de-DE" dirty="0"/>
-          </a:p>
-          <a:p>
-            <a:r>
-              <a:rPr lang="de-DE" dirty="0"/>
-              <a:t>Auf- und Entladung Kondensator</a:t>
-            </a:r>
-          </a:p>
-          <a:p>
-            <a:endParaRPr lang="de-DE" dirty="0"/>
-          </a:p>
-          <a:p>
-            <a:r>
-              <a:rPr lang="de-DE" dirty="0"/>
-              <a:t>RLC – Schwingkreis</a:t>
-            </a:r>
-          </a:p>
-          <a:p>
-            <a:endParaRPr lang="de-DE" dirty="0"/>
-          </a:p>
-          <a:p>
-            <a:r>
-              <a:rPr lang="de-DE" dirty="0"/>
-              <a:t>Gekoppelte LC – Schwingkreise: Schwebung</a:t>
-            </a:r>
-          </a:p>
-          <a:p>
-            <a:endParaRPr lang="de-DE" dirty="0"/>
-          </a:p>
-          <a:p>
-            <a:r>
-              <a:rPr lang="de-DE" dirty="0"/>
-              <a:t>Gekoppelte LC-Schwingkreise: Fundamentalschwingungen</a:t>
-            </a:r>
-          </a:p>
-        </p:txBody>
-      </p:sp>
-      <p:sp>
-        <p:nvSpPr>
-          <p:cNvPr id="4" name="Foliennummernplatzhalter 3"/>
-          <p:cNvSpPr>
-            <a:spLocks noGrp="1"/>
-          </p:cNvSpPr>
-          <p:nvPr>
-            <p:ph type="sldNum" sz="quarter" idx="12"/>
-          </p:nvPr>
-        </p:nvSpPr>
-        <p:spPr/>
-        <p:txBody>
-          <a:bodyPr/>
-          <a:lstStyle/>
-          <a:p>
-            <a:fld id="{897114A3-BFF3-441B-8EE5-CE8191EEE22E}" type="slidenum">
-              <a:rPr lang="de-DE" smtClean="0"/>
-              <a:t>2</a:t>
-            </a:fld>
-            <a:endParaRPr lang="de-DE"/>
-          </a:p>
-        </p:txBody>
-      </p:sp>
-    </p:spTree>
-    <p:extLst>
-      <p:ext uri="{BB962C8B-B14F-4D97-AF65-F5344CB8AC3E}">
-        <p14:creationId xmlns:p14="http://schemas.microsoft.com/office/powerpoint/2010/main" val="1836459103"/>
-      </p:ext>
-    </p:extLst>
-  </p:cSld>
-  <p:clrMapOvr>
-    <a:masterClrMapping/>
-  </p:clrMapOvr>
-</p:sld>
-</file>
-
-<file path=ppt/slides/slide20.xml><?xml version="1.0" encoding="utf-8"?>
+<file path=ppt/slides/slide21.xml><?xml version="1.0" encoding="utf-8"?>
 <p:sld xmlns:a="http://schemas.openxmlformats.org/drawingml/2006/main" xmlns:r="http://schemas.openxmlformats.org/officeDocument/2006/relationships" xmlns:p="http://schemas.openxmlformats.org/presentationml/2006/main">
   <p:cSld>
     <p:spTree>
@@ -8347,7 +8563,7 @@
 </p:sld>
 </file>
 
-<file path=ppt/slides/slide21.xml><?xml version="1.0" encoding="utf-8"?>
+<file path=ppt/slides/slide22.xml><?xml version="1.0" encoding="utf-8"?>
 <p:sld xmlns:a="http://schemas.openxmlformats.org/drawingml/2006/main" xmlns:r="http://schemas.openxmlformats.org/officeDocument/2006/relationships" xmlns:p="http://schemas.openxmlformats.org/presentationml/2006/main">
   <p:cSld>
     <p:spTree>
@@ -8488,7 +8704,7 @@
 </p:sld>
 </file>
 
-<file path=ppt/slides/slide22.xml><?xml version="1.0" encoding="utf-8"?>
+<file path=ppt/slides/slide23.xml><?xml version="1.0" encoding="utf-8"?>
 <p:sld xmlns:a="http://schemas.openxmlformats.org/drawingml/2006/main" xmlns:r="http://schemas.openxmlformats.org/officeDocument/2006/relationships" xmlns:p="http://schemas.openxmlformats.org/presentationml/2006/main">
   <p:cSld>
     <p:spTree>
@@ -8880,7 +9096,7 @@
 </p:sld>
 </file>
 
-<file path=ppt/slides/slide23.xml><?xml version="1.0" encoding="utf-8"?>
+<file path=ppt/slides/slide24.xml><?xml version="1.0" encoding="utf-8"?>
 <p:sld xmlns:a="http://schemas.openxmlformats.org/drawingml/2006/main" xmlns:r="http://schemas.openxmlformats.org/officeDocument/2006/relationships" xmlns:p="http://schemas.openxmlformats.org/presentationml/2006/main">
   <p:cSld>
     <p:spTree>
@@ -9298,7 +9514,7 @@
 </p:sld>
 </file>
 
-<file path=ppt/slides/slide24.xml><?xml version="1.0" encoding="utf-8"?>
+<file path=ppt/slides/slide25.xml><?xml version="1.0" encoding="utf-8"?>
 <p:sld xmlns:a="http://schemas.openxmlformats.org/drawingml/2006/main" xmlns:r="http://schemas.openxmlformats.org/officeDocument/2006/relationships" xmlns:p="http://schemas.openxmlformats.org/presentationml/2006/main">
   <p:cSld>
     <p:spTree>
@@ -9721,7 +9937,7 @@
 </p:sld>
 </file>
 
-<file path=ppt/slides/slide25.xml><?xml version="1.0" encoding="utf-8"?>
+<file path=ppt/slides/slide26.xml><?xml version="1.0" encoding="utf-8"?>
 <p:sld xmlns:a="http://schemas.openxmlformats.org/drawingml/2006/main" xmlns:r="http://schemas.openxmlformats.org/officeDocument/2006/relationships" xmlns:p="http://schemas.openxmlformats.org/presentationml/2006/main">
   <p:cSld>
     <p:spTree>
@@ -9796,7 +10012,7 @@
           <a:p>
             <a:fld id="{897114A3-BFF3-441B-8EE5-CE8191EEE22E}" type="slidenum">
               <a:rPr lang="de-DE" smtClean="0"/>
-              <a:t>25</a:t>
+              <a:t>26</a:t>
             </a:fld>
             <a:endParaRPr lang="de-DE"/>
           </a:p>
@@ -9815,7 +10031,7 @@
 </p:sld>
 </file>
 
-<file path=ppt/slides/slide26.xml><?xml version="1.0" encoding="utf-8"?>
+<file path=ppt/slides/slide27.xml><?xml version="1.0" encoding="utf-8"?>
 <p:sld xmlns:a="http://schemas.openxmlformats.org/drawingml/2006/main" xmlns:r="http://schemas.openxmlformats.org/officeDocument/2006/relationships" xmlns:p="http://schemas.openxmlformats.org/presentationml/2006/main">
   <p:cSld>
     <p:spTree>
@@ -10366,7 +10582,7 @@
           <a:p>
             <a:fld id="{897114A3-BFF3-441B-8EE5-CE8191EEE22E}" type="slidenum">
               <a:rPr lang="de-DE" smtClean="0"/>
-              <a:t>26</a:t>
+              <a:t>27</a:t>
             </a:fld>
             <a:endParaRPr lang="de-DE"/>
           </a:p>
@@ -10385,7 +10601,7 @@
 </p:sld>
 </file>
 
-<file path=ppt/slides/slide27.xml><?xml version="1.0" encoding="utf-8"?>
+<file path=ppt/slides/slide28.xml><?xml version="1.0" encoding="utf-8"?>
 <p:sld xmlns:a="http://schemas.openxmlformats.org/drawingml/2006/main" xmlns:r="http://schemas.openxmlformats.org/officeDocument/2006/relationships" xmlns:p="http://schemas.openxmlformats.org/presentationml/2006/main">
   <p:cSld>
     <p:spTree>
@@ -10508,7 +10724,7 @@
           <a:p>
             <a:fld id="{897114A3-BFF3-441B-8EE5-CE8191EEE22E}" type="slidenum">
               <a:rPr lang="de-DE" smtClean="0"/>
-              <a:t>27</a:t>
+              <a:t>28</a:t>
             </a:fld>
             <a:endParaRPr lang="de-DE"/>
           </a:p>
@@ -10557,7 +10773,7 @@
 </p:sld>
 </file>
 
-<file path=ppt/slides/slide28.xml><?xml version="1.0" encoding="utf-8"?>
+<file path=ppt/slides/slide29.xml><?xml version="1.0" encoding="utf-8"?>
 <p:sld xmlns:a="http://schemas.openxmlformats.org/drawingml/2006/main" xmlns:r="http://schemas.openxmlformats.org/officeDocument/2006/relationships" xmlns:p="http://schemas.openxmlformats.org/presentationml/2006/main">
   <p:cSld>
     <p:spTree>
@@ -10642,7 +10858,7 @@
           <a:p>
             <a:fld id="{897114A3-BFF3-441B-8EE5-CE8191EEE22E}" type="slidenum">
               <a:rPr lang="de-DE" smtClean="0"/>
-              <a:t>28</a:t>
+              <a:t>29</a:t>
             </a:fld>
             <a:endParaRPr lang="de-DE"/>
           </a:p>
@@ -10682,155 +10898,6 @@
     <p:extLst>
       <p:ext uri="{BB962C8B-B14F-4D97-AF65-F5344CB8AC3E}">
         <p14:creationId xmlns:p14="http://schemas.microsoft.com/office/powerpoint/2010/main" val="1201655652"/>
-      </p:ext>
-    </p:extLst>
-  </p:cSld>
-  <p:clrMapOvr>
-    <a:masterClrMapping/>
-  </p:clrMapOvr>
-</p:sld>
-</file>
-
-<file path=ppt/slides/slide29.xml><?xml version="1.0" encoding="utf-8"?>
-<p:sld xmlns:a="http://schemas.openxmlformats.org/drawingml/2006/main" xmlns:r="http://schemas.openxmlformats.org/officeDocument/2006/relationships" xmlns:p="http://schemas.openxmlformats.org/presentationml/2006/main">
-  <p:cSld>
-    <p:spTree>
-      <p:nvGrpSpPr>
-        <p:cNvPr id="1" name=""/>
-        <p:cNvGrpSpPr/>
-        <p:nvPr/>
-      </p:nvGrpSpPr>
-      <p:grpSpPr>
-        <a:xfrm>
-          <a:off x="0" y="0"/>
-          <a:ext cx="0" cy="0"/>
-          <a:chOff x="0" y="0"/>
-          <a:chExt cx="0" cy="0"/>
-        </a:xfrm>
-      </p:grpSpPr>
-      <p:sp>
-        <p:nvSpPr>
-          <p:cNvPr id="2" name="Titel 1"/>
-          <p:cNvSpPr>
-            <a:spLocks noGrp="1"/>
-          </p:cNvSpPr>
-          <p:nvPr>
-            <p:ph type="title"/>
-          </p:nvPr>
-        </p:nvSpPr>
-        <p:spPr/>
-        <p:txBody>
-          <a:bodyPr/>
-          <a:lstStyle/>
-          <a:p>
-            <a:r>
-              <a:rPr lang="de-DE" dirty="0"/>
-              <a:t>Gekoppelte LC – Schwingkreise: Schwebung</a:t>
-            </a:r>
-          </a:p>
-        </p:txBody>
-      </p:sp>
-      <p:sp>
-        <p:nvSpPr>
-          <p:cNvPr id="4" name="Foliennummernplatzhalter 3"/>
-          <p:cNvSpPr>
-            <a:spLocks noGrp="1"/>
-          </p:cNvSpPr>
-          <p:nvPr>
-            <p:ph type="sldNum" sz="quarter" idx="12"/>
-          </p:nvPr>
-        </p:nvSpPr>
-        <p:spPr/>
-        <p:txBody>
-          <a:bodyPr/>
-          <a:lstStyle/>
-          <a:p>
-            <a:fld id="{897114A3-BFF3-441B-8EE5-CE8191EEE22E}" type="slidenum">
-              <a:rPr lang="de-DE" smtClean="0"/>
-              <a:t>29</a:t>
-            </a:fld>
-            <a:endParaRPr lang="de-DE"/>
-          </a:p>
-        </p:txBody>
-      </p:sp>
-      <p:sp>
-        <p:nvSpPr>
-          <p:cNvPr id="5" name="Inhaltsplatzhalter 4"/>
-          <p:cNvSpPr>
-            <a:spLocks noGrp="1"/>
-          </p:cNvSpPr>
-          <p:nvPr>
-            <p:ph idx="1"/>
-          </p:nvPr>
-        </p:nvSpPr>
-        <p:spPr>
-          <a:xfrm>
-            <a:off x="845127" y="3449637"/>
-            <a:ext cx="10515600" cy="2906713"/>
-          </a:xfrm>
-        </p:spPr>
-        <p:txBody>
-          <a:bodyPr/>
-          <a:lstStyle/>
-          <a:p>
-            <a:r>
-              <a:rPr lang="de-DE" dirty="0"/>
-              <a:t>Fazit:</a:t>
-            </a:r>
-          </a:p>
-          <a:p>
-            <a:pPr lvl="1"/>
-            <a:r>
-              <a:rPr lang="de-DE" dirty="0"/>
-              <a:t>Kopplung gut messbar</a:t>
-            </a:r>
-          </a:p>
-          <a:p>
-            <a:pPr lvl="1"/>
-            <a:r>
-              <a:rPr lang="de-DE" dirty="0"/>
-              <a:t>Fehler auf Zeitdifferenz groß</a:t>
-            </a:r>
-          </a:p>
-          <a:p>
-            <a:endParaRPr lang="de-DE" dirty="0"/>
-          </a:p>
-        </p:txBody>
-      </p:sp>
-      <p:pic>
-        <p:nvPicPr>
-          <p:cNvPr id="6" name="Grafik 5"/>
-          <p:cNvPicPr>
-            <a:picLocks noChangeAspect="1"/>
-          </p:cNvPicPr>
-          <p:nvPr/>
-        </p:nvPicPr>
-        <p:blipFill>
-          <a:blip r:embed="rId3">
-            <a:extLst>
-              <a:ext uri="{28A0092B-C50C-407E-A947-70E740481C1C}">
-                <a14:useLocalDpi xmlns:a14="http://schemas.microsoft.com/office/drawing/2010/main" val="0"/>
-              </a:ext>
-            </a:extLst>
-          </a:blip>
-          <a:stretch>
-            <a:fillRect/>
-          </a:stretch>
-        </p:blipFill>
-        <p:spPr>
-          <a:xfrm>
-            <a:off x="1215960" y="1700600"/>
-            <a:ext cx="9773934" cy="1393190"/>
-          </a:xfrm>
-          <a:prstGeom prst="rect">
-            <a:avLst/>
-          </a:prstGeom>
-        </p:spPr>
-      </p:pic>
-    </p:spTree>
-    <p:extLst>
-      <p:ext uri="{BB962C8B-B14F-4D97-AF65-F5344CB8AC3E}">
-        <p14:creationId xmlns:p14="http://schemas.microsoft.com/office/powerpoint/2010/main" val="1138002919"/>
       </p:ext>
     </p:extLst>
   </p:cSld>
@@ -11040,6 +11107,155 @@
 </file>
 
 <file path=ppt/slides/slide30.xml><?xml version="1.0" encoding="utf-8"?>
+<p:sld xmlns:a="http://schemas.openxmlformats.org/drawingml/2006/main" xmlns:r="http://schemas.openxmlformats.org/officeDocument/2006/relationships" xmlns:p="http://schemas.openxmlformats.org/presentationml/2006/main">
+  <p:cSld>
+    <p:spTree>
+      <p:nvGrpSpPr>
+        <p:cNvPr id="1" name=""/>
+        <p:cNvGrpSpPr/>
+        <p:nvPr/>
+      </p:nvGrpSpPr>
+      <p:grpSpPr>
+        <a:xfrm>
+          <a:off x="0" y="0"/>
+          <a:ext cx="0" cy="0"/>
+          <a:chOff x="0" y="0"/>
+          <a:chExt cx="0" cy="0"/>
+        </a:xfrm>
+      </p:grpSpPr>
+      <p:sp>
+        <p:nvSpPr>
+          <p:cNvPr id="2" name="Titel 1"/>
+          <p:cNvSpPr>
+            <a:spLocks noGrp="1"/>
+          </p:cNvSpPr>
+          <p:nvPr>
+            <p:ph type="title"/>
+          </p:nvPr>
+        </p:nvSpPr>
+        <p:spPr/>
+        <p:txBody>
+          <a:bodyPr/>
+          <a:lstStyle/>
+          <a:p>
+            <a:r>
+              <a:rPr lang="de-DE" dirty="0"/>
+              <a:t>Gekoppelte LC – Schwingkreise: Schwebung</a:t>
+            </a:r>
+          </a:p>
+        </p:txBody>
+      </p:sp>
+      <p:sp>
+        <p:nvSpPr>
+          <p:cNvPr id="4" name="Foliennummernplatzhalter 3"/>
+          <p:cNvSpPr>
+            <a:spLocks noGrp="1"/>
+          </p:cNvSpPr>
+          <p:nvPr>
+            <p:ph type="sldNum" sz="quarter" idx="12"/>
+          </p:nvPr>
+        </p:nvSpPr>
+        <p:spPr/>
+        <p:txBody>
+          <a:bodyPr/>
+          <a:lstStyle/>
+          <a:p>
+            <a:fld id="{897114A3-BFF3-441B-8EE5-CE8191EEE22E}" type="slidenum">
+              <a:rPr lang="de-DE" smtClean="0"/>
+              <a:t>30</a:t>
+            </a:fld>
+            <a:endParaRPr lang="de-DE"/>
+          </a:p>
+        </p:txBody>
+      </p:sp>
+      <p:sp>
+        <p:nvSpPr>
+          <p:cNvPr id="5" name="Inhaltsplatzhalter 4"/>
+          <p:cNvSpPr>
+            <a:spLocks noGrp="1"/>
+          </p:cNvSpPr>
+          <p:nvPr>
+            <p:ph idx="1"/>
+          </p:nvPr>
+        </p:nvSpPr>
+        <p:spPr>
+          <a:xfrm>
+            <a:off x="845127" y="3449637"/>
+            <a:ext cx="10515600" cy="2906713"/>
+          </a:xfrm>
+        </p:spPr>
+        <p:txBody>
+          <a:bodyPr/>
+          <a:lstStyle/>
+          <a:p>
+            <a:r>
+              <a:rPr lang="de-DE" dirty="0"/>
+              <a:t>Fazit:</a:t>
+            </a:r>
+          </a:p>
+          <a:p>
+            <a:pPr lvl="1"/>
+            <a:r>
+              <a:rPr lang="de-DE" dirty="0"/>
+              <a:t>Kopplung gut messbar</a:t>
+            </a:r>
+          </a:p>
+          <a:p>
+            <a:pPr lvl="1"/>
+            <a:r>
+              <a:rPr lang="de-DE" dirty="0"/>
+              <a:t>Fehler auf Zeitdifferenz groß</a:t>
+            </a:r>
+          </a:p>
+          <a:p>
+            <a:endParaRPr lang="de-DE" dirty="0"/>
+          </a:p>
+        </p:txBody>
+      </p:sp>
+      <p:pic>
+        <p:nvPicPr>
+          <p:cNvPr id="6" name="Grafik 5"/>
+          <p:cNvPicPr>
+            <a:picLocks noChangeAspect="1"/>
+          </p:cNvPicPr>
+          <p:nvPr/>
+        </p:nvPicPr>
+        <p:blipFill>
+          <a:blip r:embed="rId3">
+            <a:extLst>
+              <a:ext uri="{28A0092B-C50C-407E-A947-70E740481C1C}">
+                <a14:useLocalDpi xmlns:a14="http://schemas.microsoft.com/office/drawing/2010/main" val="0"/>
+              </a:ext>
+            </a:extLst>
+          </a:blip>
+          <a:stretch>
+            <a:fillRect/>
+          </a:stretch>
+        </p:blipFill>
+        <p:spPr>
+          <a:xfrm>
+            <a:off x="1215960" y="1700600"/>
+            <a:ext cx="9773934" cy="1393190"/>
+          </a:xfrm>
+          <a:prstGeom prst="rect">
+            <a:avLst/>
+          </a:prstGeom>
+        </p:spPr>
+      </p:pic>
+    </p:spTree>
+    <p:extLst>
+      <p:ext uri="{BB962C8B-B14F-4D97-AF65-F5344CB8AC3E}">
+        <p14:creationId xmlns:p14="http://schemas.microsoft.com/office/powerpoint/2010/main" val="1138002919"/>
+      </p:ext>
+    </p:extLst>
+  </p:cSld>
+  <p:clrMapOvr>
+    <a:masterClrMapping/>
+  </p:clrMapOvr>
+</p:sld>
+</file>
+
+<file path=ppt/slides/slide31.xml><?xml version="1.0" encoding="utf-8"?>
 <p:sld xmlns:a="http://schemas.openxmlformats.org/drawingml/2006/main" xmlns:r="http://schemas.openxmlformats.org/officeDocument/2006/relationships" xmlns:p="http://schemas.openxmlformats.org/presentationml/2006/main">
   <p:cSld>
     <p:spTree>
@@ -11589,7 +11805,7 @@
           <a:p>
             <a:fld id="{897114A3-BFF3-441B-8EE5-CE8191EEE22E}" type="slidenum">
               <a:rPr lang="de-DE" smtClean="0"/>
-              <a:t>30</a:t>
+              <a:t>31</a:t>
             </a:fld>
             <a:endParaRPr lang="de-DE"/>
           </a:p>
@@ -11599,117 +11815,6 @@
     <p:extLst>
       <p:ext uri="{BB962C8B-B14F-4D97-AF65-F5344CB8AC3E}">
         <p14:creationId xmlns:p14="http://schemas.microsoft.com/office/powerpoint/2010/main" val="2209967786"/>
-      </p:ext>
-    </p:extLst>
-  </p:cSld>
-  <p:clrMapOvr>
-    <a:masterClrMapping/>
-  </p:clrMapOvr>
-</p:sld>
-</file>
-
-<file path=ppt/slides/slide31.xml><?xml version="1.0" encoding="utf-8"?>
-<p:sld xmlns:a="http://schemas.openxmlformats.org/drawingml/2006/main" xmlns:r="http://schemas.openxmlformats.org/officeDocument/2006/relationships" xmlns:p="http://schemas.openxmlformats.org/presentationml/2006/main">
-  <p:cSld>
-    <p:spTree>
-      <p:nvGrpSpPr>
-        <p:cNvPr id="1" name=""/>
-        <p:cNvGrpSpPr/>
-        <p:nvPr/>
-      </p:nvGrpSpPr>
-      <p:grpSpPr>
-        <a:xfrm>
-          <a:off x="0" y="0"/>
-          <a:ext cx="0" cy="0"/>
-          <a:chOff x="0" y="0"/>
-          <a:chExt cx="0" cy="0"/>
-        </a:xfrm>
-      </p:grpSpPr>
-      <p:sp>
-        <p:nvSpPr>
-          <p:cNvPr id="2" name="Titel 1"/>
-          <p:cNvSpPr>
-            <a:spLocks noGrp="1"/>
-          </p:cNvSpPr>
-          <p:nvPr>
-            <p:ph type="title"/>
-          </p:nvPr>
-        </p:nvSpPr>
-        <p:spPr/>
-        <p:txBody>
-          <a:bodyPr/>
-          <a:lstStyle/>
-          <a:p>
-            <a:r>
-              <a:rPr lang="de-DE" dirty="0"/>
-              <a:t>Gekoppelte LC: Fundamentalschwingungen</a:t>
-            </a:r>
-            <a:br>
-              <a:rPr lang="de-DE" dirty="0"/>
-            </a:br>
-            <a:r>
-              <a:rPr lang="de-DE" dirty="0"/>
-              <a:t>Aufbau</a:t>
-            </a:r>
-          </a:p>
-        </p:txBody>
-      </p:sp>
-      <p:pic>
-        <p:nvPicPr>
-          <p:cNvPr id="6" name="Inhaltsplatzhalter 5"/>
-          <p:cNvPicPr>
-            <a:picLocks noGrp="1" noChangeAspect="1"/>
-          </p:cNvPicPr>
-          <p:nvPr>
-            <p:ph sz="half" idx="1"/>
-          </p:nvPr>
-        </p:nvPicPr>
-        <p:blipFill>
-          <a:blip r:embed="rId2">
-            <a:extLst>
-              <a:ext uri="{28A0092B-C50C-407E-A947-70E740481C1C}">
-                <a14:useLocalDpi xmlns:a14="http://schemas.microsoft.com/office/drawing/2010/main" val="0"/>
-              </a:ext>
-            </a:extLst>
-          </a:blip>
-          <a:stretch>
-            <a:fillRect/>
-          </a:stretch>
-        </p:blipFill>
-        <p:spPr>
-          <a:xfrm>
-            <a:off x="1152497" y="1793627"/>
-            <a:ext cx="9900859" cy="2750238"/>
-          </a:xfrm>
-        </p:spPr>
-      </p:pic>
-      <p:sp>
-        <p:nvSpPr>
-          <p:cNvPr id="4" name="Foliennummernplatzhalter 3"/>
-          <p:cNvSpPr>
-            <a:spLocks noGrp="1"/>
-          </p:cNvSpPr>
-          <p:nvPr>
-            <p:ph type="sldNum" sz="quarter" idx="12"/>
-          </p:nvPr>
-        </p:nvSpPr>
-        <p:spPr/>
-        <p:txBody>
-          <a:bodyPr/>
-          <a:lstStyle/>
-          <a:p>
-            <a:fld id="{897114A3-BFF3-441B-8EE5-CE8191EEE22E}" type="slidenum">
-              <a:rPr lang="de-DE" smtClean="0"/>
-              <a:t>31</a:t>
-            </a:fld>
-            <a:endParaRPr lang="de-DE"/>
-          </a:p>
-        </p:txBody>
-      </p:sp>
-    </p:spTree>
-    <p:extLst>
-      <p:ext uri="{BB962C8B-B14F-4D97-AF65-F5344CB8AC3E}">
-        <p14:creationId xmlns:p14="http://schemas.microsoft.com/office/powerpoint/2010/main" val="4268129209"/>
       </p:ext>
     </p:extLst>
   </p:cSld>
@@ -11760,14 +11865,14 @@
             </a:br>
             <a:r>
               <a:rPr lang="de-DE" dirty="0"/>
-              <a:t>Rohdaten</a:t>
+              <a:t>Aufbau</a:t>
             </a:r>
           </a:p>
         </p:txBody>
       </p:sp>
       <p:pic>
         <p:nvPicPr>
-          <p:cNvPr id="7" name="Inhaltsplatzhalter 6"/>
+          <p:cNvPr id="6" name="Inhaltsplatzhalter 5"/>
           <p:cNvPicPr>
             <a:picLocks noGrp="1" noChangeAspect="1"/>
           </p:cNvPicPr>
@@ -11789,43 +11894,14 @@
         </p:blipFill>
         <p:spPr>
           <a:xfrm>
-            <a:off x="0" y="1591164"/>
-            <a:ext cx="6232491" cy="4654891"/>
-          </a:xfrm>
-        </p:spPr>
-      </p:pic>
-      <p:pic>
-        <p:nvPicPr>
-          <p:cNvPr id="9" name="Inhaltsplatzhalter 8"/>
-          <p:cNvPicPr>
-            <a:picLocks noGrp="1" noChangeAspect="1"/>
-          </p:cNvPicPr>
-          <p:nvPr>
-            <p:ph sz="half" idx="2"/>
-          </p:nvPr>
-        </p:nvPicPr>
-        <p:blipFill>
-          <a:blip r:embed="rId3">
-            <a:extLst>
-              <a:ext uri="{28A0092B-C50C-407E-A947-70E740481C1C}">
-                <a14:useLocalDpi xmlns:a14="http://schemas.microsoft.com/office/drawing/2010/main" val="0"/>
-              </a:ext>
-            </a:extLst>
-          </a:blip>
-          <a:stretch>
-            <a:fillRect/>
-          </a:stretch>
-        </p:blipFill>
-        <p:spPr>
-          <a:xfrm>
-            <a:off x="5824025" y="1591164"/>
-            <a:ext cx="6248398" cy="4666771"/>
+            <a:off x="1152497" y="1793627"/>
+            <a:ext cx="9900859" cy="2750238"/>
           </a:xfrm>
         </p:spPr>
       </p:pic>
       <p:sp>
         <p:nvSpPr>
-          <p:cNvPr id="5" name="Foliennummernplatzhalter 4"/>
+          <p:cNvPr id="4" name="Foliennummernplatzhalter 3"/>
           <p:cNvSpPr>
             <a:spLocks noGrp="1"/>
           </p:cNvSpPr>
@@ -11849,7 +11925,7 @@
     </p:spTree>
     <p:extLst>
       <p:ext uri="{BB962C8B-B14F-4D97-AF65-F5344CB8AC3E}">
-        <p14:creationId xmlns:p14="http://schemas.microsoft.com/office/powerpoint/2010/main" val="2409491595"/>
+        <p14:creationId xmlns:p14="http://schemas.microsoft.com/office/powerpoint/2010/main" val="4268129209"/>
       </p:ext>
     </p:extLst>
   </p:cSld>
@@ -11900,6 +11976,146 @@
             </a:br>
             <a:r>
               <a:rPr lang="de-DE" dirty="0"/>
+              <a:t>Rohdaten</a:t>
+            </a:r>
+          </a:p>
+        </p:txBody>
+      </p:sp>
+      <p:pic>
+        <p:nvPicPr>
+          <p:cNvPr id="7" name="Inhaltsplatzhalter 6"/>
+          <p:cNvPicPr>
+            <a:picLocks noGrp="1" noChangeAspect="1"/>
+          </p:cNvPicPr>
+          <p:nvPr>
+            <p:ph sz="half" idx="1"/>
+          </p:nvPr>
+        </p:nvPicPr>
+        <p:blipFill>
+          <a:blip r:embed="rId2">
+            <a:extLst>
+              <a:ext uri="{28A0092B-C50C-407E-A947-70E740481C1C}">
+                <a14:useLocalDpi xmlns:a14="http://schemas.microsoft.com/office/drawing/2010/main" val="0"/>
+              </a:ext>
+            </a:extLst>
+          </a:blip>
+          <a:stretch>
+            <a:fillRect/>
+          </a:stretch>
+        </p:blipFill>
+        <p:spPr>
+          <a:xfrm>
+            <a:off x="0" y="1591164"/>
+            <a:ext cx="6232491" cy="4654891"/>
+          </a:xfrm>
+        </p:spPr>
+      </p:pic>
+      <p:pic>
+        <p:nvPicPr>
+          <p:cNvPr id="9" name="Inhaltsplatzhalter 8"/>
+          <p:cNvPicPr>
+            <a:picLocks noGrp="1" noChangeAspect="1"/>
+          </p:cNvPicPr>
+          <p:nvPr>
+            <p:ph sz="half" idx="2"/>
+          </p:nvPr>
+        </p:nvPicPr>
+        <p:blipFill>
+          <a:blip r:embed="rId3">
+            <a:extLst>
+              <a:ext uri="{28A0092B-C50C-407E-A947-70E740481C1C}">
+                <a14:useLocalDpi xmlns:a14="http://schemas.microsoft.com/office/drawing/2010/main" val="0"/>
+              </a:ext>
+            </a:extLst>
+          </a:blip>
+          <a:stretch>
+            <a:fillRect/>
+          </a:stretch>
+        </p:blipFill>
+        <p:spPr>
+          <a:xfrm>
+            <a:off x="5824025" y="1591164"/>
+            <a:ext cx="6248398" cy="4666771"/>
+          </a:xfrm>
+        </p:spPr>
+      </p:pic>
+      <p:sp>
+        <p:nvSpPr>
+          <p:cNvPr id="5" name="Foliennummernplatzhalter 4"/>
+          <p:cNvSpPr>
+            <a:spLocks noGrp="1"/>
+          </p:cNvSpPr>
+          <p:nvPr>
+            <p:ph type="sldNum" sz="quarter" idx="12"/>
+          </p:nvPr>
+        </p:nvSpPr>
+        <p:spPr/>
+        <p:txBody>
+          <a:bodyPr/>
+          <a:lstStyle/>
+          <a:p>
+            <a:fld id="{897114A3-BFF3-441B-8EE5-CE8191EEE22E}" type="slidenum">
+              <a:rPr lang="de-DE" smtClean="0"/>
+              <a:t>33</a:t>
+            </a:fld>
+            <a:endParaRPr lang="de-DE"/>
+          </a:p>
+        </p:txBody>
+      </p:sp>
+    </p:spTree>
+    <p:extLst>
+      <p:ext uri="{BB962C8B-B14F-4D97-AF65-F5344CB8AC3E}">
+        <p14:creationId xmlns:p14="http://schemas.microsoft.com/office/powerpoint/2010/main" val="2409491595"/>
+      </p:ext>
+    </p:extLst>
+  </p:cSld>
+  <p:clrMapOvr>
+    <a:masterClrMapping/>
+  </p:clrMapOvr>
+</p:sld>
+</file>
+
+<file path=ppt/slides/slide34.xml><?xml version="1.0" encoding="utf-8"?>
+<p:sld xmlns:a="http://schemas.openxmlformats.org/drawingml/2006/main" xmlns:r="http://schemas.openxmlformats.org/officeDocument/2006/relationships" xmlns:p="http://schemas.openxmlformats.org/presentationml/2006/main">
+  <p:cSld>
+    <p:spTree>
+      <p:nvGrpSpPr>
+        <p:cNvPr id="1" name=""/>
+        <p:cNvGrpSpPr/>
+        <p:nvPr/>
+      </p:nvGrpSpPr>
+      <p:grpSpPr>
+        <a:xfrm>
+          <a:off x="0" y="0"/>
+          <a:ext cx="0" cy="0"/>
+          <a:chOff x="0" y="0"/>
+          <a:chExt cx="0" cy="0"/>
+        </a:xfrm>
+      </p:grpSpPr>
+      <p:sp>
+        <p:nvSpPr>
+          <p:cNvPr id="2" name="Titel 1"/>
+          <p:cNvSpPr>
+            <a:spLocks noGrp="1"/>
+          </p:cNvSpPr>
+          <p:nvPr>
+            <p:ph type="title"/>
+          </p:nvPr>
+        </p:nvSpPr>
+        <p:spPr/>
+        <p:txBody>
+          <a:bodyPr/>
+          <a:lstStyle/>
+          <a:p>
+            <a:r>
+              <a:rPr lang="de-DE" dirty="0"/>
+              <a:t>Gekoppelte LC: Fundamentalschwingungen</a:t>
+            </a:r>
+            <a:br>
+              <a:rPr lang="de-DE" dirty="0"/>
+            </a:br>
+            <a:r>
+              <a:rPr lang="de-DE" dirty="0"/>
               <a:t>Auswertung</a:t>
             </a:r>
           </a:p>
@@ -11980,7 +12196,7 @@
           <a:p>
             <a:fld id="{897114A3-BFF3-441B-8EE5-CE8191EEE22E}" type="slidenum">
               <a:rPr lang="de-DE" smtClean="0"/>
-              <a:t>33</a:t>
+              <a:t>34</a:t>
             </a:fld>
             <a:endParaRPr lang="de-DE"/>
           </a:p>

--- a/Elektronik/Elektronik.pptx
+++ b/Elektronik/Elektronik.pptx
@@ -5,7 +5,7 @@
     <p:sldMasterId id="2147483778" r:id="rId1"/>
   </p:sldMasterIdLst>
   <p:notesMasterIdLst>
-    <p:notesMasterId r:id="rId36"/>
+    <p:notesMasterId r:id="rId35"/>
   </p:notesMasterIdLst>
   <p:sldIdLst>
     <p:sldId id="256" r:id="rId2"/>
@@ -21,27 +21,26 @@
     <p:sldId id="295" r:id="rId12"/>
     <p:sldId id="296" r:id="rId13"/>
     <p:sldId id="297" r:id="rId14"/>
-    <p:sldId id="298" r:id="rId15"/>
-    <p:sldId id="305" r:id="rId16"/>
-    <p:sldId id="282" r:id="rId17"/>
-    <p:sldId id="308" r:id="rId18"/>
-    <p:sldId id="283" r:id="rId19"/>
-    <p:sldId id="284" r:id="rId20"/>
-    <p:sldId id="285" r:id="rId21"/>
-    <p:sldId id="287" r:id="rId22"/>
-    <p:sldId id="288" r:id="rId23"/>
-    <p:sldId id="289" r:id="rId24"/>
-    <p:sldId id="290" r:id="rId25"/>
-    <p:sldId id="286" r:id="rId26"/>
-    <p:sldId id="306" r:id="rId27"/>
-    <p:sldId id="278" r:id="rId28"/>
-    <p:sldId id="279" r:id="rId29"/>
-    <p:sldId id="280" r:id="rId30"/>
-    <p:sldId id="281" r:id="rId31"/>
-    <p:sldId id="299" r:id="rId32"/>
-    <p:sldId id="300" r:id="rId33"/>
-    <p:sldId id="301" r:id="rId34"/>
-    <p:sldId id="302" r:id="rId35"/>
+    <p:sldId id="305" r:id="rId15"/>
+    <p:sldId id="282" r:id="rId16"/>
+    <p:sldId id="308" r:id="rId17"/>
+    <p:sldId id="283" r:id="rId18"/>
+    <p:sldId id="284" r:id="rId19"/>
+    <p:sldId id="285" r:id="rId20"/>
+    <p:sldId id="287" r:id="rId21"/>
+    <p:sldId id="288" r:id="rId22"/>
+    <p:sldId id="289" r:id="rId23"/>
+    <p:sldId id="290" r:id="rId24"/>
+    <p:sldId id="286" r:id="rId25"/>
+    <p:sldId id="306" r:id="rId26"/>
+    <p:sldId id="278" r:id="rId27"/>
+    <p:sldId id="279" r:id="rId28"/>
+    <p:sldId id="280" r:id="rId29"/>
+    <p:sldId id="281" r:id="rId30"/>
+    <p:sldId id="299" r:id="rId31"/>
+    <p:sldId id="300" r:id="rId32"/>
+    <p:sldId id="301" r:id="rId33"/>
+    <p:sldId id="302" r:id="rId34"/>
   </p:sldIdLst>
   <p:sldSz cx="12192000" cy="6858000"/>
   <p:notesSz cx="6858000" cy="9144000"/>
@@ -158,7 +157,6 @@
             <p14:sldId id="295"/>
             <p14:sldId id="296"/>
             <p14:sldId id="297"/>
-            <p14:sldId id="298"/>
             <p14:sldId id="305"/>
             <p14:sldId id="282"/>
             <p14:sldId id="308"/>
@@ -889,7 +887,7 @@
           <a:p>
             <a:fld id="{99EB3137-8FBE-4AF7-BF64-B35CB96DD367}" type="slidenum">
               <a:rPr lang="de-DE" smtClean="0"/>
-              <a:t>27</a:t>
+              <a:t>26</a:t>
             </a:fld>
             <a:endParaRPr lang="de-DE"/>
           </a:p>
@@ -973,7 +971,7 @@
           <a:p>
             <a:fld id="{99EB3137-8FBE-4AF7-BF64-B35CB96DD367}" type="slidenum">
               <a:rPr lang="de-DE" smtClean="0"/>
-              <a:t>28</a:t>
+              <a:t>27</a:t>
             </a:fld>
             <a:endParaRPr lang="de-DE"/>
           </a:p>
@@ -1057,7 +1055,7 @@
           <a:p>
             <a:fld id="{99EB3137-8FBE-4AF7-BF64-B35CB96DD367}" type="slidenum">
               <a:rPr lang="de-DE" smtClean="0"/>
-              <a:t>29</a:t>
+              <a:t>28</a:t>
             </a:fld>
             <a:endParaRPr lang="de-DE"/>
           </a:p>
@@ -1141,7 +1139,7 @@
           <a:p>
             <a:fld id="{99EB3137-8FBE-4AF7-BF64-B35CB96DD367}" type="slidenum">
               <a:rPr lang="de-DE" smtClean="0"/>
-              <a:t>30</a:t>
+              <a:t>29</a:t>
             </a:fld>
             <a:endParaRPr lang="de-DE"/>
           </a:p>
@@ -1300,7 +1298,7 @@
           <a:bodyPr/>
           <a:lstStyle/>
           <a:p>
-            <a:fld id="{F7305F87-A01E-4E59-84A9-D4B06E594730}" type="datetime1">
+            <a:fld id="{334F12E0-B1D4-482A-8DC0-9C9F667597C4}" type="datetime1">
               <a:rPr lang="de-DE" smtClean="0"/>
               <a:t>23.03.2017</a:t>
             </a:fld>
@@ -1470,7 +1468,7 @@
           <a:bodyPr/>
           <a:lstStyle/>
           <a:p>
-            <a:fld id="{DB6BAA13-E667-49F5-B5FC-888D69788025}" type="datetime1">
+            <a:fld id="{7E464473-6860-43DB-A3D5-20AC4D94B18B}" type="datetime1">
               <a:rPr lang="de-DE" smtClean="0"/>
               <a:t>23.03.2017</a:t>
             </a:fld>
@@ -1650,7 +1648,7 @@
           <a:bodyPr/>
           <a:lstStyle/>
           <a:p>
-            <a:fld id="{60B60FA9-1C5C-483F-9E75-8A06D8F0432C}" type="datetime1">
+            <a:fld id="{6844ADA7-C858-41E4-AF4A-B57F339457FD}" type="datetime1">
               <a:rPr lang="de-DE" smtClean="0"/>
               <a:t>23.03.2017</a:t>
             </a:fld>
@@ -1820,7 +1818,7 @@
           <a:bodyPr/>
           <a:lstStyle/>
           <a:p>
-            <a:fld id="{B7E1CD7D-83DE-47EA-8CA7-72D53165801B}" type="datetime1">
+            <a:fld id="{3DBDF7C4-53B0-4A96-B21D-94F3CF035B60}" type="datetime1">
               <a:rPr lang="de-DE" smtClean="0"/>
               <a:t>23.03.2017</a:t>
             </a:fld>
@@ -2071,7 +2069,7 @@
           <a:bodyPr/>
           <a:lstStyle/>
           <a:p>
-            <a:fld id="{BA56F062-F227-446A-8065-0B487AA3B4A0}" type="datetime1">
+            <a:fld id="{637E7ECF-525F-494A-82C1-C3831D9D8A59}" type="datetime1">
               <a:rPr lang="de-DE" smtClean="0"/>
               <a:t>23.03.2017</a:t>
             </a:fld>
@@ -2303,7 +2301,7 @@
           <a:bodyPr/>
           <a:lstStyle/>
           <a:p>
-            <a:fld id="{83262A77-B875-486A-8AA7-B3723C0F6025}" type="datetime1">
+            <a:fld id="{38BC9E38-158C-4E78-9929-ABF8E8F439B8}" type="datetime1">
               <a:rPr lang="de-DE" smtClean="0"/>
               <a:t>23.03.2017</a:t>
             </a:fld>
@@ -2650,7 +2648,7 @@
           <a:bodyPr/>
           <a:lstStyle/>
           <a:p>
-            <a:fld id="{AB79F73A-EEB2-4ECC-BA5D-2FF390683CDC}" type="datetime1">
+            <a:fld id="{DC39113E-5932-49B2-98CC-79308155FD30}" type="datetime1">
               <a:rPr lang="de-DE" smtClean="0"/>
               <a:t>23.03.2017</a:t>
             </a:fld>
@@ -2768,7 +2766,7 @@
           <a:bodyPr/>
           <a:lstStyle/>
           <a:p>
-            <a:fld id="{497EC7B8-A847-45CD-A692-9AC7472C86BC}" type="datetime1">
+            <a:fld id="{2E13A5E3-18AD-425C-B60B-835D72C9A19D}" type="datetime1">
               <a:rPr lang="de-DE" smtClean="0"/>
               <a:t>23.03.2017</a:t>
             </a:fld>
@@ -2886,7 +2884,7 @@
           <a:bodyPr/>
           <a:lstStyle/>
           <a:p>
-            <a:fld id="{B2A6CF8E-FE1A-45AF-98DE-474C2ABB4357}" type="datetime1">
+            <a:fld id="{22B4BDF0-B0DA-45B6-AE01-63E9DB605EF5}" type="datetime1">
               <a:rPr lang="de-DE" smtClean="0"/>
               <a:t>23.03.2017</a:t>
             </a:fld>
@@ -3170,7 +3168,7 @@
           <a:bodyPr/>
           <a:lstStyle/>
           <a:p>
-            <a:fld id="{F7A0745C-6441-48F1-8273-95001BAE8440}" type="datetime1">
+            <a:fld id="{BFE6238A-7556-4E92-AE9E-2C65E67C1329}" type="datetime1">
               <a:rPr lang="de-DE" smtClean="0"/>
               <a:t>23.03.2017</a:t>
             </a:fld>
@@ -3434,7 +3432,7 @@
           <a:bodyPr/>
           <a:lstStyle/>
           <a:p>
-            <a:fld id="{D119D5F6-4296-47A2-AE42-D9153D542677}" type="datetime1">
+            <a:fld id="{6ED6A4E0-D836-45D7-8382-02BF99F6F17E}" type="datetime1">
               <a:rPr lang="de-DE" smtClean="0"/>
               <a:t>23.03.2017</a:t>
             </a:fld>
@@ -3648,7 +3646,7 @@
             </a:lvl1pPr>
           </a:lstStyle>
           <a:p>
-            <a:fld id="{35512183-C31C-41B4-8D5B-8F2FD2DD4FB5}" type="datetime1">
+            <a:fld id="{07356AD7-DAE1-477A-A9E8-253C41B5FFF9}" type="datetime1">
               <a:rPr lang="de-DE" smtClean="0"/>
               <a:t>23.03.2017</a:t>
             </a:fld>
@@ -5119,8 +5117,8 @@
           </a:prstGeom>
         </p:spPr>
       </p:pic>
-      <mc:AlternateContent xmlns:mc="http://schemas.openxmlformats.org/markup-compatibility/2006" xmlns:a14="http://schemas.microsoft.com/office/drawing/2010/main">
-        <mc:Choice Requires="a14">
+      <mc:AlternateContent xmlns:mc="http://schemas.openxmlformats.org/markup-compatibility/2006">
+        <mc:Choice xmlns:a14="http://schemas.microsoft.com/office/drawing/2010/main" Requires="a14">
           <p:sp>
             <p:nvSpPr>
               <p:cNvPr id="10" name="Textfeld 9"/>
@@ -5129,8 +5127,8 @@
             </p:nvSpPr>
             <p:spPr>
               <a:xfrm>
-                <a:off x="7362302" y="2204112"/>
-                <a:ext cx="4746492" cy="1332609"/>
+                <a:off x="7385162" y="1623148"/>
+                <a:ext cx="4091248" cy="1155573"/>
               </a:xfrm>
               <a:prstGeom prst="rect">
                 <a:avLst/>
@@ -5161,7 +5159,7 @@
                   <a:defRPr/>
                 </a:pPr>
                 <a:r>
-                  <a:rPr kumimoji="0" lang="de-DE" sz="2800" b="0" i="0" u="none" strike="noStrike" kern="1200" cap="none" spc="0" normalizeH="0" baseline="0" noProof="0" dirty="0">
+                  <a:rPr kumimoji="0" lang="de-DE" sz="2400" b="0" i="0" u="none" strike="noStrike" kern="1200" cap="none" spc="0" normalizeH="0" baseline="0" noProof="0" dirty="0">
                     <a:ln>
                       <a:noFill/>
                     </a:ln>
@@ -5203,7 +5201,7 @@
                     </m:oMathParaPr>
                     <m:oMath xmlns:m="http://schemas.openxmlformats.org/officeDocument/2006/math">
                       <m:r>
-                        <a:rPr kumimoji="0" lang="de-DE" sz="2800" b="0" i="1" u="none" strike="noStrike" kern="1200" cap="none" spc="0" normalizeH="0" baseline="0" noProof="0" smtClean="0">
+                        <a:rPr kumimoji="0" lang="de-DE" sz="2400" b="0" i="1" u="none" strike="noStrike" kern="1200" cap="none" spc="0" normalizeH="0" baseline="0" noProof="0" smtClean="0">
                           <a:ln>
                             <a:noFill/>
                           </a:ln>
@@ -5220,7 +5218,7 @@
                         <m:t>𝜏</m:t>
                       </m:r>
                       <m:r>
-                        <a:rPr kumimoji="0" lang="de-DE" sz="2800" b="0" i="1" u="none" strike="noStrike" kern="1200" cap="none" spc="0" normalizeH="0" baseline="0" noProof="0" smtClean="0">
+                        <a:rPr kumimoji="0" lang="de-DE" sz="2400" b="0" i="1" u="none" strike="noStrike" kern="1200" cap="none" spc="0" normalizeH="0" baseline="0" noProof="0" smtClean="0">
                           <a:ln>
                             <a:noFill/>
                           </a:ln>
@@ -5239,7 +5237,7 @@
                       <m:f>
                         <m:fPr>
                           <m:ctrlPr>
-                            <a:rPr kumimoji="0" lang="de-DE" sz="2800" b="0" i="1" u="none" strike="noStrike" kern="1200" cap="none" spc="0" normalizeH="0" baseline="0" noProof="0" smtClean="0">
+                            <a:rPr kumimoji="0" lang="de-DE" sz="2400" b="0" i="1" u="none" strike="noStrike" kern="1200" cap="none" spc="0" normalizeH="0" baseline="0" noProof="0" smtClean="0">
                               <a:ln>
                                 <a:noFill/>
                               </a:ln>
@@ -5257,7 +5255,7 @@
                         </m:fPr>
                         <m:num>
                           <m:r>
-                            <a:rPr kumimoji="0" lang="de-DE" sz="2800" b="0" i="1" u="none" strike="noStrike" kern="1200" cap="none" spc="0" normalizeH="0" baseline="0" noProof="0" smtClean="0">
+                            <a:rPr kumimoji="0" lang="de-DE" sz="2400" b="0" i="1" u="none" strike="noStrike" kern="1200" cap="none" spc="0" normalizeH="0" baseline="0" noProof="0" smtClean="0">
                               <a:ln>
                                 <a:noFill/>
                               </a:ln>
@@ -5276,7 +5274,7 @@
                         </m:num>
                         <m:den>
                           <m:r>
-                            <a:rPr kumimoji="0" lang="de-DE" sz="2800" b="0" i="1" u="none" strike="noStrike" kern="1200" cap="none" spc="0" normalizeH="0" baseline="0" noProof="0" smtClean="0">
+                            <a:rPr kumimoji="0" lang="de-DE" sz="2400" b="0" i="1" u="none" strike="noStrike" kern="1200" cap="none" spc="0" normalizeH="0" baseline="0" noProof="0" smtClean="0">
                               <a:ln>
                                 <a:noFill/>
                               </a:ln>
@@ -5297,7 +5295,7 @@
                     </m:oMath>
                   </m:oMathPara>
                 </a14:m>
-                <a:endParaRPr kumimoji="0" lang="de-DE" sz="2800" b="0" i="0" u="none" strike="noStrike" kern="1200" cap="none" spc="0" normalizeH="0" baseline="0" noProof="0" dirty="0">
+                <a:endParaRPr kumimoji="0" lang="de-DE" sz="2400" b="0" i="0" u="none" strike="noStrike" kern="1200" cap="none" spc="0" normalizeH="0" baseline="0" noProof="0" dirty="0">
                   <a:ln>
                     <a:noFill/>
                   </a:ln>
@@ -5315,7 +5313,7 @@
             </p:txBody>
           </p:sp>
         </mc:Choice>
-        <mc:Fallback xmlns="">
+        <mc:Fallback>
           <p:sp>
             <p:nvSpPr>
               <p:cNvPr id="10" name="Textfeld 9"/>
@@ -5326,8 +5324,8 @@
             </p:nvSpPr>
             <p:spPr>
               <a:xfrm>
-                <a:off x="7362302" y="2204112"/>
-                <a:ext cx="4746492" cy="1332609"/>
+                <a:off x="7385162" y="1623148"/>
+                <a:ext cx="4091248" cy="1155573"/>
               </a:xfrm>
               <a:prstGeom prst="rect">
                 <a:avLst/>
@@ -5335,7 +5333,7 @@
               <a:blipFill>
                 <a:blip r:embed="rId4"/>
                 <a:stretch>
-                  <a:fillRect l="-2699" t="-4587" r="-1157"/>
+                  <a:fillRect l="-2232" t="-4211" r="-1042"/>
                 </a:stretch>
               </a:blipFill>
             </p:spPr>
@@ -5354,8 +5352,8 @@
           </p:sp>
         </mc:Fallback>
       </mc:AlternateContent>
-      <mc:AlternateContent xmlns:mc="http://schemas.openxmlformats.org/markup-compatibility/2006" xmlns:a14="http://schemas.microsoft.com/office/drawing/2010/main">
-        <mc:Choice Requires="a14">
+      <mc:AlternateContent xmlns:mc="http://schemas.openxmlformats.org/markup-compatibility/2006">
+        <mc:Choice xmlns:a14="http://schemas.microsoft.com/office/drawing/2010/main" Requires="a14">
           <p:sp>
             <p:nvSpPr>
               <p:cNvPr id="11" name="Textfeld 10"/>
@@ -5364,8 +5362,8 @@
             </p:nvSpPr>
             <p:spPr>
               <a:xfrm>
-                <a:off x="7625260" y="4079024"/>
-                <a:ext cx="4108753" cy="1258101"/>
+                <a:off x="7499530" y="2946836"/>
+                <a:ext cx="3546933" cy="1089273"/>
               </a:xfrm>
               <a:prstGeom prst="rect">
                 <a:avLst/>
@@ -5396,7 +5394,7 @@
                   <a:defRPr/>
                 </a:pPr>
                 <a:r>
-                  <a:rPr kumimoji="0" lang="de-DE" sz="2800" b="0" i="0" u="none" strike="noStrike" kern="1200" cap="none" spc="0" normalizeH="0" baseline="0" noProof="0" dirty="0">
+                  <a:rPr kumimoji="0" lang="de-DE" sz="2400" b="0" i="0" u="none" strike="noStrike" kern="1200" cap="none" spc="0" normalizeH="0" baseline="0" noProof="0" dirty="0">
                     <a:ln>
                       <a:noFill/>
                     </a:ln>
@@ -5438,7 +5436,7 @@
                     </m:oMathParaPr>
                     <m:oMath xmlns:m="http://schemas.openxmlformats.org/officeDocument/2006/math">
                       <m:r>
-                        <a:rPr kumimoji="0" lang="de-DE" sz="2800" b="0" i="1" u="none" strike="noStrike" kern="1200" cap="none" spc="0" normalizeH="0" baseline="0" noProof="0" smtClean="0">
+                        <a:rPr kumimoji="0" lang="de-DE" sz="2400" b="0" i="1" u="none" strike="noStrike" kern="1200" cap="none" spc="0" normalizeH="0" baseline="0" noProof="0" smtClean="0">
                           <a:ln>
                             <a:noFill/>
                           </a:ln>
@@ -5455,7 +5453,7 @@
                         <m:t>𝐶</m:t>
                       </m:r>
                       <m:r>
-                        <a:rPr kumimoji="0" lang="de-DE" sz="2800" b="0" i="1" u="none" strike="noStrike" kern="1200" cap="none" spc="0" normalizeH="0" baseline="0" noProof="0" smtClean="0">
+                        <a:rPr kumimoji="0" lang="de-DE" sz="2400" b="0" i="1" u="none" strike="noStrike" kern="1200" cap="none" spc="0" normalizeH="0" baseline="0" noProof="0" smtClean="0">
                           <a:ln>
                             <a:noFill/>
                           </a:ln>
@@ -5474,7 +5472,7 @@
                       <m:f>
                         <m:fPr>
                           <m:ctrlPr>
-                            <a:rPr kumimoji="0" lang="de-DE" sz="2800" b="0" i="1" u="none" strike="noStrike" kern="1200" cap="none" spc="0" normalizeH="0" baseline="0" noProof="0" smtClean="0">
+                            <a:rPr kumimoji="0" lang="de-DE" sz="2400" b="0" i="1" u="none" strike="noStrike" kern="1200" cap="none" spc="0" normalizeH="0" baseline="0" noProof="0" smtClean="0">
                               <a:ln>
                                 <a:noFill/>
                               </a:ln>
@@ -5492,7 +5490,7 @@
                         </m:fPr>
                         <m:num>
                           <m:r>
-                            <a:rPr kumimoji="0" lang="de-DE" sz="2800" b="0" i="1" u="none" strike="noStrike" kern="1200" cap="none" spc="0" normalizeH="0" baseline="0" noProof="0" smtClean="0">
+                            <a:rPr kumimoji="0" lang="de-DE" sz="2400" b="0" i="1" u="none" strike="noStrike" kern="1200" cap="none" spc="0" normalizeH="0" baseline="0" noProof="0" smtClean="0">
                               <a:ln>
                                 <a:noFill/>
                               </a:ln>
@@ -5511,7 +5509,7 @@
                         </m:num>
                         <m:den>
                           <m:r>
-                            <a:rPr kumimoji="0" lang="de-DE" sz="2800" b="0" i="1" u="none" strike="noStrike" kern="1200" cap="none" spc="0" normalizeH="0" baseline="0" noProof="0" smtClean="0">
+                            <a:rPr kumimoji="0" lang="de-DE" sz="2400" b="0" i="1" u="none" strike="noStrike" kern="1200" cap="none" spc="0" normalizeH="0" baseline="0" noProof="0" smtClean="0">
                               <a:ln>
                                 <a:noFill/>
                               </a:ln>
@@ -5532,7 +5530,7 @@
                     </m:oMath>
                   </m:oMathPara>
                 </a14:m>
-                <a:endParaRPr kumimoji="0" lang="de-DE" sz="2800" b="0" i="0" u="none" strike="noStrike" kern="1200" cap="none" spc="0" normalizeH="0" baseline="0" noProof="0" dirty="0">
+                <a:endParaRPr kumimoji="0" lang="de-DE" sz="2400" b="0" i="0" u="none" strike="noStrike" kern="1200" cap="none" spc="0" normalizeH="0" baseline="0" noProof="0" dirty="0">
                   <a:ln>
                     <a:noFill/>
                   </a:ln>
@@ -5550,7 +5548,7 @@
             </p:txBody>
           </p:sp>
         </mc:Choice>
-        <mc:Fallback xmlns="">
+        <mc:Fallback>
           <p:sp>
             <p:nvSpPr>
               <p:cNvPr id="11" name="Textfeld 10"/>
@@ -5561,8 +5559,8 @@
             </p:nvSpPr>
             <p:spPr>
               <a:xfrm>
-                <a:off x="7625260" y="4079024"/>
-                <a:ext cx="4108753" cy="1258101"/>
+                <a:off x="7499530" y="2946836"/>
+                <a:ext cx="3546933" cy="1089273"/>
               </a:xfrm>
               <a:prstGeom prst="rect">
                 <a:avLst/>
@@ -5570,7 +5568,7 @@
               <a:blipFill>
                 <a:blip r:embed="rId5"/>
                 <a:stretch>
-                  <a:fillRect l="-3116" t="-4348" r="-1632"/>
+                  <a:fillRect l="-2577" t="-4469" r="-1718"/>
                 </a:stretch>
               </a:blipFill>
             </p:spPr>
@@ -5589,6 +5587,58 @@
           </p:sp>
         </mc:Fallback>
       </mc:AlternateContent>
+      <p:sp>
+        <p:nvSpPr>
+          <p:cNvPr id="3" name="Textfeld 2"/>
+          <p:cNvSpPr txBox="1"/>
+          <p:nvPr/>
+        </p:nvSpPr>
+        <p:spPr>
+          <a:xfrm>
+            <a:off x="7385162" y="4319066"/>
+            <a:ext cx="4239148" cy="1908215"/>
+          </a:xfrm>
+          <a:prstGeom prst="rect">
+            <a:avLst/>
+          </a:prstGeom>
+          <a:noFill/>
+        </p:spPr>
+        <p:txBody>
+          <a:bodyPr wrap="square" rtlCol="0">
+            <a:spAutoFit/>
+          </a:bodyPr>
+          <a:lstStyle/>
+          <a:p>
+            <a:r>
+              <a:rPr lang="de-DE" sz="2000" dirty="0"/>
+              <a:t>Fazit:</a:t>
+            </a:r>
+          </a:p>
+          <a:p>
+            <a:r>
+              <a:rPr lang="de-DE" sz="2000" dirty="0"/>
+              <a:t>Annahme: C=4.9µF</a:t>
+            </a:r>
+          </a:p>
+          <a:p>
+            <a:pPr lvl="1"/>
+            <a:r>
+              <a:rPr lang="de-DE" sz="2000" dirty="0"/>
+              <a:t>Mit Herstellerangabe vereinbar</a:t>
+            </a:r>
+          </a:p>
+          <a:p>
+            <a:pPr lvl="1"/>
+            <a:r>
+              <a:rPr lang="de-DE" sz="2000" dirty="0"/>
+              <a:t>Alle Messungen innerhalb einer Standardabweichung</a:t>
+            </a:r>
+          </a:p>
+          <a:p>
+            <a:endParaRPr lang="de-DE" dirty="0"/>
+          </a:p>
+        </p:txBody>
+      </p:sp>
     </p:spTree>
     <p:extLst>
       <p:ext uri="{BB962C8B-B14F-4D97-AF65-F5344CB8AC3E}">
@@ -5621,12 +5671,12 @@
       </p:grpSpPr>
       <p:sp>
         <p:nvSpPr>
-          <p:cNvPr id="2" name="Titel 1"/>
+          <p:cNvPr id="5" name="Titel 4"/>
           <p:cNvSpPr>
             <a:spLocks noGrp="1"/>
           </p:cNvSpPr>
           <p:nvPr>
-            <p:ph type="title"/>
+            <p:ph type="ctrTitle"/>
           </p:nvPr>
         </p:nvSpPr>
         <p:spPr/>
@@ -5636,26 +5686,19 @@
           <a:p>
             <a:r>
               <a:rPr lang="de-DE" dirty="0"/>
-              <a:t>Auf-/Entladung Kondensator: </a:t>
+              <a:t>RLC-Schwingkreis</a:t>
             </a:r>
-            <a:br>
-              <a:rPr lang="de-DE" dirty="0"/>
-            </a:br>
-            <a:r>
-              <a:rPr lang="de-DE" dirty="0"/>
-              <a:t>Fazit</a:t>
-            </a:r>
-          </a:p>
-        </p:txBody>
-      </p:sp>
-      <p:sp>
-        <p:nvSpPr>
-          <p:cNvPr id="3" name="Inhaltsplatzhalter 2"/>
+          </a:p>
+        </p:txBody>
+      </p:sp>
+      <p:sp>
+        <p:nvSpPr>
+          <p:cNvPr id="6" name="Untertitel 5"/>
           <p:cNvSpPr>
             <a:spLocks noGrp="1"/>
           </p:cNvSpPr>
           <p:nvPr>
-            <p:ph idx="1"/>
+            <p:ph type="subTitle" idx="1"/>
           </p:nvPr>
         </p:nvSpPr>
         <p:spPr/>
@@ -5663,127 +5706,14 @@
           <a:bodyPr/>
           <a:lstStyle/>
           <a:p>
-            <a:r>
-              <a:rPr lang="de-DE" dirty="0"/>
-              <a:t>Großer systematischer Fehler (durch Widerstandfehler)</a:t>
-            </a:r>
-          </a:p>
-          <a:p>
-            <a:r>
-              <a:rPr lang="de-DE" dirty="0"/>
-              <a:t>Annahme: C=4.9µF</a:t>
-            </a:r>
-          </a:p>
-          <a:p>
-            <a:pPr lvl="1"/>
-            <a:r>
-              <a:rPr lang="de-DE" dirty="0"/>
-              <a:t>Mit Herstellerangabe vereinbar</a:t>
-            </a:r>
-          </a:p>
-          <a:p>
-            <a:pPr lvl="1"/>
-            <a:r>
-              <a:rPr lang="de-DE" dirty="0"/>
-              <a:t>Alle Messungen innerhalb einer Standardabweichung</a:t>
-            </a:r>
-          </a:p>
-          <a:p>
-            <a:endParaRPr lang="de-DE" dirty="0"/>
-          </a:p>
-        </p:txBody>
-      </p:sp>
-      <p:sp>
-        <p:nvSpPr>
-          <p:cNvPr id="4" name="Foliennummernplatzhalter 3"/>
-          <p:cNvSpPr>
-            <a:spLocks noGrp="1"/>
-          </p:cNvSpPr>
-          <p:nvPr>
-            <p:ph type="sldNum" sz="quarter" idx="12"/>
-          </p:nvPr>
-        </p:nvSpPr>
-        <p:spPr/>
-        <p:txBody>
-          <a:bodyPr/>
-          <a:lstStyle/>
-          <a:p>
-            <a:pPr marL="0" marR="0" lvl="0" indent="0" algn="r" defTabSz="914400" rtl="0" eaLnBrk="1" fontAlgn="auto" latinLnBrk="0" hangingPunct="1">
-              <a:lnSpc>
-                <a:spcPct val="100000"/>
-              </a:lnSpc>
-              <a:spcBef>
-                <a:spcPts val="0"/>
-              </a:spcBef>
-              <a:spcAft>
-                <a:spcPts val="0"/>
-              </a:spcAft>
-              <a:buClrTx/>
-              <a:buSzTx/>
-              <a:buFontTx/>
-              <a:buNone/>
-              <a:tabLst/>
-              <a:defRPr/>
-            </a:pPr>
-            <a:fld id="{897114A3-BFF3-441B-8EE5-CE8191EEE22E}" type="slidenum">
-              <a:rPr kumimoji="0" lang="de-DE" sz="1100" b="0" i="0" u="none" strike="noStrike" kern="1200" cap="none" spc="0" normalizeH="0" baseline="0" noProof="0" smtClean="0">
-                <a:ln>
-                  <a:noFill/>
-                </a:ln>
-                <a:solidFill>
-                  <a:prstClr val="black">
-                    <a:tint val="75000"/>
-                  </a:prstClr>
-                </a:solidFill>
-                <a:effectLst/>
-                <a:uLnTx/>
-                <a:uFillTx/>
-                <a:latin typeface="Calibri"/>
-                <a:ea typeface="+mn-ea"/>
-                <a:cs typeface="+mn-cs"/>
-              </a:rPr>
-              <a:pPr marL="0" marR="0" lvl="0" indent="0" algn="r" defTabSz="914400" rtl="0" eaLnBrk="1" fontAlgn="auto" latinLnBrk="0" hangingPunct="1">
-                <a:lnSpc>
-                  <a:spcPct val="100000"/>
-                </a:lnSpc>
-                <a:spcBef>
-                  <a:spcPts val="0"/>
-                </a:spcBef>
-                <a:spcAft>
-                  <a:spcPts val="0"/>
-                </a:spcAft>
-                <a:buClrTx/>
-                <a:buSzTx/>
-                <a:buFontTx/>
-                <a:buNone/>
-                <a:tabLst/>
-                <a:defRPr/>
-              </a:pPr>
-              <a:t>14</a:t>
-            </a:fld>
-            <a:endParaRPr kumimoji="0" lang="de-DE" sz="1100" b="0" i="0" u="none" strike="noStrike" kern="1200" cap="none" spc="0" normalizeH="0" baseline="0" noProof="0">
-              <a:ln>
-                <a:noFill/>
-              </a:ln>
-              <a:solidFill>
-                <a:prstClr val="black">
-                  <a:tint val="75000"/>
-                </a:prstClr>
-              </a:solidFill>
-              <a:effectLst/>
-              <a:uLnTx/>
-              <a:uFillTx/>
-              <a:latin typeface="Calibri"/>
-              <a:ea typeface="+mn-ea"/>
-              <a:cs typeface="+mn-cs"/>
-            </a:endParaRPr>
+            <a:endParaRPr lang="de-DE"/>
           </a:p>
         </p:txBody>
       </p:sp>
     </p:spTree>
     <p:extLst>
       <p:ext uri="{BB962C8B-B14F-4D97-AF65-F5344CB8AC3E}">
-        <p14:creationId xmlns:p14="http://schemas.microsoft.com/office/powerpoint/2010/main" val="3538393674"/>
+        <p14:creationId xmlns:p14="http://schemas.microsoft.com/office/powerpoint/2010/main" val="2234805829"/>
       </p:ext>
     </p:extLst>
   </p:cSld>
@@ -5812,100 +5742,6 @@
       </p:grpSpPr>
       <p:sp>
         <p:nvSpPr>
-          <p:cNvPr id="5" name="Titel 4"/>
-          <p:cNvSpPr>
-            <a:spLocks noGrp="1"/>
-          </p:cNvSpPr>
-          <p:nvPr>
-            <p:ph type="ctrTitle"/>
-          </p:nvPr>
-        </p:nvSpPr>
-        <p:spPr/>
-        <p:txBody>
-          <a:bodyPr/>
-          <a:lstStyle/>
-          <a:p>
-            <a:r>
-              <a:rPr lang="de-DE" dirty="0"/>
-              <a:t>RLC-Schwingkreis</a:t>
-            </a:r>
-          </a:p>
-        </p:txBody>
-      </p:sp>
-      <p:sp>
-        <p:nvSpPr>
-          <p:cNvPr id="6" name="Untertitel 5"/>
-          <p:cNvSpPr>
-            <a:spLocks noGrp="1"/>
-          </p:cNvSpPr>
-          <p:nvPr>
-            <p:ph type="subTitle" idx="1"/>
-          </p:nvPr>
-        </p:nvSpPr>
-        <p:spPr/>
-        <p:txBody>
-          <a:bodyPr/>
-          <a:lstStyle/>
-          <a:p>
-            <a:endParaRPr lang="de-DE"/>
-          </a:p>
-        </p:txBody>
-      </p:sp>
-      <p:sp>
-        <p:nvSpPr>
-          <p:cNvPr id="4" name="Foliennummernplatzhalter 3"/>
-          <p:cNvSpPr>
-            <a:spLocks noGrp="1"/>
-          </p:cNvSpPr>
-          <p:nvPr>
-            <p:ph type="sldNum" sz="quarter" idx="12"/>
-          </p:nvPr>
-        </p:nvSpPr>
-        <p:spPr/>
-        <p:txBody>
-          <a:bodyPr/>
-          <a:lstStyle/>
-          <a:p>
-            <a:fld id="{897114A3-BFF3-441B-8EE5-CE8191EEE22E}" type="slidenum">
-              <a:rPr lang="de-DE" smtClean="0"/>
-              <a:t>15</a:t>
-            </a:fld>
-            <a:endParaRPr lang="de-DE"/>
-          </a:p>
-        </p:txBody>
-      </p:sp>
-    </p:spTree>
-    <p:extLst>
-      <p:ext uri="{BB962C8B-B14F-4D97-AF65-F5344CB8AC3E}">
-        <p14:creationId xmlns:p14="http://schemas.microsoft.com/office/powerpoint/2010/main" val="2234805829"/>
-      </p:ext>
-    </p:extLst>
-  </p:cSld>
-  <p:clrMapOvr>
-    <a:masterClrMapping/>
-  </p:clrMapOvr>
-</p:sld>
-</file>
-
-<file path=ppt/slides/slide16.xml><?xml version="1.0" encoding="utf-8"?>
-<p:sld xmlns:a="http://schemas.openxmlformats.org/drawingml/2006/main" xmlns:r="http://schemas.openxmlformats.org/officeDocument/2006/relationships" xmlns:p="http://schemas.openxmlformats.org/presentationml/2006/main">
-  <p:cSld>
-    <p:spTree>
-      <p:nvGrpSpPr>
-        <p:cNvPr id="1" name=""/>
-        <p:cNvGrpSpPr/>
-        <p:nvPr/>
-      </p:nvGrpSpPr>
-      <p:grpSpPr>
-        <a:xfrm>
-          <a:off x="0" y="0"/>
-          <a:ext cx="0" cy="0"/>
-          <a:chOff x="0" y="0"/>
-          <a:chExt cx="0" cy="0"/>
-        </a:xfrm>
-      </p:grpSpPr>
-      <p:sp>
-        <p:nvSpPr>
           <p:cNvPr id="2" name="Titel 1"/>
           <p:cNvSpPr>
             <a:spLocks noGrp="1"/>
@@ -5926,8 +5762,8 @@
           </a:p>
         </p:txBody>
       </p:sp>
-      <mc:AlternateContent xmlns:mc="http://schemas.openxmlformats.org/markup-compatibility/2006" xmlns:a14="http://schemas.microsoft.com/office/drawing/2010/main">
-        <mc:Choice Requires="a14">
+      <mc:AlternateContent xmlns:mc="http://schemas.openxmlformats.org/markup-compatibility/2006">
+        <mc:Choice xmlns:a14="http://schemas.microsoft.com/office/drawing/2010/main" Requires="a14">
           <p:sp>
             <p:nvSpPr>
               <p:cNvPr id="3" name="Inhaltsplatzhalter 2"/>
@@ -5968,7 +5804,7 @@
                 <a:pPr lvl="1"/>
                 <a:r>
                   <a:rPr lang="de-DE" dirty="0"/>
-                  <a:t>Aperiodischer Grenzfall - </a:t>
+                  <a:t>Aperiodischer Grenzfall: </a:t>
                 </a:r>
                 <a14:m>
                   <m:oMath xmlns:m="http://schemas.openxmlformats.org/officeDocument/2006/math">
@@ -6099,7 +5935,7 @@
                 <a:pPr lvl="1"/>
                 <a:r>
                   <a:rPr lang="de-DE" dirty="0"/>
-                  <a:t>Schwingfall - </a:t>
+                  <a:t>Schwingfall: </a:t>
                 </a:r>
                 <a14:m>
                   <m:oMath xmlns:m="http://schemas.openxmlformats.org/officeDocument/2006/math">
@@ -6485,7 +6321,7 @@
             </p:txBody>
           </p:sp>
         </mc:Choice>
-        <mc:Fallback xmlns="">
+        <mc:Fallback>
           <p:sp>
             <p:nvSpPr>
               <p:cNvPr id="3" name="Inhaltsplatzhalter 2"/>
@@ -6523,6 +6359,29 @@
           </p:sp>
         </mc:Fallback>
       </mc:AlternateContent>
+      <p:sp>
+        <p:nvSpPr>
+          <p:cNvPr id="4" name="Foliennummernplatzhalter 3"/>
+          <p:cNvSpPr>
+            <a:spLocks noGrp="1"/>
+          </p:cNvSpPr>
+          <p:nvPr>
+            <p:ph type="sldNum" sz="quarter" idx="12"/>
+          </p:nvPr>
+        </p:nvSpPr>
+        <p:spPr/>
+        <p:txBody>
+          <a:bodyPr/>
+          <a:lstStyle/>
+          <a:p>
+            <a:fld id="{897114A3-BFF3-441B-8EE5-CE8191EEE22E}" type="slidenum">
+              <a:rPr lang="de-DE" smtClean="0"/>
+              <a:t>15</a:t>
+            </a:fld>
+            <a:endParaRPr lang="de-DE"/>
+          </a:p>
+        </p:txBody>
+      </p:sp>
     </p:spTree>
     <p:extLst>
       <p:ext uri="{BB962C8B-B14F-4D97-AF65-F5344CB8AC3E}">
@@ -6536,7 +6395,7 @@
 </p:sld>
 </file>
 
-<file path=ppt/slides/slide17.xml><?xml version="1.0" encoding="utf-8"?>
+<file path=ppt/slides/slide16.xml><?xml version="1.0" encoding="utf-8"?>
 <p:sld xmlns:a="http://schemas.openxmlformats.org/drawingml/2006/main" xmlns:r="http://schemas.openxmlformats.org/officeDocument/2006/relationships" xmlns:p="http://schemas.openxmlformats.org/presentationml/2006/main">
   <p:cSld>
     <p:spTree>
@@ -6604,8 +6463,8 @@
           </a:xfrm>
         </p:spPr>
       </p:pic>
-      <mc:AlternateContent xmlns:mc="http://schemas.openxmlformats.org/markup-compatibility/2006" xmlns:a14="http://schemas.microsoft.com/office/drawing/2010/main">
-        <mc:Choice Requires="a14">
+      <mc:AlternateContent xmlns:mc="http://schemas.openxmlformats.org/markup-compatibility/2006">
+        <mc:Choice xmlns:a14="http://schemas.microsoft.com/office/drawing/2010/main" Requires="a14">
           <p:sp>
             <p:nvSpPr>
               <p:cNvPr id="5" name="Inhaltsplatzhalter 4"/>
@@ -6688,18 +6547,13 @@
               <a:p>
                 <a:r>
                   <a:rPr lang="de-DE" dirty="0"/>
-                  <a:t>Messung des Spannungsverlaufs am Kondensator </a:t>
+                  <a:t>Messung des Spannungsverlaufs am Kondensator</a:t>
                 </a:r>
-                <a:r>
-                  <a:rPr lang="de-DE"/>
-                  <a:t>und Stromverlaufs</a:t>
-                </a:r>
-                <a:endParaRPr lang="de-DE" dirty="0"/>
               </a:p>
             </p:txBody>
           </p:sp>
         </mc:Choice>
-        <mc:Fallback xmlns="">
+        <mc:Fallback>
           <p:sp>
             <p:nvSpPr>
               <p:cNvPr id="5" name="Inhaltsplatzhalter 4"/>
@@ -6718,7 +6572,7 @@
               <a:blipFill>
                 <a:blip r:embed="rId3"/>
                 <a:stretch>
-                  <a:fillRect l="-1545" t="-2310"/>
+                  <a:fillRect l="-1373" t="-2310"/>
                 </a:stretch>
               </a:blipFill>
             </p:spPr>
@@ -6737,10 +6591,166 @@
           </p:sp>
         </mc:Fallback>
       </mc:AlternateContent>
+      <p:sp>
+        <p:nvSpPr>
+          <p:cNvPr id="3" name="Foliennummernplatzhalter 2"/>
+          <p:cNvSpPr>
+            <a:spLocks noGrp="1"/>
+          </p:cNvSpPr>
+          <p:nvPr>
+            <p:ph type="sldNum" sz="quarter" idx="12"/>
+          </p:nvPr>
+        </p:nvSpPr>
+        <p:spPr/>
+        <p:txBody>
+          <a:bodyPr/>
+          <a:lstStyle/>
+          <a:p>
+            <a:fld id="{897114A3-BFF3-441B-8EE5-CE8191EEE22E}" type="slidenum">
+              <a:rPr lang="de-DE" smtClean="0"/>
+              <a:t>16</a:t>
+            </a:fld>
+            <a:endParaRPr lang="de-DE"/>
+          </a:p>
+        </p:txBody>
+      </p:sp>
     </p:spTree>
     <p:extLst>
       <p:ext uri="{BB962C8B-B14F-4D97-AF65-F5344CB8AC3E}">
         <p14:creationId xmlns:p14="http://schemas.microsoft.com/office/powerpoint/2010/main" val="1060013831"/>
+      </p:ext>
+    </p:extLst>
+  </p:cSld>
+  <p:clrMapOvr>
+    <a:masterClrMapping/>
+  </p:clrMapOvr>
+</p:sld>
+</file>
+
+<file path=ppt/slides/slide17.xml><?xml version="1.0" encoding="utf-8"?>
+<p:sld xmlns:a="http://schemas.openxmlformats.org/drawingml/2006/main" xmlns:r="http://schemas.openxmlformats.org/officeDocument/2006/relationships" xmlns:p="http://schemas.openxmlformats.org/presentationml/2006/main">
+  <p:cSld>
+    <p:spTree>
+      <p:nvGrpSpPr>
+        <p:cNvPr id="1" name=""/>
+        <p:cNvGrpSpPr/>
+        <p:nvPr/>
+      </p:nvGrpSpPr>
+      <p:grpSpPr>
+        <a:xfrm>
+          <a:off x="0" y="0"/>
+          <a:ext cx="0" cy="0"/>
+          <a:chOff x="0" y="0"/>
+          <a:chExt cx="0" cy="0"/>
+        </a:xfrm>
+      </p:grpSpPr>
+      <p:sp>
+        <p:nvSpPr>
+          <p:cNvPr id="2" name="Titel 1"/>
+          <p:cNvSpPr>
+            <a:spLocks noGrp="1"/>
+          </p:cNvSpPr>
+          <p:nvPr>
+            <p:ph type="title"/>
+          </p:nvPr>
+        </p:nvSpPr>
+        <p:spPr/>
+        <p:txBody>
+          <a:bodyPr/>
+          <a:lstStyle/>
+          <a:p>
+            <a:r>
+              <a:rPr lang="de-DE" dirty="0"/>
+              <a:t>RLC – Rohdaten I</a:t>
+            </a:r>
+          </a:p>
+        </p:txBody>
+      </p:sp>
+      <p:pic>
+        <p:nvPicPr>
+          <p:cNvPr id="15" name="Inhaltsplatzhalter 14"/>
+          <p:cNvPicPr>
+            <a:picLocks noGrp="1" noChangeAspect="1"/>
+          </p:cNvPicPr>
+          <p:nvPr>
+            <p:ph sz="half" idx="2"/>
+          </p:nvPr>
+        </p:nvPicPr>
+        <p:blipFill>
+          <a:blip r:embed="rId2">
+            <a:extLst>
+              <a:ext uri="{28A0092B-C50C-407E-A947-70E740481C1C}">
+                <a14:useLocalDpi xmlns:a14="http://schemas.microsoft.com/office/drawing/2010/main" val="0"/>
+              </a:ext>
+            </a:extLst>
+          </a:blip>
+          <a:stretch>
+            <a:fillRect/>
+          </a:stretch>
+        </p:blipFill>
+        <p:spPr>
+          <a:xfrm>
+            <a:off x="6172199" y="1252026"/>
+            <a:ext cx="5710311" cy="5036232"/>
+          </a:xfrm>
+        </p:spPr>
+      </p:pic>
+      <p:pic>
+        <p:nvPicPr>
+          <p:cNvPr id="13" name="Inhaltsplatzhalter 12"/>
+          <p:cNvPicPr>
+            <a:picLocks noGrp="1" noChangeAspect="1"/>
+          </p:cNvPicPr>
+          <p:nvPr>
+            <p:ph sz="half" idx="1"/>
+          </p:nvPr>
+        </p:nvPicPr>
+        <p:blipFill>
+          <a:blip r:embed="rId3">
+            <a:extLst>
+              <a:ext uri="{28A0092B-C50C-407E-A947-70E740481C1C}">
+                <a14:useLocalDpi xmlns:a14="http://schemas.microsoft.com/office/drawing/2010/main" val="0"/>
+              </a:ext>
+            </a:extLst>
+          </a:blip>
+          <a:stretch>
+            <a:fillRect/>
+          </a:stretch>
+        </p:blipFill>
+        <p:spPr>
+          <a:xfrm>
+            <a:off x="309489" y="1252025"/>
+            <a:ext cx="5710311" cy="5036232"/>
+          </a:xfrm>
+        </p:spPr>
+      </p:pic>
+      <p:sp>
+        <p:nvSpPr>
+          <p:cNvPr id="3" name="Foliennummernplatzhalter 2"/>
+          <p:cNvSpPr>
+            <a:spLocks noGrp="1"/>
+          </p:cNvSpPr>
+          <p:nvPr>
+            <p:ph type="sldNum" sz="quarter" idx="12"/>
+          </p:nvPr>
+        </p:nvSpPr>
+        <p:spPr/>
+        <p:txBody>
+          <a:bodyPr/>
+          <a:lstStyle/>
+          <a:p>
+            <a:fld id="{897114A3-BFF3-441B-8EE5-CE8191EEE22E}" type="slidenum">
+              <a:rPr lang="de-DE" smtClean="0"/>
+              <a:t>17</a:t>
+            </a:fld>
+            <a:endParaRPr lang="de-DE"/>
+          </a:p>
+        </p:txBody>
+      </p:sp>
+    </p:spTree>
+    <p:extLst>
+      <p:ext uri="{BB962C8B-B14F-4D97-AF65-F5344CB8AC3E}">
+        <p14:creationId xmlns:p14="http://schemas.microsoft.com/office/powerpoint/2010/main" val="1599133061"/>
       </p:ext>
     </p:extLst>
   </p:cSld>
@@ -6784,116 +6794,6 @@
           <a:p>
             <a:r>
               <a:rPr lang="de-DE" dirty="0"/>
-              <a:t>RLC – Rohdaten I</a:t>
-            </a:r>
-          </a:p>
-        </p:txBody>
-      </p:sp>
-      <p:pic>
-        <p:nvPicPr>
-          <p:cNvPr id="15" name="Inhaltsplatzhalter 14"/>
-          <p:cNvPicPr>
-            <a:picLocks noGrp="1" noChangeAspect="1"/>
-          </p:cNvPicPr>
-          <p:nvPr>
-            <p:ph sz="half" idx="2"/>
-          </p:nvPr>
-        </p:nvPicPr>
-        <p:blipFill>
-          <a:blip r:embed="rId2">
-            <a:extLst>
-              <a:ext uri="{28A0092B-C50C-407E-A947-70E740481C1C}">
-                <a14:useLocalDpi xmlns:a14="http://schemas.microsoft.com/office/drawing/2010/main" val="0"/>
-              </a:ext>
-            </a:extLst>
-          </a:blip>
-          <a:stretch>
-            <a:fillRect/>
-          </a:stretch>
-        </p:blipFill>
-        <p:spPr>
-          <a:xfrm>
-            <a:off x="6172199" y="1252026"/>
-            <a:ext cx="5710311" cy="5036232"/>
-          </a:xfrm>
-        </p:spPr>
-      </p:pic>
-      <p:pic>
-        <p:nvPicPr>
-          <p:cNvPr id="13" name="Inhaltsplatzhalter 12"/>
-          <p:cNvPicPr>
-            <a:picLocks noGrp="1" noChangeAspect="1"/>
-          </p:cNvPicPr>
-          <p:nvPr>
-            <p:ph sz="half" idx="1"/>
-          </p:nvPr>
-        </p:nvPicPr>
-        <p:blipFill>
-          <a:blip r:embed="rId3">
-            <a:extLst>
-              <a:ext uri="{28A0092B-C50C-407E-A947-70E740481C1C}">
-                <a14:useLocalDpi xmlns:a14="http://schemas.microsoft.com/office/drawing/2010/main" val="0"/>
-              </a:ext>
-            </a:extLst>
-          </a:blip>
-          <a:stretch>
-            <a:fillRect/>
-          </a:stretch>
-        </p:blipFill>
-        <p:spPr>
-          <a:xfrm>
-            <a:off x="309489" y="1252025"/>
-            <a:ext cx="5710311" cy="5036232"/>
-          </a:xfrm>
-        </p:spPr>
-      </p:pic>
-    </p:spTree>
-    <p:extLst>
-      <p:ext uri="{BB962C8B-B14F-4D97-AF65-F5344CB8AC3E}">
-        <p14:creationId xmlns:p14="http://schemas.microsoft.com/office/powerpoint/2010/main" val="1599133061"/>
-      </p:ext>
-    </p:extLst>
-  </p:cSld>
-  <p:clrMapOvr>
-    <a:masterClrMapping/>
-  </p:clrMapOvr>
-</p:sld>
-</file>
-
-<file path=ppt/slides/slide19.xml><?xml version="1.0" encoding="utf-8"?>
-<p:sld xmlns:a="http://schemas.openxmlformats.org/drawingml/2006/main" xmlns:r="http://schemas.openxmlformats.org/officeDocument/2006/relationships" xmlns:p="http://schemas.openxmlformats.org/presentationml/2006/main">
-  <p:cSld>
-    <p:spTree>
-      <p:nvGrpSpPr>
-        <p:cNvPr id="1" name=""/>
-        <p:cNvGrpSpPr/>
-        <p:nvPr/>
-      </p:nvGrpSpPr>
-      <p:grpSpPr>
-        <a:xfrm>
-          <a:off x="0" y="0"/>
-          <a:ext cx="0" cy="0"/>
-          <a:chOff x="0" y="0"/>
-          <a:chExt cx="0" cy="0"/>
-        </a:xfrm>
-      </p:grpSpPr>
-      <p:sp>
-        <p:nvSpPr>
-          <p:cNvPr id="2" name="Titel 1"/>
-          <p:cNvSpPr>
-            <a:spLocks noGrp="1"/>
-          </p:cNvSpPr>
-          <p:nvPr>
-            <p:ph type="title"/>
-          </p:nvPr>
-        </p:nvSpPr>
-        <p:spPr/>
-        <p:txBody>
-          <a:bodyPr/>
-          <a:lstStyle/>
-          <a:p>
-            <a:r>
-              <a:rPr lang="de-DE" dirty="0"/>
               <a:t>RLC – Rohdaten II</a:t>
             </a:r>
           </a:p>
@@ -6957,6 +6857,29 @@
           </a:xfrm>
         </p:spPr>
       </p:pic>
+      <p:sp>
+        <p:nvSpPr>
+          <p:cNvPr id="3" name="Foliennummernplatzhalter 2"/>
+          <p:cNvSpPr>
+            <a:spLocks noGrp="1"/>
+          </p:cNvSpPr>
+          <p:nvPr>
+            <p:ph type="sldNum" sz="quarter" idx="12"/>
+          </p:nvPr>
+        </p:nvSpPr>
+        <p:spPr/>
+        <p:txBody>
+          <a:bodyPr/>
+          <a:lstStyle/>
+          <a:p>
+            <a:fld id="{897114A3-BFF3-441B-8EE5-CE8191EEE22E}" type="slidenum">
+              <a:rPr lang="de-DE" smtClean="0"/>
+              <a:t>18</a:t>
+            </a:fld>
+            <a:endParaRPr lang="de-DE"/>
+          </a:p>
+        </p:txBody>
+      </p:sp>
     </p:spTree>
     <p:extLst>
       <p:ext uri="{BB962C8B-B14F-4D97-AF65-F5344CB8AC3E}">
@@ -6970,142 +6893,7 @@
 </p:sld>
 </file>
 
-<file path=ppt/slides/slide2.xml><?xml version="1.0" encoding="utf-8"?>
-<p:sld xmlns:a="http://schemas.openxmlformats.org/drawingml/2006/main" xmlns:r="http://schemas.openxmlformats.org/officeDocument/2006/relationships" xmlns:p="http://schemas.openxmlformats.org/presentationml/2006/main">
-  <p:cSld>
-    <p:spTree>
-      <p:nvGrpSpPr>
-        <p:cNvPr id="1" name=""/>
-        <p:cNvGrpSpPr/>
-        <p:nvPr/>
-      </p:nvGrpSpPr>
-      <p:grpSpPr>
-        <a:xfrm>
-          <a:off x="0" y="0"/>
-          <a:ext cx="0" cy="0"/>
-          <a:chOff x="0" y="0"/>
-          <a:chExt cx="0" cy="0"/>
-        </a:xfrm>
-      </p:grpSpPr>
-      <p:sp>
-        <p:nvSpPr>
-          <p:cNvPr id="2" name="Titel 1"/>
-          <p:cNvSpPr>
-            <a:spLocks noGrp="1"/>
-          </p:cNvSpPr>
-          <p:nvPr>
-            <p:ph type="title"/>
-          </p:nvPr>
-        </p:nvSpPr>
-        <p:spPr/>
-        <p:txBody>
-          <a:bodyPr/>
-          <a:lstStyle/>
-          <a:p>
-            <a:r>
-              <a:rPr lang="de-DE" dirty="0"/>
-              <a:t>Gliederung</a:t>
-            </a:r>
-          </a:p>
-        </p:txBody>
-      </p:sp>
-      <p:sp>
-        <p:nvSpPr>
-          <p:cNvPr id="3" name="Inhaltsplatzhalter 2"/>
-          <p:cNvSpPr>
-            <a:spLocks noGrp="1"/>
-          </p:cNvSpPr>
-          <p:nvPr>
-            <p:ph idx="1"/>
-          </p:nvPr>
-        </p:nvSpPr>
-        <p:spPr/>
-        <p:txBody>
-          <a:bodyPr>
-            <a:normAutofit lnSpcReduction="10000"/>
-          </a:bodyPr>
-          <a:lstStyle/>
-          <a:p>
-            <a:r>
-              <a:rPr lang="de-DE" dirty="0"/>
-              <a:t>Charakterisierung Widerstand</a:t>
-            </a:r>
-          </a:p>
-          <a:p>
-            <a:endParaRPr lang="de-DE" dirty="0"/>
-          </a:p>
-          <a:p>
-            <a:r>
-              <a:rPr lang="de-DE" dirty="0"/>
-              <a:t>Auf- und Entladung Kondensator</a:t>
-            </a:r>
-          </a:p>
-          <a:p>
-            <a:endParaRPr lang="de-DE" dirty="0"/>
-          </a:p>
-          <a:p>
-            <a:r>
-              <a:rPr lang="de-DE" dirty="0"/>
-              <a:t>RLC – Schwingkreis</a:t>
-            </a:r>
-          </a:p>
-          <a:p>
-            <a:endParaRPr lang="de-DE" dirty="0"/>
-          </a:p>
-          <a:p>
-            <a:r>
-              <a:rPr lang="de-DE" dirty="0"/>
-              <a:t>Gekoppelte LC – Schwingkreise: Schwebung</a:t>
-            </a:r>
-          </a:p>
-          <a:p>
-            <a:endParaRPr lang="de-DE" dirty="0"/>
-          </a:p>
-          <a:p>
-            <a:r>
-              <a:rPr lang="de-DE" dirty="0"/>
-              <a:t>Gekoppelte LC - Schwingkreise: Fundamentalschwingungen</a:t>
-            </a:r>
-          </a:p>
-        </p:txBody>
-      </p:sp>
-      <p:sp>
-        <p:nvSpPr>
-          <p:cNvPr id="4" name="Foliennummernplatzhalter 3"/>
-          <p:cNvSpPr>
-            <a:spLocks noGrp="1"/>
-          </p:cNvSpPr>
-          <p:nvPr>
-            <p:ph type="sldNum" sz="quarter" idx="12"/>
-          </p:nvPr>
-        </p:nvSpPr>
-        <p:spPr/>
-        <p:txBody>
-          <a:bodyPr/>
-          <a:lstStyle/>
-          <a:p>
-            <a:fld id="{897114A3-BFF3-441B-8EE5-CE8191EEE22E}" type="slidenum">
-              <a:rPr lang="de-DE" smtClean="0"/>
-              <a:t>2</a:t>
-            </a:fld>
-            <a:endParaRPr lang="de-DE"/>
-          </a:p>
-        </p:txBody>
-      </p:sp>
-    </p:spTree>
-    <p:extLst>
-      <p:ext uri="{BB962C8B-B14F-4D97-AF65-F5344CB8AC3E}">
-        <p14:creationId xmlns:p14="http://schemas.microsoft.com/office/powerpoint/2010/main" val="1836459103"/>
-      </p:ext>
-    </p:extLst>
-  </p:cSld>
-  <p:clrMapOvr>
-    <a:masterClrMapping/>
-  </p:clrMapOvr>
-</p:sld>
-</file>
-
-<file path=ppt/slides/slide20.xml><?xml version="1.0" encoding="utf-8"?>
+<file path=ppt/slides/slide19.xml><?xml version="1.0" encoding="utf-8"?>
 <p:sld xmlns:a="http://schemas.openxmlformats.org/drawingml/2006/main" xmlns:r="http://schemas.openxmlformats.org/officeDocument/2006/relationships" xmlns:p="http://schemas.openxmlformats.org/presentationml/2006/main">
   <p:cSld>
     <p:spTree>
@@ -8047,6 +7835,29 @@
           </p:graphicFrame>
         </mc:Fallback>
       </mc:AlternateContent>
+      <p:sp>
+        <p:nvSpPr>
+          <p:cNvPr id="5" name="Foliennummernplatzhalter 4"/>
+          <p:cNvSpPr>
+            <a:spLocks noGrp="1"/>
+          </p:cNvSpPr>
+          <p:nvPr>
+            <p:ph type="sldNum" sz="quarter" idx="12"/>
+          </p:nvPr>
+        </p:nvSpPr>
+        <p:spPr/>
+        <p:txBody>
+          <a:bodyPr/>
+          <a:lstStyle/>
+          <a:p>
+            <a:fld id="{897114A3-BFF3-441B-8EE5-CE8191EEE22E}" type="slidenum">
+              <a:rPr lang="de-DE" smtClean="0"/>
+              <a:t>19</a:t>
+            </a:fld>
+            <a:endParaRPr lang="de-DE"/>
+          </a:p>
+        </p:txBody>
+      </p:sp>
     </p:spTree>
     <p:extLst>
       <p:ext uri="{BB962C8B-B14F-4D97-AF65-F5344CB8AC3E}">
@@ -8060,7 +7871,142 @@
 </p:sld>
 </file>
 
-<file path=ppt/slides/slide21.xml><?xml version="1.0" encoding="utf-8"?>
+<file path=ppt/slides/slide2.xml><?xml version="1.0" encoding="utf-8"?>
+<p:sld xmlns:a="http://schemas.openxmlformats.org/drawingml/2006/main" xmlns:r="http://schemas.openxmlformats.org/officeDocument/2006/relationships" xmlns:p="http://schemas.openxmlformats.org/presentationml/2006/main">
+  <p:cSld>
+    <p:spTree>
+      <p:nvGrpSpPr>
+        <p:cNvPr id="1" name=""/>
+        <p:cNvGrpSpPr/>
+        <p:nvPr/>
+      </p:nvGrpSpPr>
+      <p:grpSpPr>
+        <a:xfrm>
+          <a:off x="0" y="0"/>
+          <a:ext cx="0" cy="0"/>
+          <a:chOff x="0" y="0"/>
+          <a:chExt cx="0" cy="0"/>
+        </a:xfrm>
+      </p:grpSpPr>
+      <p:sp>
+        <p:nvSpPr>
+          <p:cNvPr id="2" name="Titel 1"/>
+          <p:cNvSpPr>
+            <a:spLocks noGrp="1"/>
+          </p:cNvSpPr>
+          <p:nvPr>
+            <p:ph type="title"/>
+          </p:nvPr>
+        </p:nvSpPr>
+        <p:spPr/>
+        <p:txBody>
+          <a:bodyPr/>
+          <a:lstStyle/>
+          <a:p>
+            <a:r>
+              <a:rPr lang="de-DE" dirty="0"/>
+              <a:t>Gliederung</a:t>
+            </a:r>
+          </a:p>
+        </p:txBody>
+      </p:sp>
+      <p:sp>
+        <p:nvSpPr>
+          <p:cNvPr id="3" name="Inhaltsplatzhalter 2"/>
+          <p:cNvSpPr>
+            <a:spLocks noGrp="1"/>
+          </p:cNvSpPr>
+          <p:nvPr>
+            <p:ph idx="1"/>
+          </p:nvPr>
+        </p:nvSpPr>
+        <p:spPr/>
+        <p:txBody>
+          <a:bodyPr>
+            <a:normAutofit lnSpcReduction="10000"/>
+          </a:bodyPr>
+          <a:lstStyle/>
+          <a:p>
+            <a:r>
+              <a:rPr lang="de-DE" dirty="0"/>
+              <a:t>Charakterisierung Widerstand</a:t>
+            </a:r>
+          </a:p>
+          <a:p>
+            <a:endParaRPr lang="de-DE" dirty="0"/>
+          </a:p>
+          <a:p>
+            <a:r>
+              <a:rPr lang="de-DE" dirty="0"/>
+              <a:t>Auf- und Entladung Kondensator</a:t>
+            </a:r>
+          </a:p>
+          <a:p>
+            <a:endParaRPr lang="de-DE" dirty="0"/>
+          </a:p>
+          <a:p>
+            <a:r>
+              <a:rPr lang="de-DE" dirty="0"/>
+              <a:t>RLC – Schwingkreis</a:t>
+            </a:r>
+          </a:p>
+          <a:p>
+            <a:endParaRPr lang="de-DE" dirty="0"/>
+          </a:p>
+          <a:p>
+            <a:r>
+              <a:rPr lang="de-DE" dirty="0"/>
+              <a:t>Gekoppelte LC – Schwingkreise: Schwebung</a:t>
+            </a:r>
+          </a:p>
+          <a:p>
+            <a:endParaRPr lang="de-DE" dirty="0"/>
+          </a:p>
+          <a:p>
+            <a:r>
+              <a:rPr lang="de-DE" dirty="0"/>
+              <a:t>Gekoppelte LC - Schwingkreise: Fundamentalschwingungen</a:t>
+            </a:r>
+          </a:p>
+        </p:txBody>
+      </p:sp>
+      <p:sp>
+        <p:nvSpPr>
+          <p:cNvPr id="4" name="Foliennummernplatzhalter 3"/>
+          <p:cNvSpPr>
+            <a:spLocks noGrp="1"/>
+          </p:cNvSpPr>
+          <p:nvPr>
+            <p:ph type="sldNum" sz="quarter" idx="12"/>
+          </p:nvPr>
+        </p:nvSpPr>
+        <p:spPr/>
+        <p:txBody>
+          <a:bodyPr/>
+          <a:lstStyle/>
+          <a:p>
+            <a:fld id="{897114A3-BFF3-441B-8EE5-CE8191EEE22E}" type="slidenum">
+              <a:rPr lang="de-DE" smtClean="0"/>
+              <a:t>2</a:t>
+            </a:fld>
+            <a:endParaRPr lang="de-DE"/>
+          </a:p>
+        </p:txBody>
+      </p:sp>
+    </p:spTree>
+    <p:extLst>
+      <p:ext uri="{BB962C8B-B14F-4D97-AF65-F5344CB8AC3E}">
+        <p14:creationId xmlns:p14="http://schemas.microsoft.com/office/powerpoint/2010/main" val="1836459103"/>
+      </p:ext>
+    </p:extLst>
+  </p:cSld>
+  <p:clrMapOvr>
+    <a:masterClrMapping/>
+  </p:clrMapOvr>
+</p:sld>
+</file>
+
+<file path=ppt/slides/slide20.xml><?xml version="1.0" encoding="utf-8"?>
 <p:sld xmlns:a="http://schemas.openxmlformats.org/drawingml/2006/main" xmlns:r="http://schemas.openxmlformats.org/officeDocument/2006/relationships" xmlns:p="http://schemas.openxmlformats.org/presentationml/2006/main">
   <p:cSld>
     <p:spTree>
@@ -8550,6 +8496,29 @@
           </a:prstGeom>
         </p:spPr>
       </p:pic>
+      <p:sp>
+        <p:nvSpPr>
+          <p:cNvPr id="4" name="Foliennummernplatzhalter 3"/>
+          <p:cNvSpPr>
+            <a:spLocks noGrp="1"/>
+          </p:cNvSpPr>
+          <p:nvPr>
+            <p:ph type="sldNum" sz="quarter" idx="12"/>
+          </p:nvPr>
+        </p:nvSpPr>
+        <p:spPr/>
+        <p:txBody>
+          <a:bodyPr/>
+          <a:lstStyle/>
+          <a:p>
+            <a:fld id="{897114A3-BFF3-441B-8EE5-CE8191EEE22E}" type="slidenum">
+              <a:rPr lang="de-DE" smtClean="0"/>
+              <a:t>20</a:t>
+            </a:fld>
+            <a:endParaRPr lang="de-DE"/>
+          </a:p>
+        </p:txBody>
+      </p:sp>
     </p:spTree>
     <p:extLst>
       <p:ext uri="{BB962C8B-B14F-4D97-AF65-F5344CB8AC3E}">
@@ -8563,7 +8532,7 @@
 </p:sld>
 </file>
 
-<file path=ppt/slides/slide22.xml><?xml version="1.0" encoding="utf-8"?>
+<file path=ppt/slides/slide21.xml><?xml version="1.0" encoding="utf-8"?>
 <p:sld xmlns:a="http://schemas.openxmlformats.org/drawingml/2006/main" xmlns:r="http://schemas.openxmlformats.org/officeDocument/2006/relationships" xmlns:p="http://schemas.openxmlformats.org/presentationml/2006/main">
   <p:cSld>
     <p:spTree>
@@ -8691,6 +8660,29 @@
           </a:prstGeom>
         </p:spPr>
       </p:pic>
+      <p:sp>
+        <p:nvSpPr>
+          <p:cNvPr id="3" name="Foliennummernplatzhalter 2"/>
+          <p:cNvSpPr>
+            <a:spLocks noGrp="1"/>
+          </p:cNvSpPr>
+          <p:nvPr>
+            <p:ph type="sldNum" sz="quarter" idx="12"/>
+          </p:nvPr>
+        </p:nvSpPr>
+        <p:spPr/>
+        <p:txBody>
+          <a:bodyPr/>
+          <a:lstStyle/>
+          <a:p>
+            <a:fld id="{897114A3-BFF3-441B-8EE5-CE8191EEE22E}" type="slidenum">
+              <a:rPr lang="de-DE" smtClean="0"/>
+              <a:t>21</a:t>
+            </a:fld>
+            <a:endParaRPr lang="de-DE"/>
+          </a:p>
+        </p:txBody>
+      </p:sp>
     </p:spTree>
     <p:extLst>
       <p:ext uri="{BB962C8B-B14F-4D97-AF65-F5344CB8AC3E}">
@@ -8704,7 +8696,7 @@
 </p:sld>
 </file>
 
-<file path=ppt/slides/slide23.xml><?xml version="1.0" encoding="utf-8"?>
+<file path=ppt/slides/slide22.xml><?xml version="1.0" encoding="utf-8"?>
 <p:sld xmlns:a="http://schemas.openxmlformats.org/drawingml/2006/main" xmlns:r="http://schemas.openxmlformats.org/officeDocument/2006/relationships" xmlns:p="http://schemas.openxmlformats.org/presentationml/2006/main">
   <p:cSld>
     <p:spTree>
@@ -9083,6 +9075,29 @@
           </a:prstGeom>
         </p:spPr>
       </p:pic>
+      <p:sp>
+        <p:nvSpPr>
+          <p:cNvPr id="4" name="Foliennummernplatzhalter 3"/>
+          <p:cNvSpPr>
+            <a:spLocks noGrp="1"/>
+          </p:cNvSpPr>
+          <p:nvPr>
+            <p:ph type="sldNum" sz="quarter" idx="12"/>
+          </p:nvPr>
+        </p:nvSpPr>
+        <p:spPr/>
+        <p:txBody>
+          <a:bodyPr/>
+          <a:lstStyle/>
+          <a:p>
+            <a:fld id="{897114A3-BFF3-441B-8EE5-CE8191EEE22E}" type="slidenum">
+              <a:rPr lang="de-DE" smtClean="0"/>
+              <a:t>22</a:t>
+            </a:fld>
+            <a:endParaRPr lang="de-DE"/>
+          </a:p>
+        </p:txBody>
+      </p:sp>
     </p:spTree>
     <p:extLst>
       <p:ext uri="{BB962C8B-B14F-4D97-AF65-F5344CB8AC3E}">
@@ -9096,7 +9111,7 @@
 </p:sld>
 </file>
 
-<file path=ppt/slides/slide24.xml><?xml version="1.0" encoding="utf-8"?>
+<file path=ppt/slides/slide23.xml><?xml version="1.0" encoding="utf-8"?>
 <p:sld xmlns:a="http://schemas.openxmlformats.org/drawingml/2006/main" xmlns:r="http://schemas.openxmlformats.org/officeDocument/2006/relationships" xmlns:p="http://schemas.openxmlformats.org/presentationml/2006/main">
   <p:cSld>
     <p:spTree>
@@ -9501,6 +9516,29 @@
           </a:prstGeom>
         </p:spPr>
       </p:pic>
+      <p:sp>
+        <p:nvSpPr>
+          <p:cNvPr id="4" name="Foliennummernplatzhalter 3"/>
+          <p:cNvSpPr>
+            <a:spLocks noGrp="1"/>
+          </p:cNvSpPr>
+          <p:nvPr>
+            <p:ph type="sldNum" sz="quarter" idx="12"/>
+          </p:nvPr>
+        </p:nvSpPr>
+        <p:spPr/>
+        <p:txBody>
+          <a:bodyPr/>
+          <a:lstStyle/>
+          <a:p>
+            <a:fld id="{897114A3-BFF3-441B-8EE5-CE8191EEE22E}" type="slidenum">
+              <a:rPr lang="de-DE" smtClean="0"/>
+              <a:t>23</a:t>
+            </a:fld>
+            <a:endParaRPr lang="de-DE"/>
+          </a:p>
+        </p:txBody>
+      </p:sp>
     </p:spTree>
     <p:extLst>
       <p:ext uri="{BB962C8B-B14F-4D97-AF65-F5344CB8AC3E}">
@@ -9514,7 +9552,7 @@
 </p:sld>
 </file>
 
-<file path=ppt/slides/slide25.xml><?xml version="1.0" encoding="utf-8"?>
+<file path=ppt/slides/slide24.xml><?xml version="1.0" encoding="utf-8"?>
 <p:sld xmlns:a="http://schemas.openxmlformats.org/drawingml/2006/main" xmlns:r="http://schemas.openxmlformats.org/officeDocument/2006/relationships" xmlns:p="http://schemas.openxmlformats.org/presentationml/2006/main">
   <p:cSld>
     <p:spTree>
@@ -9924,6 +9962,29 @@
           </p:sp>
         </mc:Fallback>
       </mc:AlternateContent>
+      <p:sp>
+        <p:nvSpPr>
+          <p:cNvPr id="3" name="Foliennummernplatzhalter 2"/>
+          <p:cNvSpPr>
+            <a:spLocks noGrp="1"/>
+          </p:cNvSpPr>
+          <p:nvPr>
+            <p:ph type="sldNum" sz="quarter" idx="12"/>
+          </p:nvPr>
+        </p:nvSpPr>
+        <p:spPr/>
+        <p:txBody>
+          <a:bodyPr/>
+          <a:lstStyle/>
+          <a:p>
+            <a:fld id="{897114A3-BFF3-441B-8EE5-CE8191EEE22E}" type="slidenum">
+              <a:rPr lang="de-DE" smtClean="0"/>
+              <a:t>24</a:t>
+            </a:fld>
+            <a:endParaRPr lang="de-DE"/>
+          </a:p>
+        </p:txBody>
+      </p:sp>
     </p:spTree>
     <p:extLst>
       <p:ext uri="{BB962C8B-B14F-4D97-AF65-F5344CB8AC3E}">
@@ -9937,7 +9998,7 @@
 </p:sld>
 </file>
 
-<file path=ppt/slides/slide26.xml><?xml version="1.0" encoding="utf-8"?>
+<file path=ppt/slides/slide25.xml><?xml version="1.0" encoding="utf-8"?>
 <p:sld xmlns:a="http://schemas.openxmlformats.org/drawingml/2006/main" xmlns:r="http://schemas.openxmlformats.org/officeDocument/2006/relationships" xmlns:p="http://schemas.openxmlformats.org/presentationml/2006/main">
   <p:cSld>
     <p:spTree>
@@ -9995,29 +10056,6 @@
           </a:p>
         </p:txBody>
       </p:sp>
-      <p:sp>
-        <p:nvSpPr>
-          <p:cNvPr id="5" name="Foliennummernplatzhalter 4"/>
-          <p:cNvSpPr>
-            <a:spLocks noGrp="1"/>
-          </p:cNvSpPr>
-          <p:nvPr>
-            <p:ph type="sldNum" sz="quarter" idx="12"/>
-          </p:nvPr>
-        </p:nvSpPr>
-        <p:spPr/>
-        <p:txBody>
-          <a:bodyPr/>
-          <a:lstStyle/>
-          <a:p>
-            <a:fld id="{897114A3-BFF3-441B-8EE5-CE8191EEE22E}" type="slidenum">
-              <a:rPr lang="de-DE" smtClean="0"/>
-              <a:t>26</a:t>
-            </a:fld>
-            <a:endParaRPr lang="de-DE"/>
-          </a:p>
-        </p:txBody>
-      </p:sp>
     </p:spTree>
     <p:extLst>
       <p:ext uri="{BB962C8B-B14F-4D97-AF65-F5344CB8AC3E}">
@@ -10031,7 +10069,7 @@
 </p:sld>
 </file>
 
-<file path=ppt/slides/slide27.xml><?xml version="1.0" encoding="utf-8"?>
+<file path=ppt/slides/slide26.xml><?xml version="1.0" encoding="utf-8"?>
 <p:sld xmlns:a="http://schemas.openxmlformats.org/drawingml/2006/main" xmlns:r="http://schemas.openxmlformats.org/officeDocument/2006/relationships" xmlns:p="http://schemas.openxmlformats.org/presentationml/2006/main">
   <p:cSld>
     <p:spTree>
@@ -10582,7 +10620,7 @@
           <a:p>
             <a:fld id="{897114A3-BFF3-441B-8EE5-CE8191EEE22E}" type="slidenum">
               <a:rPr lang="de-DE" smtClean="0"/>
-              <a:t>27</a:t>
+              <a:t>26</a:t>
             </a:fld>
             <a:endParaRPr lang="de-DE"/>
           </a:p>
@@ -10601,7 +10639,7 @@
 </p:sld>
 </file>
 
-<file path=ppt/slides/slide28.xml><?xml version="1.0" encoding="utf-8"?>
+<file path=ppt/slides/slide27.xml><?xml version="1.0" encoding="utf-8"?>
 <p:sld xmlns:a="http://schemas.openxmlformats.org/drawingml/2006/main" xmlns:r="http://schemas.openxmlformats.org/officeDocument/2006/relationships" xmlns:p="http://schemas.openxmlformats.org/presentationml/2006/main">
   <p:cSld>
     <p:spTree>
@@ -10724,7 +10762,7 @@
           <a:p>
             <a:fld id="{897114A3-BFF3-441B-8EE5-CE8191EEE22E}" type="slidenum">
               <a:rPr lang="de-DE" smtClean="0"/>
-              <a:t>28</a:t>
+              <a:t>27</a:t>
             </a:fld>
             <a:endParaRPr lang="de-DE"/>
           </a:p>
@@ -10773,7 +10811,7 @@
 </p:sld>
 </file>
 
-<file path=ppt/slides/slide29.xml><?xml version="1.0" encoding="utf-8"?>
+<file path=ppt/slides/slide28.xml><?xml version="1.0" encoding="utf-8"?>
 <p:sld xmlns:a="http://schemas.openxmlformats.org/drawingml/2006/main" xmlns:r="http://schemas.openxmlformats.org/officeDocument/2006/relationships" xmlns:p="http://schemas.openxmlformats.org/presentationml/2006/main">
   <p:cSld>
     <p:spTree>
@@ -10858,7 +10896,7 @@
           <a:p>
             <a:fld id="{897114A3-BFF3-441B-8EE5-CE8191EEE22E}" type="slidenum">
               <a:rPr lang="de-DE" smtClean="0"/>
-              <a:t>29</a:t>
+              <a:t>28</a:t>
             </a:fld>
             <a:endParaRPr lang="de-DE"/>
           </a:p>
@@ -10898,6 +10936,155 @@
     <p:extLst>
       <p:ext uri="{BB962C8B-B14F-4D97-AF65-F5344CB8AC3E}">
         <p14:creationId xmlns:p14="http://schemas.microsoft.com/office/powerpoint/2010/main" val="1201655652"/>
+      </p:ext>
+    </p:extLst>
+  </p:cSld>
+  <p:clrMapOvr>
+    <a:masterClrMapping/>
+  </p:clrMapOvr>
+</p:sld>
+</file>
+
+<file path=ppt/slides/slide29.xml><?xml version="1.0" encoding="utf-8"?>
+<p:sld xmlns:a="http://schemas.openxmlformats.org/drawingml/2006/main" xmlns:r="http://schemas.openxmlformats.org/officeDocument/2006/relationships" xmlns:p="http://schemas.openxmlformats.org/presentationml/2006/main">
+  <p:cSld>
+    <p:spTree>
+      <p:nvGrpSpPr>
+        <p:cNvPr id="1" name=""/>
+        <p:cNvGrpSpPr/>
+        <p:nvPr/>
+      </p:nvGrpSpPr>
+      <p:grpSpPr>
+        <a:xfrm>
+          <a:off x="0" y="0"/>
+          <a:ext cx="0" cy="0"/>
+          <a:chOff x="0" y="0"/>
+          <a:chExt cx="0" cy="0"/>
+        </a:xfrm>
+      </p:grpSpPr>
+      <p:sp>
+        <p:nvSpPr>
+          <p:cNvPr id="2" name="Titel 1"/>
+          <p:cNvSpPr>
+            <a:spLocks noGrp="1"/>
+          </p:cNvSpPr>
+          <p:nvPr>
+            <p:ph type="title"/>
+          </p:nvPr>
+        </p:nvSpPr>
+        <p:spPr/>
+        <p:txBody>
+          <a:bodyPr/>
+          <a:lstStyle/>
+          <a:p>
+            <a:r>
+              <a:rPr lang="de-DE" dirty="0"/>
+              <a:t>Gekoppelte LC – Schwingkreise: Schwebung</a:t>
+            </a:r>
+          </a:p>
+        </p:txBody>
+      </p:sp>
+      <p:sp>
+        <p:nvSpPr>
+          <p:cNvPr id="4" name="Foliennummernplatzhalter 3"/>
+          <p:cNvSpPr>
+            <a:spLocks noGrp="1"/>
+          </p:cNvSpPr>
+          <p:nvPr>
+            <p:ph type="sldNum" sz="quarter" idx="12"/>
+          </p:nvPr>
+        </p:nvSpPr>
+        <p:spPr/>
+        <p:txBody>
+          <a:bodyPr/>
+          <a:lstStyle/>
+          <a:p>
+            <a:fld id="{897114A3-BFF3-441B-8EE5-CE8191EEE22E}" type="slidenum">
+              <a:rPr lang="de-DE" smtClean="0"/>
+              <a:t>29</a:t>
+            </a:fld>
+            <a:endParaRPr lang="de-DE"/>
+          </a:p>
+        </p:txBody>
+      </p:sp>
+      <p:sp>
+        <p:nvSpPr>
+          <p:cNvPr id="5" name="Inhaltsplatzhalter 4"/>
+          <p:cNvSpPr>
+            <a:spLocks noGrp="1"/>
+          </p:cNvSpPr>
+          <p:nvPr>
+            <p:ph idx="1"/>
+          </p:nvPr>
+        </p:nvSpPr>
+        <p:spPr>
+          <a:xfrm>
+            <a:off x="845127" y="3449637"/>
+            <a:ext cx="10515600" cy="2906713"/>
+          </a:xfrm>
+        </p:spPr>
+        <p:txBody>
+          <a:bodyPr/>
+          <a:lstStyle/>
+          <a:p>
+            <a:r>
+              <a:rPr lang="de-DE" dirty="0"/>
+              <a:t>Fazit:</a:t>
+            </a:r>
+          </a:p>
+          <a:p>
+            <a:pPr lvl="1"/>
+            <a:r>
+              <a:rPr lang="de-DE" dirty="0"/>
+              <a:t>Kopplung gut messbar</a:t>
+            </a:r>
+          </a:p>
+          <a:p>
+            <a:pPr lvl="1"/>
+            <a:r>
+              <a:rPr lang="de-DE" dirty="0"/>
+              <a:t>Fehler auf Zeitdifferenz groß</a:t>
+            </a:r>
+          </a:p>
+          <a:p>
+            <a:endParaRPr lang="de-DE" dirty="0"/>
+          </a:p>
+        </p:txBody>
+      </p:sp>
+      <p:pic>
+        <p:nvPicPr>
+          <p:cNvPr id="6" name="Grafik 5"/>
+          <p:cNvPicPr>
+            <a:picLocks noChangeAspect="1"/>
+          </p:cNvPicPr>
+          <p:nvPr/>
+        </p:nvPicPr>
+        <p:blipFill>
+          <a:blip r:embed="rId3">
+            <a:extLst>
+              <a:ext uri="{28A0092B-C50C-407E-A947-70E740481C1C}">
+                <a14:useLocalDpi xmlns:a14="http://schemas.microsoft.com/office/drawing/2010/main" val="0"/>
+              </a:ext>
+            </a:extLst>
+          </a:blip>
+          <a:stretch>
+            <a:fillRect/>
+          </a:stretch>
+        </p:blipFill>
+        <p:spPr>
+          <a:xfrm>
+            <a:off x="1215960" y="1700600"/>
+            <a:ext cx="9773934" cy="1393190"/>
+          </a:xfrm>
+          <a:prstGeom prst="rect">
+            <a:avLst/>
+          </a:prstGeom>
+        </p:spPr>
+      </p:pic>
+    </p:spTree>
+    <p:extLst>
+      <p:ext uri="{BB962C8B-B14F-4D97-AF65-F5344CB8AC3E}">
+        <p14:creationId xmlns:p14="http://schemas.microsoft.com/office/powerpoint/2010/main" val="1138002919"/>
       </p:ext>
     </p:extLst>
   </p:cSld>
@@ -11107,155 +11294,6 @@
 </file>
 
 <file path=ppt/slides/slide30.xml><?xml version="1.0" encoding="utf-8"?>
-<p:sld xmlns:a="http://schemas.openxmlformats.org/drawingml/2006/main" xmlns:r="http://schemas.openxmlformats.org/officeDocument/2006/relationships" xmlns:p="http://schemas.openxmlformats.org/presentationml/2006/main">
-  <p:cSld>
-    <p:spTree>
-      <p:nvGrpSpPr>
-        <p:cNvPr id="1" name=""/>
-        <p:cNvGrpSpPr/>
-        <p:nvPr/>
-      </p:nvGrpSpPr>
-      <p:grpSpPr>
-        <a:xfrm>
-          <a:off x="0" y="0"/>
-          <a:ext cx="0" cy="0"/>
-          <a:chOff x="0" y="0"/>
-          <a:chExt cx="0" cy="0"/>
-        </a:xfrm>
-      </p:grpSpPr>
-      <p:sp>
-        <p:nvSpPr>
-          <p:cNvPr id="2" name="Titel 1"/>
-          <p:cNvSpPr>
-            <a:spLocks noGrp="1"/>
-          </p:cNvSpPr>
-          <p:nvPr>
-            <p:ph type="title"/>
-          </p:nvPr>
-        </p:nvSpPr>
-        <p:spPr/>
-        <p:txBody>
-          <a:bodyPr/>
-          <a:lstStyle/>
-          <a:p>
-            <a:r>
-              <a:rPr lang="de-DE" dirty="0"/>
-              <a:t>Gekoppelte LC – Schwingkreise: Schwebung</a:t>
-            </a:r>
-          </a:p>
-        </p:txBody>
-      </p:sp>
-      <p:sp>
-        <p:nvSpPr>
-          <p:cNvPr id="4" name="Foliennummernplatzhalter 3"/>
-          <p:cNvSpPr>
-            <a:spLocks noGrp="1"/>
-          </p:cNvSpPr>
-          <p:nvPr>
-            <p:ph type="sldNum" sz="quarter" idx="12"/>
-          </p:nvPr>
-        </p:nvSpPr>
-        <p:spPr/>
-        <p:txBody>
-          <a:bodyPr/>
-          <a:lstStyle/>
-          <a:p>
-            <a:fld id="{897114A3-BFF3-441B-8EE5-CE8191EEE22E}" type="slidenum">
-              <a:rPr lang="de-DE" smtClean="0"/>
-              <a:t>30</a:t>
-            </a:fld>
-            <a:endParaRPr lang="de-DE"/>
-          </a:p>
-        </p:txBody>
-      </p:sp>
-      <p:sp>
-        <p:nvSpPr>
-          <p:cNvPr id="5" name="Inhaltsplatzhalter 4"/>
-          <p:cNvSpPr>
-            <a:spLocks noGrp="1"/>
-          </p:cNvSpPr>
-          <p:nvPr>
-            <p:ph idx="1"/>
-          </p:nvPr>
-        </p:nvSpPr>
-        <p:spPr>
-          <a:xfrm>
-            <a:off x="845127" y="3449637"/>
-            <a:ext cx="10515600" cy="2906713"/>
-          </a:xfrm>
-        </p:spPr>
-        <p:txBody>
-          <a:bodyPr/>
-          <a:lstStyle/>
-          <a:p>
-            <a:r>
-              <a:rPr lang="de-DE" dirty="0"/>
-              <a:t>Fazit:</a:t>
-            </a:r>
-          </a:p>
-          <a:p>
-            <a:pPr lvl="1"/>
-            <a:r>
-              <a:rPr lang="de-DE" dirty="0"/>
-              <a:t>Kopplung gut messbar</a:t>
-            </a:r>
-          </a:p>
-          <a:p>
-            <a:pPr lvl="1"/>
-            <a:r>
-              <a:rPr lang="de-DE" dirty="0"/>
-              <a:t>Fehler auf Zeitdifferenz groß</a:t>
-            </a:r>
-          </a:p>
-          <a:p>
-            <a:endParaRPr lang="de-DE" dirty="0"/>
-          </a:p>
-        </p:txBody>
-      </p:sp>
-      <p:pic>
-        <p:nvPicPr>
-          <p:cNvPr id="6" name="Grafik 5"/>
-          <p:cNvPicPr>
-            <a:picLocks noChangeAspect="1"/>
-          </p:cNvPicPr>
-          <p:nvPr/>
-        </p:nvPicPr>
-        <p:blipFill>
-          <a:blip r:embed="rId3">
-            <a:extLst>
-              <a:ext uri="{28A0092B-C50C-407E-A947-70E740481C1C}">
-                <a14:useLocalDpi xmlns:a14="http://schemas.microsoft.com/office/drawing/2010/main" val="0"/>
-              </a:ext>
-            </a:extLst>
-          </a:blip>
-          <a:stretch>
-            <a:fillRect/>
-          </a:stretch>
-        </p:blipFill>
-        <p:spPr>
-          <a:xfrm>
-            <a:off x="1215960" y="1700600"/>
-            <a:ext cx="9773934" cy="1393190"/>
-          </a:xfrm>
-          <a:prstGeom prst="rect">
-            <a:avLst/>
-          </a:prstGeom>
-        </p:spPr>
-      </p:pic>
-    </p:spTree>
-    <p:extLst>
-      <p:ext uri="{BB962C8B-B14F-4D97-AF65-F5344CB8AC3E}">
-        <p14:creationId xmlns:p14="http://schemas.microsoft.com/office/powerpoint/2010/main" val="1138002919"/>
-      </p:ext>
-    </p:extLst>
-  </p:cSld>
-  <p:clrMapOvr>
-    <a:masterClrMapping/>
-  </p:clrMapOvr>
-</p:sld>
-</file>
-
-<file path=ppt/slides/slide31.xml><?xml version="1.0" encoding="utf-8"?>
 <p:sld xmlns:a="http://schemas.openxmlformats.org/drawingml/2006/main" xmlns:r="http://schemas.openxmlformats.org/officeDocument/2006/relationships" xmlns:p="http://schemas.openxmlformats.org/presentationml/2006/main">
   <p:cSld>
     <p:spTree>
@@ -11805,7 +11843,7 @@
           <a:p>
             <a:fld id="{897114A3-BFF3-441B-8EE5-CE8191EEE22E}" type="slidenum">
               <a:rPr lang="de-DE" smtClean="0"/>
-              <a:t>31</a:t>
+              <a:t>30</a:t>
             </a:fld>
             <a:endParaRPr lang="de-DE"/>
           </a:p>
@@ -11815,6 +11853,175 @@
     <p:extLst>
       <p:ext uri="{BB962C8B-B14F-4D97-AF65-F5344CB8AC3E}">
         <p14:creationId xmlns:p14="http://schemas.microsoft.com/office/powerpoint/2010/main" val="2209967786"/>
+      </p:ext>
+    </p:extLst>
+  </p:cSld>
+  <p:clrMapOvr>
+    <a:masterClrMapping/>
+  </p:clrMapOvr>
+</p:sld>
+</file>
+
+<file path=ppt/slides/slide31.xml><?xml version="1.0" encoding="utf-8"?>
+<p:sld xmlns:a="http://schemas.openxmlformats.org/drawingml/2006/main" xmlns:r="http://schemas.openxmlformats.org/officeDocument/2006/relationships" xmlns:p="http://schemas.openxmlformats.org/presentationml/2006/main">
+  <p:cSld>
+    <p:spTree>
+      <p:nvGrpSpPr>
+        <p:cNvPr id="1" name=""/>
+        <p:cNvGrpSpPr/>
+        <p:nvPr/>
+      </p:nvGrpSpPr>
+      <p:grpSpPr>
+        <a:xfrm>
+          <a:off x="0" y="0"/>
+          <a:ext cx="0" cy="0"/>
+          <a:chOff x="0" y="0"/>
+          <a:chExt cx="0" cy="0"/>
+        </a:xfrm>
+      </p:grpSpPr>
+      <p:sp>
+        <p:nvSpPr>
+          <p:cNvPr id="2" name="Titel 1"/>
+          <p:cNvSpPr>
+            <a:spLocks noGrp="1"/>
+          </p:cNvSpPr>
+          <p:nvPr>
+            <p:ph type="title"/>
+          </p:nvPr>
+        </p:nvSpPr>
+        <p:spPr/>
+        <p:txBody>
+          <a:bodyPr/>
+          <a:lstStyle/>
+          <a:p>
+            <a:r>
+              <a:rPr lang="de-DE" dirty="0"/>
+              <a:t>Gekoppelte LC: Fundamentalschwingungen</a:t>
+            </a:r>
+            <a:br>
+              <a:rPr lang="de-DE" dirty="0"/>
+            </a:br>
+            <a:r>
+              <a:rPr lang="de-DE" dirty="0"/>
+              <a:t>Aufbau</a:t>
+            </a:r>
+          </a:p>
+        </p:txBody>
+      </p:sp>
+      <p:pic>
+        <p:nvPicPr>
+          <p:cNvPr id="6" name="Inhaltsplatzhalter 5"/>
+          <p:cNvPicPr>
+            <a:picLocks noGrp="1" noChangeAspect="1"/>
+          </p:cNvPicPr>
+          <p:nvPr>
+            <p:ph sz="half" idx="1"/>
+          </p:nvPr>
+        </p:nvPicPr>
+        <p:blipFill>
+          <a:blip r:embed="rId2">
+            <a:extLst>
+              <a:ext uri="{28A0092B-C50C-407E-A947-70E740481C1C}">
+                <a14:useLocalDpi xmlns:a14="http://schemas.microsoft.com/office/drawing/2010/main" val="0"/>
+              </a:ext>
+            </a:extLst>
+          </a:blip>
+          <a:stretch>
+            <a:fillRect/>
+          </a:stretch>
+        </p:blipFill>
+        <p:spPr>
+          <a:xfrm>
+            <a:off x="1152497" y="1793627"/>
+            <a:ext cx="9900859" cy="2750238"/>
+          </a:xfrm>
+        </p:spPr>
+      </p:pic>
+      <p:sp>
+        <p:nvSpPr>
+          <p:cNvPr id="4" name="Foliennummernplatzhalter 3"/>
+          <p:cNvSpPr>
+            <a:spLocks noGrp="1"/>
+          </p:cNvSpPr>
+          <p:nvPr>
+            <p:ph type="sldNum" sz="quarter" idx="12"/>
+          </p:nvPr>
+        </p:nvSpPr>
+        <p:spPr/>
+        <p:txBody>
+          <a:bodyPr/>
+          <a:lstStyle/>
+          <a:p>
+            <a:fld id="{897114A3-BFF3-441B-8EE5-CE8191EEE22E}" type="slidenum">
+              <a:rPr lang="de-DE" smtClean="0"/>
+              <a:t>31</a:t>
+            </a:fld>
+            <a:endParaRPr lang="de-DE"/>
+          </a:p>
+        </p:txBody>
+      </p:sp>
+      <p:sp>
+        <p:nvSpPr>
+          <p:cNvPr id="3" name="Textfeld 2"/>
+          <p:cNvSpPr txBox="1"/>
+          <p:nvPr/>
+        </p:nvSpPr>
+        <p:spPr>
+          <a:xfrm>
+            <a:off x="2914650" y="4732020"/>
+            <a:ext cx="2000250" cy="400110"/>
+          </a:xfrm>
+          <a:prstGeom prst="rect">
+            <a:avLst/>
+          </a:prstGeom>
+          <a:noFill/>
+        </p:spPr>
+        <p:txBody>
+          <a:bodyPr wrap="square" rtlCol="0">
+            <a:spAutoFit/>
+          </a:bodyPr>
+          <a:lstStyle/>
+          <a:p>
+            <a:r>
+              <a:rPr lang="de-DE" sz="2000" dirty="0"/>
+              <a:t>Gleichsinnig</a:t>
+            </a:r>
+          </a:p>
+        </p:txBody>
+      </p:sp>
+      <p:sp>
+        <p:nvSpPr>
+          <p:cNvPr id="7" name="Textfeld 6"/>
+          <p:cNvSpPr txBox="1"/>
+          <p:nvPr/>
+        </p:nvSpPr>
+        <p:spPr>
+          <a:xfrm>
+            <a:off x="7867650" y="4732020"/>
+            <a:ext cx="2000250" cy="400110"/>
+          </a:xfrm>
+          <a:prstGeom prst="rect">
+            <a:avLst/>
+          </a:prstGeom>
+          <a:noFill/>
+        </p:spPr>
+        <p:txBody>
+          <a:bodyPr wrap="square" rtlCol="0">
+            <a:spAutoFit/>
+          </a:bodyPr>
+          <a:lstStyle/>
+          <a:p>
+            <a:r>
+              <a:rPr lang="de-DE" sz="2000" dirty="0"/>
+              <a:t>Gegensinnig</a:t>
+            </a:r>
+          </a:p>
+        </p:txBody>
+      </p:sp>
+    </p:spTree>
+    <p:extLst>
+      <p:ext uri="{BB962C8B-B14F-4D97-AF65-F5344CB8AC3E}">
+        <p14:creationId xmlns:p14="http://schemas.microsoft.com/office/powerpoint/2010/main" val="4268129209"/>
       </p:ext>
     </p:extLst>
   </p:cSld>
@@ -11865,14 +12072,14 @@
             </a:br>
             <a:r>
               <a:rPr lang="de-DE" dirty="0"/>
-              <a:t>Aufbau</a:t>
+              <a:t>Rohdaten</a:t>
             </a:r>
           </a:p>
         </p:txBody>
       </p:sp>
       <p:pic>
         <p:nvPicPr>
-          <p:cNvPr id="6" name="Inhaltsplatzhalter 5"/>
+          <p:cNvPr id="7" name="Inhaltsplatzhalter 6"/>
           <p:cNvPicPr>
             <a:picLocks noGrp="1" noChangeAspect="1"/>
           </p:cNvPicPr>
@@ -11894,14 +12101,43 @@
         </p:blipFill>
         <p:spPr>
           <a:xfrm>
-            <a:off x="1152497" y="1793627"/>
-            <a:ext cx="9900859" cy="2750238"/>
+            <a:off x="0" y="1591164"/>
+            <a:ext cx="6232491" cy="4654891"/>
           </a:xfrm>
         </p:spPr>
       </p:pic>
-      <p:sp>
-        <p:nvSpPr>
-          <p:cNvPr id="4" name="Foliennummernplatzhalter 3"/>
+      <p:pic>
+        <p:nvPicPr>
+          <p:cNvPr id="9" name="Inhaltsplatzhalter 8"/>
+          <p:cNvPicPr>
+            <a:picLocks noGrp="1" noChangeAspect="1"/>
+          </p:cNvPicPr>
+          <p:nvPr>
+            <p:ph sz="half" idx="2"/>
+          </p:nvPr>
+        </p:nvPicPr>
+        <p:blipFill>
+          <a:blip r:embed="rId3">
+            <a:extLst>
+              <a:ext uri="{28A0092B-C50C-407E-A947-70E740481C1C}">
+                <a14:useLocalDpi xmlns:a14="http://schemas.microsoft.com/office/drawing/2010/main" val="0"/>
+              </a:ext>
+            </a:extLst>
+          </a:blip>
+          <a:stretch>
+            <a:fillRect/>
+          </a:stretch>
+        </p:blipFill>
+        <p:spPr>
+          <a:xfrm>
+            <a:off x="5824025" y="1591164"/>
+            <a:ext cx="6248398" cy="4666771"/>
+          </a:xfrm>
+        </p:spPr>
+      </p:pic>
+      <p:sp>
+        <p:nvSpPr>
+          <p:cNvPr id="5" name="Foliennummernplatzhalter 4"/>
           <p:cNvSpPr>
             <a:spLocks noGrp="1"/>
           </p:cNvSpPr>
@@ -11925,7 +12161,7 @@
     </p:spTree>
     <p:extLst>
       <p:ext uri="{BB962C8B-B14F-4D97-AF65-F5344CB8AC3E}">
-        <p14:creationId xmlns:p14="http://schemas.microsoft.com/office/powerpoint/2010/main" val="4268129209"/>
+        <p14:creationId xmlns:p14="http://schemas.microsoft.com/office/powerpoint/2010/main" val="2409491595"/>
       </p:ext>
     </p:extLst>
   </p:cSld>
@@ -11976,146 +12212,6 @@
             </a:br>
             <a:r>
               <a:rPr lang="de-DE" dirty="0"/>
-              <a:t>Rohdaten</a:t>
-            </a:r>
-          </a:p>
-        </p:txBody>
-      </p:sp>
-      <p:pic>
-        <p:nvPicPr>
-          <p:cNvPr id="7" name="Inhaltsplatzhalter 6"/>
-          <p:cNvPicPr>
-            <a:picLocks noGrp="1" noChangeAspect="1"/>
-          </p:cNvPicPr>
-          <p:nvPr>
-            <p:ph sz="half" idx="1"/>
-          </p:nvPr>
-        </p:nvPicPr>
-        <p:blipFill>
-          <a:blip r:embed="rId2">
-            <a:extLst>
-              <a:ext uri="{28A0092B-C50C-407E-A947-70E740481C1C}">
-                <a14:useLocalDpi xmlns:a14="http://schemas.microsoft.com/office/drawing/2010/main" val="0"/>
-              </a:ext>
-            </a:extLst>
-          </a:blip>
-          <a:stretch>
-            <a:fillRect/>
-          </a:stretch>
-        </p:blipFill>
-        <p:spPr>
-          <a:xfrm>
-            <a:off x="0" y="1591164"/>
-            <a:ext cx="6232491" cy="4654891"/>
-          </a:xfrm>
-        </p:spPr>
-      </p:pic>
-      <p:pic>
-        <p:nvPicPr>
-          <p:cNvPr id="9" name="Inhaltsplatzhalter 8"/>
-          <p:cNvPicPr>
-            <a:picLocks noGrp="1" noChangeAspect="1"/>
-          </p:cNvPicPr>
-          <p:nvPr>
-            <p:ph sz="half" idx="2"/>
-          </p:nvPr>
-        </p:nvPicPr>
-        <p:blipFill>
-          <a:blip r:embed="rId3">
-            <a:extLst>
-              <a:ext uri="{28A0092B-C50C-407E-A947-70E740481C1C}">
-                <a14:useLocalDpi xmlns:a14="http://schemas.microsoft.com/office/drawing/2010/main" val="0"/>
-              </a:ext>
-            </a:extLst>
-          </a:blip>
-          <a:stretch>
-            <a:fillRect/>
-          </a:stretch>
-        </p:blipFill>
-        <p:spPr>
-          <a:xfrm>
-            <a:off x="5824025" y="1591164"/>
-            <a:ext cx="6248398" cy="4666771"/>
-          </a:xfrm>
-        </p:spPr>
-      </p:pic>
-      <p:sp>
-        <p:nvSpPr>
-          <p:cNvPr id="5" name="Foliennummernplatzhalter 4"/>
-          <p:cNvSpPr>
-            <a:spLocks noGrp="1"/>
-          </p:cNvSpPr>
-          <p:nvPr>
-            <p:ph type="sldNum" sz="quarter" idx="12"/>
-          </p:nvPr>
-        </p:nvSpPr>
-        <p:spPr/>
-        <p:txBody>
-          <a:bodyPr/>
-          <a:lstStyle/>
-          <a:p>
-            <a:fld id="{897114A3-BFF3-441B-8EE5-CE8191EEE22E}" type="slidenum">
-              <a:rPr lang="de-DE" smtClean="0"/>
-              <a:t>33</a:t>
-            </a:fld>
-            <a:endParaRPr lang="de-DE"/>
-          </a:p>
-        </p:txBody>
-      </p:sp>
-    </p:spTree>
-    <p:extLst>
-      <p:ext uri="{BB962C8B-B14F-4D97-AF65-F5344CB8AC3E}">
-        <p14:creationId xmlns:p14="http://schemas.microsoft.com/office/powerpoint/2010/main" val="2409491595"/>
-      </p:ext>
-    </p:extLst>
-  </p:cSld>
-  <p:clrMapOvr>
-    <a:masterClrMapping/>
-  </p:clrMapOvr>
-</p:sld>
-</file>
-
-<file path=ppt/slides/slide34.xml><?xml version="1.0" encoding="utf-8"?>
-<p:sld xmlns:a="http://schemas.openxmlformats.org/drawingml/2006/main" xmlns:r="http://schemas.openxmlformats.org/officeDocument/2006/relationships" xmlns:p="http://schemas.openxmlformats.org/presentationml/2006/main">
-  <p:cSld>
-    <p:spTree>
-      <p:nvGrpSpPr>
-        <p:cNvPr id="1" name=""/>
-        <p:cNvGrpSpPr/>
-        <p:nvPr/>
-      </p:nvGrpSpPr>
-      <p:grpSpPr>
-        <a:xfrm>
-          <a:off x="0" y="0"/>
-          <a:ext cx="0" cy="0"/>
-          <a:chOff x="0" y="0"/>
-          <a:chExt cx="0" cy="0"/>
-        </a:xfrm>
-      </p:grpSpPr>
-      <p:sp>
-        <p:nvSpPr>
-          <p:cNvPr id="2" name="Titel 1"/>
-          <p:cNvSpPr>
-            <a:spLocks noGrp="1"/>
-          </p:cNvSpPr>
-          <p:nvPr>
-            <p:ph type="title"/>
-          </p:nvPr>
-        </p:nvSpPr>
-        <p:spPr/>
-        <p:txBody>
-          <a:bodyPr/>
-          <a:lstStyle/>
-          <a:p>
-            <a:r>
-              <a:rPr lang="de-DE" dirty="0"/>
-              <a:t>Gekoppelte LC: Fundamentalschwingungen</a:t>
-            </a:r>
-            <a:br>
-              <a:rPr lang="de-DE" dirty="0"/>
-            </a:br>
-            <a:r>
-              <a:rPr lang="de-DE" dirty="0"/>
               <a:t>Auswertung</a:t>
             </a:r>
           </a:p>
@@ -12196,7 +12292,7 @@
           <a:p>
             <a:fld id="{897114A3-BFF3-441B-8EE5-CE8191EEE22E}" type="slidenum">
               <a:rPr lang="de-DE" smtClean="0"/>
-              <a:t>34</a:t>
+              <a:t>33</a:t>
             </a:fld>
             <a:endParaRPr lang="de-DE"/>
           </a:p>
@@ -12857,8 +12953,8 @@
           </a:p>
         </p:txBody>
       </p:sp>
-      <mc:AlternateContent xmlns:mc="http://schemas.openxmlformats.org/markup-compatibility/2006" xmlns:a14="http://schemas.microsoft.com/office/drawing/2010/main">
-        <mc:Choice Requires="a14">
+      <mc:AlternateContent xmlns:mc="http://schemas.openxmlformats.org/markup-compatibility/2006">
+        <mc:Choice xmlns:a14="http://schemas.microsoft.com/office/drawing/2010/main" Requires="a14">
           <p:sp>
             <p:nvSpPr>
               <p:cNvPr id="3" name="Inhaltsplatzhalter 2"/>
@@ -13326,33 +13422,12 @@
               </a:p>
               <a:p>
                 <a:pPr lvl="1"/>
+                <a:r>
+                  <a:rPr lang="de-DE" dirty="0"/>
+                  <a:t>I</a:t>
+                </a:r>
                 <a14:m>
                   <m:oMath xmlns:m="http://schemas.openxmlformats.org/officeDocument/2006/math">
-                    <m:sSub>
-                      <m:sSubPr>
-                        <m:ctrlPr>
-                          <a:rPr lang="de-DE" i="1">
-                            <a:latin typeface="Cambria Math" panose="02040503050406030204" pitchFamily="18" charset="0"/>
-                          </a:rPr>
-                        </m:ctrlPr>
-                      </m:sSubPr>
-                      <m:e>
-                        <m:r>
-                          <a:rPr lang="de-DE" i="1">
-                            <a:latin typeface="Cambria Math" panose="02040503050406030204" pitchFamily="18" charset="0"/>
-                          </a:rPr>
-                          <m:t>𝑈</m:t>
-                        </m:r>
-                      </m:e>
-                      <m:sub>
-                        <m:r>
-                          <a:rPr lang="de-DE" i="1">
-                            <a:latin typeface="Cambria Math" panose="02040503050406030204" pitchFamily="18" charset="0"/>
-                          </a:rPr>
-                          <m:t>𝐶</m:t>
-                        </m:r>
-                      </m:sub>
-                    </m:sSub>
                     <m:d>
                       <m:dPr>
                         <m:ctrlPr>
@@ -13531,7 +13606,7 @@
             </p:txBody>
           </p:sp>
         </mc:Choice>
-        <mc:Fallback xmlns="">
+        <mc:Fallback>
           <p:sp>
             <p:nvSpPr>
               <p:cNvPr id="3" name="Inhaltsplatzhalter 2"/>
@@ -15221,7 +15296,7 @@
         </p:blipFill>
         <p:spPr>
           <a:xfrm>
-            <a:off x="915903" y="4138020"/>
+            <a:off x="915903" y="4503780"/>
             <a:ext cx="6436889" cy="1750834"/>
           </a:xfrm>
           <a:prstGeom prst="rect">
@@ -15251,7 +15326,7 @@
         </p:blipFill>
         <p:spPr>
           <a:xfrm>
-            <a:off x="635925" y="2345796"/>
+            <a:off x="635925" y="2459139"/>
             <a:ext cx="6716867" cy="1006795"/>
           </a:xfrm>
           <a:prstGeom prst="rect">
@@ -15259,6 +15334,64 @@
           </a:prstGeom>
         </p:spPr>
       </p:pic>
+      <p:sp>
+        <p:nvSpPr>
+          <p:cNvPr id="3" name="Textfeld 2"/>
+          <p:cNvSpPr txBox="1"/>
+          <p:nvPr/>
+        </p:nvSpPr>
+        <p:spPr>
+          <a:xfrm>
+            <a:off x="845127" y="2074418"/>
+            <a:ext cx="1190582" cy="400110"/>
+          </a:xfrm>
+          <a:prstGeom prst="rect">
+            <a:avLst/>
+          </a:prstGeom>
+          <a:noFill/>
+        </p:spPr>
+        <p:txBody>
+          <a:bodyPr wrap="none" rtlCol="0">
+            <a:spAutoFit/>
+          </a:bodyPr>
+          <a:lstStyle/>
+          <a:p>
+            <a:r>
+              <a:rPr lang="de-DE" sz="2000" dirty="0"/>
+              <a:t>Rohdaten</a:t>
+            </a:r>
+          </a:p>
+        </p:txBody>
+      </p:sp>
+      <p:sp>
+        <p:nvSpPr>
+          <p:cNvPr id="4" name="Textfeld 3"/>
+          <p:cNvSpPr txBox="1"/>
+          <p:nvPr/>
+        </p:nvSpPr>
+        <p:spPr>
+          <a:xfrm>
+            <a:off x="1032776" y="4049085"/>
+            <a:ext cx="1973313" cy="400110"/>
+          </a:xfrm>
+          <a:prstGeom prst="rect">
+            <a:avLst/>
+          </a:prstGeom>
+          <a:noFill/>
+        </p:spPr>
+        <p:txBody>
+          <a:bodyPr wrap="square" rtlCol="0">
+            <a:spAutoFit/>
+          </a:bodyPr>
+          <a:lstStyle/>
+          <a:p>
+            <a:r>
+              <a:rPr lang="de-DE" sz="2000" dirty="0"/>
+              <a:t>Kapazität in µF</a:t>
+            </a:r>
+          </a:p>
+        </p:txBody>
+      </p:sp>
     </p:spTree>
     <p:extLst>
       <p:ext uri="{BB962C8B-B14F-4D97-AF65-F5344CB8AC3E}">

--- a/Elektronik/Elektronik.pptx
+++ b/Elektronik/Elektronik.pptx
@@ -5,7 +5,7 @@
     <p:sldMasterId id="2147483778" r:id="rId1"/>
   </p:sldMasterIdLst>
   <p:notesMasterIdLst>
-    <p:notesMasterId r:id="rId35"/>
+    <p:notesMasterId r:id="rId36"/>
   </p:notesMasterIdLst>
   <p:sldIdLst>
     <p:sldId id="256" r:id="rId2"/>
@@ -24,23 +24,24 @@
     <p:sldId id="305" r:id="rId15"/>
     <p:sldId id="282" r:id="rId16"/>
     <p:sldId id="308" r:id="rId17"/>
-    <p:sldId id="283" r:id="rId18"/>
-    <p:sldId id="284" r:id="rId19"/>
-    <p:sldId id="285" r:id="rId20"/>
-    <p:sldId id="287" r:id="rId21"/>
-    <p:sldId id="288" r:id="rId22"/>
-    <p:sldId id="289" r:id="rId23"/>
-    <p:sldId id="290" r:id="rId24"/>
-    <p:sldId id="286" r:id="rId25"/>
-    <p:sldId id="306" r:id="rId26"/>
-    <p:sldId id="278" r:id="rId27"/>
-    <p:sldId id="279" r:id="rId28"/>
-    <p:sldId id="280" r:id="rId29"/>
-    <p:sldId id="281" r:id="rId30"/>
-    <p:sldId id="299" r:id="rId31"/>
-    <p:sldId id="300" r:id="rId32"/>
-    <p:sldId id="301" r:id="rId33"/>
-    <p:sldId id="302" r:id="rId34"/>
+    <p:sldId id="309" r:id="rId18"/>
+    <p:sldId id="283" r:id="rId19"/>
+    <p:sldId id="284" r:id="rId20"/>
+    <p:sldId id="285" r:id="rId21"/>
+    <p:sldId id="287" r:id="rId22"/>
+    <p:sldId id="288" r:id="rId23"/>
+    <p:sldId id="289" r:id="rId24"/>
+    <p:sldId id="290" r:id="rId25"/>
+    <p:sldId id="286" r:id="rId26"/>
+    <p:sldId id="306" r:id="rId27"/>
+    <p:sldId id="278" r:id="rId28"/>
+    <p:sldId id="279" r:id="rId29"/>
+    <p:sldId id="280" r:id="rId30"/>
+    <p:sldId id="281" r:id="rId31"/>
+    <p:sldId id="299" r:id="rId32"/>
+    <p:sldId id="300" r:id="rId33"/>
+    <p:sldId id="301" r:id="rId34"/>
+    <p:sldId id="302" r:id="rId35"/>
   </p:sldIdLst>
   <p:sldSz cx="12192000" cy="6858000"/>
   <p:notesSz cx="6858000" cy="9144000"/>
@@ -160,6 +161,7 @@
             <p14:sldId id="305"/>
             <p14:sldId id="282"/>
             <p14:sldId id="308"/>
+            <p14:sldId id="309"/>
             <p14:sldId id="283"/>
             <p14:sldId id="284"/>
             <p14:sldId id="285"/>
@@ -887,7 +889,7 @@
           <a:p>
             <a:fld id="{99EB3137-8FBE-4AF7-BF64-B35CB96DD367}" type="slidenum">
               <a:rPr lang="de-DE" smtClean="0"/>
-              <a:t>26</a:t>
+              <a:t>27</a:t>
             </a:fld>
             <a:endParaRPr lang="de-DE"/>
           </a:p>
@@ -971,7 +973,7 @@
           <a:p>
             <a:fld id="{99EB3137-8FBE-4AF7-BF64-B35CB96DD367}" type="slidenum">
               <a:rPr lang="de-DE" smtClean="0"/>
-              <a:t>27</a:t>
+              <a:t>28</a:t>
             </a:fld>
             <a:endParaRPr lang="de-DE"/>
           </a:p>
@@ -1055,7 +1057,7 @@
           <a:p>
             <a:fld id="{99EB3137-8FBE-4AF7-BF64-B35CB96DD367}" type="slidenum">
               <a:rPr lang="de-DE" smtClean="0"/>
-              <a:t>28</a:t>
+              <a:t>29</a:t>
             </a:fld>
             <a:endParaRPr lang="de-DE"/>
           </a:p>
@@ -1139,7 +1141,7 @@
           <a:p>
             <a:fld id="{99EB3137-8FBE-4AF7-BF64-B35CB96DD367}" type="slidenum">
               <a:rPr lang="de-DE" smtClean="0"/>
-              <a:t>29</a:t>
+              <a:t>30</a:t>
             </a:fld>
             <a:endParaRPr lang="de-DE"/>
           </a:p>
@@ -1298,7 +1300,7 @@
           <a:bodyPr/>
           <a:lstStyle/>
           <a:p>
-            <a:fld id="{334F12E0-B1D4-482A-8DC0-9C9F667597C4}" type="datetime1">
+            <a:fld id="{4B99D21B-292B-40A4-9B12-43725BD3360F}" type="datetime1">
               <a:rPr lang="de-DE" smtClean="0"/>
               <a:t>23.03.2017</a:t>
             </a:fld>
@@ -1468,7 +1470,7 @@
           <a:bodyPr/>
           <a:lstStyle/>
           <a:p>
-            <a:fld id="{7E464473-6860-43DB-A3D5-20AC4D94B18B}" type="datetime1">
+            <a:fld id="{DBC435C2-D91F-4A56-B427-0BBD1A619F5D}" type="datetime1">
               <a:rPr lang="de-DE" smtClean="0"/>
               <a:t>23.03.2017</a:t>
             </a:fld>
@@ -1648,7 +1650,7 @@
           <a:bodyPr/>
           <a:lstStyle/>
           <a:p>
-            <a:fld id="{6844ADA7-C858-41E4-AF4A-B57F339457FD}" type="datetime1">
+            <a:fld id="{B7168DA2-4D48-4E1C-B0E1-4AAC12F63894}" type="datetime1">
               <a:rPr lang="de-DE" smtClean="0"/>
               <a:t>23.03.2017</a:t>
             </a:fld>
@@ -1818,7 +1820,7 @@
           <a:bodyPr/>
           <a:lstStyle/>
           <a:p>
-            <a:fld id="{3DBDF7C4-53B0-4A96-B21D-94F3CF035B60}" type="datetime1">
+            <a:fld id="{0A2FEB82-AC7D-4201-AB82-A2FF506528BE}" type="datetime1">
               <a:rPr lang="de-DE" smtClean="0"/>
               <a:t>23.03.2017</a:t>
             </a:fld>
@@ -2069,7 +2071,7 @@
           <a:bodyPr/>
           <a:lstStyle/>
           <a:p>
-            <a:fld id="{637E7ECF-525F-494A-82C1-C3831D9D8A59}" type="datetime1">
+            <a:fld id="{CCC01834-85FF-4AF7-91FF-0D6AA0979CC5}" type="datetime1">
               <a:rPr lang="de-DE" smtClean="0"/>
               <a:t>23.03.2017</a:t>
             </a:fld>
@@ -2301,7 +2303,7 @@
           <a:bodyPr/>
           <a:lstStyle/>
           <a:p>
-            <a:fld id="{38BC9E38-158C-4E78-9929-ABF8E8F439B8}" type="datetime1">
+            <a:fld id="{41B99BA1-1070-4230-AC14-C7E69A57404A}" type="datetime1">
               <a:rPr lang="de-DE" smtClean="0"/>
               <a:t>23.03.2017</a:t>
             </a:fld>
@@ -2648,7 +2650,7 @@
           <a:bodyPr/>
           <a:lstStyle/>
           <a:p>
-            <a:fld id="{DC39113E-5932-49B2-98CC-79308155FD30}" type="datetime1">
+            <a:fld id="{074A4BF0-479F-4502-83B2-8F65A225E4E3}" type="datetime1">
               <a:rPr lang="de-DE" smtClean="0"/>
               <a:t>23.03.2017</a:t>
             </a:fld>
@@ -2766,7 +2768,7 @@
           <a:bodyPr/>
           <a:lstStyle/>
           <a:p>
-            <a:fld id="{2E13A5E3-18AD-425C-B60B-835D72C9A19D}" type="datetime1">
+            <a:fld id="{C48F30F7-49F5-4244-A1ED-FA12E898B429}" type="datetime1">
               <a:rPr lang="de-DE" smtClean="0"/>
               <a:t>23.03.2017</a:t>
             </a:fld>
@@ -2884,7 +2886,7 @@
           <a:bodyPr/>
           <a:lstStyle/>
           <a:p>
-            <a:fld id="{22B4BDF0-B0DA-45B6-AE01-63E9DB605EF5}" type="datetime1">
+            <a:fld id="{109BBB55-593B-45B5-B1A0-B7A3DE0A1DE7}" type="datetime1">
               <a:rPr lang="de-DE" smtClean="0"/>
               <a:t>23.03.2017</a:t>
             </a:fld>
@@ -3168,7 +3170,7 @@
           <a:bodyPr/>
           <a:lstStyle/>
           <a:p>
-            <a:fld id="{BFE6238A-7556-4E92-AE9E-2C65E67C1329}" type="datetime1">
+            <a:fld id="{5BA1FDB8-C802-4D74-BA70-8B28BF84BE78}" type="datetime1">
               <a:rPr lang="de-DE" smtClean="0"/>
               <a:t>23.03.2017</a:t>
             </a:fld>
@@ -3432,7 +3434,7 @@
           <a:bodyPr/>
           <a:lstStyle/>
           <a:p>
-            <a:fld id="{6ED6A4E0-D836-45D7-8382-02BF99F6F17E}" type="datetime1">
+            <a:fld id="{4B0DD0E6-2877-40EE-9014-F567B8DB77E5}" type="datetime1">
               <a:rPr lang="de-DE" smtClean="0"/>
               <a:t>23.03.2017</a:t>
             </a:fld>
@@ -3646,7 +3648,7 @@
             </a:lvl1pPr>
           </a:lstStyle>
           <a:p>
-            <a:fld id="{07356AD7-DAE1-477A-A9E8-253C41B5FFF9}" type="datetime1">
+            <a:fld id="{4FD8E396-9C63-4E31-9D82-7307B4B2940E}" type="datetime1">
               <a:rPr lang="de-DE" smtClean="0"/>
               <a:t>23.03.2017</a:t>
             </a:fld>
@@ -5117,8 +5119,8 @@
           </a:prstGeom>
         </p:spPr>
       </p:pic>
-      <mc:AlternateContent xmlns:mc="http://schemas.openxmlformats.org/markup-compatibility/2006">
-        <mc:Choice xmlns:a14="http://schemas.microsoft.com/office/drawing/2010/main" Requires="a14">
+      <mc:AlternateContent xmlns:mc="http://schemas.openxmlformats.org/markup-compatibility/2006" xmlns:a14="http://schemas.microsoft.com/office/drawing/2010/main">
+        <mc:Choice Requires="a14">
           <p:sp>
             <p:nvSpPr>
               <p:cNvPr id="10" name="Textfeld 9"/>
@@ -5313,7 +5315,7 @@
             </p:txBody>
           </p:sp>
         </mc:Choice>
-        <mc:Fallback>
+        <mc:Fallback xmlns="">
           <p:sp>
             <p:nvSpPr>
               <p:cNvPr id="10" name="Textfeld 9"/>
@@ -5352,8 +5354,8 @@
           </p:sp>
         </mc:Fallback>
       </mc:AlternateContent>
-      <mc:AlternateContent xmlns:mc="http://schemas.openxmlformats.org/markup-compatibility/2006">
-        <mc:Choice xmlns:a14="http://schemas.microsoft.com/office/drawing/2010/main" Requires="a14">
+      <mc:AlternateContent xmlns:mc="http://schemas.openxmlformats.org/markup-compatibility/2006" xmlns:a14="http://schemas.microsoft.com/office/drawing/2010/main">
+        <mc:Choice Requires="a14">
           <p:sp>
             <p:nvSpPr>
               <p:cNvPr id="11" name="Textfeld 10"/>
@@ -5548,7 +5550,7 @@
             </p:txBody>
           </p:sp>
         </mc:Choice>
-        <mc:Fallback>
+        <mc:Fallback xmlns="">
           <p:sp>
             <p:nvSpPr>
               <p:cNvPr id="11" name="Textfeld 10"/>
@@ -5762,8 +5764,8 @@
           </a:p>
         </p:txBody>
       </p:sp>
-      <mc:AlternateContent xmlns:mc="http://schemas.openxmlformats.org/markup-compatibility/2006">
-        <mc:Choice xmlns:a14="http://schemas.microsoft.com/office/drawing/2010/main" Requires="a14">
+      <mc:AlternateContent xmlns:mc="http://schemas.openxmlformats.org/markup-compatibility/2006" xmlns:a14="http://schemas.microsoft.com/office/drawing/2010/main">
+        <mc:Choice Requires="a14">
           <p:sp>
             <p:nvSpPr>
               <p:cNvPr id="3" name="Inhaltsplatzhalter 2"/>
@@ -6321,7 +6323,7 @@
             </p:txBody>
           </p:sp>
         </mc:Choice>
-        <mc:Fallback>
+        <mc:Fallback xmlns="">
           <p:sp>
             <p:nvSpPr>
               <p:cNvPr id="3" name="Inhaltsplatzhalter 2"/>
@@ -6463,8 +6465,8 @@
           </a:xfrm>
         </p:spPr>
       </p:pic>
-      <mc:AlternateContent xmlns:mc="http://schemas.openxmlformats.org/markup-compatibility/2006">
-        <mc:Choice xmlns:a14="http://schemas.microsoft.com/office/drawing/2010/main" Requires="a14">
+      <mc:AlternateContent xmlns:mc="http://schemas.openxmlformats.org/markup-compatibility/2006" xmlns:a14="http://schemas.microsoft.com/office/drawing/2010/main">
+        <mc:Choice Requires="a14">
           <p:sp>
             <p:nvSpPr>
               <p:cNvPr id="5" name="Inhaltsplatzhalter 4"/>
@@ -6553,7 +6555,7 @@
             </p:txBody>
           </p:sp>
         </mc:Choice>
-        <mc:Fallback>
+        <mc:Fallback xmlns="">
           <p:sp>
             <p:nvSpPr>
               <p:cNvPr id="5" name="Inhaltsplatzhalter 4"/>
@@ -6661,6 +6663,742 @@
           <a:p>
             <a:r>
               <a:rPr lang="de-DE" dirty="0"/>
+              <a:t>RLC - Oszilloskop</a:t>
+            </a:r>
+          </a:p>
+        </p:txBody>
+      </p:sp>
+      <mc:AlternateContent xmlns:mc="http://schemas.openxmlformats.org/markup-compatibility/2006">
+        <mc:Choice xmlns:a14="http://schemas.microsoft.com/office/drawing/2010/main" Requires="a14">
+          <p:sp>
+            <p:nvSpPr>
+              <p:cNvPr id="3" name="Inhaltsplatzhalter 2"/>
+              <p:cNvSpPr>
+                <a:spLocks noGrp="1"/>
+              </p:cNvSpPr>
+              <p:nvPr>
+                <p:ph idx="1"/>
+              </p:nvPr>
+            </p:nvSpPr>
+            <p:spPr/>
+            <p:txBody>
+              <a:bodyPr/>
+              <a:lstStyle/>
+              <a:p>
+                <a:r>
+                  <a:rPr lang="de-DE" dirty="0"/>
+                  <a:t>3 Perioden: </a:t>
+                </a:r>
+                <a14:m>
+                  <m:oMath xmlns:m="http://schemas.openxmlformats.org/officeDocument/2006/math">
+                    <m:sSub>
+                      <m:sSubPr>
+                        <m:ctrlPr>
+                          <a:rPr lang="de-DE" b="0" i="1" smtClean="0">
+                            <a:latin typeface="Cambria Math" panose="02040503050406030204" pitchFamily="18" charset="0"/>
+                          </a:rPr>
+                        </m:ctrlPr>
+                      </m:sSubPr>
+                      <m:e>
+                        <m:r>
+                          <a:rPr lang="de-DE" b="0" i="1" smtClean="0">
+                            <a:latin typeface="Cambria Math" panose="02040503050406030204" pitchFamily="18" charset="0"/>
+                          </a:rPr>
+                          <m:t>𝑡</m:t>
+                        </m:r>
+                      </m:e>
+                      <m:sub>
+                        <m:r>
+                          <a:rPr lang="de-DE" b="0" i="1" smtClean="0">
+                            <a:latin typeface="Cambria Math" panose="02040503050406030204" pitchFamily="18" charset="0"/>
+                          </a:rPr>
+                          <m:t>1</m:t>
+                        </m:r>
+                      </m:sub>
+                    </m:sSub>
+                    <m:r>
+                      <a:rPr lang="de-DE" b="0" i="1" smtClean="0">
+                        <a:latin typeface="Cambria Math" panose="02040503050406030204" pitchFamily="18" charset="0"/>
+                      </a:rPr>
+                      <m:t>=</m:t>
+                    </m:r>
+                    <m:d>
+                      <m:dPr>
+                        <m:ctrlPr>
+                          <a:rPr lang="de-DE" b="0" i="1" smtClean="0">
+                            <a:latin typeface="Cambria Math" panose="02040503050406030204" pitchFamily="18" charset="0"/>
+                          </a:rPr>
+                        </m:ctrlPr>
+                      </m:dPr>
+                      <m:e>
+                        <m:r>
+                          <a:rPr lang="de-DE" b="0" i="1" smtClean="0">
+                            <a:latin typeface="Cambria Math" panose="02040503050406030204" pitchFamily="18" charset="0"/>
+                          </a:rPr>
+                          <m:t>0.76±0.02</m:t>
+                        </m:r>
+                      </m:e>
+                    </m:d>
+                    <m:r>
+                      <a:rPr lang="de-DE" b="0" i="1" smtClean="0">
+                        <a:latin typeface="Cambria Math" panose="02040503050406030204" pitchFamily="18" charset="0"/>
+                      </a:rPr>
+                      <m:t>𝑚𝑠</m:t>
+                    </m:r>
+                    <m:r>
+                      <a:rPr lang="de-DE" b="0" i="1" smtClean="0">
+                        <a:latin typeface="Cambria Math" panose="02040503050406030204" pitchFamily="18" charset="0"/>
+                      </a:rPr>
+                      <m:t>, </m:t>
+                    </m:r>
+                    <m:sSub>
+                      <m:sSubPr>
+                        <m:ctrlPr>
+                          <a:rPr lang="de-DE" b="0" i="1" smtClean="0">
+                            <a:latin typeface="Cambria Math" panose="02040503050406030204" pitchFamily="18" charset="0"/>
+                          </a:rPr>
+                        </m:ctrlPr>
+                      </m:sSubPr>
+                      <m:e>
+                        <m:r>
+                          <a:rPr lang="de-DE" b="0" i="1" smtClean="0">
+                            <a:latin typeface="Cambria Math" panose="02040503050406030204" pitchFamily="18" charset="0"/>
+                          </a:rPr>
+                          <m:t>𝑡</m:t>
+                        </m:r>
+                      </m:e>
+                      <m:sub>
+                        <m:r>
+                          <a:rPr lang="de-DE" b="0" i="1" smtClean="0">
+                            <a:latin typeface="Cambria Math" panose="02040503050406030204" pitchFamily="18" charset="0"/>
+                          </a:rPr>
+                          <m:t>2</m:t>
+                        </m:r>
+                      </m:sub>
+                    </m:sSub>
+                    <m:r>
+                      <a:rPr lang="de-DE" b="0" i="1" smtClean="0">
+                        <a:latin typeface="Cambria Math" panose="02040503050406030204" pitchFamily="18" charset="0"/>
+                      </a:rPr>
+                      <m:t>=</m:t>
+                    </m:r>
+                    <m:d>
+                      <m:dPr>
+                        <m:ctrlPr>
+                          <a:rPr lang="de-DE" b="0" i="1" smtClean="0">
+                            <a:latin typeface="Cambria Math" panose="02040503050406030204" pitchFamily="18" charset="0"/>
+                          </a:rPr>
+                        </m:ctrlPr>
+                      </m:dPr>
+                      <m:e>
+                        <m:r>
+                          <a:rPr lang="de-DE" b="0" i="1" smtClean="0">
+                            <a:latin typeface="Cambria Math" panose="02040503050406030204" pitchFamily="18" charset="0"/>
+                          </a:rPr>
+                          <m:t>8.64±0.003</m:t>
+                        </m:r>
+                      </m:e>
+                    </m:d>
+                    <m:r>
+                      <a:rPr lang="de-DE" b="0" i="1" smtClean="0">
+                        <a:latin typeface="Cambria Math" panose="02040503050406030204" pitchFamily="18" charset="0"/>
+                      </a:rPr>
+                      <m:t>𝑚</m:t>
+                    </m:r>
+                  </m:oMath>
+                </a14:m>
+                <a:endParaRPr lang="de-DE" b="0" i="1" dirty="0">
+                  <a:latin typeface="Cambria Math" panose="02040503050406030204" pitchFamily="18" charset="0"/>
+                </a:endParaRPr>
+              </a:p>
+              <a:p>
+                <a14:m>
+                  <m:oMath xmlns:m="http://schemas.openxmlformats.org/officeDocument/2006/math">
+                    <m:r>
+                      <a:rPr lang="de-DE" b="0" i="1" smtClean="0">
+                        <a:latin typeface="Cambria Math" panose="02040503050406030204" pitchFamily="18" charset="0"/>
+                      </a:rPr>
+                      <m:t>⇒</m:t>
+                    </m:r>
+                    <m:r>
+                      <m:rPr>
+                        <m:sty m:val="p"/>
+                      </m:rPr>
+                      <a:rPr lang="de-DE" b="0" i="0" smtClean="0">
+                        <a:latin typeface="Cambria Math" panose="02040503050406030204" pitchFamily="18" charset="0"/>
+                      </a:rPr>
+                      <m:t>Δ</m:t>
+                    </m:r>
+                    <m:r>
+                      <a:rPr lang="de-DE" b="0" i="1" smtClean="0">
+                        <a:latin typeface="Cambria Math" panose="02040503050406030204" pitchFamily="18" charset="0"/>
+                      </a:rPr>
+                      <m:t>𝑡</m:t>
+                    </m:r>
+                    <m:r>
+                      <a:rPr lang="de-DE" b="0" i="1" smtClean="0">
+                        <a:latin typeface="Cambria Math" panose="02040503050406030204" pitchFamily="18" charset="0"/>
+                      </a:rPr>
+                      <m:t>=7.88</m:t>
+                    </m:r>
+                    <m:r>
+                      <a:rPr lang="de-DE" b="0" i="1" smtClean="0">
+                        <a:latin typeface="Cambria Math" panose="02040503050406030204" pitchFamily="18" charset="0"/>
+                      </a:rPr>
+                      <m:t>𝑚𝑠</m:t>
+                    </m:r>
+                  </m:oMath>
+                </a14:m>
+                <a:endParaRPr lang="de-DE" b="0" i="1" dirty="0">
+                  <a:latin typeface="Cambria Math" panose="02040503050406030204" pitchFamily="18" charset="0"/>
+                </a:endParaRPr>
+              </a:p>
+              <a:p>
+                <a14:m>
+                  <m:oMath xmlns:m="http://schemas.openxmlformats.org/officeDocument/2006/math">
+                    <m:r>
+                      <a:rPr lang="de-DE" b="0" i="1" smtClean="0">
+                        <a:latin typeface="Cambria Math" panose="02040503050406030204" pitchFamily="18" charset="0"/>
+                      </a:rPr>
+                      <m:t>𝑇</m:t>
+                    </m:r>
+                    <m:r>
+                      <a:rPr lang="de-DE" b="0" i="1" smtClean="0">
+                        <a:latin typeface="Cambria Math" panose="02040503050406030204" pitchFamily="18" charset="0"/>
+                      </a:rPr>
+                      <m:t>=</m:t>
+                    </m:r>
+                    <m:f>
+                      <m:fPr>
+                        <m:ctrlPr>
+                          <a:rPr lang="de-DE" b="0" i="1" smtClean="0">
+                            <a:latin typeface="Cambria Math" panose="02040503050406030204" pitchFamily="18" charset="0"/>
+                          </a:rPr>
+                        </m:ctrlPr>
+                      </m:fPr>
+                      <m:num>
+                        <m:r>
+                          <m:rPr>
+                            <m:sty m:val="p"/>
+                          </m:rPr>
+                          <a:rPr lang="de-DE" b="0" i="0" smtClean="0">
+                            <a:latin typeface="Cambria Math" panose="02040503050406030204" pitchFamily="18" charset="0"/>
+                          </a:rPr>
+                          <m:t>Δ</m:t>
+                        </m:r>
+                        <m:r>
+                          <a:rPr lang="de-DE" b="0" i="1" smtClean="0">
+                            <a:latin typeface="Cambria Math" panose="02040503050406030204" pitchFamily="18" charset="0"/>
+                          </a:rPr>
+                          <m:t>𝑡</m:t>
+                        </m:r>
+                      </m:num>
+                      <m:den>
+                        <m:r>
+                          <a:rPr lang="de-DE" b="0" i="1" smtClean="0">
+                            <a:latin typeface="Cambria Math" panose="02040503050406030204" pitchFamily="18" charset="0"/>
+                          </a:rPr>
+                          <m:t>3</m:t>
+                        </m:r>
+                      </m:den>
+                    </m:f>
+                    <m:r>
+                      <a:rPr lang="de-DE" b="0" i="1" smtClean="0">
+                        <a:latin typeface="Cambria Math" panose="02040503050406030204" pitchFamily="18" charset="0"/>
+                      </a:rPr>
+                      <m:t>=2.63</m:t>
+                    </m:r>
+                    <m:r>
+                      <a:rPr lang="de-DE" b="0" i="1" smtClean="0">
+                        <a:latin typeface="Cambria Math" panose="02040503050406030204" pitchFamily="18" charset="0"/>
+                      </a:rPr>
+                      <m:t>𝑚𝑠</m:t>
+                    </m:r>
+                    <m:r>
+                      <a:rPr lang="de-DE" b="0" i="1" smtClean="0">
+                        <a:latin typeface="Cambria Math" panose="02040503050406030204" pitchFamily="18" charset="0"/>
+                      </a:rPr>
+                      <m:t>,  </m:t>
+                    </m:r>
+                    <m:sSub>
+                      <m:sSubPr>
+                        <m:ctrlPr>
+                          <a:rPr lang="de-DE" b="0" i="1" smtClean="0">
+                            <a:latin typeface="Cambria Math" panose="02040503050406030204" pitchFamily="18" charset="0"/>
+                          </a:rPr>
+                        </m:ctrlPr>
+                      </m:sSubPr>
+                      <m:e>
+                        <m:r>
+                          <a:rPr lang="de-DE" b="0" i="1" smtClean="0">
+                            <a:latin typeface="Cambria Math" panose="02040503050406030204" pitchFamily="18" charset="0"/>
+                          </a:rPr>
+                          <m:t>𝜎</m:t>
+                        </m:r>
+                      </m:e>
+                      <m:sub>
+                        <m:r>
+                          <a:rPr lang="de-DE" b="0" i="1" smtClean="0">
+                            <a:latin typeface="Cambria Math" panose="02040503050406030204" pitchFamily="18" charset="0"/>
+                          </a:rPr>
+                          <m:t>𝑇</m:t>
+                        </m:r>
+                      </m:sub>
+                    </m:sSub>
+                    <m:r>
+                      <a:rPr lang="de-DE" b="0" i="1" smtClean="0">
+                        <a:latin typeface="Cambria Math" panose="02040503050406030204" pitchFamily="18" charset="0"/>
+                      </a:rPr>
+                      <m:t>=0.01</m:t>
+                    </m:r>
+                    <m:r>
+                      <a:rPr lang="de-DE" b="0" i="1" smtClean="0">
+                        <a:latin typeface="Cambria Math" panose="02040503050406030204" pitchFamily="18" charset="0"/>
+                      </a:rPr>
+                      <m:t>𝑚𝑠</m:t>
+                    </m:r>
+                  </m:oMath>
+                </a14:m>
+                <a:endParaRPr lang="de-DE" b="0" dirty="0"/>
+              </a:p>
+              <a:p>
+                <a14:m>
+                  <m:oMath xmlns:m="http://schemas.openxmlformats.org/officeDocument/2006/math">
+                    <m:r>
+                      <a:rPr lang="de-DE" b="0" i="1" smtClean="0">
+                        <a:latin typeface="Cambria Math" panose="02040503050406030204" pitchFamily="18" charset="0"/>
+                      </a:rPr>
+                      <m:t>𝜔</m:t>
+                    </m:r>
+                    <m:r>
+                      <a:rPr lang="de-DE" b="0" i="1" smtClean="0">
+                        <a:latin typeface="Cambria Math" panose="02040503050406030204" pitchFamily="18" charset="0"/>
+                      </a:rPr>
+                      <m:t>=</m:t>
+                    </m:r>
+                    <m:d>
+                      <m:dPr>
+                        <m:ctrlPr>
+                          <a:rPr lang="de-DE" b="0" i="1" smtClean="0">
+                            <a:latin typeface="Cambria Math" panose="02040503050406030204" pitchFamily="18" charset="0"/>
+                          </a:rPr>
+                        </m:ctrlPr>
+                      </m:dPr>
+                      <m:e>
+                        <m:r>
+                          <a:rPr lang="de-DE" b="0" i="1" smtClean="0">
+                            <a:latin typeface="Cambria Math" panose="02040503050406030204" pitchFamily="18" charset="0"/>
+                          </a:rPr>
+                          <m:t>2389±21</m:t>
+                        </m:r>
+                      </m:e>
+                    </m:d>
+                    <m:f>
+                      <m:fPr>
+                        <m:ctrlPr>
+                          <a:rPr lang="de-DE" b="0" i="1" smtClean="0">
+                            <a:latin typeface="Cambria Math" panose="02040503050406030204" pitchFamily="18" charset="0"/>
+                          </a:rPr>
+                        </m:ctrlPr>
+                      </m:fPr>
+                      <m:num>
+                        <m:r>
+                          <a:rPr lang="de-DE" b="0" i="1" smtClean="0">
+                            <a:latin typeface="Cambria Math" panose="02040503050406030204" pitchFamily="18" charset="0"/>
+                          </a:rPr>
+                          <m:t>1</m:t>
+                        </m:r>
+                      </m:num>
+                      <m:den>
+                        <m:r>
+                          <a:rPr lang="de-DE" b="0" i="1" smtClean="0">
+                            <a:latin typeface="Cambria Math" panose="02040503050406030204" pitchFamily="18" charset="0"/>
+                          </a:rPr>
+                          <m:t>𝑠</m:t>
+                        </m:r>
+                      </m:den>
+                    </m:f>
+                  </m:oMath>
+                </a14:m>
+                <a:endParaRPr lang="de-DE" b="0" dirty="0"/>
+              </a:p>
+              <a:p>
+                <a14:m>
+                  <m:oMath xmlns:m="http://schemas.openxmlformats.org/officeDocument/2006/math">
+                    <m:sSub>
+                      <m:sSubPr>
+                        <m:ctrlPr>
+                          <a:rPr lang="de-DE" b="0" i="1" smtClean="0">
+                            <a:latin typeface="Cambria Math" panose="02040503050406030204" pitchFamily="18" charset="0"/>
+                          </a:rPr>
+                        </m:ctrlPr>
+                      </m:sSubPr>
+                      <m:e>
+                        <m:r>
+                          <a:rPr lang="de-DE" b="0" i="1" smtClean="0">
+                            <a:latin typeface="Cambria Math" panose="02040503050406030204" pitchFamily="18" charset="0"/>
+                          </a:rPr>
+                          <m:t>𝛿</m:t>
+                        </m:r>
+                      </m:e>
+                      <m:sub>
+                        <m:r>
+                          <a:rPr lang="de-DE" b="0" i="1" smtClean="0">
+                            <a:latin typeface="Cambria Math" panose="02040503050406030204" pitchFamily="18" charset="0"/>
+                          </a:rPr>
+                          <m:t>𝑛</m:t>
+                        </m:r>
+                      </m:sub>
+                    </m:sSub>
+                    <m:r>
+                      <a:rPr lang="de-DE" b="0" i="1" smtClean="0">
+                        <a:latin typeface="Cambria Math" panose="02040503050406030204" pitchFamily="18" charset="0"/>
+                      </a:rPr>
+                      <m:t>= </m:t>
+                    </m:r>
+                    <m:f>
+                      <m:fPr>
+                        <m:ctrlPr>
+                          <a:rPr lang="de-DE" b="0" i="1" smtClean="0">
+                            <a:latin typeface="Cambria Math" panose="02040503050406030204" pitchFamily="18" charset="0"/>
+                          </a:rPr>
+                        </m:ctrlPr>
+                      </m:fPr>
+                      <m:num>
+                        <m:func>
+                          <m:funcPr>
+                            <m:ctrlPr>
+                              <a:rPr lang="de-DE" b="0" i="1" smtClean="0">
+                                <a:latin typeface="Cambria Math" panose="02040503050406030204" pitchFamily="18" charset="0"/>
+                              </a:rPr>
+                            </m:ctrlPr>
+                          </m:funcPr>
+                          <m:fName>
+                            <m:r>
+                              <m:rPr>
+                                <m:sty m:val="p"/>
+                              </m:rPr>
+                              <a:rPr lang="de-DE" b="0" i="0" smtClean="0">
+                                <a:latin typeface="Cambria Math" panose="02040503050406030204" pitchFamily="18" charset="0"/>
+                              </a:rPr>
+                              <m:t>ln</m:t>
+                            </m:r>
+                          </m:fName>
+                          <m:e>
+                            <m:d>
+                              <m:dPr>
+                                <m:ctrlPr>
+                                  <a:rPr lang="de-DE" b="0" i="1" smtClean="0">
+                                    <a:latin typeface="Cambria Math" panose="02040503050406030204" pitchFamily="18" charset="0"/>
+                                  </a:rPr>
+                                </m:ctrlPr>
+                              </m:dPr>
+                              <m:e>
+                                <m:sSub>
+                                  <m:sSubPr>
+                                    <m:ctrlPr>
+                                      <a:rPr lang="de-DE" b="0" i="1" smtClean="0">
+                                        <a:latin typeface="Cambria Math" panose="02040503050406030204" pitchFamily="18" charset="0"/>
+                                      </a:rPr>
+                                    </m:ctrlPr>
+                                  </m:sSubPr>
+                                  <m:e>
+                                    <m:r>
+                                      <a:rPr lang="de-DE" b="0" i="1" smtClean="0">
+                                        <a:latin typeface="Cambria Math" panose="02040503050406030204" pitchFamily="18" charset="0"/>
+                                      </a:rPr>
+                                      <m:t>𝐴</m:t>
+                                    </m:r>
+                                  </m:e>
+                                  <m:sub>
+                                    <m:r>
+                                      <a:rPr lang="de-DE" b="0" i="1" smtClean="0">
+                                        <a:latin typeface="Cambria Math" panose="02040503050406030204" pitchFamily="18" charset="0"/>
+                                      </a:rPr>
+                                      <m:t>𝑛</m:t>
+                                    </m:r>
+                                  </m:sub>
+                                </m:sSub>
+                                <m:r>
+                                  <a:rPr lang="de-DE" b="0" i="1" smtClean="0">
+                                    <a:latin typeface="Cambria Math" panose="02040503050406030204" pitchFamily="18" charset="0"/>
+                                  </a:rPr>
+                                  <m:t>/</m:t>
+                                </m:r>
+                                <m:sSub>
+                                  <m:sSubPr>
+                                    <m:ctrlPr>
+                                      <a:rPr lang="de-DE" b="0" i="1" smtClean="0">
+                                        <a:latin typeface="Cambria Math" panose="02040503050406030204" pitchFamily="18" charset="0"/>
+                                      </a:rPr>
+                                    </m:ctrlPr>
+                                  </m:sSubPr>
+                                  <m:e>
+                                    <m:r>
+                                      <a:rPr lang="de-DE" b="0" i="1" smtClean="0">
+                                        <a:latin typeface="Cambria Math" panose="02040503050406030204" pitchFamily="18" charset="0"/>
+                                      </a:rPr>
+                                      <m:t>𝐴</m:t>
+                                    </m:r>
+                                  </m:e>
+                                  <m:sub>
+                                    <m:r>
+                                      <a:rPr lang="de-DE" b="0" i="1" smtClean="0">
+                                        <a:latin typeface="Cambria Math" panose="02040503050406030204" pitchFamily="18" charset="0"/>
+                                      </a:rPr>
+                                      <m:t>𝑛</m:t>
+                                    </m:r>
+                                    <m:r>
+                                      <a:rPr lang="de-DE" b="0" i="1" smtClean="0">
+                                        <a:latin typeface="Cambria Math" panose="02040503050406030204" pitchFamily="18" charset="0"/>
+                                      </a:rPr>
+                                      <m:t>+1</m:t>
+                                    </m:r>
+                                  </m:sub>
+                                </m:sSub>
+                                <m:r>
+                                  <a:rPr lang="de-DE" b="0" i="1" smtClean="0">
+                                    <a:latin typeface="Cambria Math" panose="02040503050406030204" pitchFamily="18" charset="0"/>
+                                  </a:rPr>
+                                  <m:t>  </m:t>
+                                </m:r>
+                              </m:e>
+                            </m:d>
+                          </m:e>
+                        </m:func>
+                      </m:num>
+                      <m:den>
+                        <m:r>
+                          <a:rPr lang="de-DE" b="0" i="1" smtClean="0">
+                            <a:latin typeface="Cambria Math" panose="02040503050406030204" pitchFamily="18" charset="0"/>
+                          </a:rPr>
+                          <m:t>𝑇</m:t>
+                        </m:r>
+                      </m:den>
+                    </m:f>
+                  </m:oMath>
+                </a14:m>
+                <a:endParaRPr lang="de-DE" dirty="0"/>
+              </a:p>
+              <a:p>
+                <a:endParaRPr lang="de-DE" dirty="0"/>
+              </a:p>
+              <a:p>
+                <a14:m>
+                  <m:oMath xmlns:m="http://schemas.openxmlformats.org/officeDocument/2006/math">
+                    <m:bar>
+                      <m:barPr>
+                        <m:pos m:val="top"/>
+                        <m:ctrlPr>
+                          <a:rPr lang="de-DE" b="0" i="1" smtClean="0">
+                            <a:latin typeface="Cambria Math" panose="02040503050406030204" pitchFamily="18" charset="0"/>
+                          </a:rPr>
+                        </m:ctrlPr>
+                      </m:barPr>
+                      <m:e>
+                        <m:r>
+                          <a:rPr lang="de-DE" b="0" i="1" smtClean="0">
+                            <a:latin typeface="Cambria Math" panose="02040503050406030204" pitchFamily="18" charset="0"/>
+                          </a:rPr>
+                          <m:t>𝛿</m:t>
+                        </m:r>
+                      </m:e>
+                    </m:bar>
+                    <m:r>
+                      <a:rPr lang="de-DE" b="0" i="1" smtClean="0">
+                        <a:latin typeface="Cambria Math" panose="02040503050406030204" pitchFamily="18" charset="0"/>
+                      </a:rPr>
+                      <m:t>=</m:t>
+                    </m:r>
+                    <m:d>
+                      <m:dPr>
+                        <m:ctrlPr>
+                          <a:rPr lang="de-DE" b="0" i="1" smtClean="0">
+                            <a:latin typeface="Cambria Math" panose="02040503050406030204" pitchFamily="18" charset="0"/>
+                          </a:rPr>
+                        </m:ctrlPr>
+                      </m:dPr>
+                      <m:e>
+                        <m:r>
+                          <a:rPr lang="de-DE" b="0" i="1" smtClean="0">
+                            <a:latin typeface="Cambria Math" panose="02040503050406030204" pitchFamily="18" charset="0"/>
+                          </a:rPr>
+                          <m:t>280±10</m:t>
+                        </m:r>
+                      </m:e>
+                    </m:d>
+                    <m:f>
+                      <m:fPr>
+                        <m:ctrlPr>
+                          <a:rPr lang="de-DE" b="0" i="1" smtClean="0">
+                            <a:latin typeface="Cambria Math" panose="02040503050406030204" pitchFamily="18" charset="0"/>
+                          </a:rPr>
+                        </m:ctrlPr>
+                      </m:fPr>
+                      <m:num>
+                        <m:r>
+                          <a:rPr lang="de-DE" b="0" i="1" smtClean="0">
+                            <a:latin typeface="Cambria Math" panose="02040503050406030204" pitchFamily="18" charset="0"/>
+                          </a:rPr>
+                          <m:t>1</m:t>
+                        </m:r>
+                      </m:num>
+                      <m:den>
+                        <m:r>
+                          <a:rPr lang="de-DE" b="0" i="1" smtClean="0">
+                            <a:latin typeface="Cambria Math" panose="02040503050406030204" pitchFamily="18" charset="0"/>
+                          </a:rPr>
+                          <m:t>𝑠</m:t>
+                        </m:r>
+                      </m:den>
+                    </m:f>
+                  </m:oMath>
+                </a14:m>
+                <a:r>
+                  <a:rPr lang="de-DE" b="0" dirty="0"/>
+                  <a:t> </a:t>
+                </a:r>
+              </a:p>
+              <a:p>
+                <a:endParaRPr lang="de-DE" dirty="0"/>
+              </a:p>
+            </p:txBody>
+          </p:sp>
+        </mc:Choice>
+        <mc:Fallback>
+          <p:sp>
+            <p:nvSpPr>
+              <p:cNvPr id="3" name="Inhaltsplatzhalter 2"/>
+              <p:cNvSpPr>
+                <a:spLocks noGrp="1" noRot="1" noChangeAspect="1" noMove="1" noResize="1" noEditPoints="1" noAdjustHandles="1" noChangeArrowheads="1" noChangeShapeType="1" noTextEdit="1"/>
+              </p:cNvSpPr>
+              <p:nvPr>
+                <p:ph idx="1"/>
+              </p:nvPr>
+            </p:nvSpPr>
+            <p:spPr>
+              <a:blipFill>
+                <a:blip r:embed="rId2"/>
+                <a:stretch>
+                  <a:fillRect l="-928" t="-2241"/>
+                </a:stretch>
+              </a:blipFill>
+            </p:spPr>
+            <p:txBody>
+              <a:bodyPr/>
+              <a:lstStyle/>
+              <a:p>
+                <a:r>
+                  <a:rPr lang="de-DE">
+                    <a:noFill/>
+                  </a:rPr>
+                  <a:t> </a:t>
+                </a:r>
+              </a:p>
+            </p:txBody>
+          </p:sp>
+        </mc:Fallback>
+      </mc:AlternateContent>
+      <p:pic>
+        <p:nvPicPr>
+          <p:cNvPr id="5" name="Grafik 4"/>
+          <p:cNvPicPr>
+            <a:picLocks noChangeAspect="1"/>
+          </p:cNvPicPr>
+          <p:nvPr/>
+        </p:nvPicPr>
+        <p:blipFill>
+          <a:blip r:embed="rId3">
+            <a:extLst>
+              <a:ext uri="{28A0092B-C50C-407E-A947-70E740481C1C}">
+                <a14:useLocalDpi xmlns:a14="http://schemas.microsoft.com/office/drawing/2010/main" val="0"/>
+              </a:ext>
+            </a:extLst>
+          </a:blip>
+          <a:stretch>
+            <a:fillRect/>
+          </a:stretch>
+        </p:blipFill>
+        <p:spPr>
+          <a:xfrm>
+            <a:off x="5399741" y="3997494"/>
+            <a:ext cx="5954059" cy="2179469"/>
+          </a:xfrm>
+          <a:prstGeom prst="rect">
+            <a:avLst/>
+          </a:prstGeom>
+        </p:spPr>
+      </p:pic>
+      <p:sp>
+        <p:nvSpPr>
+          <p:cNvPr id="4" name="Foliennummernplatzhalter 3"/>
+          <p:cNvSpPr>
+            <a:spLocks noGrp="1"/>
+          </p:cNvSpPr>
+          <p:nvPr>
+            <p:ph type="sldNum" sz="quarter" idx="12"/>
+          </p:nvPr>
+        </p:nvSpPr>
+        <p:spPr/>
+        <p:txBody>
+          <a:bodyPr/>
+          <a:lstStyle/>
+          <a:p>
+            <a:fld id="{897114A3-BFF3-441B-8EE5-CE8191EEE22E}" type="slidenum">
+              <a:rPr lang="de-DE" smtClean="0"/>
+              <a:t>17</a:t>
+            </a:fld>
+            <a:endParaRPr lang="de-DE"/>
+          </a:p>
+        </p:txBody>
+      </p:sp>
+    </p:spTree>
+    <p:extLst>
+      <p:ext uri="{BB962C8B-B14F-4D97-AF65-F5344CB8AC3E}">
+        <p14:creationId xmlns:p14="http://schemas.microsoft.com/office/powerpoint/2010/main" val="3079464511"/>
+      </p:ext>
+    </p:extLst>
+  </p:cSld>
+  <p:clrMapOvr>
+    <a:masterClrMapping/>
+  </p:clrMapOvr>
+</p:sld>
+</file>
+
+<file path=ppt/slides/slide18.xml><?xml version="1.0" encoding="utf-8"?>
+<p:sld xmlns:a="http://schemas.openxmlformats.org/drawingml/2006/main" xmlns:r="http://schemas.openxmlformats.org/officeDocument/2006/relationships" xmlns:p="http://schemas.openxmlformats.org/presentationml/2006/main">
+  <p:cSld>
+    <p:spTree>
+      <p:nvGrpSpPr>
+        <p:cNvPr id="1" name=""/>
+        <p:cNvGrpSpPr/>
+        <p:nvPr/>
+      </p:nvGrpSpPr>
+      <p:grpSpPr>
+        <a:xfrm>
+          <a:off x="0" y="0"/>
+          <a:ext cx="0" cy="0"/>
+          <a:chOff x="0" y="0"/>
+          <a:chExt cx="0" cy="0"/>
+        </a:xfrm>
+      </p:grpSpPr>
+      <p:sp>
+        <p:nvSpPr>
+          <p:cNvPr id="2" name="Titel 1"/>
+          <p:cNvSpPr>
+            <a:spLocks noGrp="1"/>
+          </p:cNvSpPr>
+          <p:nvPr>
+            <p:ph type="title"/>
+          </p:nvPr>
+        </p:nvSpPr>
+        <p:spPr/>
+        <p:txBody>
+          <a:bodyPr/>
+          <a:lstStyle/>
+          <a:p>
+            <a:r>
+              <a:rPr lang="de-DE" dirty="0"/>
               <a:t>RLC – Rohdaten I</a:t>
             </a:r>
           </a:p>
@@ -6741,7 +7479,7 @@
           <a:p>
             <a:fld id="{897114A3-BFF3-441B-8EE5-CE8191EEE22E}" type="slidenum">
               <a:rPr lang="de-DE" smtClean="0"/>
-              <a:t>17</a:t>
+              <a:t>18</a:t>
             </a:fld>
             <a:endParaRPr lang="de-DE"/>
           </a:p>
@@ -6760,7 +7498,7 @@
 </p:sld>
 </file>
 
-<file path=ppt/slides/slide18.xml><?xml version="1.0" encoding="utf-8"?>
+<file path=ppt/slides/slide19.xml><?xml version="1.0" encoding="utf-8"?>
 <p:sld xmlns:a="http://schemas.openxmlformats.org/drawingml/2006/main" xmlns:r="http://schemas.openxmlformats.org/officeDocument/2006/relationships" xmlns:p="http://schemas.openxmlformats.org/presentationml/2006/main">
   <p:cSld>
     <p:spTree>
@@ -6874,7 +7612,7 @@
           <a:p>
             <a:fld id="{897114A3-BFF3-441B-8EE5-CE8191EEE22E}" type="slidenum">
               <a:rPr lang="de-DE" smtClean="0"/>
-              <a:t>18</a:t>
+              <a:t>19</a:t>
             </a:fld>
             <a:endParaRPr lang="de-DE"/>
           </a:p>
@@ -6893,7 +7631,142 @@
 </p:sld>
 </file>
 
-<file path=ppt/slides/slide19.xml><?xml version="1.0" encoding="utf-8"?>
+<file path=ppt/slides/slide2.xml><?xml version="1.0" encoding="utf-8"?>
+<p:sld xmlns:a="http://schemas.openxmlformats.org/drawingml/2006/main" xmlns:r="http://schemas.openxmlformats.org/officeDocument/2006/relationships" xmlns:p="http://schemas.openxmlformats.org/presentationml/2006/main">
+  <p:cSld>
+    <p:spTree>
+      <p:nvGrpSpPr>
+        <p:cNvPr id="1" name=""/>
+        <p:cNvGrpSpPr/>
+        <p:nvPr/>
+      </p:nvGrpSpPr>
+      <p:grpSpPr>
+        <a:xfrm>
+          <a:off x="0" y="0"/>
+          <a:ext cx="0" cy="0"/>
+          <a:chOff x="0" y="0"/>
+          <a:chExt cx="0" cy="0"/>
+        </a:xfrm>
+      </p:grpSpPr>
+      <p:sp>
+        <p:nvSpPr>
+          <p:cNvPr id="2" name="Titel 1"/>
+          <p:cNvSpPr>
+            <a:spLocks noGrp="1"/>
+          </p:cNvSpPr>
+          <p:nvPr>
+            <p:ph type="title"/>
+          </p:nvPr>
+        </p:nvSpPr>
+        <p:spPr/>
+        <p:txBody>
+          <a:bodyPr/>
+          <a:lstStyle/>
+          <a:p>
+            <a:r>
+              <a:rPr lang="de-DE" dirty="0"/>
+              <a:t>Gliederung</a:t>
+            </a:r>
+          </a:p>
+        </p:txBody>
+      </p:sp>
+      <p:sp>
+        <p:nvSpPr>
+          <p:cNvPr id="3" name="Inhaltsplatzhalter 2"/>
+          <p:cNvSpPr>
+            <a:spLocks noGrp="1"/>
+          </p:cNvSpPr>
+          <p:nvPr>
+            <p:ph idx="1"/>
+          </p:nvPr>
+        </p:nvSpPr>
+        <p:spPr/>
+        <p:txBody>
+          <a:bodyPr>
+            <a:normAutofit lnSpcReduction="10000"/>
+          </a:bodyPr>
+          <a:lstStyle/>
+          <a:p>
+            <a:r>
+              <a:rPr lang="de-DE" dirty="0"/>
+              <a:t>Charakterisierung Widerstand</a:t>
+            </a:r>
+          </a:p>
+          <a:p>
+            <a:endParaRPr lang="de-DE" dirty="0"/>
+          </a:p>
+          <a:p>
+            <a:r>
+              <a:rPr lang="de-DE" dirty="0"/>
+              <a:t>Auf- und Entladung Kondensator</a:t>
+            </a:r>
+          </a:p>
+          <a:p>
+            <a:endParaRPr lang="de-DE" dirty="0"/>
+          </a:p>
+          <a:p>
+            <a:r>
+              <a:rPr lang="de-DE" dirty="0"/>
+              <a:t>RLC – Schwingkreis</a:t>
+            </a:r>
+          </a:p>
+          <a:p>
+            <a:endParaRPr lang="de-DE" dirty="0"/>
+          </a:p>
+          <a:p>
+            <a:r>
+              <a:rPr lang="de-DE" dirty="0"/>
+              <a:t>Gekoppelte LC – Schwingkreise: Schwebung</a:t>
+            </a:r>
+          </a:p>
+          <a:p>
+            <a:endParaRPr lang="de-DE" dirty="0"/>
+          </a:p>
+          <a:p>
+            <a:r>
+              <a:rPr lang="de-DE" dirty="0"/>
+              <a:t>Gekoppelte LC - Schwingkreise: Fundamentalschwingungen</a:t>
+            </a:r>
+          </a:p>
+        </p:txBody>
+      </p:sp>
+      <p:sp>
+        <p:nvSpPr>
+          <p:cNvPr id="4" name="Foliennummernplatzhalter 3"/>
+          <p:cNvSpPr>
+            <a:spLocks noGrp="1"/>
+          </p:cNvSpPr>
+          <p:nvPr>
+            <p:ph type="sldNum" sz="quarter" idx="12"/>
+          </p:nvPr>
+        </p:nvSpPr>
+        <p:spPr/>
+        <p:txBody>
+          <a:bodyPr/>
+          <a:lstStyle/>
+          <a:p>
+            <a:fld id="{897114A3-BFF3-441B-8EE5-CE8191EEE22E}" type="slidenum">
+              <a:rPr lang="de-DE" smtClean="0"/>
+              <a:t>2</a:t>
+            </a:fld>
+            <a:endParaRPr lang="de-DE"/>
+          </a:p>
+        </p:txBody>
+      </p:sp>
+    </p:spTree>
+    <p:extLst>
+      <p:ext uri="{BB962C8B-B14F-4D97-AF65-F5344CB8AC3E}">
+        <p14:creationId xmlns:p14="http://schemas.microsoft.com/office/powerpoint/2010/main" val="1836459103"/>
+      </p:ext>
+    </p:extLst>
+  </p:cSld>
+  <p:clrMapOvr>
+    <a:masterClrMapping/>
+  </p:clrMapOvr>
+</p:sld>
+</file>
+
+<file path=ppt/slides/slide20.xml><?xml version="1.0" encoding="utf-8"?>
 <p:sld xmlns:a="http://schemas.openxmlformats.org/drawingml/2006/main" xmlns:r="http://schemas.openxmlformats.org/officeDocument/2006/relationships" xmlns:p="http://schemas.openxmlformats.org/presentationml/2006/main">
   <p:cSld>
     <p:spTree>
@@ -7852,7 +8725,7 @@
           <a:p>
             <a:fld id="{897114A3-BFF3-441B-8EE5-CE8191EEE22E}" type="slidenum">
               <a:rPr lang="de-DE" smtClean="0"/>
-              <a:t>19</a:t>
+              <a:t>20</a:t>
             </a:fld>
             <a:endParaRPr lang="de-DE"/>
           </a:p>
@@ -7871,142 +8744,7 @@
 </p:sld>
 </file>
 
-<file path=ppt/slides/slide2.xml><?xml version="1.0" encoding="utf-8"?>
-<p:sld xmlns:a="http://schemas.openxmlformats.org/drawingml/2006/main" xmlns:r="http://schemas.openxmlformats.org/officeDocument/2006/relationships" xmlns:p="http://schemas.openxmlformats.org/presentationml/2006/main">
-  <p:cSld>
-    <p:spTree>
-      <p:nvGrpSpPr>
-        <p:cNvPr id="1" name=""/>
-        <p:cNvGrpSpPr/>
-        <p:nvPr/>
-      </p:nvGrpSpPr>
-      <p:grpSpPr>
-        <a:xfrm>
-          <a:off x="0" y="0"/>
-          <a:ext cx="0" cy="0"/>
-          <a:chOff x="0" y="0"/>
-          <a:chExt cx="0" cy="0"/>
-        </a:xfrm>
-      </p:grpSpPr>
-      <p:sp>
-        <p:nvSpPr>
-          <p:cNvPr id="2" name="Titel 1"/>
-          <p:cNvSpPr>
-            <a:spLocks noGrp="1"/>
-          </p:cNvSpPr>
-          <p:nvPr>
-            <p:ph type="title"/>
-          </p:nvPr>
-        </p:nvSpPr>
-        <p:spPr/>
-        <p:txBody>
-          <a:bodyPr/>
-          <a:lstStyle/>
-          <a:p>
-            <a:r>
-              <a:rPr lang="de-DE" dirty="0"/>
-              <a:t>Gliederung</a:t>
-            </a:r>
-          </a:p>
-        </p:txBody>
-      </p:sp>
-      <p:sp>
-        <p:nvSpPr>
-          <p:cNvPr id="3" name="Inhaltsplatzhalter 2"/>
-          <p:cNvSpPr>
-            <a:spLocks noGrp="1"/>
-          </p:cNvSpPr>
-          <p:nvPr>
-            <p:ph idx="1"/>
-          </p:nvPr>
-        </p:nvSpPr>
-        <p:spPr/>
-        <p:txBody>
-          <a:bodyPr>
-            <a:normAutofit lnSpcReduction="10000"/>
-          </a:bodyPr>
-          <a:lstStyle/>
-          <a:p>
-            <a:r>
-              <a:rPr lang="de-DE" dirty="0"/>
-              <a:t>Charakterisierung Widerstand</a:t>
-            </a:r>
-          </a:p>
-          <a:p>
-            <a:endParaRPr lang="de-DE" dirty="0"/>
-          </a:p>
-          <a:p>
-            <a:r>
-              <a:rPr lang="de-DE" dirty="0"/>
-              <a:t>Auf- und Entladung Kondensator</a:t>
-            </a:r>
-          </a:p>
-          <a:p>
-            <a:endParaRPr lang="de-DE" dirty="0"/>
-          </a:p>
-          <a:p>
-            <a:r>
-              <a:rPr lang="de-DE" dirty="0"/>
-              <a:t>RLC – Schwingkreis</a:t>
-            </a:r>
-          </a:p>
-          <a:p>
-            <a:endParaRPr lang="de-DE" dirty="0"/>
-          </a:p>
-          <a:p>
-            <a:r>
-              <a:rPr lang="de-DE" dirty="0"/>
-              <a:t>Gekoppelte LC – Schwingkreise: Schwebung</a:t>
-            </a:r>
-          </a:p>
-          <a:p>
-            <a:endParaRPr lang="de-DE" dirty="0"/>
-          </a:p>
-          <a:p>
-            <a:r>
-              <a:rPr lang="de-DE" dirty="0"/>
-              <a:t>Gekoppelte LC - Schwingkreise: Fundamentalschwingungen</a:t>
-            </a:r>
-          </a:p>
-        </p:txBody>
-      </p:sp>
-      <p:sp>
-        <p:nvSpPr>
-          <p:cNvPr id="4" name="Foliennummernplatzhalter 3"/>
-          <p:cNvSpPr>
-            <a:spLocks noGrp="1"/>
-          </p:cNvSpPr>
-          <p:nvPr>
-            <p:ph type="sldNum" sz="quarter" idx="12"/>
-          </p:nvPr>
-        </p:nvSpPr>
-        <p:spPr/>
-        <p:txBody>
-          <a:bodyPr/>
-          <a:lstStyle/>
-          <a:p>
-            <a:fld id="{897114A3-BFF3-441B-8EE5-CE8191EEE22E}" type="slidenum">
-              <a:rPr lang="de-DE" smtClean="0"/>
-              <a:t>2</a:t>
-            </a:fld>
-            <a:endParaRPr lang="de-DE"/>
-          </a:p>
-        </p:txBody>
-      </p:sp>
-    </p:spTree>
-    <p:extLst>
-      <p:ext uri="{BB962C8B-B14F-4D97-AF65-F5344CB8AC3E}">
-        <p14:creationId xmlns:p14="http://schemas.microsoft.com/office/powerpoint/2010/main" val="1836459103"/>
-      </p:ext>
-    </p:extLst>
-  </p:cSld>
-  <p:clrMapOvr>
-    <a:masterClrMapping/>
-  </p:clrMapOvr>
-</p:sld>
-</file>
-
-<file path=ppt/slides/slide20.xml><?xml version="1.0" encoding="utf-8"?>
+<file path=ppt/slides/slide21.xml><?xml version="1.0" encoding="utf-8"?>
 <p:sld xmlns:a="http://schemas.openxmlformats.org/drawingml/2006/main" xmlns:r="http://schemas.openxmlformats.org/officeDocument/2006/relationships" xmlns:p="http://schemas.openxmlformats.org/presentationml/2006/main">
   <p:cSld>
     <p:spTree>
@@ -8513,7 +9251,7 @@
           <a:p>
             <a:fld id="{897114A3-BFF3-441B-8EE5-CE8191EEE22E}" type="slidenum">
               <a:rPr lang="de-DE" smtClean="0"/>
-              <a:t>20</a:t>
+              <a:t>21</a:t>
             </a:fld>
             <a:endParaRPr lang="de-DE"/>
           </a:p>
@@ -8532,7 +9270,7 @@
 </p:sld>
 </file>
 
-<file path=ppt/slides/slide21.xml><?xml version="1.0" encoding="utf-8"?>
+<file path=ppt/slides/slide22.xml><?xml version="1.0" encoding="utf-8"?>
 <p:sld xmlns:a="http://schemas.openxmlformats.org/drawingml/2006/main" xmlns:r="http://schemas.openxmlformats.org/officeDocument/2006/relationships" xmlns:p="http://schemas.openxmlformats.org/presentationml/2006/main">
   <p:cSld>
     <p:spTree>
@@ -8677,7 +9415,7 @@
           <a:p>
             <a:fld id="{897114A3-BFF3-441B-8EE5-CE8191EEE22E}" type="slidenum">
               <a:rPr lang="de-DE" smtClean="0"/>
-              <a:t>21</a:t>
+              <a:t>22</a:t>
             </a:fld>
             <a:endParaRPr lang="de-DE"/>
           </a:p>
@@ -8696,7 +9434,7 @@
 </p:sld>
 </file>
 
-<file path=ppt/slides/slide22.xml><?xml version="1.0" encoding="utf-8"?>
+<file path=ppt/slides/slide23.xml><?xml version="1.0" encoding="utf-8"?>
 <p:sld xmlns:a="http://schemas.openxmlformats.org/drawingml/2006/main" xmlns:r="http://schemas.openxmlformats.org/officeDocument/2006/relationships" xmlns:p="http://schemas.openxmlformats.org/presentationml/2006/main">
   <p:cSld>
     <p:spTree>
@@ -9092,7 +9830,7 @@
           <a:p>
             <a:fld id="{897114A3-BFF3-441B-8EE5-CE8191EEE22E}" type="slidenum">
               <a:rPr lang="de-DE" smtClean="0"/>
-              <a:t>22</a:t>
+              <a:t>23</a:t>
             </a:fld>
             <a:endParaRPr lang="de-DE"/>
           </a:p>
@@ -9111,7 +9849,7 @@
 </p:sld>
 </file>
 
-<file path=ppt/slides/slide23.xml><?xml version="1.0" encoding="utf-8"?>
+<file path=ppt/slides/slide24.xml><?xml version="1.0" encoding="utf-8"?>
 <p:sld xmlns:a="http://schemas.openxmlformats.org/drawingml/2006/main" xmlns:r="http://schemas.openxmlformats.org/officeDocument/2006/relationships" xmlns:p="http://schemas.openxmlformats.org/presentationml/2006/main">
   <p:cSld>
     <p:spTree>
@@ -9533,7 +10271,7 @@
           <a:p>
             <a:fld id="{897114A3-BFF3-441B-8EE5-CE8191EEE22E}" type="slidenum">
               <a:rPr lang="de-DE" smtClean="0"/>
-              <a:t>23</a:t>
+              <a:t>24</a:t>
             </a:fld>
             <a:endParaRPr lang="de-DE"/>
           </a:p>
@@ -9552,7 +10290,7 @@
 </p:sld>
 </file>
 
-<file path=ppt/slides/slide24.xml><?xml version="1.0" encoding="utf-8"?>
+<file path=ppt/slides/slide25.xml><?xml version="1.0" encoding="utf-8"?>
 <p:sld xmlns:a="http://schemas.openxmlformats.org/drawingml/2006/main" xmlns:r="http://schemas.openxmlformats.org/officeDocument/2006/relationships" xmlns:p="http://schemas.openxmlformats.org/presentationml/2006/main">
   <p:cSld>
     <p:spTree>
@@ -9979,7 +10717,7 @@
           <a:p>
             <a:fld id="{897114A3-BFF3-441B-8EE5-CE8191EEE22E}" type="slidenum">
               <a:rPr lang="de-DE" smtClean="0"/>
-              <a:t>24</a:t>
+              <a:t>25</a:t>
             </a:fld>
             <a:endParaRPr lang="de-DE"/>
           </a:p>
@@ -9998,7 +10736,7 @@
 </p:sld>
 </file>
 
-<file path=ppt/slides/slide25.xml><?xml version="1.0" encoding="utf-8"?>
+<file path=ppt/slides/slide26.xml><?xml version="1.0" encoding="utf-8"?>
 <p:sld xmlns:a="http://schemas.openxmlformats.org/drawingml/2006/main" xmlns:r="http://schemas.openxmlformats.org/officeDocument/2006/relationships" xmlns:p="http://schemas.openxmlformats.org/presentationml/2006/main">
   <p:cSld>
     <p:spTree>
@@ -10069,7 +10807,7 @@
 </p:sld>
 </file>
 
-<file path=ppt/slides/slide26.xml><?xml version="1.0" encoding="utf-8"?>
+<file path=ppt/slides/slide27.xml><?xml version="1.0" encoding="utf-8"?>
 <p:sld xmlns:a="http://schemas.openxmlformats.org/drawingml/2006/main" xmlns:r="http://schemas.openxmlformats.org/officeDocument/2006/relationships" xmlns:p="http://schemas.openxmlformats.org/presentationml/2006/main">
   <p:cSld>
     <p:spTree>
@@ -10620,7 +11358,7 @@
           <a:p>
             <a:fld id="{897114A3-BFF3-441B-8EE5-CE8191EEE22E}" type="slidenum">
               <a:rPr lang="de-DE" smtClean="0"/>
-              <a:t>26</a:t>
+              <a:t>27</a:t>
             </a:fld>
             <a:endParaRPr lang="de-DE"/>
           </a:p>
@@ -10639,7 +11377,7 @@
 </p:sld>
 </file>
 
-<file path=ppt/slides/slide27.xml><?xml version="1.0" encoding="utf-8"?>
+<file path=ppt/slides/slide28.xml><?xml version="1.0" encoding="utf-8"?>
 <p:sld xmlns:a="http://schemas.openxmlformats.org/drawingml/2006/main" xmlns:r="http://schemas.openxmlformats.org/officeDocument/2006/relationships" xmlns:p="http://schemas.openxmlformats.org/presentationml/2006/main">
   <p:cSld>
     <p:spTree>
@@ -10762,7 +11500,7 @@
           <a:p>
             <a:fld id="{897114A3-BFF3-441B-8EE5-CE8191EEE22E}" type="slidenum">
               <a:rPr lang="de-DE" smtClean="0"/>
-              <a:t>27</a:t>
+              <a:t>28</a:t>
             </a:fld>
             <a:endParaRPr lang="de-DE"/>
           </a:p>
@@ -10811,7 +11549,7 @@
 </p:sld>
 </file>
 
-<file path=ppt/slides/slide28.xml><?xml version="1.0" encoding="utf-8"?>
+<file path=ppt/slides/slide29.xml><?xml version="1.0" encoding="utf-8"?>
 <p:sld xmlns:a="http://schemas.openxmlformats.org/drawingml/2006/main" xmlns:r="http://schemas.openxmlformats.org/officeDocument/2006/relationships" xmlns:p="http://schemas.openxmlformats.org/presentationml/2006/main">
   <p:cSld>
     <p:spTree>
@@ -10896,7 +11634,7 @@
           <a:p>
             <a:fld id="{897114A3-BFF3-441B-8EE5-CE8191EEE22E}" type="slidenum">
               <a:rPr lang="de-DE" smtClean="0"/>
-              <a:t>28</a:t>
+              <a:t>29</a:t>
             </a:fld>
             <a:endParaRPr lang="de-DE"/>
           </a:p>
@@ -10936,155 +11674,6 @@
     <p:extLst>
       <p:ext uri="{BB962C8B-B14F-4D97-AF65-F5344CB8AC3E}">
         <p14:creationId xmlns:p14="http://schemas.microsoft.com/office/powerpoint/2010/main" val="1201655652"/>
-      </p:ext>
-    </p:extLst>
-  </p:cSld>
-  <p:clrMapOvr>
-    <a:masterClrMapping/>
-  </p:clrMapOvr>
-</p:sld>
-</file>
-
-<file path=ppt/slides/slide29.xml><?xml version="1.0" encoding="utf-8"?>
-<p:sld xmlns:a="http://schemas.openxmlformats.org/drawingml/2006/main" xmlns:r="http://schemas.openxmlformats.org/officeDocument/2006/relationships" xmlns:p="http://schemas.openxmlformats.org/presentationml/2006/main">
-  <p:cSld>
-    <p:spTree>
-      <p:nvGrpSpPr>
-        <p:cNvPr id="1" name=""/>
-        <p:cNvGrpSpPr/>
-        <p:nvPr/>
-      </p:nvGrpSpPr>
-      <p:grpSpPr>
-        <a:xfrm>
-          <a:off x="0" y="0"/>
-          <a:ext cx="0" cy="0"/>
-          <a:chOff x="0" y="0"/>
-          <a:chExt cx="0" cy="0"/>
-        </a:xfrm>
-      </p:grpSpPr>
-      <p:sp>
-        <p:nvSpPr>
-          <p:cNvPr id="2" name="Titel 1"/>
-          <p:cNvSpPr>
-            <a:spLocks noGrp="1"/>
-          </p:cNvSpPr>
-          <p:nvPr>
-            <p:ph type="title"/>
-          </p:nvPr>
-        </p:nvSpPr>
-        <p:spPr/>
-        <p:txBody>
-          <a:bodyPr/>
-          <a:lstStyle/>
-          <a:p>
-            <a:r>
-              <a:rPr lang="de-DE" dirty="0"/>
-              <a:t>Gekoppelte LC – Schwingkreise: Schwebung</a:t>
-            </a:r>
-          </a:p>
-        </p:txBody>
-      </p:sp>
-      <p:sp>
-        <p:nvSpPr>
-          <p:cNvPr id="4" name="Foliennummernplatzhalter 3"/>
-          <p:cNvSpPr>
-            <a:spLocks noGrp="1"/>
-          </p:cNvSpPr>
-          <p:nvPr>
-            <p:ph type="sldNum" sz="quarter" idx="12"/>
-          </p:nvPr>
-        </p:nvSpPr>
-        <p:spPr/>
-        <p:txBody>
-          <a:bodyPr/>
-          <a:lstStyle/>
-          <a:p>
-            <a:fld id="{897114A3-BFF3-441B-8EE5-CE8191EEE22E}" type="slidenum">
-              <a:rPr lang="de-DE" smtClean="0"/>
-              <a:t>29</a:t>
-            </a:fld>
-            <a:endParaRPr lang="de-DE"/>
-          </a:p>
-        </p:txBody>
-      </p:sp>
-      <p:sp>
-        <p:nvSpPr>
-          <p:cNvPr id="5" name="Inhaltsplatzhalter 4"/>
-          <p:cNvSpPr>
-            <a:spLocks noGrp="1"/>
-          </p:cNvSpPr>
-          <p:nvPr>
-            <p:ph idx="1"/>
-          </p:nvPr>
-        </p:nvSpPr>
-        <p:spPr>
-          <a:xfrm>
-            <a:off x="845127" y="3449637"/>
-            <a:ext cx="10515600" cy="2906713"/>
-          </a:xfrm>
-        </p:spPr>
-        <p:txBody>
-          <a:bodyPr/>
-          <a:lstStyle/>
-          <a:p>
-            <a:r>
-              <a:rPr lang="de-DE" dirty="0"/>
-              <a:t>Fazit:</a:t>
-            </a:r>
-          </a:p>
-          <a:p>
-            <a:pPr lvl="1"/>
-            <a:r>
-              <a:rPr lang="de-DE" dirty="0"/>
-              <a:t>Kopplung gut messbar</a:t>
-            </a:r>
-          </a:p>
-          <a:p>
-            <a:pPr lvl="1"/>
-            <a:r>
-              <a:rPr lang="de-DE" dirty="0"/>
-              <a:t>Fehler auf Zeitdifferenz groß</a:t>
-            </a:r>
-          </a:p>
-          <a:p>
-            <a:endParaRPr lang="de-DE" dirty="0"/>
-          </a:p>
-        </p:txBody>
-      </p:sp>
-      <p:pic>
-        <p:nvPicPr>
-          <p:cNvPr id="6" name="Grafik 5"/>
-          <p:cNvPicPr>
-            <a:picLocks noChangeAspect="1"/>
-          </p:cNvPicPr>
-          <p:nvPr/>
-        </p:nvPicPr>
-        <p:blipFill>
-          <a:blip r:embed="rId3">
-            <a:extLst>
-              <a:ext uri="{28A0092B-C50C-407E-A947-70E740481C1C}">
-                <a14:useLocalDpi xmlns:a14="http://schemas.microsoft.com/office/drawing/2010/main" val="0"/>
-              </a:ext>
-            </a:extLst>
-          </a:blip>
-          <a:stretch>
-            <a:fillRect/>
-          </a:stretch>
-        </p:blipFill>
-        <p:spPr>
-          <a:xfrm>
-            <a:off x="1215960" y="1700600"/>
-            <a:ext cx="9773934" cy="1393190"/>
-          </a:xfrm>
-          <a:prstGeom prst="rect">
-            <a:avLst/>
-          </a:prstGeom>
-        </p:spPr>
-      </p:pic>
-    </p:spTree>
-    <p:extLst>
-      <p:ext uri="{BB962C8B-B14F-4D97-AF65-F5344CB8AC3E}">
-        <p14:creationId xmlns:p14="http://schemas.microsoft.com/office/powerpoint/2010/main" val="1138002919"/>
       </p:ext>
     </p:extLst>
   </p:cSld>
@@ -11327,6 +11916,155 @@
           <a:p>
             <a:r>
               <a:rPr lang="de-DE" dirty="0"/>
+              <a:t>Gekoppelte LC – Schwingkreise: Schwebung</a:t>
+            </a:r>
+          </a:p>
+        </p:txBody>
+      </p:sp>
+      <p:sp>
+        <p:nvSpPr>
+          <p:cNvPr id="4" name="Foliennummernplatzhalter 3"/>
+          <p:cNvSpPr>
+            <a:spLocks noGrp="1"/>
+          </p:cNvSpPr>
+          <p:nvPr>
+            <p:ph type="sldNum" sz="quarter" idx="12"/>
+          </p:nvPr>
+        </p:nvSpPr>
+        <p:spPr/>
+        <p:txBody>
+          <a:bodyPr/>
+          <a:lstStyle/>
+          <a:p>
+            <a:fld id="{897114A3-BFF3-441B-8EE5-CE8191EEE22E}" type="slidenum">
+              <a:rPr lang="de-DE" smtClean="0"/>
+              <a:t>30</a:t>
+            </a:fld>
+            <a:endParaRPr lang="de-DE"/>
+          </a:p>
+        </p:txBody>
+      </p:sp>
+      <p:sp>
+        <p:nvSpPr>
+          <p:cNvPr id="5" name="Inhaltsplatzhalter 4"/>
+          <p:cNvSpPr>
+            <a:spLocks noGrp="1"/>
+          </p:cNvSpPr>
+          <p:nvPr>
+            <p:ph idx="1"/>
+          </p:nvPr>
+        </p:nvSpPr>
+        <p:spPr>
+          <a:xfrm>
+            <a:off x="845127" y="3449637"/>
+            <a:ext cx="10515600" cy="2906713"/>
+          </a:xfrm>
+        </p:spPr>
+        <p:txBody>
+          <a:bodyPr/>
+          <a:lstStyle/>
+          <a:p>
+            <a:r>
+              <a:rPr lang="de-DE" dirty="0"/>
+              <a:t>Fazit:</a:t>
+            </a:r>
+          </a:p>
+          <a:p>
+            <a:pPr lvl="1"/>
+            <a:r>
+              <a:rPr lang="de-DE" dirty="0"/>
+              <a:t>Kopplung gut messbar</a:t>
+            </a:r>
+          </a:p>
+          <a:p>
+            <a:pPr lvl="1"/>
+            <a:r>
+              <a:rPr lang="de-DE" dirty="0"/>
+              <a:t>Fehler auf Zeitdifferenz groß</a:t>
+            </a:r>
+          </a:p>
+          <a:p>
+            <a:endParaRPr lang="de-DE" dirty="0"/>
+          </a:p>
+        </p:txBody>
+      </p:sp>
+      <p:pic>
+        <p:nvPicPr>
+          <p:cNvPr id="6" name="Grafik 5"/>
+          <p:cNvPicPr>
+            <a:picLocks noChangeAspect="1"/>
+          </p:cNvPicPr>
+          <p:nvPr/>
+        </p:nvPicPr>
+        <p:blipFill>
+          <a:blip r:embed="rId3">
+            <a:extLst>
+              <a:ext uri="{28A0092B-C50C-407E-A947-70E740481C1C}">
+                <a14:useLocalDpi xmlns:a14="http://schemas.microsoft.com/office/drawing/2010/main" val="0"/>
+              </a:ext>
+            </a:extLst>
+          </a:blip>
+          <a:stretch>
+            <a:fillRect/>
+          </a:stretch>
+        </p:blipFill>
+        <p:spPr>
+          <a:xfrm>
+            <a:off x="1215960" y="1700600"/>
+            <a:ext cx="9773934" cy="1393190"/>
+          </a:xfrm>
+          <a:prstGeom prst="rect">
+            <a:avLst/>
+          </a:prstGeom>
+        </p:spPr>
+      </p:pic>
+    </p:spTree>
+    <p:extLst>
+      <p:ext uri="{BB962C8B-B14F-4D97-AF65-F5344CB8AC3E}">
+        <p14:creationId xmlns:p14="http://schemas.microsoft.com/office/powerpoint/2010/main" val="1138002919"/>
+      </p:ext>
+    </p:extLst>
+  </p:cSld>
+  <p:clrMapOvr>
+    <a:masterClrMapping/>
+  </p:clrMapOvr>
+</p:sld>
+</file>
+
+<file path=ppt/slides/slide31.xml><?xml version="1.0" encoding="utf-8"?>
+<p:sld xmlns:a="http://schemas.openxmlformats.org/drawingml/2006/main" xmlns:r="http://schemas.openxmlformats.org/officeDocument/2006/relationships" xmlns:p="http://schemas.openxmlformats.org/presentationml/2006/main">
+  <p:cSld>
+    <p:spTree>
+      <p:nvGrpSpPr>
+        <p:cNvPr id="1" name=""/>
+        <p:cNvGrpSpPr/>
+        <p:nvPr/>
+      </p:nvGrpSpPr>
+      <p:grpSpPr>
+        <a:xfrm>
+          <a:off x="0" y="0"/>
+          <a:ext cx="0" cy="0"/>
+          <a:chOff x="0" y="0"/>
+          <a:chExt cx="0" cy="0"/>
+        </a:xfrm>
+      </p:grpSpPr>
+      <p:sp>
+        <p:nvSpPr>
+          <p:cNvPr id="2" name="Titel 1"/>
+          <p:cNvSpPr>
+            <a:spLocks noGrp="1"/>
+          </p:cNvSpPr>
+          <p:nvPr>
+            <p:ph type="title"/>
+          </p:nvPr>
+        </p:nvSpPr>
+        <p:spPr/>
+        <p:txBody>
+          <a:bodyPr/>
+          <a:lstStyle/>
+          <a:p>
+            <a:r>
+              <a:rPr lang="de-DE" dirty="0"/>
               <a:t>Gekoppelte LC: Fundamentalschwingungen</a:t>
             </a:r>
             <a:br>
@@ -11843,7 +12581,7 @@
           <a:p>
             <a:fld id="{897114A3-BFF3-441B-8EE5-CE8191EEE22E}" type="slidenum">
               <a:rPr lang="de-DE" smtClean="0"/>
-              <a:t>30</a:t>
+              <a:t>31</a:t>
             </a:fld>
             <a:endParaRPr lang="de-DE"/>
           </a:p>
@@ -11853,175 +12591,6 @@
     <p:extLst>
       <p:ext uri="{BB962C8B-B14F-4D97-AF65-F5344CB8AC3E}">
         <p14:creationId xmlns:p14="http://schemas.microsoft.com/office/powerpoint/2010/main" val="2209967786"/>
-      </p:ext>
-    </p:extLst>
-  </p:cSld>
-  <p:clrMapOvr>
-    <a:masterClrMapping/>
-  </p:clrMapOvr>
-</p:sld>
-</file>
-
-<file path=ppt/slides/slide31.xml><?xml version="1.0" encoding="utf-8"?>
-<p:sld xmlns:a="http://schemas.openxmlformats.org/drawingml/2006/main" xmlns:r="http://schemas.openxmlformats.org/officeDocument/2006/relationships" xmlns:p="http://schemas.openxmlformats.org/presentationml/2006/main">
-  <p:cSld>
-    <p:spTree>
-      <p:nvGrpSpPr>
-        <p:cNvPr id="1" name=""/>
-        <p:cNvGrpSpPr/>
-        <p:nvPr/>
-      </p:nvGrpSpPr>
-      <p:grpSpPr>
-        <a:xfrm>
-          <a:off x="0" y="0"/>
-          <a:ext cx="0" cy="0"/>
-          <a:chOff x="0" y="0"/>
-          <a:chExt cx="0" cy="0"/>
-        </a:xfrm>
-      </p:grpSpPr>
-      <p:sp>
-        <p:nvSpPr>
-          <p:cNvPr id="2" name="Titel 1"/>
-          <p:cNvSpPr>
-            <a:spLocks noGrp="1"/>
-          </p:cNvSpPr>
-          <p:nvPr>
-            <p:ph type="title"/>
-          </p:nvPr>
-        </p:nvSpPr>
-        <p:spPr/>
-        <p:txBody>
-          <a:bodyPr/>
-          <a:lstStyle/>
-          <a:p>
-            <a:r>
-              <a:rPr lang="de-DE" dirty="0"/>
-              <a:t>Gekoppelte LC: Fundamentalschwingungen</a:t>
-            </a:r>
-            <a:br>
-              <a:rPr lang="de-DE" dirty="0"/>
-            </a:br>
-            <a:r>
-              <a:rPr lang="de-DE" dirty="0"/>
-              <a:t>Aufbau</a:t>
-            </a:r>
-          </a:p>
-        </p:txBody>
-      </p:sp>
-      <p:pic>
-        <p:nvPicPr>
-          <p:cNvPr id="6" name="Inhaltsplatzhalter 5"/>
-          <p:cNvPicPr>
-            <a:picLocks noGrp="1" noChangeAspect="1"/>
-          </p:cNvPicPr>
-          <p:nvPr>
-            <p:ph sz="half" idx="1"/>
-          </p:nvPr>
-        </p:nvPicPr>
-        <p:blipFill>
-          <a:blip r:embed="rId2">
-            <a:extLst>
-              <a:ext uri="{28A0092B-C50C-407E-A947-70E740481C1C}">
-                <a14:useLocalDpi xmlns:a14="http://schemas.microsoft.com/office/drawing/2010/main" val="0"/>
-              </a:ext>
-            </a:extLst>
-          </a:blip>
-          <a:stretch>
-            <a:fillRect/>
-          </a:stretch>
-        </p:blipFill>
-        <p:spPr>
-          <a:xfrm>
-            <a:off x="1152497" y="1793627"/>
-            <a:ext cx="9900859" cy="2750238"/>
-          </a:xfrm>
-        </p:spPr>
-      </p:pic>
-      <p:sp>
-        <p:nvSpPr>
-          <p:cNvPr id="4" name="Foliennummernplatzhalter 3"/>
-          <p:cNvSpPr>
-            <a:spLocks noGrp="1"/>
-          </p:cNvSpPr>
-          <p:nvPr>
-            <p:ph type="sldNum" sz="quarter" idx="12"/>
-          </p:nvPr>
-        </p:nvSpPr>
-        <p:spPr/>
-        <p:txBody>
-          <a:bodyPr/>
-          <a:lstStyle/>
-          <a:p>
-            <a:fld id="{897114A3-BFF3-441B-8EE5-CE8191EEE22E}" type="slidenum">
-              <a:rPr lang="de-DE" smtClean="0"/>
-              <a:t>31</a:t>
-            </a:fld>
-            <a:endParaRPr lang="de-DE"/>
-          </a:p>
-        </p:txBody>
-      </p:sp>
-      <p:sp>
-        <p:nvSpPr>
-          <p:cNvPr id="3" name="Textfeld 2"/>
-          <p:cNvSpPr txBox="1"/>
-          <p:nvPr/>
-        </p:nvSpPr>
-        <p:spPr>
-          <a:xfrm>
-            <a:off x="2914650" y="4732020"/>
-            <a:ext cx="2000250" cy="400110"/>
-          </a:xfrm>
-          <a:prstGeom prst="rect">
-            <a:avLst/>
-          </a:prstGeom>
-          <a:noFill/>
-        </p:spPr>
-        <p:txBody>
-          <a:bodyPr wrap="square" rtlCol="0">
-            <a:spAutoFit/>
-          </a:bodyPr>
-          <a:lstStyle/>
-          <a:p>
-            <a:r>
-              <a:rPr lang="de-DE" sz="2000" dirty="0"/>
-              <a:t>Gleichsinnig</a:t>
-            </a:r>
-          </a:p>
-        </p:txBody>
-      </p:sp>
-      <p:sp>
-        <p:nvSpPr>
-          <p:cNvPr id="7" name="Textfeld 6"/>
-          <p:cNvSpPr txBox="1"/>
-          <p:nvPr/>
-        </p:nvSpPr>
-        <p:spPr>
-          <a:xfrm>
-            <a:off x="7867650" y="4732020"/>
-            <a:ext cx="2000250" cy="400110"/>
-          </a:xfrm>
-          <a:prstGeom prst="rect">
-            <a:avLst/>
-          </a:prstGeom>
-          <a:noFill/>
-        </p:spPr>
-        <p:txBody>
-          <a:bodyPr wrap="square" rtlCol="0">
-            <a:spAutoFit/>
-          </a:bodyPr>
-          <a:lstStyle/>
-          <a:p>
-            <a:r>
-              <a:rPr lang="de-DE" sz="2000" dirty="0"/>
-              <a:t>Gegensinnig</a:t>
-            </a:r>
-          </a:p>
-        </p:txBody>
-      </p:sp>
-    </p:spTree>
-    <p:extLst>
-      <p:ext uri="{BB962C8B-B14F-4D97-AF65-F5344CB8AC3E}">
-        <p14:creationId xmlns:p14="http://schemas.microsoft.com/office/powerpoint/2010/main" val="4268129209"/>
       </p:ext>
     </p:extLst>
   </p:cSld>
@@ -12072,6 +12641,175 @@
             </a:br>
             <a:r>
               <a:rPr lang="de-DE" dirty="0"/>
+              <a:t>Aufbau</a:t>
+            </a:r>
+          </a:p>
+        </p:txBody>
+      </p:sp>
+      <p:pic>
+        <p:nvPicPr>
+          <p:cNvPr id="6" name="Inhaltsplatzhalter 5"/>
+          <p:cNvPicPr>
+            <a:picLocks noGrp="1" noChangeAspect="1"/>
+          </p:cNvPicPr>
+          <p:nvPr>
+            <p:ph sz="half" idx="1"/>
+          </p:nvPr>
+        </p:nvPicPr>
+        <p:blipFill>
+          <a:blip r:embed="rId2">
+            <a:extLst>
+              <a:ext uri="{28A0092B-C50C-407E-A947-70E740481C1C}">
+                <a14:useLocalDpi xmlns:a14="http://schemas.microsoft.com/office/drawing/2010/main" val="0"/>
+              </a:ext>
+            </a:extLst>
+          </a:blip>
+          <a:stretch>
+            <a:fillRect/>
+          </a:stretch>
+        </p:blipFill>
+        <p:spPr>
+          <a:xfrm>
+            <a:off x="1152497" y="1793627"/>
+            <a:ext cx="9900859" cy="2750238"/>
+          </a:xfrm>
+        </p:spPr>
+      </p:pic>
+      <p:sp>
+        <p:nvSpPr>
+          <p:cNvPr id="4" name="Foliennummernplatzhalter 3"/>
+          <p:cNvSpPr>
+            <a:spLocks noGrp="1"/>
+          </p:cNvSpPr>
+          <p:nvPr>
+            <p:ph type="sldNum" sz="quarter" idx="12"/>
+          </p:nvPr>
+        </p:nvSpPr>
+        <p:spPr/>
+        <p:txBody>
+          <a:bodyPr/>
+          <a:lstStyle/>
+          <a:p>
+            <a:fld id="{897114A3-BFF3-441B-8EE5-CE8191EEE22E}" type="slidenum">
+              <a:rPr lang="de-DE" smtClean="0"/>
+              <a:t>32</a:t>
+            </a:fld>
+            <a:endParaRPr lang="de-DE"/>
+          </a:p>
+        </p:txBody>
+      </p:sp>
+      <p:sp>
+        <p:nvSpPr>
+          <p:cNvPr id="3" name="Textfeld 2"/>
+          <p:cNvSpPr txBox="1"/>
+          <p:nvPr/>
+        </p:nvSpPr>
+        <p:spPr>
+          <a:xfrm>
+            <a:off x="2914650" y="4732020"/>
+            <a:ext cx="2000250" cy="400110"/>
+          </a:xfrm>
+          <a:prstGeom prst="rect">
+            <a:avLst/>
+          </a:prstGeom>
+          <a:noFill/>
+        </p:spPr>
+        <p:txBody>
+          <a:bodyPr wrap="square" rtlCol="0">
+            <a:spAutoFit/>
+          </a:bodyPr>
+          <a:lstStyle/>
+          <a:p>
+            <a:r>
+              <a:rPr lang="de-DE" sz="2000" dirty="0"/>
+              <a:t>Gleichsinnig</a:t>
+            </a:r>
+          </a:p>
+        </p:txBody>
+      </p:sp>
+      <p:sp>
+        <p:nvSpPr>
+          <p:cNvPr id="7" name="Textfeld 6"/>
+          <p:cNvSpPr txBox="1"/>
+          <p:nvPr/>
+        </p:nvSpPr>
+        <p:spPr>
+          <a:xfrm>
+            <a:off x="7867650" y="4732020"/>
+            <a:ext cx="2000250" cy="400110"/>
+          </a:xfrm>
+          <a:prstGeom prst="rect">
+            <a:avLst/>
+          </a:prstGeom>
+          <a:noFill/>
+        </p:spPr>
+        <p:txBody>
+          <a:bodyPr wrap="square" rtlCol="0">
+            <a:spAutoFit/>
+          </a:bodyPr>
+          <a:lstStyle/>
+          <a:p>
+            <a:r>
+              <a:rPr lang="de-DE" sz="2000" dirty="0"/>
+              <a:t>Gegensinnig</a:t>
+            </a:r>
+          </a:p>
+        </p:txBody>
+      </p:sp>
+    </p:spTree>
+    <p:extLst>
+      <p:ext uri="{BB962C8B-B14F-4D97-AF65-F5344CB8AC3E}">
+        <p14:creationId xmlns:p14="http://schemas.microsoft.com/office/powerpoint/2010/main" val="4268129209"/>
+      </p:ext>
+    </p:extLst>
+  </p:cSld>
+  <p:clrMapOvr>
+    <a:masterClrMapping/>
+  </p:clrMapOvr>
+</p:sld>
+</file>
+
+<file path=ppt/slides/slide33.xml><?xml version="1.0" encoding="utf-8"?>
+<p:sld xmlns:a="http://schemas.openxmlformats.org/drawingml/2006/main" xmlns:r="http://schemas.openxmlformats.org/officeDocument/2006/relationships" xmlns:p="http://schemas.openxmlformats.org/presentationml/2006/main">
+  <p:cSld>
+    <p:spTree>
+      <p:nvGrpSpPr>
+        <p:cNvPr id="1" name=""/>
+        <p:cNvGrpSpPr/>
+        <p:nvPr/>
+      </p:nvGrpSpPr>
+      <p:grpSpPr>
+        <a:xfrm>
+          <a:off x="0" y="0"/>
+          <a:ext cx="0" cy="0"/>
+          <a:chOff x="0" y="0"/>
+          <a:chExt cx="0" cy="0"/>
+        </a:xfrm>
+      </p:grpSpPr>
+      <p:sp>
+        <p:nvSpPr>
+          <p:cNvPr id="2" name="Titel 1"/>
+          <p:cNvSpPr>
+            <a:spLocks noGrp="1"/>
+          </p:cNvSpPr>
+          <p:nvPr>
+            <p:ph type="title"/>
+          </p:nvPr>
+        </p:nvSpPr>
+        <p:spPr/>
+        <p:txBody>
+          <a:bodyPr/>
+          <a:lstStyle/>
+          <a:p>
+            <a:r>
+              <a:rPr lang="de-DE" dirty="0"/>
+              <a:t>Gekoppelte LC: Fundamentalschwingungen</a:t>
+            </a:r>
+            <a:br>
+              <a:rPr lang="de-DE" dirty="0"/>
+            </a:br>
+            <a:r>
+              <a:rPr lang="de-DE" dirty="0"/>
               <a:t>Rohdaten</a:t>
             </a:r>
           </a:p>
@@ -12152,7 +12890,7 @@
           <a:p>
             <a:fld id="{897114A3-BFF3-441B-8EE5-CE8191EEE22E}" type="slidenum">
               <a:rPr lang="de-DE" smtClean="0"/>
-              <a:t>32</a:t>
+              <a:t>33</a:t>
             </a:fld>
             <a:endParaRPr lang="de-DE"/>
           </a:p>
@@ -12171,7 +12909,7 @@
 </p:sld>
 </file>
 
-<file path=ppt/slides/slide33.xml><?xml version="1.0" encoding="utf-8"?>
+<file path=ppt/slides/slide34.xml><?xml version="1.0" encoding="utf-8"?>
 <p:sld xmlns:a="http://schemas.openxmlformats.org/drawingml/2006/main" xmlns:r="http://schemas.openxmlformats.org/officeDocument/2006/relationships" xmlns:p="http://schemas.openxmlformats.org/presentationml/2006/main">
   <p:cSld>
     <p:spTree>
@@ -12292,7 +13030,7 @@
           <a:p>
             <a:fld id="{897114A3-BFF3-441B-8EE5-CE8191EEE22E}" type="slidenum">
               <a:rPr lang="de-DE" smtClean="0"/>
-              <a:t>33</a:t>
+              <a:t>34</a:t>
             </a:fld>
             <a:endParaRPr lang="de-DE"/>
           </a:p>
@@ -12953,8 +13691,8 @@
           </a:p>
         </p:txBody>
       </p:sp>
-      <mc:AlternateContent xmlns:mc="http://schemas.openxmlformats.org/markup-compatibility/2006">
-        <mc:Choice xmlns:a14="http://schemas.microsoft.com/office/drawing/2010/main" Requires="a14">
+      <mc:AlternateContent xmlns:mc="http://schemas.openxmlformats.org/markup-compatibility/2006" xmlns:a14="http://schemas.microsoft.com/office/drawing/2010/main">
+        <mc:Choice Requires="a14">
           <p:sp>
             <p:nvSpPr>
               <p:cNvPr id="3" name="Inhaltsplatzhalter 2"/>
@@ -13606,7 +14344,7 @@
             </p:txBody>
           </p:sp>
         </mc:Choice>
-        <mc:Fallback>
+        <mc:Fallback xmlns="">
           <p:sp>
             <p:nvSpPr>
               <p:cNvPr id="3" name="Inhaltsplatzhalter 2"/>

--- a/Elektronik/Elektronik.pptx
+++ b/Elektronik/Elektronik.pptx
@@ -6807,7 +6807,13 @@
                     </m:r>
                   </m:oMath>
                 </a14:m>
-                <a:endParaRPr lang="de-DE" b="0" i="1" dirty="0">
+                <a:r>
+                  <a:rPr lang="de-DE" b="0" i="1" dirty="0">
+                    <a:latin typeface="Cambria Math" panose="02040503050406030204" pitchFamily="18" charset="0"/>
+                  </a:rPr>
+                  <a:t>s</a:t>
+                </a:r>
+                <a:endParaRPr lang="de-DE" i="1" dirty="0">
                   <a:latin typeface="Cambria Math" panose="02040503050406030204" pitchFamily="18" charset="0"/>
                 </a:endParaRPr>
               </a:p>
@@ -7280,7 +7286,7 @@
               <a:blipFill>
                 <a:blip r:embed="rId2"/>
                 <a:stretch>
-                  <a:fillRect l="-928" t="-2241"/>
+                  <a:fillRect l="-928" t="-2661"/>
                 </a:stretch>
               </a:blipFill>
             </p:spPr>
